--- a/MIRO_setup.pptx
+++ b/MIRO_setup.pptx
@@ -6,17 +6,18 @@
   </p:sldMasterIdLst>
   <p:sldIdLst>
     <p:sldId id="257" r:id="rId2"/>
-    <p:sldId id="256" r:id="rId3"/>
-    <p:sldId id="258" r:id="rId4"/>
-    <p:sldId id="259" r:id="rId5"/>
-    <p:sldId id="260" r:id="rId6"/>
-    <p:sldId id="261" r:id="rId7"/>
-    <p:sldId id="262" r:id="rId8"/>
-    <p:sldId id="263" r:id="rId9"/>
+    <p:sldId id="269" r:id="rId3"/>
+    <p:sldId id="270" r:id="rId4"/>
+    <p:sldId id="256" r:id="rId5"/>
+    <p:sldId id="258" r:id="rId6"/>
+    <p:sldId id="259" r:id="rId7"/>
+    <p:sldId id="260" r:id="rId8"/>
+    <p:sldId id="261" r:id="rId9"/>
     <p:sldId id="264" r:id="rId10"/>
     <p:sldId id="265" r:id="rId11"/>
     <p:sldId id="266" r:id="rId12"/>
     <p:sldId id="267" r:id="rId13"/>
+    <p:sldId id="268" r:id="rId14"/>
   </p:sldIdLst>
   <p:sldSz cx="9144000" cy="6858000" type="screen4x3"/>
   <p:notesSz cx="6858000" cy="9144000"/>
@@ -115,6 +116,22 @@
       </a:defRPr>
     </a:lvl9pPr>
   </p:defaultTextStyle>
+  <p:extLst>
+    <p:ext uri="{EFAFB233-063F-42B5-8137-9DF3F51BA10A}">
+      <p15:sldGuideLst xmlns:p15="http://schemas.microsoft.com/office/powerpoint/2012/main">
+        <p15:guide id="1" orient="horz" pos="2160">
+          <p15:clr>
+            <a:srgbClr val="A4A3A4"/>
+          </p15:clr>
+        </p15:guide>
+        <p15:guide id="2" pos="2880">
+          <p15:clr>
+            <a:srgbClr val="A4A3A4"/>
+          </p15:clr>
+        </p15:guide>
+      </p15:sldGuideLst>
+    </p:ext>
+  </p:extLst>
 </p:presentation>
 </file>
 
@@ -312,7 +329,7 @@
             <a:fld id="{451DEABC-D766-4322-8E78-B830FAE35C72}" type="datetime4">
               <a:rPr lang="en-US" smtClean="0"/>
               <a:pPr/>
-              <a:t>October 9, 2017</a:t>
+              <a:t>November 6, 2018</a:t>
             </a:fld>
             <a:endParaRPr lang="en-US" dirty="0"/>
           </a:p>
@@ -579,7 +596,7 @@
             <a:fld id="{F3131F9E-604E-4343-9F29-EF72E8231CAD}" type="datetime4">
               <a:rPr lang="en-US" smtClean="0"/>
               <a:pPr/>
-              <a:t>October 9, 2017</a:t>
+              <a:t>November 6, 2018</a:t>
             </a:fld>
             <a:endParaRPr lang="en-US"/>
           </a:p>
@@ -756,7 +773,7 @@
             <a:fld id="{34A8E1CE-37F8-4102-8DF9-852A0A51F293}" type="datetime4">
               <a:rPr lang="en-US" smtClean="0"/>
               <a:pPr/>
-              <a:t>October 9, 2017</a:t>
+              <a:t>November 6, 2018</a:t>
             </a:fld>
             <a:endParaRPr lang="en-US"/>
           </a:p>
@@ -923,7 +940,7 @@
             <a:fld id="{93333F43-3E86-47E4-BFBB-2476D384E1C6}" type="datetime4">
               <a:rPr lang="en-US" smtClean="0"/>
               <a:pPr/>
-              <a:t>October 9, 2017</a:t>
+              <a:t>November 6, 2018</a:t>
             </a:fld>
             <a:endParaRPr lang="en-US"/>
           </a:p>
@@ -1174,7 +1191,7 @@
             <a:fld id="{751663BA-01FC-4367-B6F3-ABB2645D55F1}" type="datetime4">
               <a:rPr lang="en-US" smtClean="0"/>
               <a:pPr/>
-              <a:t>October 9, 2017</a:t>
+              <a:t>November 6, 2018</a:t>
             </a:fld>
             <a:endParaRPr lang="en-US" dirty="0"/>
           </a:p>
@@ -1459,7 +1476,7 @@
             <a:fld id="{79B19C71-EC74-44AF-B27E-FC7DC3C3A61D}" type="datetime4">
               <a:rPr lang="en-US" smtClean="0"/>
               <a:pPr/>
-              <a:t>October 9, 2017</a:t>
+              <a:t>November 6, 2018</a:t>
             </a:fld>
             <a:endParaRPr lang="en-US"/>
           </a:p>
@@ -1900,7 +1917,7 @@
             <a:fld id="{6A5CDA29-3CBE-48EA-92AE-A996835462BA}" type="datetime4">
               <a:rPr lang="en-US" smtClean="0"/>
               <a:pPr/>
-              <a:t>October 9, 2017</a:t>
+              <a:t>November 6, 2018</a:t>
             </a:fld>
             <a:endParaRPr lang="en-US"/>
           </a:p>
@@ -2015,7 +2032,7 @@
             <a:fld id="{E29EC054-3869-4501-B163-1BBFDE8DCE04}" type="datetime4">
               <a:rPr lang="en-US" smtClean="0"/>
               <a:pPr/>
-              <a:t>October 9, 2017</a:t>
+              <a:t>November 6, 2018</a:t>
             </a:fld>
             <a:endParaRPr lang="en-US"/>
           </a:p>
@@ -2107,7 +2124,7 @@
             <a:fld id="{0A63D831-56C1-49CF-8EF7-8B9A98402BCD}" type="datetime4">
               <a:rPr lang="en-US" smtClean="0"/>
               <a:pPr/>
-              <a:t>October 9, 2017</a:t>
+              <a:t>November 6, 2018</a:t>
             </a:fld>
             <a:endParaRPr lang="en-US"/>
           </a:p>
@@ -2351,7 +2368,7 @@
             <a:fld id="{6EAD5615-7F4F-4584-84D5-CC95918C321F}" type="datetime4">
               <a:rPr lang="en-US" smtClean="0"/>
               <a:pPr/>
-              <a:t>October 9, 2017</a:t>
+              <a:t>November 6, 2018</a:t>
             </a:fld>
             <a:endParaRPr lang="en-US"/>
           </a:p>
@@ -2647,7 +2664,7 @@
             <a:fld id="{76EEA923-9BEE-48CE-9F28-5B525F399BAD}" type="datetime4">
               <a:rPr lang="en-US" smtClean="0"/>
               <a:pPr/>
-              <a:t>October 9, 2017</a:t>
+              <a:t>November 6, 2018</a:t>
             </a:fld>
             <a:endParaRPr lang="en-US"/>
           </a:p>
@@ -2943,7 +2960,7 @@
             <a:fld id="{17D0EFEE-2756-4A20-BF2A-63F0A94F99AC}" type="datetime4">
               <a:rPr lang="en-US" smtClean="0"/>
               <a:pPr/>
-              <a:t>October 9, 2017</a:t>
+              <a:t>November 6, 2018</a:t>
             </a:fld>
             <a:endParaRPr lang="en-US" dirty="0"/>
           </a:p>
@@ -3453,7 +3470,12 @@
             <a:fillRect/>
           </a:stretch>
         </p:blipFill>
-        <p:spPr/>
+        <p:spPr>
+          <a:xfrm>
+            <a:off x="0" y="0"/>
+            <a:ext cx="9000877" cy="4846320"/>
+          </a:xfrm>
+        </p:spPr>
       </p:pic>
       <p:sp>
         <p:nvSpPr>
@@ -3465,100 +3487,181 @@
             <p:ph type="body" sz="half" idx="2"/>
           </p:nvPr>
         </p:nvSpPr>
-        <p:spPr/>
-        <p:txBody>
-          <a:bodyPr/>
+        <p:spPr>
+          <a:xfrm>
+            <a:off x="5603358" y="5808557"/>
+            <a:ext cx="3080426" cy="457200"/>
+          </a:xfrm>
+        </p:spPr>
+        <p:txBody>
+          <a:bodyPr>
+            <a:normAutofit fontScale="55000" lnSpcReduction="20000"/>
+          </a:bodyPr>
           <a:lstStyle/>
           <a:p>
             <a:r>
-              <a:rPr lang="en-US" dirty="0" err="1" smtClean="0"/>
+              <a:rPr lang="en-US" sz="5400" b="0" dirty="0" smtClean="0">
+                <a:latin typeface="Calibri Light" charset="0"/>
+                <a:ea typeface="Calibri Light" charset="0"/>
+                <a:cs typeface="Calibri Light" charset="0"/>
+              </a:rPr>
               <a:t>bio</a:t>
             </a:r>
             <a:r>
-              <a:rPr lang="en-US" dirty="0" err="1" smtClean="0">
-                <a:solidFill>
-                  <a:schemeClr val="tx2"/>
-                </a:solidFill>
+              <a:rPr lang="en-GB" sz="5400" dirty="0" err="1" smtClean="0">
+                <a:solidFill>
+                  <a:srgbClr val="C00000"/>
+                </a:solidFill>
+                <a:latin typeface="Calibri Light" charset="0"/>
+                <a:ea typeface="Calibri Light" charset="0"/>
+                <a:cs typeface="Calibri Light" charset="0"/>
               </a:rPr>
               <a:t>Mi</a:t>
             </a:r>
             <a:r>
-              <a:rPr lang="en-US" dirty="0" err="1" smtClean="0"/>
+              <a:rPr lang="en-US" sz="5400" b="0" dirty="0" err="1" smtClean="0">
+                <a:latin typeface="Calibri Light" charset="0"/>
+                <a:ea typeface="Calibri Light" charset="0"/>
+                <a:cs typeface="Calibri Light" charset="0"/>
+              </a:rPr>
               <a:t>metic</a:t>
             </a:r>
             <a:r>
-              <a:rPr lang="en-US" dirty="0" smtClean="0"/>
+              <a:rPr lang="en-US" sz="5400" b="0" dirty="0" smtClean="0">
+                <a:latin typeface="Calibri Light" charset="0"/>
+                <a:ea typeface="Calibri Light" charset="0"/>
+                <a:cs typeface="Calibri Light" charset="0"/>
+              </a:rPr>
               <a:t> </a:t>
             </a:r>
             <a:r>
-              <a:rPr lang="en-US" dirty="0" smtClean="0">
-                <a:solidFill>
-                  <a:srgbClr val="D1282E"/>
-                </a:solidFill>
+              <a:rPr lang="en-GB" sz="5400" dirty="0" smtClean="0">
+                <a:solidFill>
+                  <a:srgbClr val="C00000"/>
+                </a:solidFill>
+                <a:latin typeface="Calibri Light" charset="0"/>
+                <a:ea typeface="Calibri Light" charset="0"/>
+                <a:cs typeface="Calibri Light" charset="0"/>
               </a:rPr>
               <a:t>Ro</a:t>
             </a:r>
             <a:r>
-              <a:rPr lang="en-US" dirty="0" smtClean="0"/>
+              <a:rPr lang="en-US" sz="5400" b="0" dirty="0" smtClean="0">
+                <a:latin typeface="Calibri Light" charset="0"/>
+                <a:ea typeface="Calibri Light" charset="0"/>
+                <a:cs typeface="Calibri Light" charset="0"/>
+              </a:rPr>
               <a:t>bot</a:t>
             </a:r>
-            <a:endParaRPr lang="en-US" dirty="0"/>
-          </a:p>
-        </p:txBody>
-      </p:sp>
-      <p:sp>
-        <p:nvSpPr>
-          <p:cNvPr id="4" name="Title 3"/>
-          <p:cNvSpPr>
-            <a:spLocks noGrp="1"/>
-          </p:cNvSpPr>
-          <p:nvPr>
-            <p:ph type="title"/>
-          </p:nvPr>
-        </p:nvSpPr>
-        <p:spPr/>
-        <p:txBody>
-          <a:bodyPr/>
-          <a:lstStyle/>
-          <a:p>
-            <a:r>
-              <a:rPr lang="en-US" dirty="0" err="1" smtClean="0"/>
-              <a:t>MiRo</a:t>
-            </a:r>
-            <a:endParaRPr lang="en-US" dirty="0"/>
+            <a:endParaRPr lang="en-US" sz="5400" b="0" dirty="0">
+              <a:latin typeface="Calibri Light" charset="0"/>
+              <a:ea typeface="Calibri Light" charset="0"/>
+              <a:cs typeface="Calibri Light" charset="0"/>
+            </a:endParaRPr>
           </a:p>
         </p:txBody>
       </p:sp>
       <p:pic>
         <p:nvPicPr>
-          <p:cNvPr id="3" name="Picture 2" descr="el.png"/>
+          <p:cNvPr id="8" name="Picture 7">
+            <a:extLst>
+              <a:ext uri="{FF2B5EF4-FFF2-40B4-BE49-F238E27FC236}">
+                <a16:creationId xmlns="" xmlns:a16="http://schemas.microsoft.com/office/drawing/2014/main" id="{0672F0F0-8A82-EC43-97DA-29D5ECDC6BA7}"/>
+              </a:ext>
+            </a:extLst>
+          </p:cNvPr>
           <p:cNvPicPr>
             <a:picLocks noChangeAspect="1"/>
           </p:cNvPicPr>
           <p:nvPr/>
         </p:nvPicPr>
         <p:blipFill>
-          <a:blip r:embed="rId3">
-            <a:extLst>
-              <a:ext uri="{28A0092B-C50C-407E-A947-70E740481C1C}">
-                <a14:useLocalDpi xmlns:a14="http://schemas.microsoft.com/office/drawing/2010/main" val="0"/>
-              </a:ext>
-            </a:extLst>
-          </a:blip>
+          <a:blip r:embed="rId3"/>
           <a:stretch>
             <a:fillRect/>
           </a:stretch>
         </p:blipFill>
         <p:spPr>
           <a:xfrm>
-            <a:off x="6235691" y="4445000"/>
-            <a:ext cx="2540000" cy="2540000"/>
+            <a:off x="419100" y="5128551"/>
+            <a:ext cx="2209800" cy="1193800"/>
           </a:xfrm>
           <a:prstGeom prst="rect">
             <a:avLst/>
           </a:prstGeom>
         </p:spPr>
       </p:pic>
+      <p:pic>
+        <p:nvPicPr>
+          <p:cNvPr id="9" name="Picture 8">
+            <a:extLst>
+              <a:ext uri="{FF2B5EF4-FFF2-40B4-BE49-F238E27FC236}">
+                <a16:creationId xmlns="" xmlns:a16="http://schemas.microsoft.com/office/drawing/2014/main" id="{5612A9FE-633F-B34E-9178-6D5B33E34C3C}"/>
+              </a:ext>
+            </a:extLst>
+          </p:cNvPr>
+          <p:cNvPicPr>
+            <a:picLocks noChangeAspect="1"/>
+          </p:cNvPicPr>
+          <p:nvPr/>
+        </p:nvPicPr>
+        <p:blipFill>
+          <a:blip r:embed="rId4"/>
+          <a:stretch>
+            <a:fillRect/>
+          </a:stretch>
+        </p:blipFill>
+        <p:spPr>
+          <a:xfrm>
+            <a:off x="2763937" y="5046557"/>
+            <a:ext cx="1347179" cy="1357787"/>
+          </a:xfrm>
+          <a:prstGeom prst="rect">
+            <a:avLst/>
+          </a:prstGeom>
+        </p:spPr>
+      </p:pic>
+      <p:sp>
+        <p:nvSpPr>
+          <p:cNvPr id="10" name="TextBox 9"/>
+          <p:cNvSpPr txBox="1"/>
+          <p:nvPr/>
+        </p:nvSpPr>
+        <p:spPr>
+          <a:xfrm>
+            <a:off x="5603358" y="5039116"/>
+            <a:ext cx="1368644" cy="769441"/>
+          </a:xfrm>
+          <a:prstGeom prst="rect">
+            <a:avLst/>
+          </a:prstGeom>
+          <a:noFill/>
+        </p:spPr>
+        <p:txBody>
+          <a:bodyPr wrap="none" rtlCol="0">
+            <a:spAutoFit/>
+          </a:bodyPr>
+          <a:lstStyle/>
+          <a:p>
+            <a:r>
+              <a:rPr lang="en-GB" sz="4400" dirty="0" smtClean="0">
+                <a:solidFill>
+                  <a:srgbClr val="C00000"/>
+                </a:solidFill>
+                <a:latin typeface="Calibri Light" charset="0"/>
+                <a:ea typeface="Calibri Light" charset="0"/>
+                <a:cs typeface="Calibri Light" charset="0"/>
+              </a:rPr>
+              <a:t>MiRo</a:t>
+            </a:r>
+            <a:endParaRPr lang="en-GB" sz="4400" dirty="0">
+              <a:latin typeface="Calibri Light" charset="0"/>
+              <a:ea typeface="Calibri Light" charset="0"/>
+              <a:cs typeface="Calibri Light" charset="0"/>
+            </a:endParaRPr>
+          </a:p>
+        </p:txBody>
+      </p:sp>
     </p:spTree>
     <p:extLst>
       <p:ext uri="{BB962C8B-B14F-4D97-AF65-F5344CB8AC3E}">
@@ -3591,29 +3694,6 @@
       </p:grpSpPr>
       <p:sp>
         <p:nvSpPr>
-          <p:cNvPr id="10" name="Title 9"/>
-          <p:cNvSpPr>
-            <a:spLocks noGrp="1"/>
-          </p:cNvSpPr>
-          <p:nvPr>
-            <p:ph type="title"/>
-          </p:nvPr>
-        </p:nvSpPr>
-        <p:spPr/>
-        <p:txBody>
-          <a:bodyPr/>
-          <a:lstStyle/>
-          <a:p>
-            <a:r>
-              <a:rPr lang="en-US" dirty="0" smtClean="0"/>
-              <a:t>Testing sample codes</a:t>
-            </a:r>
-            <a:endParaRPr lang="en-US" dirty="0"/>
-          </a:p>
-        </p:txBody>
-      </p:sp>
-      <p:sp>
-        <p:nvSpPr>
           <p:cNvPr id="4" name="Content Placeholder 3"/>
           <p:cNvSpPr>
             <a:spLocks noGrp="1"/>
@@ -3624,102 +3704,72 @@
         </p:nvSpPr>
         <p:spPr>
           <a:xfrm>
-            <a:off x="457200" y="1752600"/>
-            <a:ext cx="7620000" cy="4889688"/>
+            <a:off x="457199" y="1752600"/>
+            <a:ext cx="8133907" cy="4889688"/>
           </a:xfrm>
         </p:spPr>
         <p:txBody>
           <a:bodyPr>
-            <a:normAutofit fontScale="92500" lnSpcReduction="20000"/>
+            <a:noAutofit/>
           </a:bodyPr>
           <a:lstStyle/>
           <a:p>
             <a:r>
-              <a:rPr lang="en-US" dirty="0" smtClean="0"/>
+              <a:rPr lang="en-US" b="0" dirty="0" smtClean="0">
+                <a:latin typeface="Calibri" charset="0"/>
+                <a:ea typeface="Calibri" charset="0"/>
+                <a:cs typeface="Calibri" charset="0"/>
+              </a:rPr>
               <a:t>(MIRO is going to move, be </a:t>
             </a:r>
             <a:r>
-              <a:rPr lang="en-US" dirty="0"/>
+              <a:rPr lang="en-US" b="0" dirty="0">
+                <a:latin typeface="Calibri" charset="0"/>
+                <a:ea typeface="Calibri" charset="0"/>
+                <a:cs typeface="Calibri" charset="0"/>
+              </a:rPr>
               <a:t>careful if </a:t>
             </a:r>
             <a:r>
-              <a:rPr lang="en-US" dirty="0" smtClean="0"/>
+              <a:rPr lang="en-US" b="0" dirty="0" smtClean="0">
+                <a:latin typeface="Calibri" charset="0"/>
+                <a:ea typeface="Calibri" charset="0"/>
+                <a:cs typeface="Calibri" charset="0"/>
+              </a:rPr>
               <a:t>it is </a:t>
             </a:r>
             <a:r>
-              <a:rPr lang="en-US" dirty="0"/>
+              <a:rPr lang="en-US" b="0" dirty="0">
+                <a:latin typeface="Calibri" charset="0"/>
+                <a:ea typeface="Calibri" charset="0"/>
+                <a:cs typeface="Calibri" charset="0"/>
+              </a:rPr>
               <a:t>on the </a:t>
             </a:r>
             <a:r>
-              <a:rPr lang="en-US" dirty="0" smtClean="0"/>
+              <a:rPr lang="en-US" b="0" dirty="0" smtClean="0">
+                <a:latin typeface="Calibri" charset="0"/>
+                <a:ea typeface="Calibri" charset="0"/>
+                <a:cs typeface="Calibri" charset="0"/>
+              </a:rPr>
               <a:t>table)</a:t>
             </a:r>
-          </a:p>
-          <a:p>
-            <a:endParaRPr lang="en-US" dirty="0"/>
-          </a:p>
-          <a:p>
-            <a:r>
-              <a:rPr lang="en-US" dirty="0" smtClean="0">
-                <a:solidFill>
-                  <a:srgbClr val="D1282E"/>
-                </a:solidFill>
-              </a:rPr>
-              <a:t>In</a:t>
-            </a:r>
-            <a:r>
-              <a:rPr lang="en-US" dirty="0" smtClean="0">
-                <a:solidFill>
-                  <a:srgbClr val="D1282E"/>
-                </a:solidFill>
-              </a:rPr>
-              <a:t> a new terminal</a:t>
-            </a:r>
-            <a:r>
-              <a:rPr lang="en-US" dirty="0" smtClean="0"/>
-              <a:t>:</a:t>
-            </a:r>
+            <a:endParaRPr lang="en-US" b="0" dirty="0">
+              <a:latin typeface="Calibri" charset="0"/>
+              <a:ea typeface="Calibri" charset="0"/>
+              <a:cs typeface="Calibri" charset="0"/>
+            </a:endParaRPr>
           </a:p>
           <a:p>
             <a:pPr marL="342900" indent="-342900">
               <a:buFont typeface="Arial"/>
               <a:buChar char="•"/>
             </a:pPr>
-            <a:r>
-              <a:rPr lang="en-US" dirty="0" smtClean="0"/>
-              <a:t>Run </a:t>
-            </a:r>
-            <a:r>
-              <a:rPr lang="en-US" dirty="0"/>
-              <a:t>s</a:t>
-            </a:r>
-            <a:r>
-              <a:rPr lang="en-US" dirty="0" smtClean="0"/>
-              <a:t>ample python code</a:t>
-            </a:r>
-          </a:p>
-          <a:p>
-            <a:r>
-              <a:rPr lang="en-US" dirty="0" smtClean="0"/>
-              <a:t>Proceed as shown in </a:t>
-            </a:r>
-            <a:r>
-              <a:rPr lang="en-US" dirty="0"/>
-              <a:t>the link: </a:t>
-            </a:r>
-            <a:r>
-              <a:rPr lang="en-US" sz="1600" dirty="0">
-                <a:hlinkClick r:id="rId2"/>
-              </a:rPr>
-              <a:t>https://consequential.bitbucket.io/Developer_Examples_Python_Command-</a:t>
-            </a:r>
-            <a:r>
-              <a:rPr lang="en-US" sz="1600" dirty="0" smtClean="0">
-                <a:hlinkClick r:id="rId2"/>
-              </a:rPr>
-              <a:t>line_Client.html</a:t>
-            </a:r>
-            <a:endParaRPr lang="en-US" sz="1600" dirty="0" smtClean="0"/>
+            <a:endParaRPr lang="en-US" b="0" dirty="0" smtClean="0">
+              <a:latin typeface="Calibri" charset="0"/>
+              <a:ea typeface="Calibri" charset="0"/>
+              <a:cs typeface="Calibri" charset="0"/>
+            </a:endParaRPr>
           </a:p>
           <a:p>
             <a:pPr marL="342900" indent="-342900">
@@ -3727,30 +3777,77 @@
               <a:buChar char="•"/>
             </a:pPr>
             <a:r>
-              <a:rPr lang="en-US" dirty="0" smtClean="0"/>
-              <a:t>Run sample C++ code</a:t>
-            </a:r>
-          </a:p>
-          <a:p>
-            <a:r>
-              <a:rPr lang="en-US" dirty="0" smtClean="0"/>
+              <a:rPr lang="en-US" b="0" dirty="0" smtClean="0">
+                <a:latin typeface="Calibri" charset="0"/>
+                <a:ea typeface="Calibri" charset="0"/>
+                <a:cs typeface="Calibri" charset="0"/>
+              </a:rPr>
+              <a:t>To run </a:t>
+            </a:r>
+            <a:r>
+              <a:rPr lang="en-US" b="0" dirty="0">
+                <a:latin typeface="Calibri" charset="0"/>
+                <a:ea typeface="Calibri" charset="0"/>
+                <a:cs typeface="Calibri" charset="0"/>
+              </a:rPr>
+              <a:t>s</a:t>
+            </a:r>
+            <a:r>
+              <a:rPr lang="en-US" b="0" dirty="0" smtClean="0">
+                <a:latin typeface="Calibri" charset="0"/>
+                <a:ea typeface="Calibri" charset="0"/>
+                <a:cs typeface="Calibri" charset="0"/>
+              </a:rPr>
+              <a:t>ample python code</a:t>
+            </a:r>
+          </a:p>
+          <a:p>
+            <a:pPr lvl="1"/>
+            <a:r>
+              <a:rPr lang="en-US" b="0" dirty="0" smtClean="0">
+                <a:latin typeface="Calibri" charset="0"/>
+                <a:ea typeface="Calibri" charset="0"/>
+                <a:cs typeface="Calibri" charset="0"/>
+              </a:rPr>
               <a:t>Proceed as shown in the link:</a:t>
             </a:r>
           </a:p>
           <a:p>
-            <a:r>
-              <a:rPr lang="en-US" sz="1600" dirty="0">
-                <a:hlinkClick r:id="rId3"/>
-              </a:rPr>
-              <a:t>https://consequential.bitbucket.io/Developer_Examples_C++_Command-</a:t>
-            </a:r>
-            <a:r>
-              <a:rPr lang="en-US" sz="1600" dirty="0" smtClean="0">
-                <a:hlinkClick r:id="rId3"/>
+            <a:pPr marL="274320" lvl="1" indent="0">
+              <a:buNone/>
+            </a:pPr>
+            <a:r>
+              <a:rPr lang="en-US" sz="1600" b="0" dirty="0" smtClean="0">
+                <a:latin typeface="Calibri" charset="0"/>
+                <a:ea typeface="Calibri" charset="0"/>
+                <a:cs typeface="Calibri" charset="0"/>
+                <a:hlinkClick r:id="rId2"/>
+              </a:rPr>
+              <a:t>https</a:t>
+            </a:r>
+            <a:r>
+              <a:rPr lang="en-US" sz="1600" b="0" dirty="0">
+                <a:latin typeface="Calibri" charset="0"/>
+                <a:ea typeface="Calibri" charset="0"/>
+                <a:cs typeface="Calibri" charset="0"/>
+                <a:hlinkClick r:id="rId2"/>
+              </a:rPr>
+              <a:t>://consequential.bitbucket.io/Developer_Examples_Python_Command-</a:t>
+            </a:r>
+            <a:r>
+              <a:rPr lang="en-US" sz="1600" b="0" dirty="0" smtClean="0">
+                <a:latin typeface="Calibri" charset="0"/>
+                <a:ea typeface="Calibri" charset="0"/>
+                <a:cs typeface="Calibri" charset="0"/>
+                <a:hlinkClick r:id="rId2"/>
               </a:rPr>
               <a:t>line_Client.html</a:t>
             </a:r>
-            <a:endParaRPr lang="en-US" sz="1600" dirty="0" smtClean="0"/>
+            <a:endParaRPr lang="en-US" sz="1600" b="0" dirty="0" smtClean="0">
+              <a:latin typeface="Calibri" charset="0"/>
+              <a:ea typeface="Calibri" charset="0"/>
+              <a:cs typeface="Calibri" charset="0"/>
+            </a:endParaRPr>
           </a:p>
           <a:p>
             <a:pPr marL="342900" indent="-342900">
@@ -3758,45 +3855,252 @@
               <a:buChar char="•"/>
             </a:pPr>
             <a:r>
-              <a:rPr lang="en-US" dirty="0" smtClean="0"/>
-              <a:t>Run sample python code (GUI for sensors and actuators of MIRO):</a:t>
-            </a:r>
-          </a:p>
-          <a:p>
-            <a:r>
-              <a:rPr lang="en-US" dirty="0" smtClean="0"/>
+              <a:rPr lang="en-US" b="0" dirty="0" smtClean="0">
+                <a:latin typeface="Calibri" charset="0"/>
+                <a:ea typeface="Calibri" charset="0"/>
+                <a:cs typeface="Calibri" charset="0"/>
+              </a:rPr>
+              <a:t>To run sample C++ code</a:t>
+            </a:r>
+          </a:p>
+          <a:p>
+            <a:pPr lvl="1"/>
+            <a:r>
+              <a:rPr lang="en-US" b="0" dirty="0" smtClean="0">
+                <a:latin typeface="Calibri" charset="0"/>
+                <a:ea typeface="Calibri" charset="0"/>
+                <a:cs typeface="Calibri" charset="0"/>
+              </a:rPr>
               <a:t>Proceed as shown in the link:</a:t>
             </a:r>
           </a:p>
           <a:p>
-            <a:r>
-              <a:rPr lang="en-US" sz="1600" dirty="0">
+            <a:pPr marL="274320" lvl="1" indent="0">
+              <a:buNone/>
+            </a:pPr>
+            <a:r>
+              <a:rPr lang="en-US" sz="1600" b="0" dirty="0" smtClean="0">
+                <a:latin typeface="Calibri" charset="0"/>
+                <a:ea typeface="Calibri" charset="0"/>
+                <a:cs typeface="Calibri" charset="0"/>
+                <a:hlinkClick r:id="rId3"/>
+              </a:rPr>
+              <a:t>https</a:t>
+            </a:r>
+            <a:r>
+              <a:rPr lang="en-US" sz="1600" b="0" dirty="0">
+                <a:latin typeface="Calibri" charset="0"/>
+                <a:ea typeface="Calibri" charset="0"/>
+                <a:cs typeface="Calibri" charset="0"/>
+                <a:hlinkClick r:id="rId3"/>
+              </a:rPr>
+              <a:t>://consequential.bitbucket.io/Developer_Examples_C++_Command-</a:t>
+            </a:r>
+            <a:r>
+              <a:rPr lang="en-US" sz="1600" b="0" dirty="0" smtClean="0">
+                <a:latin typeface="Calibri" charset="0"/>
+                <a:ea typeface="Calibri" charset="0"/>
+                <a:cs typeface="Calibri" charset="0"/>
+                <a:hlinkClick r:id="rId3"/>
+              </a:rPr>
+              <a:t>line_Client.html</a:t>
+            </a:r>
+            <a:endParaRPr lang="en-US" sz="1600" b="0" dirty="0" smtClean="0">
+              <a:latin typeface="Calibri" charset="0"/>
+              <a:ea typeface="Calibri" charset="0"/>
+              <a:cs typeface="Calibri" charset="0"/>
+            </a:endParaRPr>
+          </a:p>
+          <a:p>
+            <a:pPr marL="342900" indent="-342900">
+              <a:buFont typeface="Arial"/>
+              <a:buChar char="•"/>
+            </a:pPr>
+            <a:r>
+              <a:rPr lang="en-US" b="0" dirty="0" smtClean="0">
+                <a:latin typeface="Calibri" charset="0"/>
+                <a:ea typeface="Calibri" charset="0"/>
+                <a:cs typeface="Calibri" charset="0"/>
+              </a:rPr>
+              <a:t>To run sample python code (GUI for sensors and actuators of MIRO):</a:t>
+            </a:r>
+          </a:p>
+          <a:p>
+            <a:pPr lvl="1"/>
+            <a:r>
+              <a:rPr lang="en-US" b="0" dirty="0" smtClean="0">
+                <a:latin typeface="Calibri" charset="0"/>
+                <a:ea typeface="Calibri" charset="0"/>
+                <a:cs typeface="Calibri" charset="0"/>
+              </a:rPr>
+              <a:t>Proceed as shown in the link:</a:t>
+            </a:r>
+          </a:p>
+          <a:p>
+            <a:pPr marL="274320" lvl="1" indent="0">
+              <a:buNone/>
+            </a:pPr>
+            <a:r>
+              <a:rPr lang="en-US" sz="1600" b="0" dirty="0">
+                <a:latin typeface="Calibri" charset="0"/>
+                <a:ea typeface="Calibri" charset="0"/>
+                <a:cs typeface="Calibri" charset="0"/>
                 <a:hlinkClick r:id="rId4"/>
               </a:rPr>
               <a:t>https://</a:t>
             </a:r>
             <a:r>
-              <a:rPr lang="en-US" sz="1600" dirty="0" err="1">
+              <a:rPr lang="en-US" sz="1600" b="0" dirty="0" err="1">
+                <a:latin typeface="Calibri" charset="0"/>
+                <a:ea typeface="Calibri" charset="0"/>
+                <a:cs typeface="Calibri" charset="0"/>
                 <a:hlinkClick r:id="rId4"/>
               </a:rPr>
               <a:t>consequential.bitbucket.io</a:t>
             </a:r>
             <a:r>
-              <a:rPr lang="en-US" sz="1600" dirty="0">
+              <a:rPr lang="en-US" sz="1600" b="0" dirty="0">
+                <a:latin typeface="Calibri" charset="0"/>
+                <a:ea typeface="Calibri" charset="0"/>
+                <a:cs typeface="Calibri" charset="0"/>
                 <a:hlinkClick r:id="rId4"/>
               </a:rPr>
               <a:t>/</a:t>
             </a:r>
             <a:r>
-              <a:rPr lang="en-US" sz="1600" dirty="0" err="1">
+              <a:rPr lang="en-US" sz="1600" b="0" dirty="0" err="1">
+                <a:latin typeface="Calibri" charset="0"/>
+                <a:ea typeface="Calibri" charset="0"/>
+                <a:cs typeface="Calibri" charset="0"/>
                 <a:hlinkClick r:id="rId4"/>
               </a:rPr>
               <a:t>Developer_Examples_Python_GUI_Client.html</a:t>
             </a:r>
-            <a:endParaRPr lang="en-US" sz="1600" dirty="0"/>
-          </a:p>
-        </p:txBody>
-      </p:sp>
+            <a:endParaRPr lang="en-US" sz="1600" b="0" dirty="0">
+              <a:latin typeface="Calibri" charset="0"/>
+              <a:ea typeface="Calibri" charset="0"/>
+              <a:cs typeface="Calibri" charset="0"/>
+            </a:endParaRPr>
+          </a:p>
+        </p:txBody>
+      </p:sp>
+      <p:sp>
+        <p:nvSpPr>
+          <p:cNvPr id="5" name="TextBox 4"/>
+          <p:cNvSpPr txBox="1"/>
+          <p:nvPr/>
+        </p:nvSpPr>
+        <p:spPr>
+          <a:xfrm>
+            <a:off x="457200" y="712382"/>
+            <a:ext cx="8006316" cy="769441"/>
+          </a:xfrm>
+          <a:prstGeom prst="rect">
+            <a:avLst/>
+          </a:prstGeom>
+          <a:noFill/>
+        </p:spPr>
+        <p:txBody>
+          <a:bodyPr wrap="square" rtlCol="0">
+            <a:spAutoFit/>
+          </a:bodyPr>
+          <a:lstStyle/>
+          <a:p>
+            <a:r>
+              <a:rPr lang="en-GB" sz="4400" dirty="0" smtClean="0">
+                <a:solidFill>
+                  <a:srgbClr val="C00000"/>
+                </a:solidFill>
+                <a:latin typeface="Calibri Light" charset="0"/>
+                <a:ea typeface="Calibri Light" charset="0"/>
+                <a:cs typeface="Calibri Light" charset="0"/>
+              </a:rPr>
+              <a:t>T</a:t>
+            </a:r>
+            <a:r>
+              <a:rPr lang="en-GB" sz="4400" dirty="0" smtClean="0">
+                <a:latin typeface="Calibri Light" charset="0"/>
+                <a:ea typeface="Calibri Light" charset="0"/>
+                <a:cs typeface="Calibri Light" charset="0"/>
+              </a:rPr>
+              <a:t>esting </a:t>
+            </a:r>
+            <a:r>
+              <a:rPr lang="en-GB" sz="4400" dirty="0" smtClean="0">
+                <a:solidFill>
+                  <a:srgbClr val="C00000"/>
+                </a:solidFill>
+                <a:latin typeface="Calibri Light" charset="0"/>
+                <a:ea typeface="Calibri Light" charset="0"/>
+                <a:cs typeface="Calibri Light" charset="0"/>
+              </a:rPr>
+              <a:t>s</a:t>
+            </a:r>
+            <a:r>
+              <a:rPr lang="en-GB" sz="4400" dirty="0" smtClean="0">
+                <a:latin typeface="Calibri Light" charset="0"/>
+                <a:ea typeface="Calibri Light" charset="0"/>
+                <a:cs typeface="Calibri Light" charset="0"/>
+              </a:rPr>
+              <a:t>ample </a:t>
+            </a:r>
+            <a:r>
+              <a:rPr lang="en-GB" sz="4400" dirty="0" smtClean="0">
+                <a:solidFill>
+                  <a:srgbClr val="C00000"/>
+                </a:solidFill>
+                <a:latin typeface="Calibri Light" charset="0"/>
+                <a:ea typeface="Calibri Light" charset="0"/>
+                <a:cs typeface="Calibri Light" charset="0"/>
+              </a:rPr>
+              <a:t>c</a:t>
+            </a:r>
+            <a:r>
+              <a:rPr lang="en-GB" sz="4400" dirty="0" smtClean="0">
+                <a:latin typeface="Calibri Light" charset="0"/>
+                <a:ea typeface="Calibri Light" charset="0"/>
+                <a:cs typeface="Calibri Light" charset="0"/>
+              </a:rPr>
+              <a:t>odes</a:t>
+            </a:r>
+            <a:endParaRPr lang="en-GB" sz="4400" dirty="0">
+              <a:latin typeface="Calibri Light" charset="0"/>
+              <a:ea typeface="Calibri Light" charset="0"/>
+              <a:cs typeface="Calibri Light" charset="0"/>
+            </a:endParaRPr>
+          </a:p>
+        </p:txBody>
+      </p:sp>
+      <p:pic>
+        <p:nvPicPr>
+          <p:cNvPr id="6" name="Picture 5" descr="Critical.png"/>
+          <p:cNvPicPr>
+            <a:picLocks noChangeAspect="1"/>
+          </p:cNvPicPr>
+          <p:nvPr/>
+        </p:nvPicPr>
+        <p:blipFill>
+          <a:blip r:embed="rId5">
+            <a:extLst>
+              <a:ext uri="{28A0092B-C50C-407E-A947-70E740481C1C}">
+                <a14:useLocalDpi xmlns:a14="http://schemas.microsoft.com/office/drawing/2010/main" val="0"/>
+              </a:ext>
+            </a:extLst>
+          </a:blip>
+          <a:stretch>
+            <a:fillRect/>
+          </a:stretch>
+        </p:blipFill>
+        <p:spPr>
+          <a:xfrm>
+            <a:off x="6358226" y="1594884"/>
+            <a:ext cx="652589" cy="652589"/>
+          </a:xfrm>
+          <a:prstGeom prst="rect">
+            <a:avLst/>
+          </a:prstGeom>
+        </p:spPr>
+      </p:pic>
     </p:spTree>
     <p:extLst>
       <p:ext uri="{BB962C8B-B14F-4D97-AF65-F5344CB8AC3E}">
@@ -3844,14 +4148,24 @@
           </a:xfrm>
         </p:spPr>
         <p:txBody>
-          <a:bodyPr/>
+          <a:bodyPr>
+            <a:noAutofit/>
+          </a:bodyPr>
           <a:lstStyle/>
           <a:p>
             <a:r>
-              <a:rPr lang="en-US" dirty="0" smtClean="0"/>
+              <a:rPr lang="en-US" sz="4400" dirty="0" smtClean="0">
+                <a:latin typeface="Calibri Light" charset="0"/>
+                <a:ea typeface="Calibri Light" charset="0"/>
+                <a:cs typeface="Calibri Light" charset="0"/>
+              </a:rPr>
               <a:t>Last but not the least </a:t>
             </a:r>
-            <a:endParaRPr lang="en-US" dirty="0"/>
+            <a:endParaRPr lang="en-US" sz="4400" dirty="0">
+              <a:latin typeface="Calibri Light" charset="0"/>
+              <a:ea typeface="Calibri Light" charset="0"/>
+              <a:cs typeface="Calibri Light" charset="0"/>
+            </a:endParaRPr>
           </a:p>
         </p:txBody>
       </p:sp>
@@ -3865,131 +4179,140 @@
             <p:ph idx="1"/>
           </p:nvPr>
         </p:nvSpPr>
-        <p:spPr/>
-        <p:txBody>
-          <a:bodyPr/>
+        <p:spPr>
+          <a:xfrm>
+            <a:off x="457200" y="3030279"/>
+            <a:ext cx="7620000" cy="3095884"/>
+          </a:xfrm>
+        </p:spPr>
+        <p:txBody>
+          <a:bodyPr>
+            <a:normAutofit/>
+          </a:bodyPr>
           <a:lstStyle/>
           <a:p>
-            <a:pPr marL="342900" indent="-342900" algn="ctr">
-              <a:buFont typeface="Arial"/>
-              <a:buChar char="•"/>
-            </a:pPr>
-            <a:r>
-              <a:rPr lang="en-US" dirty="0" smtClean="0"/>
+            <a:pPr algn="ctr"/>
+            <a:r>
+              <a:rPr lang="en-US" b="0" dirty="0" smtClean="0">
+                <a:latin typeface="Calibri" charset="0"/>
+                <a:ea typeface="Calibri" charset="0"/>
+                <a:cs typeface="Calibri" charset="0"/>
+              </a:rPr>
               <a:t>Take a look at </a:t>
             </a:r>
             <a:r>
-              <a:rPr lang="en-US" dirty="0" smtClean="0">
+              <a:rPr lang="en-US" b="0" dirty="0" smtClean="0">
                 <a:solidFill>
                   <a:srgbClr val="D1282E"/>
                 </a:solidFill>
+                <a:latin typeface="Calibri" charset="0"/>
+                <a:ea typeface="Calibri" charset="0"/>
+                <a:cs typeface="Calibri" charset="0"/>
               </a:rPr>
               <a:t>Application Domains </a:t>
             </a:r>
             <a:r>
-              <a:rPr lang="en-US" dirty="0" smtClean="0"/>
+              <a:rPr lang="en-US" b="0" dirty="0" smtClean="0">
+                <a:latin typeface="Calibri" charset="0"/>
+                <a:ea typeface="Calibri" charset="0"/>
+                <a:cs typeface="Calibri" charset="0"/>
+              </a:rPr>
               <a:t>for </a:t>
             </a:r>
             <a:r>
-              <a:rPr lang="en-US" dirty="0" smtClean="0">
+              <a:rPr lang="en-US" b="0" dirty="0" smtClean="0">
                 <a:solidFill>
                   <a:srgbClr val="D1282E"/>
                 </a:solidFill>
+                <a:latin typeface="Calibri" charset="0"/>
+                <a:ea typeface="Calibri" charset="0"/>
+                <a:cs typeface="Calibri" charset="0"/>
               </a:rPr>
               <a:t>Inspiration.</a:t>
             </a:r>
           </a:p>
           <a:p>
             <a:pPr algn="ctr"/>
-            <a:endParaRPr lang="en-US" dirty="0">
+            <a:endParaRPr lang="en-US" b="0" dirty="0">
               <a:solidFill>
                 <a:srgbClr val="D1282E"/>
               </a:solidFill>
+              <a:latin typeface="Calibri" charset="0"/>
+              <a:ea typeface="Calibri" charset="0"/>
+              <a:cs typeface="Calibri" charset="0"/>
             </a:endParaRPr>
           </a:p>
           <a:p>
             <a:pPr algn="ctr"/>
             <a:r>
-              <a:rPr lang="en-US" dirty="0">
+              <a:rPr lang="en-US" b="0" dirty="0">
                 <a:solidFill>
                   <a:srgbClr val="D1282E"/>
                 </a:solidFill>
+                <a:latin typeface="Calibri" charset="0"/>
+                <a:ea typeface="Calibri" charset="0"/>
+                <a:cs typeface="Calibri" charset="0"/>
                 <a:hlinkClick r:id="rId2"/>
               </a:rPr>
               <a:t>http://</a:t>
             </a:r>
             <a:r>
-              <a:rPr lang="en-US" dirty="0" err="1">
+              <a:rPr lang="en-US" b="0" dirty="0" err="1">
                 <a:solidFill>
                   <a:srgbClr val="D1282E"/>
                 </a:solidFill>
+                <a:latin typeface="Calibri" charset="0"/>
+                <a:ea typeface="Calibri" charset="0"/>
+                <a:cs typeface="Calibri" charset="0"/>
                 <a:hlinkClick r:id="rId2"/>
               </a:rPr>
               <a:t>consequentialrobotics.com</a:t>
             </a:r>
             <a:r>
-              <a:rPr lang="en-US" dirty="0">
+              <a:rPr lang="en-US" b="0" dirty="0">
                 <a:solidFill>
                   <a:srgbClr val="D1282E"/>
                 </a:solidFill>
+                <a:latin typeface="Calibri" charset="0"/>
+                <a:ea typeface="Calibri" charset="0"/>
+                <a:cs typeface="Calibri" charset="0"/>
                 <a:hlinkClick r:id="rId2"/>
               </a:rPr>
               <a:t>/domains/</a:t>
             </a:r>
-            <a:endParaRPr lang="en-US" dirty="0" smtClean="0">
+            <a:endParaRPr lang="en-US" b="0" dirty="0" smtClean="0">
               <a:solidFill>
                 <a:srgbClr val="D1282E"/>
               </a:solidFill>
+              <a:latin typeface="Calibri" charset="0"/>
+              <a:ea typeface="Calibri" charset="0"/>
+              <a:cs typeface="Calibri" charset="0"/>
             </a:endParaRPr>
           </a:p>
           <a:p>
             <a:pPr algn="ctr"/>
-            <a:endParaRPr lang="en-US" dirty="0">
+            <a:endParaRPr lang="en-US" b="0" dirty="0">
               <a:solidFill>
                 <a:srgbClr val="D1282E"/>
               </a:solidFill>
+              <a:latin typeface="Calibri" charset="0"/>
+              <a:ea typeface="Calibri" charset="0"/>
+              <a:cs typeface="Calibri" charset="0"/>
             </a:endParaRPr>
           </a:p>
           <a:p>
             <a:pPr algn="ctr"/>
-            <a:endParaRPr lang="en-US" dirty="0" smtClean="0">
+            <a:endParaRPr lang="en-US" b="0" dirty="0" smtClean="0">
               <a:solidFill>
                 <a:srgbClr val="D1282E"/>
               </a:solidFill>
+              <a:latin typeface="Calibri" charset="0"/>
+              <a:ea typeface="Calibri" charset="0"/>
+              <a:cs typeface="Calibri" charset="0"/>
             </a:endParaRPr>
           </a:p>
         </p:txBody>
       </p:sp>
-      <p:pic>
-        <p:nvPicPr>
-          <p:cNvPr id="5" name="Picture 4" descr="Think-creative.jpg"/>
-          <p:cNvPicPr>
-            <a:picLocks noChangeAspect="1"/>
-          </p:cNvPicPr>
-          <p:nvPr/>
-        </p:nvPicPr>
-        <p:blipFill>
-          <a:blip r:embed="rId3">
-            <a:extLst>
-              <a:ext uri="{28A0092B-C50C-407E-A947-70E740481C1C}">
-                <a14:useLocalDpi xmlns:a14="http://schemas.microsoft.com/office/drawing/2010/main" val="0"/>
-              </a:ext>
-            </a:extLst>
-          </a:blip>
-          <a:stretch>
-            <a:fillRect/>
-          </a:stretch>
-        </p:blipFill>
-        <p:spPr>
-          <a:xfrm>
-            <a:off x="793586" y="3142063"/>
-            <a:ext cx="6948896" cy="3474448"/>
-          </a:xfrm>
-          <a:prstGeom prst="rect">
-            <a:avLst/>
-          </a:prstGeom>
-        </p:spPr>
-      </p:pic>
     </p:spTree>
     <p:extLst>
       <p:ext uri="{BB962C8B-B14F-4D97-AF65-F5344CB8AC3E}">
@@ -4004,19 +4327,8 @@
 </file>
 
 <file path=ppt/slides/slide12.xml><?xml version="1.0" encoding="utf-8"?>
-<p:sld xmlns:a="http://schemas.openxmlformats.org/drawingml/2006/main" xmlns:r="http://schemas.openxmlformats.org/officeDocument/2006/relationships" xmlns:p="http://schemas.openxmlformats.org/presentationml/2006/main">
+<p:sld xmlns:a="http://schemas.openxmlformats.org/drawingml/2006/main" xmlns:r="http://schemas.openxmlformats.org/officeDocument/2006/relationships" xmlns:p="http://schemas.openxmlformats.org/presentationml/2006/main" show="0">
   <p:cSld>
-    <p:bg>
-      <p:bgPr>
-        <a:blipFill rotWithShape="1">
-          <a:blip r:embed="rId2"/>
-          <a:stretch>
-            <a:fillRect/>
-          </a:stretch>
-        </a:blipFill>
-        <a:effectLst/>
-      </p:bgPr>
-    </p:bg>
     <p:spTree>
       <p:nvGrpSpPr>
         <p:cNvPr id="1" name=""/>
@@ -4031,16 +4343,1677 @@
           <a:chExt cx="0" cy="0"/>
         </a:xfrm>
       </p:grpSpPr>
+      <p:sp>
+        <p:nvSpPr>
+          <p:cNvPr id="10" name="Title 9"/>
+          <p:cNvSpPr>
+            <a:spLocks noGrp="1"/>
+          </p:cNvSpPr>
+          <p:nvPr>
+            <p:ph type="title"/>
+          </p:nvPr>
+        </p:nvSpPr>
+        <p:spPr/>
+        <p:txBody>
+          <a:bodyPr>
+            <a:normAutofit fontScale="90000"/>
+          </a:bodyPr>
+          <a:lstStyle/>
+          <a:p>
+            <a:r>
+              <a:rPr lang="en-US" dirty="0" smtClean="0"/>
+              <a:t>Configuring the workstation: to have static </a:t>
+            </a:r>
+            <a:r>
+              <a:rPr lang="en-US" dirty="0" err="1" smtClean="0"/>
+              <a:t>ip</a:t>
+            </a:r>
+            <a:endParaRPr lang="en-US" dirty="0"/>
+          </a:p>
+        </p:txBody>
+      </p:sp>
+      <p:sp>
+        <p:nvSpPr>
+          <p:cNvPr id="4" name="Content Placeholder 3"/>
+          <p:cNvSpPr>
+            <a:spLocks noGrp="1"/>
+          </p:cNvSpPr>
+          <p:nvPr>
+            <p:ph idx="1"/>
+          </p:nvPr>
+        </p:nvSpPr>
+        <p:spPr>
+          <a:xfrm>
+            <a:off x="457198" y="1524317"/>
+            <a:ext cx="7620000" cy="1145621"/>
+          </a:xfrm>
+        </p:spPr>
+        <p:txBody>
+          <a:bodyPr>
+            <a:normAutofit/>
+          </a:bodyPr>
+          <a:lstStyle/>
+          <a:p>
+            <a:r>
+              <a:rPr lang="en-US" i="1" dirty="0" smtClean="0"/>
+              <a:t>Replace ‘&lt;</a:t>
+            </a:r>
+            <a:r>
+              <a:rPr lang="en-US" i="1" dirty="0" err="1" smtClean="0"/>
+              <a:t>instruction_stated_inside</a:t>
+            </a:r>
+            <a:r>
+              <a:rPr lang="en-US" i="1" dirty="0" smtClean="0"/>
+              <a:t>&gt;’ entirely with the instruction stated inside.</a:t>
+            </a:r>
+            <a:endParaRPr lang="en-US" i="1" dirty="0"/>
+          </a:p>
+        </p:txBody>
+      </p:sp>
+      <p:sp>
+        <p:nvSpPr>
+          <p:cNvPr id="6" name="Content Placeholder 3"/>
+          <p:cNvSpPr txBox="1">
+            <a:spLocks/>
+          </p:cNvSpPr>
+          <p:nvPr/>
+        </p:nvSpPr>
+        <p:spPr>
+          <a:xfrm>
+            <a:off x="457198" y="2669938"/>
+            <a:ext cx="7620000" cy="3133805"/>
+          </a:xfrm>
+          <a:prstGeom prst="rect">
+            <a:avLst/>
+          </a:prstGeom>
+        </p:spPr>
+        <p:txBody>
+          <a:bodyPr vert="horz" lIns="91440" tIns="45720" rIns="91440" bIns="45720" rtlCol="0">
+            <a:normAutofit lnSpcReduction="10000"/>
+          </a:bodyPr>
+          <a:lstStyle>
+            <a:lvl1pPr marL="0" indent="0" algn="l" defTabSz="914400" rtl="0" eaLnBrk="1" latinLnBrk="0" hangingPunct="1">
+              <a:spcBef>
+                <a:spcPct val="20000"/>
+              </a:spcBef>
+              <a:spcAft>
+                <a:spcPts val="600"/>
+              </a:spcAft>
+              <a:buFont typeface="Arial" pitchFamily="34" charset="0"/>
+              <a:buNone/>
+              <a:defRPr sz="2000" b="1" kern="1200">
+                <a:solidFill>
+                  <a:schemeClr val="tx1"/>
+                </a:solidFill>
+                <a:latin typeface="+mn-lt"/>
+                <a:ea typeface="+mn-ea"/>
+                <a:cs typeface="+mn-cs"/>
+              </a:defRPr>
+            </a:lvl1pPr>
+            <a:lvl2pPr marL="457200" indent="-182880" algn="l" defTabSz="914400" rtl="0" eaLnBrk="1" latinLnBrk="0" hangingPunct="1">
+              <a:spcBef>
+                <a:spcPct val="20000"/>
+              </a:spcBef>
+              <a:buClr>
+                <a:schemeClr val="tx2"/>
+              </a:buClr>
+              <a:buFont typeface="Arial" pitchFamily="34" charset="0"/>
+              <a:buChar char="•"/>
+              <a:defRPr sz="2000" kern="1200">
+                <a:solidFill>
+                  <a:schemeClr val="tx1"/>
+                </a:solidFill>
+                <a:latin typeface="+mn-lt"/>
+                <a:ea typeface="+mn-ea"/>
+                <a:cs typeface="+mn-cs"/>
+              </a:defRPr>
+            </a:lvl2pPr>
+            <a:lvl3pPr marL="1143000" indent="-228600" algn="l" defTabSz="914400" rtl="0" eaLnBrk="1" latinLnBrk="0" hangingPunct="1">
+              <a:spcBef>
+                <a:spcPct val="20000"/>
+              </a:spcBef>
+              <a:buClr>
+                <a:schemeClr val="tx2"/>
+              </a:buClr>
+              <a:buFont typeface="Arial" pitchFamily="34" charset="0"/>
+              <a:buChar char="•"/>
+              <a:defRPr sz="1800" kern="1200">
+                <a:solidFill>
+                  <a:schemeClr val="tx1"/>
+                </a:solidFill>
+                <a:latin typeface="+mn-lt"/>
+                <a:ea typeface="+mn-ea"/>
+                <a:cs typeface="+mn-cs"/>
+              </a:defRPr>
+            </a:lvl3pPr>
+            <a:lvl4pPr marL="1600200" indent="-228600" algn="l" defTabSz="914400" rtl="0" eaLnBrk="1" latinLnBrk="0" hangingPunct="1">
+              <a:spcBef>
+                <a:spcPct val="20000"/>
+              </a:spcBef>
+              <a:buClr>
+                <a:schemeClr val="tx2"/>
+              </a:buClr>
+              <a:buFont typeface="Arial" pitchFamily="34" charset="0"/>
+              <a:buChar char="•"/>
+              <a:defRPr sz="1800" kern="1200">
+                <a:solidFill>
+                  <a:schemeClr val="tx1"/>
+                </a:solidFill>
+                <a:latin typeface="+mn-lt"/>
+                <a:ea typeface="+mn-ea"/>
+                <a:cs typeface="+mn-cs"/>
+              </a:defRPr>
+            </a:lvl4pPr>
+            <a:lvl5pPr marL="2057400" indent="-228600" algn="l" defTabSz="914400" rtl="0" eaLnBrk="1" latinLnBrk="0" hangingPunct="1">
+              <a:spcBef>
+                <a:spcPct val="20000"/>
+              </a:spcBef>
+              <a:buClr>
+                <a:schemeClr val="tx2"/>
+              </a:buClr>
+              <a:buFont typeface="Arial" pitchFamily="34" charset="0"/>
+              <a:buChar char="•"/>
+              <a:defRPr sz="1800" kern="1200" baseline="0">
+                <a:solidFill>
+                  <a:schemeClr val="tx1"/>
+                </a:solidFill>
+                <a:latin typeface="+mn-lt"/>
+                <a:ea typeface="+mn-ea"/>
+                <a:cs typeface="+mn-cs"/>
+              </a:defRPr>
+            </a:lvl5pPr>
+            <a:lvl6pPr marL="2514600" indent="-228600" algn="l" defTabSz="914400" rtl="0" eaLnBrk="1" latinLnBrk="0" hangingPunct="1">
+              <a:spcBef>
+                <a:spcPct val="20000"/>
+              </a:spcBef>
+              <a:buClr>
+                <a:schemeClr val="tx2"/>
+              </a:buClr>
+              <a:buFont typeface="Arial" pitchFamily="34" charset="0"/>
+              <a:buChar char="•"/>
+              <a:defRPr sz="1600" kern="1200">
+                <a:solidFill>
+                  <a:schemeClr val="tx1"/>
+                </a:solidFill>
+                <a:latin typeface="+mn-lt"/>
+                <a:ea typeface="+mn-ea"/>
+                <a:cs typeface="+mn-cs"/>
+              </a:defRPr>
+            </a:lvl6pPr>
+            <a:lvl7pPr marL="2971800" indent="-228600" algn="l" defTabSz="914400" rtl="0" eaLnBrk="1" latinLnBrk="0" hangingPunct="1">
+              <a:spcBef>
+                <a:spcPct val="20000"/>
+              </a:spcBef>
+              <a:buClr>
+                <a:schemeClr val="tx2"/>
+              </a:buClr>
+              <a:buFont typeface="Arial" pitchFamily="34" charset="0"/>
+              <a:buChar char="•"/>
+              <a:defRPr sz="1600" kern="1200">
+                <a:solidFill>
+                  <a:schemeClr val="tx1"/>
+                </a:solidFill>
+                <a:latin typeface="+mn-lt"/>
+                <a:ea typeface="+mn-ea"/>
+                <a:cs typeface="+mn-cs"/>
+              </a:defRPr>
+            </a:lvl7pPr>
+            <a:lvl8pPr marL="3429000" indent="-228600" algn="l" defTabSz="914400" rtl="0" eaLnBrk="1" latinLnBrk="0" hangingPunct="1">
+              <a:spcBef>
+                <a:spcPct val="20000"/>
+              </a:spcBef>
+              <a:buClr>
+                <a:schemeClr val="tx2"/>
+              </a:buClr>
+              <a:buFont typeface="Arial" pitchFamily="34" charset="0"/>
+              <a:buChar char="•"/>
+              <a:defRPr sz="1600" kern="1200">
+                <a:solidFill>
+                  <a:schemeClr val="tx1"/>
+                </a:solidFill>
+                <a:latin typeface="+mn-lt"/>
+                <a:ea typeface="+mn-ea"/>
+                <a:cs typeface="+mn-cs"/>
+              </a:defRPr>
+            </a:lvl8pPr>
+            <a:lvl9pPr marL="3886200" indent="-228600" algn="l" defTabSz="914400" rtl="0" eaLnBrk="1" latinLnBrk="0" hangingPunct="1">
+              <a:spcBef>
+                <a:spcPct val="20000"/>
+              </a:spcBef>
+              <a:buClr>
+                <a:schemeClr val="tx2"/>
+              </a:buClr>
+              <a:buFont typeface="Arial" pitchFamily="34" charset="0"/>
+              <a:buChar char="•"/>
+              <a:defRPr sz="1600" kern="1200">
+                <a:solidFill>
+                  <a:schemeClr val="tx1"/>
+                </a:solidFill>
+                <a:latin typeface="+mn-lt"/>
+                <a:ea typeface="+mn-ea"/>
+                <a:cs typeface="+mn-cs"/>
+              </a:defRPr>
+            </a:lvl9pPr>
+          </a:lstStyle>
+          <a:p>
+            <a:r>
+              <a:rPr lang="en-US" sz="1800" dirty="0"/>
+              <a:t>In your </a:t>
+            </a:r>
+            <a:r>
+              <a:rPr lang="en-US" sz="1800" dirty="0" smtClean="0"/>
+              <a:t>workstation:</a:t>
+            </a:r>
+          </a:p>
+          <a:p>
+            <a:pPr marL="285750" indent="-285750">
+              <a:buFont typeface="Arial"/>
+              <a:buChar char="•"/>
+            </a:pPr>
+            <a:r>
+              <a:rPr lang="en-US" sz="1800" dirty="0" smtClean="0"/>
+              <a:t>In </a:t>
+            </a:r>
+            <a:r>
+              <a:rPr lang="en-US" sz="1800" dirty="0"/>
+              <a:t>(Network Preferences/TCP-IP</a:t>
+            </a:r>
+            <a:r>
+              <a:rPr lang="en-US" sz="1800" dirty="0" smtClean="0"/>
+              <a:t>), </a:t>
+            </a:r>
+            <a:r>
+              <a:rPr lang="en-US" sz="1800" dirty="0"/>
+              <a:t>change (configure IPV4) to 'Manual' from '</a:t>
+            </a:r>
+            <a:r>
+              <a:rPr lang="en-US" sz="1800" dirty="0" smtClean="0"/>
+              <a:t>DHCP’</a:t>
+            </a:r>
+          </a:p>
+          <a:p>
+            <a:pPr marL="285750" indent="-285750">
+              <a:buFont typeface="Arial"/>
+              <a:buChar char="•"/>
+            </a:pPr>
+            <a:r>
+              <a:rPr lang="en-US" sz="1800" dirty="0"/>
+              <a:t>Change IPV4 Address to 130.251.13.&lt;select_any_number_between_87_and_94</a:t>
+            </a:r>
+            <a:r>
+              <a:rPr lang="en-US" sz="1800" dirty="0" smtClean="0"/>
+              <a:t>&gt;</a:t>
+            </a:r>
+          </a:p>
+          <a:p>
+            <a:pPr marL="285750" indent="-285750">
+              <a:buFont typeface="Arial"/>
+              <a:buChar char="•"/>
+            </a:pPr>
+            <a:r>
+              <a:rPr lang="en-US" sz="1800" dirty="0"/>
+              <a:t>In (Network Preferences/DNS</a:t>
+            </a:r>
+            <a:r>
+              <a:rPr lang="en-US" sz="1800" dirty="0" smtClean="0"/>
+              <a:t>), </a:t>
+            </a:r>
+            <a:r>
+              <a:rPr lang="en-US" sz="1800" dirty="0"/>
+              <a:t>add 130.251.1.4 and </a:t>
+            </a:r>
+            <a:r>
+              <a:rPr lang="en-US" sz="1800" dirty="0" smtClean="0"/>
+              <a:t>8.8.8.8</a:t>
+            </a:r>
+          </a:p>
+          <a:p>
+            <a:pPr marL="285750" indent="-285750">
+              <a:buFont typeface="Arial"/>
+              <a:buChar char="•"/>
+            </a:pPr>
+            <a:r>
+              <a:rPr lang="en-US" sz="1800" dirty="0" smtClean="0">
+                <a:solidFill>
+                  <a:srgbClr val="D1282E"/>
+                </a:solidFill>
+              </a:rPr>
+              <a:t>If using a virtual machine with </a:t>
+            </a:r>
+            <a:r>
+              <a:rPr lang="en-US" sz="1800" dirty="0" err="1" smtClean="0">
+                <a:solidFill>
+                  <a:srgbClr val="D1282E"/>
+                </a:solidFill>
+              </a:rPr>
+              <a:t>ubuntu</a:t>
+            </a:r>
+            <a:r>
+              <a:rPr lang="en-US" sz="1800" dirty="0" smtClean="0"/>
+              <a:t>, all previous steps must be done on the main OS and after which you must go </a:t>
+            </a:r>
+            <a:r>
+              <a:rPr lang="en-US" sz="1800" dirty="0"/>
+              <a:t>into the network settings </a:t>
+            </a:r>
+            <a:r>
+              <a:rPr lang="en-US" sz="1800" dirty="0" smtClean="0"/>
+              <a:t>of virtual machine and select “attached to” </a:t>
+            </a:r>
+            <a:r>
+              <a:rPr lang="en-US" sz="1800" dirty="0"/>
+              <a:t>as 'Bridged Adapter' </a:t>
+            </a:r>
+          </a:p>
+        </p:txBody>
+      </p:sp>
+      <p:sp>
+        <p:nvSpPr>
+          <p:cNvPr id="2" name="TextBox 1"/>
+          <p:cNvSpPr txBox="1"/>
+          <p:nvPr/>
+        </p:nvSpPr>
+        <p:spPr>
+          <a:xfrm>
+            <a:off x="6327989" y="6074920"/>
+            <a:ext cx="1749209" cy="369332"/>
+          </a:xfrm>
+          <a:prstGeom prst="rect">
+            <a:avLst/>
+          </a:prstGeom>
+          <a:noFill/>
+        </p:spPr>
+        <p:txBody>
+          <a:bodyPr wrap="none" rtlCol="0">
+            <a:spAutoFit/>
+          </a:bodyPr>
+          <a:lstStyle/>
+          <a:p>
+            <a:r>
+              <a:rPr lang="en-US" dirty="0" smtClean="0">
+                <a:solidFill>
+                  <a:srgbClr val="D1282E"/>
+                </a:solidFill>
+              </a:rPr>
+              <a:t>CONTINUED</a:t>
+            </a:r>
+            <a:r>
+              <a:rPr lang="mr-IN" dirty="0" smtClean="0">
+                <a:solidFill>
+                  <a:srgbClr val="D1282E"/>
+                </a:solidFill>
+              </a:rPr>
+              <a:t>…</a:t>
+            </a:r>
+            <a:endParaRPr lang="en-US" dirty="0">
+              <a:solidFill>
+                <a:srgbClr val="D1282E"/>
+              </a:solidFill>
+            </a:endParaRPr>
+          </a:p>
+        </p:txBody>
+      </p:sp>
     </p:spTree>
     <p:extLst>
       <p:ext uri="{BB962C8B-B14F-4D97-AF65-F5344CB8AC3E}">
-        <p14:creationId xmlns:p14="http://schemas.microsoft.com/office/powerpoint/2010/main" val="1946410919"/>
+        <p14:creationId xmlns:p14="http://schemas.microsoft.com/office/powerpoint/2010/main" val="1467937794"/>
       </p:ext>
     </p:extLst>
   </p:cSld>
   <p:clrMapOvr>
     <a:masterClrMapping/>
   </p:clrMapOvr>
+  <mc:AlternateContent xmlns:mc="http://schemas.openxmlformats.org/markup-compatibility/2006">
+    <mc:Choice xmlns:p14="http://schemas.microsoft.com/office/powerpoint/2010/main" Requires="p14">
+      <p:transition spd="slow" p14:dur="2000"/>
+    </mc:Choice>
+    <mc:Fallback>
+      <p:transition spd="slow"/>
+    </mc:Fallback>
+  </mc:AlternateContent>
+</p:sld>
+</file>
+
+<file path=ppt/slides/slide13.xml><?xml version="1.0" encoding="utf-8"?>
+<p:sld xmlns:a="http://schemas.openxmlformats.org/drawingml/2006/main" xmlns:r="http://schemas.openxmlformats.org/officeDocument/2006/relationships" xmlns:p="http://schemas.openxmlformats.org/presentationml/2006/main" show="0">
+  <p:cSld>
+    <p:spTree>
+      <p:nvGrpSpPr>
+        <p:cNvPr id="1" name=""/>
+        <p:cNvGrpSpPr/>
+        <p:nvPr/>
+      </p:nvGrpSpPr>
+      <p:grpSpPr>
+        <a:xfrm>
+          <a:off x="0" y="0"/>
+          <a:ext cx="0" cy="0"/>
+          <a:chOff x="0" y="0"/>
+          <a:chExt cx="0" cy="0"/>
+        </a:xfrm>
+      </p:grpSpPr>
+      <p:sp>
+        <p:nvSpPr>
+          <p:cNvPr id="4" name="Content Placeholder 3"/>
+          <p:cNvSpPr>
+            <a:spLocks noGrp="1"/>
+          </p:cNvSpPr>
+          <p:nvPr>
+            <p:ph idx="1"/>
+          </p:nvPr>
+        </p:nvSpPr>
+        <p:spPr>
+          <a:xfrm>
+            <a:off x="457198" y="75388"/>
+            <a:ext cx="7620000" cy="1292143"/>
+          </a:xfrm>
+        </p:spPr>
+        <p:txBody>
+          <a:bodyPr>
+            <a:normAutofit/>
+          </a:bodyPr>
+          <a:lstStyle/>
+          <a:p>
+            <a:r>
+              <a:rPr lang="en-US" i="1" dirty="0" smtClean="0"/>
+              <a:t>Copy and paste in terminal, everything after the ‘$’ sign.</a:t>
+            </a:r>
+          </a:p>
+          <a:p>
+            <a:r>
+              <a:rPr lang="en-US" i="1" dirty="0"/>
+              <a:t>Replace ‘&lt;</a:t>
+            </a:r>
+            <a:r>
+              <a:rPr lang="en-US" i="1" dirty="0" err="1"/>
+              <a:t>instruction_stated_inside</a:t>
+            </a:r>
+            <a:r>
+              <a:rPr lang="en-US" i="1" dirty="0"/>
+              <a:t>&gt;’ entirely with the instruction stated inside.</a:t>
+            </a:r>
+          </a:p>
+          <a:p>
+            <a:endParaRPr lang="en-US" dirty="0"/>
+          </a:p>
+        </p:txBody>
+      </p:sp>
+      <p:sp>
+        <p:nvSpPr>
+          <p:cNvPr id="5" name="TextBox 4"/>
+          <p:cNvSpPr txBox="1"/>
+          <p:nvPr/>
+        </p:nvSpPr>
+        <p:spPr>
+          <a:xfrm>
+            <a:off x="457198" y="1856780"/>
+            <a:ext cx="8383561" cy="276999"/>
+          </a:xfrm>
+          <a:prstGeom prst="rect">
+            <a:avLst/>
+          </a:prstGeom>
+          <a:noFill/>
+        </p:spPr>
+        <p:txBody>
+          <a:bodyPr wrap="square" rtlCol="0">
+            <a:spAutoFit/>
+          </a:bodyPr>
+          <a:lstStyle/>
+          <a:p>
+            <a:r>
+              <a:rPr lang="en-US" sz="1200" dirty="0" smtClean="0"/>
+              <a:t>$ </a:t>
+            </a:r>
+            <a:r>
+              <a:rPr lang="pt-BR" sz="1200" dirty="0" err="1" smtClean="0"/>
+              <a:t>ifconfig</a:t>
+            </a:r>
+            <a:endParaRPr lang="en-US" sz="1200" dirty="0" smtClean="0"/>
+          </a:p>
+        </p:txBody>
+      </p:sp>
+      <p:sp>
+        <p:nvSpPr>
+          <p:cNvPr id="6" name="Content Placeholder 3"/>
+          <p:cNvSpPr txBox="1">
+            <a:spLocks/>
+          </p:cNvSpPr>
+          <p:nvPr/>
+        </p:nvSpPr>
+        <p:spPr>
+          <a:xfrm>
+            <a:off x="457198" y="1571274"/>
+            <a:ext cx="7620000" cy="424006"/>
+          </a:xfrm>
+          <a:prstGeom prst="rect">
+            <a:avLst/>
+          </a:prstGeom>
+        </p:spPr>
+        <p:txBody>
+          <a:bodyPr vert="horz" lIns="91440" tIns="45720" rIns="91440" bIns="45720" rtlCol="0">
+            <a:normAutofit/>
+          </a:bodyPr>
+          <a:lstStyle>
+            <a:lvl1pPr marL="0" indent="0" algn="l" defTabSz="914400" rtl="0" eaLnBrk="1" latinLnBrk="0" hangingPunct="1">
+              <a:spcBef>
+                <a:spcPct val="20000"/>
+              </a:spcBef>
+              <a:spcAft>
+                <a:spcPts val="600"/>
+              </a:spcAft>
+              <a:buFont typeface="Arial" pitchFamily="34" charset="0"/>
+              <a:buNone/>
+              <a:defRPr sz="2000" b="1" kern="1200">
+                <a:solidFill>
+                  <a:schemeClr val="tx1"/>
+                </a:solidFill>
+                <a:latin typeface="+mn-lt"/>
+                <a:ea typeface="+mn-ea"/>
+                <a:cs typeface="+mn-cs"/>
+              </a:defRPr>
+            </a:lvl1pPr>
+            <a:lvl2pPr marL="457200" indent="-182880" algn="l" defTabSz="914400" rtl="0" eaLnBrk="1" latinLnBrk="0" hangingPunct="1">
+              <a:spcBef>
+                <a:spcPct val="20000"/>
+              </a:spcBef>
+              <a:buClr>
+                <a:schemeClr val="tx2"/>
+              </a:buClr>
+              <a:buFont typeface="Arial" pitchFamily="34" charset="0"/>
+              <a:buChar char="•"/>
+              <a:defRPr sz="2000" kern="1200">
+                <a:solidFill>
+                  <a:schemeClr val="tx1"/>
+                </a:solidFill>
+                <a:latin typeface="+mn-lt"/>
+                <a:ea typeface="+mn-ea"/>
+                <a:cs typeface="+mn-cs"/>
+              </a:defRPr>
+            </a:lvl2pPr>
+            <a:lvl3pPr marL="1143000" indent="-228600" algn="l" defTabSz="914400" rtl="0" eaLnBrk="1" latinLnBrk="0" hangingPunct="1">
+              <a:spcBef>
+                <a:spcPct val="20000"/>
+              </a:spcBef>
+              <a:buClr>
+                <a:schemeClr val="tx2"/>
+              </a:buClr>
+              <a:buFont typeface="Arial" pitchFamily="34" charset="0"/>
+              <a:buChar char="•"/>
+              <a:defRPr sz="1800" kern="1200">
+                <a:solidFill>
+                  <a:schemeClr val="tx1"/>
+                </a:solidFill>
+                <a:latin typeface="+mn-lt"/>
+                <a:ea typeface="+mn-ea"/>
+                <a:cs typeface="+mn-cs"/>
+              </a:defRPr>
+            </a:lvl3pPr>
+            <a:lvl4pPr marL="1600200" indent="-228600" algn="l" defTabSz="914400" rtl="0" eaLnBrk="1" latinLnBrk="0" hangingPunct="1">
+              <a:spcBef>
+                <a:spcPct val="20000"/>
+              </a:spcBef>
+              <a:buClr>
+                <a:schemeClr val="tx2"/>
+              </a:buClr>
+              <a:buFont typeface="Arial" pitchFamily="34" charset="0"/>
+              <a:buChar char="•"/>
+              <a:defRPr sz="1800" kern="1200">
+                <a:solidFill>
+                  <a:schemeClr val="tx1"/>
+                </a:solidFill>
+                <a:latin typeface="+mn-lt"/>
+                <a:ea typeface="+mn-ea"/>
+                <a:cs typeface="+mn-cs"/>
+              </a:defRPr>
+            </a:lvl4pPr>
+            <a:lvl5pPr marL="2057400" indent="-228600" algn="l" defTabSz="914400" rtl="0" eaLnBrk="1" latinLnBrk="0" hangingPunct="1">
+              <a:spcBef>
+                <a:spcPct val="20000"/>
+              </a:spcBef>
+              <a:buClr>
+                <a:schemeClr val="tx2"/>
+              </a:buClr>
+              <a:buFont typeface="Arial" pitchFamily="34" charset="0"/>
+              <a:buChar char="•"/>
+              <a:defRPr sz="1800" kern="1200" baseline="0">
+                <a:solidFill>
+                  <a:schemeClr val="tx1"/>
+                </a:solidFill>
+                <a:latin typeface="+mn-lt"/>
+                <a:ea typeface="+mn-ea"/>
+                <a:cs typeface="+mn-cs"/>
+              </a:defRPr>
+            </a:lvl5pPr>
+            <a:lvl6pPr marL="2514600" indent="-228600" algn="l" defTabSz="914400" rtl="0" eaLnBrk="1" latinLnBrk="0" hangingPunct="1">
+              <a:spcBef>
+                <a:spcPct val="20000"/>
+              </a:spcBef>
+              <a:buClr>
+                <a:schemeClr val="tx2"/>
+              </a:buClr>
+              <a:buFont typeface="Arial" pitchFamily="34" charset="0"/>
+              <a:buChar char="•"/>
+              <a:defRPr sz="1600" kern="1200">
+                <a:solidFill>
+                  <a:schemeClr val="tx1"/>
+                </a:solidFill>
+                <a:latin typeface="+mn-lt"/>
+                <a:ea typeface="+mn-ea"/>
+                <a:cs typeface="+mn-cs"/>
+              </a:defRPr>
+            </a:lvl6pPr>
+            <a:lvl7pPr marL="2971800" indent="-228600" algn="l" defTabSz="914400" rtl="0" eaLnBrk="1" latinLnBrk="0" hangingPunct="1">
+              <a:spcBef>
+                <a:spcPct val="20000"/>
+              </a:spcBef>
+              <a:buClr>
+                <a:schemeClr val="tx2"/>
+              </a:buClr>
+              <a:buFont typeface="Arial" pitchFamily="34" charset="0"/>
+              <a:buChar char="•"/>
+              <a:defRPr sz="1600" kern="1200">
+                <a:solidFill>
+                  <a:schemeClr val="tx1"/>
+                </a:solidFill>
+                <a:latin typeface="+mn-lt"/>
+                <a:ea typeface="+mn-ea"/>
+                <a:cs typeface="+mn-cs"/>
+              </a:defRPr>
+            </a:lvl7pPr>
+            <a:lvl8pPr marL="3429000" indent="-228600" algn="l" defTabSz="914400" rtl="0" eaLnBrk="1" latinLnBrk="0" hangingPunct="1">
+              <a:spcBef>
+                <a:spcPct val="20000"/>
+              </a:spcBef>
+              <a:buClr>
+                <a:schemeClr val="tx2"/>
+              </a:buClr>
+              <a:buFont typeface="Arial" pitchFamily="34" charset="0"/>
+              <a:buChar char="•"/>
+              <a:defRPr sz="1600" kern="1200">
+                <a:solidFill>
+                  <a:schemeClr val="tx1"/>
+                </a:solidFill>
+                <a:latin typeface="+mn-lt"/>
+                <a:ea typeface="+mn-ea"/>
+                <a:cs typeface="+mn-cs"/>
+              </a:defRPr>
+            </a:lvl8pPr>
+            <a:lvl9pPr marL="3886200" indent="-228600" algn="l" defTabSz="914400" rtl="0" eaLnBrk="1" latinLnBrk="0" hangingPunct="1">
+              <a:spcBef>
+                <a:spcPct val="20000"/>
+              </a:spcBef>
+              <a:buClr>
+                <a:schemeClr val="tx2"/>
+              </a:buClr>
+              <a:buFont typeface="Arial" pitchFamily="34" charset="0"/>
+              <a:buChar char="•"/>
+              <a:defRPr sz="1600" kern="1200">
+                <a:solidFill>
+                  <a:schemeClr val="tx1"/>
+                </a:solidFill>
+                <a:latin typeface="+mn-lt"/>
+                <a:ea typeface="+mn-ea"/>
+                <a:cs typeface="+mn-cs"/>
+              </a:defRPr>
+            </a:lvl9pPr>
+          </a:lstStyle>
+          <a:p>
+            <a:pPr marL="285750" indent="-285750">
+              <a:buFont typeface="Arial"/>
+              <a:buChar char="•"/>
+            </a:pPr>
+            <a:r>
+              <a:rPr lang="en-US" sz="1800" dirty="0" smtClean="0"/>
+              <a:t>In your </a:t>
+            </a:r>
+            <a:r>
+              <a:rPr lang="en-US" sz="1800" dirty="0"/>
+              <a:t>w</a:t>
+            </a:r>
+            <a:r>
+              <a:rPr lang="en-US" sz="1800" dirty="0" smtClean="0"/>
+              <a:t>orkstation (</a:t>
+            </a:r>
+            <a:r>
+              <a:rPr lang="en-US" sz="1800" dirty="0" err="1" smtClean="0"/>
+              <a:t>ubuntu</a:t>
+            </a:r>
+            <a:r>
+              <a:rPr lang="en-US" sz="1800" dirty="0" smtClean="0"/>
+              <a:t>):</a:t>
+            </a:r>
+          </a:p>
+        </p:txBody>
+      </p:sp>
+      <p:sp>
+        <p:nvSpPr>
+          <p:cNvPr id="7" name="TextBox 6"/>
+          <p:cNvSpPr txBox="1"/>
+          <p:nvPr/>
+        </p:nvSpPr>
+        <p:spPr>
+          <a:xfrm>
+            <a:off x="457198" y="2883149"/>
+            <a:ext cx="8383561" cy="276999"/>
+          </a:xfrm>
+          <a:prstGeom prst="rect">
+            <a:avLst/>
+          </a:prstGeom>
+          <a:noFill/>
+        </p:spPr>
+        <p:txBody>
+          <a:bodyPr wrap="square" rtlCol="0">
+            <a:spAutoFit/>
+          </a:bodyPr>
+          <a:lstStyle/>
+          <a:p>
+            <a:r>
+              <a:rPr lang="en-US" sz="1200" dirty="0" smtClean="0"/>
+              <a:t>$ </a:t>
+            </a:r>
+            <a:r>
+              <a:rPr lang="pt-BR" sz="1200" dirty="0" err="1"/>
+              <a:t>sudo</a:t>
+            </a:r>
+            <a:r>
+              <a:rPr lang="pt-BR" sz="1200" dirty="0"/>
+              <a:t> nano ~/.</a:t>
+            </a:r>
+            <a:r>
+              <a:rPr lang="pt-BR" sz="1200" dirty="0" err="1"/>
+              <a:t>bashrc</a:t>
+            </a:r>
+            <a:r>
+              <a:rPr lang="pt-BR" sz="1200" dirty="0"/>
+              <a:t> </a:t>
+            </a:r>
+            <a:endParaRPr lang="en-US" sz="1200" dirty="0" smtClean="0"/>
+          </a:p>
+        </p:txBody>
+      </p:sp>
+      <p:sp>
+        <p:nvSpPr>
+          <p:cNvPr id="8" name="Content Placeholder 3"/>
+          <p:cNvSpPr txBox="1">
+            <a:spLocks/>
+          </p:cNvSpPr>
+          <p:nvPr/>
+        </p:nvSpPr>
+        <p:spPr>
+          <a:xfrm>
+            <a:off x="457198" y="2133779"/>
+            <a:ext cx="7620000" cy="887870"/>
+          </a:xfrm>
+          <a:prstGeom prst="rect">
+            <a:avLst/>
+          </a:prstGeom>
+        </p:spPr>
+        <p:txBody>
+          <a:bodyPr vert="horz" lIns="91440" tIns="45720" rIns="91440" bIns="45720" rtlCol="0">
+            <a:normAutofit/>
+          </a:bodyPr>
+          <a:lstStyle>
+            <a:lvl1pPr marL="0" indent="0" algn="l" defTabSz="914400" rtl="0" eaLnBrk="1" latinLnBrk="0" hangingPunct="1">
+              <a:spcBef>
+                <a:spcPct val="20000"/>
+              </a:spcBef>
+              <a:spcAft>
+                <a:spcPts val="600"/>
+              </a:spcAft>
+              <a:buFont typeface="Arial" pitchFamily="34" charset="0"/>
+              <a:buNone/>
+              <a:defRPr sz="2000" b="1" kern="1200">
+                <a:solidFill>
+                  <a:schemeClr val="tx1"/>
+                </a:solidFill>
+                <a:latin typeface="+mn-lt"/>
+                <a:ea typeface="+mn-ea"/>
+                <a:cs typeface="+mn-cs"/>
+              </a:defRPr>
+            </a:lvl1pPr>
+            <a:lvl2pPr marL="457200" indent="-182880" algn="l" defTabSz="914400" rtl="0" eaLnBrk="1" latinLnBrk="0" hangingPunct="1">
+              <a:spcBef>
+                <a:spcPct val="20000"/>
+              </a:spcBef>
+              <a:buClr>
+                <a:schemeClr val="tx2"/>
+              </a:buClr>
+              <a:buFont typeface="Arial" pitchFamily="34" charset="0"/>
+              <a:buChar char="•"/>
+              <a:defRPr sz="2000" kern="1200">
+                <a:solidFill>
+                  <a:schemeClr val="tx1"/>
+                </a:solidFill>
+                <a:latin typeface="+mn-lt"/>
+                <a:ea typeface="+mn-ea"/>
+                <a:cs typeface="+mn-cs"/>
+              </a:defRPr>
+            </a:lvl2pPr>
+            <a:lvl3pPr marL="1143000" indent="-228600" algn="l" defTabSz="914400" rtl="0" eaLnBrk="1" latinLnBrk="0" hangingPunct="1">
+              <a:spcBef>
+                <a:spcPct val="20000"/>
+              </a:spcBef>
+              <a:buClr>
+                <a:schemeClr val="tx2"/>
+              </a:buClr>
+              <a:buFont typeface="Arial" pitchFamily="34" charset="0"/>
+              <a:buChar char="•"/>
+              <a:defRPr sz="1800" kern="1200">
+                <a:solidFill>
+                  <a:schemeClr val="tx1"/>
+                </a:solidFill>
+                <a:latin typeface="+mn-lt"/>
+                <a:ea typeface="+mn-ea"/>
+                <a:cs typeface="+mn-cs"/>
+              </a:defRPr>
+            </a:lvl3pPr>
+            <a:lvl4pPr marL="1600200" indent="-228600" algn="l" defTabSz="914400" rtl="0" eaLnBrk="1" latinLnBrk="0" hangingPunct="1">
+              <a:spcBef>
+                <a:spcPct val="20000"/>
+              </a:spcBef>
+              <a:buClr>
+                <a:schemeClr val="tx2"/>
+              </a:buClr>
+              <a:buFont typeface="Arial" pitchFamily="34" charset="0"/>
+              <a:buChar char="•"/>
+              <a:defRPr sz="1800" kern="1200">
+                <a:solidFill>
+                  <a:schemeClr val="tx1"/>
+                </a:solidFill>
+                <a:latin typeface="+mn-lt"/>
+                <a:ea typeface="+mn-ea"/>
+                <a:cs typeface="+mn-cs"/>
+              </a:defRPr>
+            </a:lvl4pPr>
+            <a:lvl5pPr marL="2057400" indent="-228600" algn="l" defTabSz="914400" rtl="0" eaLnBrk="1" latinLnBrk="0" hangingPunct="1">
+              <a:spcBef>
+                <a:spcPct val="20000"/>
+              </a:spcBef>
+              <a:buClr>
+                <a:schemeClr val="tx2"/>
+              </a:buClr>
+              <a:buFont typeface="Arial" pitchFamily="34" charset="0"/>
+              <a:buChar char="•"/>
+              <a:defRPr sz="1800" kern="1200" baseline="0">
+                <a:solidFill>
+                  <a:schemeClr val="tx1"/>
+                </a:solidFill>
+                <a:latin typeface="+mn-lt"/>
+                <a:ea typeface="+mn-ea"/>
+                <a:cs typeface="+mn-cs"/>
+              </a:defRPr>
+            </a:lvl5pPr>
+            <a:lvl6pPr marL="2514600" indent="-228600" algn="l" defTabSz="914400" rtl="0" eaLnBrk="1" latinLnBrk="0" hangingPunct="1">
+              <a:spcBef>
+                <a:spcPct val="20000"/>
+              </a:spcBef>
+              <a:buClr>
+                <a:schemeClr val="tx2"/>
+              </a:buClr>
+              <a:buFont typeface="Arial" pitchFamily="34" charset="0"/>
+              <a:buChar char="•"/>
+              <a:defRPr sz="1600" kern="1200">
+                <a:solidFill>
+                  <a:schemeClr val="tx1"/>
+                </a:solidFill>
+                <a:latin typeface="+mn-lt"/>
+                <a:ea typeface="+mn-ea"/>
+                <a:cs typeface="+mn-cs"/>
+              </a:defRPr>
+            </a:lvl6pPr>
+            <a:lvl7pPr marL="2971800" indent="-228600" algn="l" defTabSz="914400" rtl="0" eaLnBrk="1" latinLnBrk="0" hangingPunct="1">
+              <a:spcBef>
+                <a:spcPct val="20000"/>
+              </a:spcBef>
+              <a:buClr>
+                <a:schemeClr val="tx2"/>
+              </a:buClr>
+              <a:buFont typeface="Arial" pitchFamily="34" charset="0"/>
+              <a:buChar char="•"/>
+              <a:defRPr sz="1600" kern="1200">
+                <a:solidFill>
+                  <a:schemeClr val="tx1"/>
+                </a:solidFill>
+                <a:latin typeface="+mn-lt"/>
+                <a:ea typeface="+mn-ea"/>
+                <a:cs typeface="+mn-cs"/>
+              </a:defRPr>
+            </a:lvl7pPr>
+            <a:lvl8pPr marL="3429000" indent="-228600" algn="l" defTabSz="914400" rtl="0" eaLnBrk="1" latinLnBrk="0" hangingPunct="1">
+              <a:spcBef>
+                <a:spcPct val="20000"/>
+              </a:spcBef>
+              <a:buClr>
+                <a:schemeClr val="tx2"/>
+              </a:buClr>
+              <a:buFont typeface="Arial" pitchFamily="34" charset="0"/>
+              <a:buChar char="•"/>
+              <a:defRPr sz="1600" kern="1200">
+                <a:solidFill>
+                  <a:schemeClr val="tx1"/>
+                </a:solidFill>
+                <a:latin typeface="+mn-lt"/>
+                <a:ea typeface="+mn-ea"/>
+                <a:cs typeface="+mn-cs"/>
+              </a:defRPr>
+            </a:lvl8pPr>
+            <a:lvl9pPr marL="3886200" indent="-228600" algn="l" defTabSz="914400" rtl="0" eaLnBrk="1" latinLnBrk="0" hangingPunct="1">
+              <a:spcBef>
+                <a:spcPct val="20000"/>
+              </a:spcBef>
+              <a:buClr>
+                <a:schemeClr val="tx2"/>
+              </a:buClr>
+              <a:buFont typeface="Arial" pitchFamily="34" charset="0"/>
+              <a:buChar char="•"/>
+              <a:defRPr sz="1600" kern="1200">
+                <a:solidFill>
+                  <a:schemeClr val="tx1"/>
+                </a:solidFill>
+                <a:latin typeface="+mn-lt"/>
+                <a:ea typeface="+mn-ea"/>
+                <a:cs typeface="+mn-cs"/>
+              </a:defRPr>
+            </a:lvl9pPr>
+          </a:lstStyle>
+          <a:p>
+            <a:pPr marL="285750" indent="-285750">
+              <a:buFont typeface="Arial"/>
+              <a:buChar char="•"/>
+            </a:pPr>
+            <a:r>
+              <a:rPr lang="en-US" sz="1800" dirty="0" smtClean="0">
+                <a:solidFill>
+                  <a:srgbClr val="D1282E"/>
+                </a:solidFill>
+              </a:rPr>
+              <a:t>Check</a:t>
+            </a:r>
+            <a:r>
+              <a:rPr lang="en-US" sz="1800" dirty="0" smtClean="0"/>
+              <a:t> the </a:t>
+            </a:r>
+            <a:r>
+              <a:rPr lang="en-US" sz="1800" dirty="0" smtClean="0">
+                <a:solidFill>
+                  <a:srgbClr val="D1282E"/>
+                </a:solidFill>
+              </a:rPr>
+              <a:t>IP address</a:t>
+            </a:r>
+            <a:r>
+              <a:rPr lang="en-US" sz="1800" dirty="0" smtClean="0"/>
+              <a:t> next to </a:t>
+            </a:r>
+            <a:r>
+              <a:rPr lang="en-US" sz="1800" dirty="0" err="1" smtClean="0">
+                <a:solidFill>
+                  <a:srgbClr val="D1282E"/>
+                </a:solidFill>
+              </a:rPr>
+              <a:t>inet</a:t>
+            </a:r>
+            <a:r>
+              <a:rPr lang="en-US" sz="1800" dirty="0" smtClean="0">
+                <a:solidFill>
+                  <a:srgbClr val="D1282E"/>
+                </a:solidFill>
+              </a:rPr>
+              <a:t> </a:t>
+            </a:r>
+            <a:r>
+              <a:rPr lang="en-US" sz="1800" dirty="0" err="1" smtClean="0">
+                <a:solidFill>
+                  <a:srgbClr val="D1282E"/>
+                </a:solidFill>
+              </a:rPr>
+              <a:t>addr</a:t>
+            </a:r>
+            <a:r>
+              <a:rPr lang="en-US" sz="1800" dirty="0" smtClean="0"/>
+              <a:t> for </a:t>
+            </a:r>
+            <a:r>
+              <a:rPr lang="en-US" sz="1800" dirty="0" err="1" smtClean="0">
+                <a:solidFill>
+                  <a:srgbClr val="D1282E"/>
+                </a:solidFill>
+              </a:rPr>
+              <a:t>enp</a:t>
+            </a:r>
+            <a:r>
+              <a:rPr lang="en-US" sz="1800" dirty="0" smtClean="0">
+                <a:solidFill>
+                  <a:srgbClr val="D1282E"/>
+                </a:solidFill>
+              </a:rPr>
+              <a:t>___</a:t>
+            </a:r>
+            <a:r>
+              <a:rPr lang="en-US" sz="1800" dirty="0" smtClean="0"/>
+              <a:t> </a:t>
+            </a:r>
+          </a:p>
+          <a:p>
+            <a:pPr marL="285750" indent="-285750">
+              <a:buFont typeface="Arial"/>
+              <a:buChar char="•"/>
+            </a:pPr>
+            <a:r>
+              <a:rPr lang="en-US" sz="1800" dirty="0" smtClean="0">
+                <a:solidFill>
+                  <a:srgbClr val="D1282E"/>
+                </a:solidFill>
+              </a:rPr>
+              <a:t>Copy</a:t>
+            </a:r>
+            <a:r>
+              <a:rPr lang="en-US" sz="1800" dirty="0" smtClean="0"/>
+              <a:t> that </a:t>
+            </a:r>
+            <a:r>
+              <a:rPr lang="en-US" sz="1800" dirty="0" smtClean="0">
+                <a:solidFill>
+                  <a:srgbClr val="D1282E"/>
+                </a:solidFill>
+              </a:rPr>
+              <a:t>IP address</a:t>
+            </a:r>
+            <a:r>
+              <a:rPr lang="en-US" sz="1800" dirty="0" smtClean="0"/>
+              <a:t> (It is now the static IP of your workstation)</a:t>
+            </a:r>
+          </a:p>
+        </p:txBody>
+      </p:sp>
+      <p:sp>
+        <p:nvSpPr>
+          <p:cNvPr id="9" name="TextBox 8"/>
+          <p:cNvSpPr txBox="1"/>
+          <p:nvPr/>
+        </p:nvSpPr>
+        <p:spPr>
+          <a:xfrm>
+            <a:off x="457198" y="3486597"/>
+            <a:ext cx="8383561" cy="2677656"/>
+          </a:xfrm>
+          <a:prstGeom prst="rect">
+            <a:avLst/>
+          </a:prstGeom>
+          <a:noFill/>
+        </p:spPr>
+        <p:txBody>
+          <a:bodyPr wrap="square" rtlCol="0">
+            <a:spAutoFit/>
+          </a:bodyPr>
+          <a:lstStyle/>
+          <a:p>
+            <a:r>
+              <a:rPr lang="en-US" sz="1200" dirty="0" smtClean="0"/>
+              <a:t>	# </a:t>
+            </a:r>
+            <a:r>
+              <a:rPr lang="en-US" sz="1200" dirty="0" err="1"/>
+              <a:t>cofiguration</a:t>
+            </a:r>
+            <a:endParaRPr lang="en-US" sz="1200" dirty="0"/>
+          </a:p>
+          <a:p>
+            <a:r>
+              <a:rPr lang="en-US" sz="1200" dirty="0"/>
+              <a:t>	export MIRO_PATH_MDK=~</a:t>
+            </a:r>
+            <a:r>
+              <a:rPr lang="en-US" sz="1200" dirty="0" smtClean="0"/>
+              <a:t>/</a:t>
+            </a:r>
+            <a:r>
+              <a:rPr lang="en-US" sz="1200" dirty="0" err="1" smtClean="0"/>
+              <a:t>mdk</a:t>
+            </a:r>
+            <a:endParaRPr lang="en-US" sz="1200" dirty="0"/>
+          </a:p>
+          <a:p>
+            <a:r>
+              <a:rPr lang="en-US" sz="1200" dirty="0"/>
+              <a:t>	export ROS_IP=&lt;</a:t>
+            </a:r>
+            <a:r>
+              <a:rPr lang="en-US" sz="1200" dirty="0" err="1"/>
+              <a:t>Put_Here_StaticIP_Of_WorkStation</a:t>
+            </a:r>
+            <a:r>
+              <a:rPr lang="en-US" sz="1200" dirty="0"/>
+              <a:t>&gt;</a:t>
+            </a:r>
+          </a:p>
+          <a:p>
+            <a:r>
+              <a:rPr lang="en-US" sz="1200" dirty="0"/>
+              <a:t>	export ROS_MASTER_URI=http://localhost:11311</a:t>
+            </a:r>
+          </a:p>
+          <a:p>
+            <a:endParaRPr lang="en-US" sz="1200" dirty="0"/>
+          </a:p>
+          <a:p>
+            <a:r>
+              <a:rPr lang="en-US" sz="1200" dirty="0"/>
+              <a:t>	# make our custom messages available to ROS/python</a:t>
+            </a:r>
+          </a:p>
+          <a:p>
+            <a:r>
+              <a:rPr lang="en-US" sz="1200" dirty="0"/>
+              <a:t>	export ROS_PACKAGE_PATH=$MIRO_PATH_MDK/share:$ROS_PACKAGE_PATH</a:t>
+            </a:r>
+          </a:p>
+          <a:p>
+            <a:r>
+              <a:rPr lang="en-US" sz="1200" dirty="0"/>
+              <a:t>	export PYTHONPATH=$MIRO_PATH_MDK/share:$PYTHONPATH</a:t>
+            </a:r>
+          </a:p>
+          <a:p>
+            <a:endParaRPr lang="en-US" sz="1200" dirty="0"/>
+          </a:p>
+          <a:p>
+            <a:r>
+              <a:rPr lang="en-US" sz="1200" dirty="0"/>
+              <a:t>	# usual Gazebo setup</a:t>
+            </a:r>
+          </a:p>
+          <a:p>
+            <a:r>
+              <a:rPr lang="en-US" sz="1200" dirty="0"/>
+              <a:t>	source /</a:t>
+            </a:r>
+            <a:r>
+              <a:rPr lang="en-US" sz="1200" dirty="0" err="1"/>
+              <a:t>usr</a:t>
+            </a:r>
+            <a:r>
+              <a:rPr lang="en-US" sz="1200" dirty="0"/>
+              <a:t>/share/gazebo/</a:t>
+            </a:r>
+            <a:r>
+              <a:rPr lang="en-US" sz="1200" dirty="0" err="1"/>
+              <a:t>setup.sh</a:t>
+            </a:r>
+            <a:endParaRPr lang="en-US" sz="1200" dirty="0"/>
+          </a:p>
+          <a:p>
+            <a:endParaRPr lang="en-US" sz="1200" dirty="0"/>
+          </a:p>
+          <a:p>
+            <a:r>
+              <a:rPr lang="en-US" sz="1200" dirty="0"/>
+              <a:t>	# announce MIRO resources to Gazebo</a:t>
+            </a:r>
+          </a:p>
+          <a:p>
+            <a:r>
+              <a:rPr lang="en-US" sz="1200" dirty="0"/>
+              <a:t>	export GAZEBO_RESOURCE_PATH=$MIRO_PATH_MDK/share:${GAZEBO_RESOURCE_PATH}</a:t>
+            </a:r>
+            <a:endParaRPr lang="en-US" sz="1200" dirty="0" smtClean="0"/>
+          </a:p>
+        </p:txBody>
+      </p:sp>
+      <p:sp>
+        <p:nvSpPr>
+          <p:cNvPr id="11" name="Content Placeholder 3"/>
+          <p:cNvSpPr txBox="1">
+            <a:spLocks/>
+          </p:cNvSpPr>
+          <p:nvPr/>
+        </p:nvSpPr>
+        <p:spPr>
+          <a:xfrm>
+            <a:off x="457198" y="3201091"/>
+            <a:ext cx="7620000" cy="424006"/>
+          </a:xfrm>
+          <a:prstGeom prst="rect">
+            <a:avLst/>
+          </a:prstGeom>
+        </p:spPr>
+        <p:txBody>
+          <a:bodyPr vert="horz" lIns="91440" tIns="45720" rIns="91440" bIns="45720" rtlCol="0">
+            <a:normAutofit/>
+          </a:bodyPr>
+          <a:lstStyle>
+            <a:lvl1pPr marL="0" indent="0" algn="l" defTabSz="914400" rtl="0" eaLnBrk="1" latinLnBrk="0" hangingPunct="1">
+              <a:spcBef>
+                <a:spcPct val="20000"/>
+              </a:spcBef>
+              <a:spcAft>
+                <a:spcPts val="600"/>
+              </a:spcAft>
+              <a:buFont typeface="Arial" pitchFamily="34" charset="0"/>
+              <a:buNone/>
+              <a:defRPr sz="2000" b="1" kern="1200">
+                <a:solidFill>
+                  <a:schemeClr val="tx1"/>
+                </a:solidFill>
+                <a:latin typeface="+mn-lt"/>
+                <a:ea typeface="+mn-ea"/>
+                <a:cs typeface="+mn-cs"/>
+              </a:defRPr>
+            </a:lvl1pPr>
+            <a:lvl2pPr marL="457200" indent="-182880" algn="l" defTabSz="914400" rtl="0" eaLnBrk="1" latinLnBrk="0" hangingPunct="1">
+              <a:spcBef>
+                <a:spcPct val="20000"/>
+              </a:spcBef>
+              <a:buClr>
+                <a:schemeClr val="tx2"/>
+              </a:buClr>
+              <a:buFont typeface="Arial" pitchFamily="34" charset="0"/>
+              <a:buChar char="•"/>
+              <a:defRPr sz="2000" kern="1200">
+                <a:solidFill>
+                  <a:schemeClr val="tx1"/>
+                </a:solidFill>
+                <a:latin typeface="+mn-lt"/>
+                <a:ea typeface="+mn-ea"/>
+                <a:cs typeface="+mn-cs"/>
+              </a:defRPr>
+            </a:lvl2pPr>
+            <a:lvl3pPr marL="1143000" indent="-228600" algn="l" defTabSz="914400" rtl="0" eaLnBrk="1" latinLnBrk="0" hangingPunct="1">
+              <a:spcBef>
+                <a:spcPct val="20000"/>
+              </a:spcBef>
+              <a:buClr>
+                <a:schemeClr val="tx2"/>
+              </a:buClr>
+              <a:buFont typeface="Arial" pitchFamily="34" charset="0"/>
+              <a:buChar char="•"/>
+              <a:defRPr sz="1800" kern="1200">
+                <a:solidFill>
+                  <a:schemeClr val="tx1"/>
+                </a:solidFill>
+                <a:latin typeface="+mn-lt"/>
+                <a:ea typeface="+mn-ea"/>
+                <a:cs typeface="+mn-cs"/>
+              </a:defRPr>
+            </a:lvl3pPr>
+            <a:lvl4pPr marL="1600200" indent="-228600" algn="l" defTabSz="914400" rtl="0" eaLnBrk="1" latinLnBrk="0" hangingPunct="1">
+              <a:spcBef>
+                <a:spcPct val="20000"/>
+              </a:spcBef>
+              <a:buClr>
+                <a:schemeClr val="tx2"/>
+              </a:buClr>
+              <a:buFont typeface="Arial" pitchFamily="34" charset="0"/>
+              <a:buChar char="•"/>
+              <a:defRPr sz="1800" kern="1200">
+                <a:solidFill>
+                  <a:schemeClr val="tx1"/>
+                </a:solidFill>
+                <a:latin typeface="+mn-lt"/>
+                <a:ea typeface="+mn-ea"/>
+                <a:cs typeface="+mn-cs"/>
+              </a:defRPr>
+            </a:lvl4pPr>
+            <a:lvl5pPr marL="2057400" indent="-228600" algn="l" defTabSz="914400" rtl="0" eaLnBrk="1" latinLnBrk="0" hangingPunct="1">
+              <a:spcBef>
+                <a:spcPct val="20000"/>
+              </a:spcBef>
+              <a:buClr>
+                <a:schemeClr val="tx2"/>
+              </a:buClr>
+              <a:buFont typeface="Arial" pitchFamily="34" charset="0"/>
+              <a:buChar char="•"/>
+              <a:defRPr sz="1800" kern="1200" baseline="0">
+                <a:solidFill>
+                  <a:schemeClr val="tx1"/>
+                </a:solidFill>
+                <a:latin typeface="+mn-lt"/>
+                <a:ea typeface="+mn-ea"/>
+                <a:cs typeface="+mn-cs"/>
+              </a:defRPr>
+            </a:lvl5pPr>
+            <a:lvl6pPr marL="2514600" indent="-228600" algn="l" defTabSz="914400" rtl="0" eaLnBrk="1" latinLnBrk="0" hangingPunct="1">
+              <a:spcBef>
+                <a:spcPct val="20000"/>
+              </a:spcBef>
+              <a:buClr>
+                <a:schemeClr val="tx2"/>
+              </a:buClr>
+              <a:buFont typeface="Arial" pitchFamily="34" charset="0"/>
+              <a:buChar char="•"/>
+              <a:defRPr sz="1600" kern="1200">
+                <a:solidFill>
+                  <a:schemeClr val="tx1"/>
+                </a:solidFill>
+                <a:latin typeface="+mn-lt"/>
+                <a:ea typeface="+mn-ea"/>
+                <a:cs typeface="+mn-cs"/>
+              </a:defRPr>
+            </a:lvl6pPr>
+            <a:lvl7pPr marL="2971800" indent="-228600" algn="l" defTabSz="914400" rtl="0" eaLnBrk="1" latinLnBrk="0" hangingPunct="1">
+              <a:spcBef>
+                <a:spcPct val="20000"/>
+              </a:spcBef>
+              <a:buClr>
+                <a:schemeClr val="tx2"/>
+              </a:buClr>
+              <a:buFont typeface="Arial" pitchFamily="34" charset="0"/>
+              <a:buChar char="•"/>
+              <a:defRPr sz="1600" kern="1200">
+                <a:solidFill>
+                  <a:schemeClr val="tx1"/>
+                </a:solidFill>
+                <a:latin typeface="+mn-lt"/>
+                <a:ea typeface="+mn-ea"/>
+                <a:cs typeface="+mn-cs"/>
+              </a:defRPr>
+            </a:lvl7pPr>
+            <a:lvl8pPr marL="3429000" indent="-228600" algn="l" defTabSz="914400" rtl="0" eaLnBrk="1" latinLnBrk="0" hangingPunct="1">
+              <a:spcBef>
+                <a:spcPct val="20000"/>
+              </a:spcBef>
+              <a:buClr>
+                <a:schemeClr val="tx2"/>
+              </a:buClr>
+              <a:buFont typeface="Arial" pitchFamily="34" charset="0"/>
+              <a:buChar char="•"/>
+              <a:defRPr sz="1600" kern="1200">
+                <a:solidFill>
+                  <a:schemeClr val="tx1"/>
+                </a:solidFill>
+                <a:latin typeface="+mn-lt"/>
+                <a:ea typeface="+mn-ea"/>
+                <a:cs typeface="+mn-cs"/>
+              </a:defRPr>
+            </a:lvl8pPr>
+            <a:lvl9pPr marL="3886200" indent="-228600" algn="l" defTabSz="914400" rtl="0" eaLnBrk="1" latinLnBrk="0" hangingPunct="1">
+              <a:spcBef>
+                <a:spcPct val="20000"/>
+              </a:spcBef>
+              <a:buClr>
+                <a:schemeClr val="tx2"/>
+              </a:buClr>
+              <a:buFont typeface="Arial" pitchFamily="34" charset="0"/>
+              <a:buChar char="•"/>
+              <a:defRPr sz="1600" kern="1200">
+                <a:solidFill>
+                  <a:schemeClr val="tx1"/>
+                </a:solidFill>
+                <a:latin typeface="+mn-lt"/>
+                <a:ea typeface="+mn-ea"/>
+                <a:cs typeface="+mn-cs"/>
+              </a:defRPr>
+            </a:lvl9pPr>
+          </a:lstStyle>
+          <a:p>
+            <a:pPr marL="285750" indent="-285750">
+              <a:buFont typeface="Arial"/>
+              <a:buChar char="•"/>
+            </a:pPr>
+            <a:r>
+              <a:rPr lang="en-US" sz="1800" dirty="0"/>
+              <a:t>Copy and paste in .</a:t>
+            </a:r>
+            <a:r>
+              <a:rPr lang="en-US" sz="1800" dirty="0" err="1"/>
+              <a:t>bashrc</a:t>
+            </a:r>
+            <a:r>
+              <a:rPr lang="en-US" sz="1800" dirty="0"/>
+              <a:t> the lines below and modify '&lt;&gt;' parts</a:t>
+            </a:r>
+            <a:endParaRPr lang="en-US" sz="1800" dirty="0" smtClean="0"/>
+          </a:p>
+        </p:txBody>
+      </p:sp>
+      <p:sp>
+        <p:nvSpPr>
+          <p:cNvPr id="12" name="TextBox 11"/>
+          <p:cNvSpPr txBox="1"/>
+          <p:nvPr/>
+        </p:nvSpPr>
+        <p:spPr>
+          <a:xfrm>
+            <a:off x="457198" y="6358804"/>
+            <a:ext cx="8383561" cy="276999"/>
+          </a:xfrm>
+          <a:prstGeom prst="rect">
+            <a:avLst/>
+          </a:prstGeom>
+          <a:noFill/>
+        </p:spPr>
+        <p:txBody>
+          <a:bodyPr wrap="square" rtlCol="0">
+            <a:spAutoFit/>
+          </a:bodyPr>
+          <a:lstStyle/>
+          <a:p>
+            <a:r>
+              <a:rPr lang="en-US" sz="1200" dirty="0" smtClean="0"/>
+              <a:t>$ </a:t>
+            </a:r>
+            <a:r>
+              <a:rPr lang="pt-BR" sz="1200" dirty="0" err="1" smtClean="0"/>
+              <a:t>roscore</a:t>
+            </a:r>
+            <a:endParaRPr lang="en-US" sz="1200" dirty="0" smtClean="0"/>
+          </a:p>
+        </p:txBody>
+      </p:sp>
+      <p:sp>
+        <p:nvSpPr>
+          <p:cNvPr id="13" name="Content Placeholder 3"/>
+          <p:cNvSpPr txBox="1">
+            <a:spLocks/>
+          </p:cNvSpPr>
+          <p:nvPr/>
+        </p:nvSpPr>
+        <p:spPr>
+          <a:xfrm>
+            <a:off x="457198" y="6073298"/>
+            <a:ext cx="7620000" cy="424006"/>
+          </a:xfrm>
+          <a:prstGeom prst="rect">
+            <a:avLst/>
+          </a:prstGeom>
+        </p:spPr>
+        <p:txBody>
+          <a:bodyPr vert="horz" lIns="91440" tIns="45720" rIns="91440" bIns="45720" rtlCol="0">
+            <a:normAutofit/>
+          </a:bodyPr>
+          <a:lstStyle>
+            <a:lvl1pPr marL="0" indent="0" algn="l" defTabSz="914400" rtl="0" eaLnBrk="1" latinLnBrk="0" hangingPunct="1">
+              <a:spcBef>
+                <a:spcPct val="20000"/>
+              </a:spcBef>
+              <a:spcAft>
+                <a:spcPts val="600"/>
+              </a:spcAft>
+              <a:buFont typeface="Arial" pitchFamily="34" charset="0"/>
+              <a:buNone/>
+              <a:defRPr sz="2000" b="1" kern="1200">
+                <a:solidFill>
+                  <a:schemeClr val="tx1"/>
+                </a:solidFill>
+                <a:latin typeface="+mn-lt"/>
+                <a:ea typeface="+mn-ea"/>
+                <a:cs typeface="+mn-cs"/>
+              </a:defRPr>
+            </a:lvl1pPr>
+            <a:lvl2pPr marL="457200" indent="-182880" algn="l" defTabSz="914400" rtl="0" eaLnBrk="1" latinLnBrk="0" hangingPunct="1">
+              <a:spcBef>
+                <a:spcPct val="20000"/>
+              </a:spcBef>
+              <a:buClr>
+                <a:schemeClr val="tx2"/>
+              </a:buClr>
+              <a:buFont typeface="Arial" pitchFamily="34" charset="0"/>
+              <a:buChar char="•"/>
+              <a:defRPr sz="2000" kern="1200">
+                <a:solidFill>
+                  <a:schemeClr val="tx1"/>
+                </a:solidFill>
+                <a:latin typeface="+mn-lt"/>
+                <a:ea typeface="+mn-ea"/>
+                <a:cs typeface="+mn-cs"/>
+              </a:defRPr>
+            </a:lvl2pPr>
+            <a:lvl3pPr marL="1143000" indent="-228600" algn="l" defTabSz="914400" rtl="0" eaLnBrk="1" latinLnBrk="0" hangingPunct="1">
+              <a:spcBef>
+                <a:spcPct val="20000"/>
+              </a:spcBef>
+              <a:buClr>
+                <a:schemeClr val="tx2"/>
+              </a:buClr>
+              <a:buFont typeface="Arial" pitchFamily="34" charset="0"/>
+              <a:buChar char="•"/>
+              <a:defRPr sz="1800" kern="1200">
+                <a:solidFill>
+                  <a:schemeClr val="tx1"/>
+                </a:solidFill>
+                <a:latin typeface="+mn-lt"/>
+                <a:ea typeface="+mn-ea"/>
+                <a:cs typeface="+mn-cs"/>
+              </a:defRPr>
+            </a:lvl3pPr>
+            <a:lvl4pPr marL="1600200" indent="-228600" algn="l" defTabSz="914400" rtl="0" eaLnBrk="1" latinLnBrk="0" hangingPunct="1">
+              <a:spcBef>
+                <a:spcPct val="20000"/>
+              </a:spcBef>
+              <a:buClr>
+                <a:schemeClr val="tx2"/>
+              </a:buClr>
+              <a:buFont typeface="Arial" pitchFamily="34" charset="0"/>
+              <a:buChar char="•"/>
+              <a:defRPr sz="1800" kern="1200">
+                <a:solidFill>
+                  <a:schemeClr val="tx1"/>
+                </a:solidFill>
+                <a:latin typeface="+mn-lt"/>
+                <a:ea typeface="+mn-ea"/>
+                <a:cs typeface="+mn-cs"/>
+              </a:defRPr>
+            </a:lvl4pPr>
+            <a:lvl5pPr marL="2057400" indent="-228600" algn="l" defTabSz="914400" rtl="0" eaLnBrk="1" latinLnBrk="0" hangingPunct="1">
+              <a:spcBef>
+                <a:spcPct val="20000"/>
+              </a:spcBef>
+              <a:buClr>
+                <a:schemeClr val="tx2"/>
+              </a:buClr>
+              <a:buFont typeface="Arial" pitchFamily="34" charset="0"/>
+              <a:buChar char="•"/>
+              <a:defRPr sz="1800" kern="1200" baseline="0">
+                <a:solidFill>
+                  <a:schemeClr val="tx1"/>
+                </a:solidFill>
+                <a:latin typeface="+mn-lt"/>
+                <a:ea typeface="+mn-ea"/>
+                <a:cs typeface="+mn-cs"/>
+              </a:defRPr>
+            </a:lvl5pPr>
+            <a:lvl6pPr marL="2514600" indent="-228600" algn="l" defTabSz="914400" rtl="0" eaLnBrk="1" latinLnBrk="0" hangingPunct="1">
+              <a:spcBef>
+                <a:spcPct val="20000"/>
+              </a:spcBef>
+              <a:buClr>
+                <a:schemeClr val="tx2"/>
+              </a:buClr>
+              <a:buFont typeface="Arial" pitchFamily="34" charset="0"/>
+              <a:buChar char="•"/>
+              <a:defRPr sz="1600" kern="1200">
+                <a:solidFill>
+                  <a:schemeClr val="tx1"/>
+                </a:solidFill>
+                <a:latin typeface="+mn-lt"/>
+                <a:ea typeface="+mn-ea"/>
+                <a:cs typeface="+mn-cs"/>
+              </a:defRPr>
+            </a:lvl6pPr>
+            <a:lvl7pPr marL="2971800" indent="-228600" algn="l" defTabSz="914400" rtl="0" eaLnBrk="1" latinLnBrk="0" hangingPunct="1">
+              <a:spcBef>
+                <a:spcPct val="20000"/>
+              </a:spcBef>
+              <a:buClr>
+                <a:schemeClr val="tx2"/>
+              </a:buClr>
+              <a:buFont typeface="Arial" pitchFamily="34" charset="0"/>
+              <a:buChar char="•"/>
+              <a:defRPr sz="1600" kern="1200">
+                <a:solidFill>
+                  <a:schemeClr val="tx1"/>
+                </a:solidFill>
+                <a:latin typeface="+mn-lt"/>
+                <a:ea typeface="+mn-ea"/>
+                <a:cs typeface="+mn-cs"/>
+              </a:defRPr>
+            </a:lvl7pPr>
+            <a:lvl8pPr marL="3429000" indent="-228600" algn="l" defTabSz="914400" rtl="0" eaLnBrk="1" latinLnBrk="0" hangingPunct="1">
+              <a:spcBef>
+                <a:spcPct val="20000"/>
+              </a:spcBef>
+              <a:buClr>
+                <a:schemeClr val="tx2"/>
+              </a:buClr>
+              <a:buFont typeface="Arial" pitchFamily="34" charset="0"/>
+              <a:buChar char="•"/>
+              <a:defRPr sz="1600" kern="1200">
+                <a:solidFill>
+                  <a:schemeClr val="tx1"/>
+                </a:solidFill>
+                <a:latin typeface="+mn-lt"/>
+                <a:ea typeface="+mn-ea"/>
+                <a:cs typeface="+mn-cs"/>
+              </a:defRPr>
+            </a:lvl8pPr>
+            <a:lvl9pPr marL="3886200" indent="-228600" algn="l" defTabSz="914400" rtl="0" eaLnBrk="1" latinLnBrk="0" hangingPunct="1">
+              <a:spcBef>
+                <a:spcPct val="20000"/>
+              </a:spcBef>
+              <a:buClr>
+                <a:schemeClr val="tx2"/>
+              </a:buClr>
+              <a:buFont typeface="Arial" pitchFamily="34" charset="0"/>
+              <a:buChar char="•"/>
+              <a:defRPr sz="1600" kern="1200">
+                <a:solidFill>
+                  <a:schemeClr val="tx1"/>
+                </a:solidFill>
+                <a:latin typeface="+mn-lt"/>
+                <a:ea typeface="+mn-ea"/>
+                <a:cs typeface="+mn-cs"/>
+              </a:defRPr>
+            </a:lvl9pPr>
+          </a:lstStyle>
+          <a:p>
+            <a:pPr marL="285750" indent="-285750">
+              <a:buFont typeface="Arial"/>
+              <a:buChar char="•"/>
+            </a:pPr>
+            <a:r>
+              <a:rPr lang="en-US" sz="1800" dirty="0" smtClean="0"/>
+              <a:t>Finally</a:t>
+            </a:r>
+          </a:p>
+        </p:txBody>
+      </p:sp>
+    </p:spTree>
+    <p:extLst>
+      <p:ext uri="{BB962C8B-B14F-4D97-AF65-F5344CB8AC3E}">
+        <p14:creationId xmlns:p14="http://schemas.microsoft.com/office/powerpoint/2010/main" val="1338367022"/>
+      </p:ext>
+    </p:extLst>
+  </p:cSld>
+  <p:clrMapOvr>
+    <a:masterClrMapping/>
+  </p:clrMapOvr>
+  <mc:AlternateContent xmlns:mc="http://schemas.openxmlformats.org/markup-compatibility/2006">
+    <mc:Choice xmlns:p14="http://schemas.microsoft.com/office/powerpoint/2010/main" Requires="p14">
+      <p:transition spd="slow" p14:dur="2000"/>
+    </mc:Choice>
+    <mc:Fallback>
+      <p:transition spd="slow"/>
+    </mc:Fallback>
+  </mc:AlternateContent>
 </p:sld>
 </file>
 
@@ -4063,45 +6036,18 @@
       </p:grpSpPr>
       <p:sp>
         <p:nvSpPr>
-          <p:cNvPr id="2" name="Title 1"/>
+          <p:cNvPr id="3" name="Content Placeholder 2"/>
           <p:cNvSpPr>
             <a:spLocks noGrp="1"/>
           </p:cNvSpPr>
           <p:nvPr>
-            <p:ph type="ctrTitle"/>
-          </p:nvPr>
-        </p:nvSpPr>
-        <p:spPr/>
-        <p:txBody>
-          <a:bodyPr/>
-          <a:lstStyle/>
-          <a:p>
-            <a:r>
-              <a:rPr lang="en-US" dirty="0" smtClean="0"/>
-              <a:t>Setup for </a:t>
-            </a:r>
-            <a:r>
-              <a:rPr lang="en-US" dirty="0" err="1" smtClean="0"/>
-              <a:t>miro</a:t>
-            </a:r>
-            <a:endParaRPr lang="en-US" dirty="0"/>
-          </a:p>
-        </p:txBody>
-      </p:sp>
-      <p:sp>
-        <p:nvSpPr>
-          <p:cNvPr id="3" name="Subtitle 2"/>
-          <p:cNvSpPr>
-            <a:spLocks noGrp="1"/>
-          </p:cNvSpPr>
-          <p:nvPr>
-            <p:ph type="subTitle" idx="1"/>
+            <p:ph idx="1"/>
           </p:nvPr>
         </p:nvSpPr>
         <p:spPr>
           <a:xfrm>
-            <a:off x="457199" y="4800600"/>
-            <a:ext cx="7650901" cy="914400"/>
+            <a:off x="457200" y="1860698"/>
+            <a:ext cx="7620000" cy="4265465"/>
           </a:xfrm>
         </p:spPr>
         <p:txBody>
@@ -4110,56 +6056,108 @@
           </a:bodyPr>
           <a:lstStyle/>
           <a:p>
-            <a:r>
-              <a:rPr lang="en-US" dirty="0" smtClean="0"/>
-              <a:t>About </a:t>
-            </a:r>
-            <a:r>
-              <a:rPr lang="en-US" dirty="0" err="1" smtClean="0"/>
-              <a:t>Miro</a:t>
-            </a:r>
-            <a:r>
-              <a:rPr lang="en-US" dirty="0"/>
-              <a:t>: </a:t>
-            </a:r>
-            <a:r>
-              <a:rPr lang="en-US" dirty="0">
-                <a:hlinkClick r:id="rId2"/>
-              </a:rPr>
-              <a:t>http://</a:t>
-            </a:r>
-            <a:r>
-              <a:rPr lang="en-US" dirty="0" err="1">
-                <a:hlinkClick r:id="rId2"/>
-              </a:rPr>
-              <a:t>consequentialrobotics.com</a:t>
-            </a:r>
-            <a:r>
-              <a:rPr lang="en-US" dirty="0">
-                <a:hlinkClick r:id="rId2"/>
-              </a:rPr>
-              <a:t>/</a:t>
-            </a:r>
-            <a:r>
-              <a:rPr lang="en-US" dirty="0" err="1">
-                <a:hlinkClick r:id="rId2"/>
-              </a:rPr>
-              <a:t>miro</a:t>
-            </a:r>
-            <a:r>
-              <a:rPr lang="en-US" dirty="0">
-                <a:hlinkClick r:id="rId2"/>
-              </a:rPr>
-              <a:t>/</a:t>
-            </a:r>
-            <a:endParaRPr lang="en-US" dirty="0"/>
+            <a:pPr marL="342900" indent="-342900">
+              <a:buFont typeface="Arial"/>
+              <a:buChar char="•"/>
+            </a:pPr>
+            <a:r>
+              <a:rPr lang="en-US" b="0" dirty="0" smtClean="0">
+                <a:latin typeface="Calibri" charset="0"/>
+                <a:ea typeface="Calibri" charset="0"/>
+                <a:cs typeface="Calibri" charset="0"/>
+              </a:rPr>
+              <a:t>Companion robot</a:t>
+            </a:r>
+          </a:p>
+          <a:p>
+            <a:pPr marL="342900" indent="-342900">
+              <a:buFont typeface="Arial"/>
+              <a:buChar char="•"/>
+            </a:pPr>
+            <a:r>
+              <a:rPr lang="en-US" b="0" dirty="0" smtClean="0">
+                <a:latin typeface="Calibri" charset="0"/>
+                <a:ea typeface="Calibri" charset="0"/>
+                <a:cs typeface="Calibri" charset="0"/>
+              </a:rPr>
+              <a:t>Human-Robot interaction (HRI)</a:t>
+            </a:r>
+          </a:p>
+          <a:p>
+            <a:pPr marL="342900" indent="-342900">
+              <a:buFont typeface="Arial"/>
+              <a:buChar char="•"/>
+            </a:pPr>
+            <a:r>
+              <a:rPr lang="en-US" b="0" dirty="0" smtClean="0">
+                <a:latin typeface="Calibri" charset="0"/>
+                <a:ea typeface="Calibri" charset="0"/>
+                <a:cs typeface="Calibri" charset="0"/>
+              </a:rPr>
+              <a:t>Robot assisted therapy</a:t>
+            </a:r>
+          </a:p>
+          <a:p>
+            <a:pPr marL="342900" indent="-342900">
+              <a:buFont typeface="Arial"/>
+              <a:buChar char="•"/>
+            </a:pPr>
+            <a:r>
+              <a:rPr lang="en-US" b="0" dirty="0" smtClean="0">
+                <a:latin typeface="Calibri" charset="0"/>
+                <a:ea typeface="Calibri" charset="0"/>
+                <a:cs typeface="Calibri" charset="0"/>
+              </a:rPr>
+              <a:t>Biomimetic and brain-based robotics</a:t>
+            </a:r>
+          </a:p>
+        </p:txBody>
+      </p:sp>
+      <p:sp>
+        <p:nvSpPr>
+          <p:cNvPr id="5" name="TextBox 4"/>
+          <p:cNvSpPr txBox="1"/>
+          <p:nvPr/>
+        </p:nvSpPr>
+        <p:spPr>
+          <a:xfrm>
+            <a:off x="457200" y="712382"/>
+            <a:ext cx="1368644" cy="769441"/>
+          </a:xfrm>
+          <a:prstGeom prst="rect">
+            <a:avLst/>
+          </a:prstGeom>
+          <a:noFill/>
+        </p:spPr>
+        <p:txBody>
+          <a:bodyPr wrap="none" rtlCol="0">
+            <a:spAutoFit/>
+          </a:bodyPr>
+          <a:lstStyle/>
+          <a:p>
+            <a:r>
+              <a:rPr lang="en-GB" sz="4400" dirty="0" smtClean="0">
+                <a:solidFill>
+                  <a:srgbClr val="C00000"/>
+                </a:solidFill>
+                <a:latin typeface="Calibri Light" charset="0"/>
+                <a:ea typeface="Calibri Light" charset="0"/>
+                <a:cs typeface="Calibri Light" charset="0"/>
+              </a:rPr>
+              <a:t>MiRo</a:t>
+            </a:r>
+            <a:endParaRPr lang="en-GB" sz="4400" dirty="0">
+              <a:latin typeface="Calibri Light" charset="0"/>
+              <a:ea typeface="Calibri Light" charset="0"/>
+              <a:cs typeface="Calibri Light" charset="0"/>
+            </a:endParaRPr>
           </a:p>
         </p:txBody>
       </p:sp>
     </p:spTree>
     <p:extLst>
       <p:ext uri="{BB962C8B-B14F-4D97-AF65-F5344CB8AC3E}">
-        <p14:creationId xmlns:p14="http://schemas.microsoft.com/office/powerpoint/2010/main" val="364182017"/>
+        <p14:creationId xmlns:p14="http://schemas.microsoft.com/office/powerpoint/2010/main" val="1768347230"/>
       </p:ext>
     </p:extLst>
   </p:cSld>
@@ -4188,133 +6186,115 @@
       </p:grpSpPr>
       <p:sp>
         <p:nvSpPr>
-          <p:cNvPr id="2" name="Title 1"/>
-          <p:cNvSpPr>
-            <a:spLocks noGrp="1"/>
-          </p:cNvSpPr>
-          <p:nvPr>
-            <p:ph type="title"/>
-          </p:nvPr>
-        </p:nvSpPr>
-        <p:spPr/>
-        <p:txBody>
-          <a:bodyPr/>
+          <p:cNvPr id="5" name="TextBox 4"/>
+          <p:cNvSpPr txBox="1"/>
+          <p:nvPr/>
+        </p:nvSpPr>
+        <p:spPr>
+          <a:xfrm>
+            <a:off x="457200" y="712382"/>
+            <a:ext cx="1300099" cy="769441"/>
+          </a:xfrm>
+          <a:prstGeom prst="rect">
+            <a:avLst/>
+          </a:prstGeom>
+          <a:noFill/>
+        </p:spPr>
+        <p:txBody>
+          <a:bodyPr wrap="none" rtlCol="0">
+            <a:spAutoFit/>
+          </a:bodyPr>
           <a:lstStyle/>
           <a:p>
             <a:r>
-              <a:rPr lang="en-US" dirty="0" smtClean="0"/>
-              <a:t>note</a:t>
-            </a:r>
-            <a:endParaRPr lang="en-US" dirty="0"/>
-          </a:p>
-        </p:txBody>
-      </p:sp>
-      <p:sp>
-        <p:nvSpPr>
-          <p:cNvPr id="3" name="Content Placeholder 2"/>
-          <p:cNvSpPr>
-            <a:spLocks noGrp="1"/>
-          </p:cNvSpPr>
-          <p:nvPr>
-            <p:ph idx="1"/>
-          </p:nvPr>
-        </p:nvSpPr>
-        <p:spPr/>
-        <p:txBody>
-          <a:bodyPr/>
-          <a:lstStyle/>
-          <a:p>
-            <a:pPr marL="342900" indent="-342900">
-              <a:buFont typeface="Arial"/>
-              <a:buChar char="•"/>
-            </a:pPr>
-            <a:r>
-              <a:rPr lang="en-US" dirty="0" smtClean="0"/>
-              <a:t>The following slides are a </a:t>
-            </a:r>
-            <a:r>
-              <a:rPr lang="en-US" dirty="0" smtClean="0">
-                <a:solidFill>
-                  <a:srgbClr val="D1282E"/>
-                </a:solidFill>
-              </a:rPr>
-              <a:t>summarization</a:t>
-            </a:r>
-            <a:r>
-              <a:rPr lang="en-US" dirty="0" smtClean="0"/>
-              <a:t> of what is described </a:t>
-            </a:r>
-            <a:r>
-              <a:rPr lang="en-US" dirty="0"/>
-              <a:t>in detail here:  </a:t>
-            </a:r>
-            <a:r>
-              <a:rPr lang="en-US" dirty="0">
-                <a:hlinkClick r:id="rId2"/>
-              </a:rPr>
-              <a:t>https://consequential.bitbucket.io</a:t>
-            </a:r>
-            <a:r>
-              <a:rPr lang="en-US" dirty="0" smtClean="0">
-                <a:hlinkClick r:id="rId2"/>
-              </a:rPr>
-              <a:t>/</a:t>
-            </a:r>
-            <a:endParaRPr lang="en-US" dirty="0" smtClean="0"/>
-          </a:p>
-          <a:p>
-            <a:pPr marL="342900" indent="-342900">
-              <a:buFont typeface="Arial"/>
-              <a:buChar char="•"/>
-            </a:pPr>
-            <a:r>
-              <a:rPr lang="en-US" dirty="0" smtClean="0"/>
-              <a:t>Specifically the </a:t>
-            </a:r>
-            <a:r>
-              <a:rPr lang="en-US" dirty="0" smtClean="0">
-                <a:solidFill>
-                  <a:srgbClr val="D1282E"/>
-                </a:solidFill>
-              </a:rPr>
-              <a:t>Developer Manual</a:t>
-            </a:r>
-            <a:r>
-              <a:rPr lang="en-US" dirty="0" smtClean="0"/>
-              <a:t>: </a:t>
-            </a:r>
-            <a:r>
-              <a:rPr lang="en-US" dirty="0">
-                <a:hlinkClick r:id="rId3"/>
-              </a:rPr>
-              <a:t>https://</a:t>
-            </a:r>
-            <a:r>
-              <a:rPr lang="en-US" dirty="0" err="1">
-                <a:hlinkClick r:id="rId3"/>
-              </a:rPr>
-              <a:t>consequential.bitbucket.io</a:t>
-            </a:r>
-            <a:r>
-              <a:rPr lang="en-US" dirty="0">
-                <a:hlinkClick r:id="rId3"/>
-              </a:rPr>
-              <a:t>/</a:t>
-            </a:r>
-            <a:r>
-              <a:rPr lang="en-US" dirty="0" err="1">
-                <a:hlinkClick r:id="rId3"/>
-              </a:rPr>
-              <a:t>Developer.html</a:t>
-            </a:r>
-            <a:endParaRPr lang="en-US" dirty="0" smtClean="0"/>
-          </a:p>
-        </p:txBody>
-      </p:sp>
+              <a:rPr lang="en-GB" sz="4400" dirty="0" smtClean="0">
+                <a:solidFill>
+                  <a:srgbClr val="C00000"/>
+                </a:solidFill>
+                <a:latin typeface="Calibri Light" charset="0"/>
+                <a:ea typeface="Calibri Light" charset="0"/>
+                <a:cs typeface="Calibri Light" charset="0"/>
+              </a:rPr>
+              <a:t>N</a:t>
+            </a:r>
+            <a:r>
+              <a:rPr lang="en-GB" sz="4400" dirty="0" smtClean="0">
+                <a:latin typeface="Calibri Light" charset="0"/>
+                <a:ea typeface="Calibri Light" charset="0"/>
+                <a:cs typeface="Calibri Light" charset="0"/>
+              </a:rPr>
+              <a:t>ote</a:t>
+            </a:r>
+            <a:endParaRPr lang="en-GB" sz="4400" dirty="0">
+              <a:latin typeface="Calibri Light" charset="0"/>
+              <a:ea typeface="Calibri Light" charset="0"/>
+              <a:cs typeface="Calibri Light" charset="0"/>
+            </a:endParaRPr>
+          </a:p>
+        </p:txBody>
+      </p:sp>
+      <p:pic>
+        <p:nvPicPr>
+          <p:cNvPr id="4" name="Picture 3"/>
+          <p:cNvPicPr>
+            <a:picLocks noChangeAspect="1"/>
+          </p:cNvPicPr>
+          <p:nvPr/>
+        </p:nvPicPr>
+        <p:blipFill rotWithShape="1">
+          <a:blip r:embed="rId2">
+            <a:extLst>
+              <a:ext uri="{28A0092B-C50C-407E-A947-70E740481C1C}">
+                <a14:useLocalDpi xmlns:a14="http://schemas.microsoft.com/office/drawing/2010/main" val="0"/>
+              </a:ext>
+            </a:extLst>
+          </a:blip>
+          <a:srcRect l="1018" t="3812" r="1309" b="3735"/>
+          <a:stretch/>
+        </p:blipFill>
+        <p:spPr>
+          <a:xfrm>
+            <a:off x="4744800" y="1695600"/>
+            <a:ext cx="3600000" cy="4410000"/>
+          </a:xfrm>
+          <a:prstGeom prst="rect">
+            <a:avLst/>
+          </a:prstGeom>
+        </p:spPr>
+      </p:pic>
+      <p:pic>
+        <p:nvPicPr>
+          <p:cNvPr id="6" name="Picture 5"/>
+          <p:cNvPicPr>
+            <a:picLocks noChangeAspect="1"/>
+          </p:cNvPicPr>
+          <p:nvPr/>
+        </p:nvPicPr>
+        <p:blipFill rotWithShape="1">
+          <a:blip r:embed="rId3">
+            <a:extLst>
+              <a:ext uri="{28A0092B-C50C-407E-A947-70E740481C1C}">
+                <a14:useLocalDpi xmlns:a14="http://schemas.microsoft.com/office/drawing/2010/main" val="0"/>
+              </a:ext>
+            </a:extLst>
+          </a:blip>
+          <a:srcRect l="1074" r="-1074"/>
+          <a:stretch/>
+        </p:blipFill>
+        <p:spPr>
+          <a:xfrm>
+            <a:off x="1386000" y="1695600"/>
+            <a:ext cx="2662155" cy="4836688"/>
+          </a:xfrm>
+          <a:prstGeom prst="rect">
+            <a:avLst/>
+          </a:prstGeom>
+        </p:spPr>
+      </p:pic>
     </p:spTree>
     <p:extLst>
       <p:ext uri="{BB962C8B-B14F-4D97-AF65-F5344CB8AC3E}">
-        <p14:creationId xmlns:p14="http://schemas.microsoft.com/office/powerpoint/2010/main" val="1706174166"/>
+        <p14:creationId xmlns:p14="http://schemas.microsoft.com/office/powerpoint/2010/main" val="500551369"/>
       </p:ext>
     </p:extLst>
   </p:cSld>
@@ -4343,27 +6323,396 @@
       </p:grpSpPr>
       <p:sp>
         <p:nvSpPr>
-          <p:cNvPr id="12" name="Title 11"/>
+          <p:cNvPr id="5" name="TextBox 4"/>
+          <p:cNvSpPr txBox="1"/>
+          <p:nvPr/>
+        </p:nvSpPr>
+        <p:spPr>
+          <a:xfrm>
+            <a:off x="457199" y="2530549"/>
+            <a:ext cx="3698064" cy="769441"/>
+          </a:xfrm>
+          <a:prstGeom prst="rect">
+            <a:avLst/>
+          </a:prstGeom>
+          <a:noFill/>
+        </p:spPr>
+        <p:txBody>
+          <a:bodyPr wrap="none" rtlCol="0">
+            <a:spAutoFit/>
+          </a:bodyPr>
+          <a:lstStyle/>
+          <a:p>
+            <a:r>
+              <a:rPr lang="en-GB" sz="4400" dirty="0" smtClean="0">
+                <a:solidFill>
+                  <a:srgbClr val="C00000"/>
+                </a:solidFill>
+                <a:latin typeface="Calibri Light" charset="0"/>
+                <a:ea typeface="Calibri Light" charset="0"/>
+                <a:cs typeface="Calibri Light" charset="0"/>
+              </a:rPr>
+              <a:t>S</a:t>
+            </a:r>
+            <a:r>
+              <a:rPr lang="en-GB" sz="4400" dirty="0" smtClean="0">
+                <a:latin typeface="Calibri Light" charset="0"/>
+                <a:ea typeface="Calibri Light" charset="0"/>
+                <a:cs typeface="Calibri Light" charset="0"/>
+              </a:rPr>
+              <a:t>etup </a:t>
+            </a:r>
+            <a:r>
+              <a:rPr lang="en-GB" sz="4400" dirty="0" smtClean="0">
+                <a:solidFill>
+                  <a:srgbClr val="C00000"/>
+                </a:solidFill>
+                <a:latin typeface="Calibri Light" charset="0"/>
+                <a:ea typeface="Calibri Light" charset="0"/>
+                <a:cs typeface="Calibri Light" charset="0"/>
+              </a:rPr>
+              <a:t>f</a:t>
+            </a:r>
+            <a:r>
+              <a:rPr lang="en-GB" sz="4400" dirty="0" smtClean="0">
+                <a:latin typeface="Calibri Light" charset="0"/>
+                <a:ea typeface="Calibri Light" charset="0"/>
+                <a:cs typeface="Calibri Light" charset="0"/>
+              </a:rPr>
+              <a:t>or </a:t>
+            </a:r>
+            <a:r>
+              <a:rPr lang="en-GB" sz="4400" dirty="0" smtClean="0">
+                <a:solidFill>
+                  <a:srgbClr val="C00000"/>
+                </a:solidFill>
+                <a:latin typeface="Calibri Light" charset="0"/>
+                <a:ea typeface="Calibri Light" charset="0"/>
+                <a:cs typeface="Calibri Light" charset="0"/>
+              </a:rPr>
+              <a:t>MiRo</a:t>
+            </a:r>
+            <a:endParaRPr lang="en-GB" sz="4400" dirty="0">
+              <a:latin typeface="Calibri Light" charset="0"/>
+              <a:ea typeface="Calibri Light" charset="0"/>
+              <a:cs typeface="Calibri Light" charset="0"/>
+            </a:endParaRPr>
+          </a:p>
+        </p:txBody>
+      </p:sp>
+      <p:sp>
+        <p:nvSpPr>
+          <p:cNvPr id="8" name="TextBox 7"/>
+          <p:cNvSpPr txBox="1"/>
+          <p:nvPr/>
+        </p:nvSpPr>
+        <p:spPr>
+          <a:xfrm>
+            <a:off x="457199" y="4869712"/>
+            <a:ext cx="5760103" cy="400110"/>
+          </a:xfrm>
+          <a:prstGeom prst="rect">
+            <a:avLst/>
+          </a:prstGeom>
+          <a:noFill/>
+        </p:spPr>
+        <p:txBody>
+          <a:bodyPr wrap="none" rtlCol="0">
+            <a:spAutoFit/>
+          </a:bodyPr>
+          <a:lstStyle/>
+          <a:p>
+            <a:r>
+              <a:rPr lang="en-GB" sz="2000" dirty="0" smtClean="0">
+                <a:latin typeface="Calibri" charset="0"/>
+                <a:ea typeface="Calibri" charset="0"/>
+                <a:cs typeface="Calibri" charset="0"/>
+              </a:rPr>
+              <a:t>About MiRo: </a:t>
+            </a:r>
+            <a:r>
+              <a:rPr lang="en-GB" sz="2000" dirty="0" smtClean="0">
+                <a:latin typeface="Calibri" charset="0"/>
+                <a:ea typeface="Calibri" charset="0"/>
+                <a:cs typeface="Calibri" charset="0"/>
+                <a:hlinkClick r:id="rId2"/>
+              </a:rPr>
+              <a:t>http://</a:t>
+            </a:r>
+            <a:r>
+              <a:rPr lang="en-GB" sz="2000" dirty="0" err="1" smtClean="0">
+                <a:latin typeface="Calibri" charset="0"/>
+                <a:ea typeface="Calibri" charset="0"/>
+                <a:cs typeface="Calibri" charset="0"/>
+                <a:hlinkClick r:id="rId2"/>
+              </a:rPr>
+              <a:t>consequentialrobotics.com</a:t>
+            </a:r>
+            <a:r>
+              <a:rPr lang="en-GB" sz="2000" dirty="0" smtClean="0">
+                <a:latin typeface="Calibri" charset="0"/>
+                <a:ea typeface="Calibri" charset="0"/>
+                <a:cs typeface="Calibri" charset="0"/>
+                <a:hlinkClick r:id="rId2"/>
+              </a:rPr>
+              <a:t>/</a:t>
+            </a:r>
+            <a:r>
+              <a:rPr lang="en-GB" sz="2000" dirty="0" err="1" smtClean="0">
+                <a:latin typeface="Calibri" charset="0"/>
+                <a:ea typeface="Calibri" charset="0"/>
+                <a:cs typeface="Calibri" charset="0"/>
+                <a:hlinkClick r:id="rId2"/>
+              </a:rPr>
+              <a:t>miro</a:t>
+            </a:r>
+            <a:r>
+              <a:rPr lang="en-GB" sz="2000" dirty="0" smtClean="0">
+                <a:latin typeface="Calibri" charset="0"/>
+                <a:ea typeface="Calibri" charset="0"/>
+                <a:cs typeface="Calibri" charset="0"/>
+                <a:hlinkClick r:id="rId2"/>
+              </a:rPr>
+              <a:t>/</a:t>
+            </a:r>
+            <a:endParaRPr lang="en-GB" sz="2000" dirty="0">
+              <a:latin typeface="Calibri" charset="0"/>
+              <a:ea typeface="Calibri" charset="0"/>
+              <a:cs typeface="Calibri" charset="0"/>
+            </a:endParaRPr>
+          </a:p>
+        </p:txBody>
+      </p:sp>
+    </p:spTree>
+    <p:extLst>
+      <p:ext uri="{BB962C8B-B14F-4D97-AF65-F5344CB8AC3E}">
+        <p14:creationId xmlns:p14="http://schemas.microsoft.com/office/powerpoint/2010/main" val="364182017"/>
+      </p:ext>
+    </p:extLst>
+  </p:cSld>
+  <p:clrMapOvr>
+    <a:masterClrMapping/>
+  </p:clrMapOvr>
+</p:sld>
+</file>
+
+<file path=ppt/slides/slide5.xml><?xml version="1.0" encoding="utf-8"?>
+<p:sld xmlns:a="http://schemas.openxmlformats.org/drawingml/2006/main" xmlns:r="http://schemas.openxmlformats.org/officeDocument/2006/relationships" xmlns:p="http://schemas.openxmlformats.org/presentationml/2006/main">
+  <p:cSld>
+    <p:spTree>
+      <p:nvGrpSpPr>
+        <p:cNvPr id="1" name=""/>
+        <p:cNvGrpSpPr/>
+        <p:nvPr/>
+      </p:nvGrpSpPr>
+      <p:grpSpPr>
+        <a:xfrm>
+          <a:off x="0" y="0"/>
+          <a:ext cx="0" cy="0"/>
+          <a:chOff x="0" y="0"/>
+          <a:chExt cx="0" cy="0"/>
+        </a:xfrm>
+      </p:grpSpPr>
+      <p:sp>
+        <p:nvSpPr>
+          <p:cNvPr id="3" name="Content Placeholder 2"/>
           <p:cNvSpPr>
             <a:spLocks noGrp="1"/>
           </p:cNvSpPr>
           <p:nvPr>
-            <p:ph type="title"/>
+            <p:ph idx="1"/>
           </p:nvPr>
         </p:nvSpPr>
         <p:spPr/>
         <p:txBody>
-          <a:bodyPr/>
+          <a:bodyPr>
+            <a:normAutofit/>
+          </a:bodyPr>
           <a:lstStyle/>
           <a:p>
-            <a:r>
-              <a:rPr lang="en-US" dirty="0" smtClean="0"/>
-              <a:t>Critical points</a:t>
-            </a:r>
-            <a:endParaRPr lang="en-US" dirty="0"/>
-          </a:p>
-        </p:txBody>
-      </p:sp>
+            <a:pPr marL="342900" indent="-342900">
+              <a:buFont typeface="Arial"/>
+              <a:buChar char="•"/>
+            </a:pPr>
+            <a:r>
+              <a:rPr lang="en-US" b="0" dirty="0" smtClean="0">
+                <a:latin typeface="Calibri" charset="0"/>
+                <a:ea typeface="Calibri" charset="0"/>
+                <a:cs typeface="Calibri" charset="0"/>
+              </a:rPr>
+              <a:t>The following slides are a </a:t>
+            </a:r>
+            <a:r>
+              <a:rPr lang="en-GB" dirty="0" smtClean="0">
+                <a:solidFill>
+                  <a:srgbClr val="C00000"/>
+                </a:solidFill>
+                <a:latin typeface="Calibri Light" charset="0"/>
+                <a:ea typeface="Calibri Light" charset="0"/>
+                <a:cs typeface="Calibri Light" charset="0"/>
+              </a:rPr>
+              <a:t>quick summary</a:t>
+            </a:r>
+            <a:r>
+              <a:rPr lang="en-US" b="0" dirty="0" smtClean="0">
+                <a:solidFill>
+                  <a:srgbClr val="D1282E"/>
+                </a:solidFill>
+                <a:latin typeface="Calibri" charset="0"/>
+                <a:ea typeface="Calibri" charset="0"/>
+                <a:cs typeface="Calibri" charset="0"/>
+              </a:rPr>
+              <a:t> </a:t>
+            </a:r>
+            <a:r>
+              <a:rPr lang="en-US" b="0" dirty="0" smtClean="0">
+                <a:latin typeface="Calibri" charset="0"/>
+                <a:ea typeface="Calibri" charset="0"/>
+                <a:cs typeface="Calibri" charset="0"/>
+              </a:rPr>
+              <a:t>of what is described </a:t>
+            </a:r>
+            <a:r>
+              <a:rPr lang="en-US" b="0" dirty="0">
+                <a:latin typeface="Calibri" charset="0"/>
+                <a:ea typeface="Calibri" charset="0"/>
+                <a:cs typeface="Calibri" charset="0"/>
+              </a:rPr>
+              <a:t>in detail here:  </a:t>
+            </a:r>
+            <a:r>
+              <a:rPr lang="en-US" b="0" dirty="0">
+                <a:latin typeface="Calibri" charset="0"/>
+                <a:ea typeface="Calibri" charset="0"/>
+                <a:cs typeface="Calibri" charset="0"/>
+                <a:hlinkClick r:id="rId2"/>
+              </a:rPr>
+              <a:t>https://consequential.bitbucket.io</a:t>
+            </a:r>
+            <a:r>
+              <a:rPr lang="en-US" b="0" dirty="0" smtClean="0">
+                <a:latin typeface="Calibri" charset="0"/>
+                <a:ea typeface="Calibri" charset="0"/>
+                <a:cs typeface="Calibri" charset="0"/>
+                <a:hlinkClick r:id="rId2"/>
+              </a:rPr>
+              <a:t>/</a:t>
+            </a:r>
+            <a:endParaRPr lang="en-US" b="0" dirty="0" smtClean="0">
+              <a:latin typeface="Calibri" charset="0"/>
+              <a:ea typeface="Calibri" charset="0"/>
+              <a:cs typeface="Calibri" charset="0"/>
+            </a:endParaRPr>
+          </a:p>
+          <a:p>
+            <a:pPr marL="342900" indent="-342900">
+              <a:buFont typeface="Arial"/>
+              <a:buChar char="•"/>
+            </a:pPr>
+            <a:r>
+              <a:rPr lang="en-US" b="0" dirty="0" smtClean="0">
+                <a:latin typeface="Calibri" charset="0"/>
+                <a:ea typeface="Calibri" charset="0"/>
+                <a:cs typeface="Calibri" charset="0"/>
+              </a:rPr>
+              <a:t>Specifically the ‘developer manual’: </a:t>
+            </a:r>
+            <a:r>
+              <a:rPr lang="en-US" b="0" dirty="0">
+                <a:latin typeface="Calibri" charset="0"/>
+                <a:ea typeface="Calibri" charset="0"/>
+                <a:cs typeface="Calibri" charset="0"/>
+                <a:hlinkClick r:id="rId3"/>
+              </a:rPr>
+              <a:t>https://consequential.bitbucket.io/Developer.html</a:t>
+            </a:r>
+            <a:endParaRPr lang="en-US" b="0" dirty="0" smtClean="0">
+              <a:latin typeface="Calibri" charset="0"/>
+              <a:ea typeface="Calibri" charset="0"/>
+              <a:cs typeface="Calibri" charset="0"/>
+            </a:endParaRPr>
+          </a:p>
+        </p:txBody>
+      </p:sp>
+      <p:sp>
+        <p:nvSpPr>
+          <p:cNvPr id="5" name="TextBox 4"/>
+          <p:cNvSpPr txBox="1"/>
+          <p:nvPr/>
+        </p:nvSpPr>
+        <p:spPr>
+          <a:xfrm>
+            <a:off x="457200" y="712382"/>
+            <a:ext cx="1300099" cy="769441"/>
+          </a:xfrm>
+          <a:prstGeom prst="rect">
+            <a:avLst/>
+          </a:prstGeom>
+          <a:noFill/>
+        </p:spPr>
+        <p:txBody>
+          <a:bodyPr wrap="none" rtlCol="0">
+            <a:spAutoFit/>
+          </a:bodyPr>
+          <a:lstStyle/>
+          <a:p>
+            <a:r>
+              <a:rPr lang="en-GB" sz="4400" dirty="0" smtClean="0">
+                <a:solidFill>
+                  <a:srgbClr val="C00000"/>
+                </a:solidFill>
+                <a:latin typeface="Calibri Light" charset="0"/>
+                <a:ea typeface="Calibri Light" charset="0"/>
+                <a:cs typeface="Calibri Light" charset="0"/>
+              </a:rPr>
+              <a:t>N</a:t>
+            </a:r>
+            <a:r>
+              <a:rPr lang="en-GB" sz="4400" dirty="0" smtClean="0">
+                <a:latin typeface="Calibri Light" charset="0"/>
+                <a:ea typeface="Calibri Light" charset="0"/>
+                <a:cs typeface="Calibri Light" charset="0"/>
+              </a:rPr>
+              <a:t>ote</a:t>
+            </a:r>
+            <a:endParaRPr lang="en-GB" sz="4400" dirty="0">
+              <a:latin typeface="Calibri Light" charset="0"/>
+              <a:ea typeface="Calibri Light" charset="0"/>
+              <a:cs typeface="Calibri Light" charset="0"/>
+            </a:endParaRPr>
+          </a:p>
+        </p:txBody>
+      </p:sp>
+    </p:spTree>
+    <p:extLst>
+      <p:ext uri="{BB962C8B-B14F-4D97-AF65-F5344CB8AC3E}">
+        <p14:creationId xmlns:p14="http://schemas.microsoft.com/office/powerpoint/2010/main" val="1706174166"/>
+      </p:ext>
+    </p:extLst>
+  </p:cSld>
+  <p:clrMapOvr>
+    <a:masterClrMapping/>
+  </p:clrMapOvr>
+</p:sld>
+</file>
+
+<file path=ppt/slides/slide6.xml><?xml version="1.0" encoding="utf-8"?>
+<p:sld xmlns:a="http://schemas.openxmlformats.org/drawingml/2006/main" xmlns:r="http://schemas.openxmlformats.org/officeDocument/2006/relationships" xmlns:p="http://schemas.openxmlformats.org/presentationml/2006/main">
+  <p:cSld>
+    <p:spTree>
+      <p:nvGrpSpPr>
+        <p:cNvPr id="1" name=""/>
+        <p:cNvGrpSpPr/>
+        <p:nvPr/>
+      </p:nvGrpSpPr>
+      <p:grpSpPr>
+        <a:xfrm>
+          <a:off x="0" y="0"/>
+          <a:ext cx="0" cy="0"/>
+          <a:chOff x="0" y="0"/>
+          <a:chExt cx="0" cy="0"/>
+        </a:xfrm>
+      </p:grpSpPr>
       <p:sp>
         <p:nvSpPr>
           <p:cNvPr id="13" name="Text Placeholder 12"/>
@@ -4380,10 +6729,18 @@
           <a:lstStyle/>
           <a:p>
             <a:r>
-              <a:rPr lang="en-US" dirty="0" smtClean="0"/>
+              <a:rPr lang="en-US" dirty="0" smtClean="0">
+                <a:latin typeface="Calibri" charset="0"/>
+                <a:ea typeface="Calibri" charset="0"/>
+                <a:cs typeface="Calibri" charset="0"/>
+              </a:rPr>
               <a:t>Hardware</a:t>
             </a:r>
-            <a:endParaRPr lang="en-US" dirty="0"/>
+            <a:endParaRPr lang="en-US" dirty="0">
+              <a:latin typeface="Calibri" charset="0"/>
+              <a:ea typeface="Calibri" charset="0"/>
+              <a:cs typeface="Calibri" charset="0"/>
+            </a:endParaRPr>
           </a:p>
         </p:txBody>
       </p:sp>
@@ -4405,7 +6762,7 @@
         </p:spPr>
         <p:txBody>
           <a:bodyPr>
-            <a:normAutofit fontScale="85000" lnSpcReduction="10000"/>
+            <a:noAutofit/>
           </a:bodyPr>
           <a:lstStyle/>
           <a:p>
@@ -4414,19 +6771,35 @@
               <a:buChar char="•"/>
             </a:pPr>
             <a:r>
-              <a:rPr lang="en-US" sz="2100" dirty="0" smtClean="0"/>
+              <a:rPr lang="en-US" sz="1800" b="0" dirty="0" smtClean="0">
+                <a:latin typeface="Calibri" charset="0"/>
+                <a:ea typeface="Calibri" charset="0"/>
+                <a:cs typeface="Calibri" charset="0"/>
+              </a:rPr>
               <a:t>While removing or inserting batteries. Place </a:t>
             </a:r>
             <a:r>
-              <a:rPr lang="en-US" sz="2100" dirty="0" err="1" smtClean="0"/>
+              <a:rPr lang="en-US" sz="1800" b="0" dirty="0" err="1" smtClean="0">
+                <a:latin typeface="Calibri" charset="0"/>
+                <a:ea typeface="Calibri" charset="0"/>
+                <a:cs typeface="Calibri" charset="0"/>
+              </a:rPr>
               <a:t>MiRo</a:t>
             </a:r>
             <a:r>
-              <a:rPr lang="en-US" sz="2100" dirty="0"/>
+              <a:rPr lang="en-US" sz="1800" b="0" dirty="0">
+                <a:latin typeface="Calibri" charset="0"/>
+                <a:ea typeface="Calibri" charset="0"/>
+                <a:cs typeface="Calibri" charset="0"/>
+              </a:rPr>
               <a:t> </a:t>
             </a:r>
             <a:r>
-              <a:rPr lang="en-US" sz="2100" dirty="0" smtClean="0"/>
+              <a:rPr lang="en-US" sz="1800" b="0" dirty="0" smtClean="0">
+                <a:latin typeface="Calibri" charset="0"/>
+                <a:ea typeface="Calibri" charset="0"/>
+                <a:cs typeface="Calibri" charset="0"/>
+              </a:rPr>
               <a:t>as can be seen in the image on the left.</a:t>
             </a:r>
           </a:p>
@@ -4436,34 +6809,60 @@
               <a:buChar char="•"/>
             </a:pPr>
             <a:r>
-              <a:rPr lang="en-US" sz="2100" dirty="0"/>
+              <a:rPr lang="en-US" sz="1800" b="0" dirty="0">
+                <a:latin typeface="Calibri" charset="0"/>
+                <a:ea typeface="Calibri" charset="0"/>
+                <a:cs typeface="Calibri" charset="0"/>
+              </a:rPr>
               <a:t>Q</a:t>
             </a:r>
             <a:r>
-              <a:rPr lang="en-US" sz="2100" dirty="0" smtClean="0"/>
+              <a:rPr lang="en-US" sz="1800" b="0" dirty="0" smtClean="0">
+                <a:latin typeface="Calibri" charset="0"/>
+                <a:ea typeface="Calibri" charset="0"/>
+                <a:cs typeface="Calibri" charset="0"/>
+              </a:rPr>
               <a:t>uick look at </a:t>
             </a:r>
             <a:r>
-              <a:rPr lang="en-US" sz="2100" dirty="0"/>
+              <a:rPr lang="en-US" sz="1800" b="0" dirty="0">
+                <a:latin typeface="Calibri" charset="0"/>
+                <a:ea typeface="Calibri" charset="0"/>
+                <a:cs typeface="Calibri" charset="0"/>
+              </a:rPr>
               <a:t>this </a:t>
             </a:r>
             <a:r>
-              <a:rPr lang="en-US" sz="2100" dirty="0" smtClean="0"/>
+              <a:rPr lang="en-US" sz="1800" b="0" dirty="0" smtClean="0">
+                <a:latin typeface="Calibri" charset="0"/>
+                <a:ea typeface="Calibri" charset="0"/>
+                <a:cs typeface="Calibri" charset="0"/>
+              </a:rPr>
               <a:t>page (related to basic safety): </a:t>
             </a:r>
             <a:r>
-              <a:rPr lang="en-US" sz="1900" dirty="0">
+              <a:rPr lang="en-US" sz="1800" b="0" dirty="0">
+                <a:latin typeface="Calibri" charset="0"/>
+                <a:ea typeface="Calibri" charset="0"/>
+                <a:cs typeface="Calibri" charset="0"/>
                 <a:hlinkClick r:id="rId2"/>
               </a:rPr>
               <a:t>https://</a:t>
             </a:r>
             <a:r>
-              <a:rPr lang="en-US" sz="1900" dirty="0" smtClean="0">
+              <a:rPr lang="en-US" sz="1800" b="0" dirty="0" smtClean="0">
+                <a:latin typeface="Calibri" charset="0"/>
+                <a:ea typeface="Calibri" charset="0"/>
+                <a:cs typeface="Calibri" charset="0"/>
                 <a:hlinkClick r:id="rId2"/>
               </a:rPr>
               <a:t>consequential.bitbucket.io/Demonstrator_Commissioning_Before_You_Start.html</a:t>
             </a:r>
-            <a:endParaRPr lang="en-US" sz="1900" dirty="0" smtClean="0"/>
+            <a:endParaRPr lang="en-US" sz="1800" b="0" dirty="0" smtClean="0">
+              <a:latin typeface="Calibri" charset="0"/>
+              <a:ea typeface="Calibri" charset="0"/>
+              <a:cs typeface="Calibri" charset="0"/>
+            </a:endParaRPr>
           </a:p>
           <a:p>
             <a:pPr marL="342900" indent="-342900">
@@ -4471,52 +6870,84 @@
               <a:buChar char="•"/>
             </a:pPr>
             <a:r>
-              <a:rPr lang="en-US" sz="2100" dirty="0" smtClean="0"/>
+              <a:rPr lang="en-US" sz="1800" b="0" dirty="0" smtClean="0">
+                <a:latin typeface="Calibri" charset="0"/>
+                <a:ea typeface="Calibri" charset="0"/>
+                <a:cs typeface="Calibri" charset="0"/>
+              </a:rPr>
               <a:t>Quick look at this page (</a:t>
             </a:r>
             <a:r>
-              <a:rPr lang="en-US" sz="2100" dirty="0"/>
+              <a:rPr lang="en-US" sz="1800" b="0" dirty="0">
+                <a:latin typeface="Calibri" charset="0"/>
+                <a:ea typeface="Calibri" charset="0"/>
+                <a:cs typeface="Calibri" charset="0"/>
+              </a:rPr>
               <a:t>if any technical doubts): </a:t>
             </a:r>
             <a:r>
-              <a:rPr lang="en-US" sz="1900" dirty="0">
+              <a:rPr lang="en-US" sz="1800" b="0" dirty="0">
+                <a:latin typeface="Calibri" charset="0"/>
+                <a:ea typeface="Calibri" charset="0"/>
+                <a:cs typeface="Calibri" charset="0"/>
                 <a:hlinkClick r:id="rId3"/>
               </a:rPr>
               <a:t>https://</a:t>
             </a:r>
             <a:r>
-              <a:rPr lang="en-US" sz="1900" dirty="0" err="1">
+              <a:rPr lang="en-US" sz="1800" b="0" dirty="0" err="1">
+                <a:latin typeface="Calibri" charset="0"/>
+                <a:ea typeface="Calibri" charset="0"/>
+                <a:cs typeface="Calibri" charset="0"/>
                 <a:hlinkClick r:id="rId3"/>
               </a:rPr>
               <a:t>consequential.bitbucket.io</a:t>
             </a:r>
             <a:r>
-              <a:rPr lang="en-US" sz="1900" dirty="0">
+              <a:rPr lang="en-US" sz="1800" b="0" dirty="0">
+                <a:latin typeface="Calibri" charset="0"/>
+                <a:ea typeface="Calibri" charset="0"/>
+                <a:cs typeface="Calibri" charset="0"/>
                 <a:hlinkClick r:id="rId3"/>
               </a:rPr>
               <a:t>/</a:t>
             </a:r>
             <a:r>
-              <a:rPr lang="en-US" sz="1900" dirty="0" err="1">
+              <a:rPr lang="en-US" sz="1800" b="0" dirty="0" err="1">
+                <a:latin typeface="Calibri" charset="0"/>
+                <a:ea typeface="Calibri" charset="0"/>
+                <a:cs typeface="Calibri" charset="0"/>
                 <a:hlinkClick r:id="rId3"/>
               </a:rPr>
               <a:t>Technical.html</a:t>
             </a:r>
-            <a:endParaRPr lang="en-US" sz="1900" dirty="0" smtClean="0"/>
+            <a:endParaRPr lang="en-US" sz="1800" b="0" dirty="0" smtClean="0">
+              <a:latin typeface="Calibri" charset="0"/>
+              <a:ea typeface="Calibri" charset="0"/>
+              <a:cs typeface="Calibri" charset="0"/>
+            </a:endParaRPr>
           </a:p>
           <a:p>
             <a:pPr marL="342900" indent="-342900">
               <a:buFont typeface="Arial"/>
               <a:buChar char="•"/>
             </a:pPr>
-            <a:endParaRPr lang="en-US" dirty="0" smtClean="0"/>
+            <a:endParaRPr lang="en-US" sz="1800" b="0" dirty="0" smtClean="0">
+              <a:latin typeface="Calibri" charset="0"/>
+              <a:ea typeface="Calibri" charset="0"/>
+              <a:cs typeface="Calibri" charset="0"/>
+            </a:endParaRPr>
           </a:p>
           <a:p>
             <a:pPr marL="342900" indent="-342900">
               <a:buFont typeface="Arial"/>
               <a:buChar char="•"/>
             </a:pPr>
-            <a:endParaRPr lang="en-US" sz="1900" dirty="0" smtClean="0"/>
+            <a:endParaRPr lang="en-US" sz="1800" b="0" dirty="0" smtClean="0">
+              <a:latin typeface="Calibri" charset="0"/>
+              <a:ea typeface="Calibri" charset="0"/>
+              <a:cs typeface="Calibri" charset="0"/>
+            </a:endParaRPr>
           </a:p>
         </p:txBody>
       </p:sp>
@@ -4536,10 +6967,18 @@
           <a:lstStyle/>
           <a:p>
             <a:r>
-              <a:rPr lang="en-US" dirty="0" smtClean="0"/>
+              <a:rPr lang="en-US" dirty="0" smtClean="0">
+                <a:latin typeface="Calibri" charset="0"/>
+                <a:ea typeface="Calibri" charset="0"/>
+                <a:cs typeface="Calibri" charset="0"/>
+              </a:rPr>
               <a:t>software</a:t>
             </a:r>
-            <a:endParaRPr lang="en-US" dirty="0"/>
+            <a:endParaRPr lang="en-US" dirty="0">
+              <a:latin typeface="Calibri" charset="0"/>
+              <a:ea typeface="Calibri" charset="0"/>
+              <a:cs typeface="Calibri" charset="0"/>
+            </a:endParaRPr>
           </a:p>
         </p:txBody>
       </p:sp>
@@ -4561,7 +7000,7 @@
         </p:spPr>
         <p:txBody>
           <a:bodyPr>
-            <a:normAutofit fontScale="77500" lnSpcReduction="20000"/>
+            <a:noAutofit/>
           </a:bodyPr>
           <a:lstStyle/>
           <a:p>
@@ -4570,49 +7009,92 @@
               <a:buChar char="•"/>
             </a:pPr>
             <a:r>
-              <a:rPr lang="en-US" sz="2300" dirty="0" smtClean="0"/>
+              <a:rPr lang="en-US" sz="1800" b="0" dirty="0" smtClean="0">
+                <a:latin typeface="Calibri" charset="0"/>
+                <a:ea typeface="Calibri" charset="0"/>
+                <a:cs typeface="Calibri" charset="0"/>
+              </a:rPr>
               <a:t>If you wish to use </a:t>
             </a:r>
             <a:r>
-              <a:rPr lang="en-US" sz="2300" dirty="0" err="1" smtClean="0"/>
+              <a:rPr lang="en-US" sz="1800" b="0" dirty="0" err="1" smtClean="0">
+                <a:latin typeface="Calibri" charset="0"/>
+                <a:ea typeface="Calibri" charset="0"/>
+                <a:cs typeface="Calibri" charset="0"/>
+              </a:rPr>
               <a:t>MIROsim</a:t>
             </a:r>
             <a:r>
-              <a:rPr lang="en-US" sz="2300" dirty="0"/>
+              <a:rPr lang="en-US" sz="1800" b="0" dirty="0">
+                <a:latin typeface="Calibri" charset="0"/>
+                <a:ea typeface="Calibri" charset="0"/>
+                <a:cs typeface="Calibri" charset="0"/>
+              </a:rPr>
               <a:t> (</a:t>
             </a:r>
             <a:r>
-              <a:rPr lang="en-US" sz="2200" dirty="0">
+              <a:rPr lang="en-US" sz="1800" b="0" dirty="0">
+                <a:latin typeface="Calibri" charset="0"/>
+                <a:ea typeface="Calibri" charset="0"/>
+                <a:cs typeface="Calibri" charset="0"/>
                 <a:hlinkClick r:id="rId4"/>
               </a:rPr>
               <a:t>http://consequentialrobotics.com/mirosim/</a:t>
             </a:r>
             <a:r>
-              <a:rPr lang="en-US" sz="2300" dirty="0" smtClean="0"/>
+              <a:rPr lang="en-US" sz="1800" b="0" dirty="0" smtClean="0">
+                <a:latin typeface="Calibri" charset="0"/>
+                <a:ea typeface="Calibri" charset="0"/>
+                <a:cs typeface="Calibri" charset="0"/>
+              </a:rPr>
               <a:t>). It is better to have </a:t>
             </a:r>
             <a:r>
-              <a:rPr lang="en-US" sz="2300" dirty="0" err="1" smtClean="0"/>
+              <a:rPr lang="en-US" sz="1800" b="0" dirty="0" err="1" smtClean="0">
+                <a:latin typeface="Calibri" charset="0"/>
+                <a:ea typeface="Calibri" charset="0"/>
+                <a:cs typeface="Calibri" charset="0"/>
+              </a:rPr>
               <a:t>ubuntu</a:t>
             </a:r>
             <a:r>
-              <a:rPr lang="en-US" sz="2300" dirty="0" smtClean="0"/>
+              <a:rPr lang="en-US" sz="1800" b="0" dirty="0" smtClean="0">
+                <a:latin typeface="Calibri" charset="0"/>
+                <a:ea typeface="Calibri" charset="0"/>
+                <a:cs typeface="Calibri" charset="0"/>
+              </a:rPr>
               <a:t> as </a:t>
             </a:r>
             <a:r>
-              <a:rPr lang="en-US" sz="2300" dirty="0" err="1" smtClean="0"/>
+              <a:rPr lang="en-US" sz="1800" b="0" dirty="0" err="1" smtClean="0">
+                <a:latin typeface="Calibri" charset="0"/>
+                <a:ea typeface="Calibri" charset="0"/>
+                <a:cs typeface="Calibri" charset="0"/>
+              </a:rPr>
               <a:t>dualboot</a:t>
             </a:r>
             <a:r>
-              <a:rPr lang="en-US" sz="2300" dirty="0" smtClean="0"/>
+              <a:rPr lang="en-US" sz="1800" b="0" dirty="0" smtClean="0">
+                <a:latin typeface="Calibri" charset="0"/>
+                <a:ea typeface="Calibri" charset="0"/>
+                <a:cs typeface="Calibri" charset="0"/>
+              </a:rPr>
               <a:t> on your workstation rather than having </a:t>
             </a:r>
             <a:r>
-              <a:rPr lang="en-US" sz="2300" dirty="0" err="1" smtClean="0"/>
+              <a:rPr lang="en-US" sz="1800" b="0" dirty="0" err="1" smtClean="0">
+                <a:latin typeface="Calibri" charset="0"/>
+                <a:ea typeface="Calibri" charset="0"/>
+                <a:cs typeface="Calibri" charset="0"/>
+              </a:rPr>
               <a:t>ubuntu</a:t>
             </a:r>
             <a:r>
-              <a:rPr lang="en-US" sz="2300" dirty="0" smtClean="0"/>
+              <a:rPr lang="en-US" sz="1800" b="0" dirty="0" smtClean="0">
+                <a:latin typeface="Calibri" charset="0"/>
+                <a:ea typeface="Calibri" charset="0"/>
+                <a:cs typeface="Calibri" charset="0"/>
+              </a:rPr>
               <a:t> in virtual machine.</a:t>
             </a:r>
           </a:p>
@@ -4622,38 +7104,50 @@
               <a:buChar char="•"/>
             </a:pPr>
             <a:r>
-              <a:rPr lang="en-US" sz="2300" dirty="0" smtClean="0"/>
-              <a:t>Nonetheless,</a:t>
-            </a:r>
-            <a:r>
-              <a:rPr lang="en-US" sz="2300" dirty="0" smtClean="0">
-                <a:solidFill>
-                  <a:srgbClr val="D1282E"/>
-                </a:solidFill>
-              </a:rPr>
-              <a:t> If</a:t>
-            </a:r>
-            <a:r>
-              <a:rPr lang="en-US" sz="2300" dirty="0" smtClean="0"/>
-              <a:t> you are using virtual machine and </a:t>
-            </a:r>
-            <a:r>
-              <a:rPr lang="en-US" sz="2300" dirty="0" err="1" smtClean="0"/>
+              <a:rPr lang="en-US" sz="1800" b="0" dirty="0" smtClean="0">
+                <a:latin typeface="Calibri" charset="0"/>
+                <a:ea typeface="Calibri" charset="0"/>
+                <a:cs typeface="Calibri" charset="0"/>
+              </a:rPr>
+              <a:t>Nonetheless, if you are using virtual machine and </a:t>
+            </a:r>
+            <a:r>
+              <a:rPr lang="en-US" sz="1800" b="0" dirty="0" err="1" smtClean="0">
+                <a:latin typeface="Calibri" charset="0"/>
+                <a:ea typeface="Calibri" charset="0"/>
+                <a:cs typeface="Calibri" charset="0"/>
+              </a:rPr>
               <a:t>MIROsim</a:t>
             </a:r>
             <a:r>
-              <a:rPr lang="en-US" sz="2300" dirty="0" smtClean="0"/>
+              <a:rPr lang="en-US" sz="1800" b="0" dirty="0" smtClean="0">
+                <a:latin typeface="Calibri" charset="0"/>
+                <a:ea typeface="Calibri" charset="0"/>
+                <a:cs typeface="Calibri" charset="0"/>
+              </a:rPr>
               <a:t> does not work properly, try again by disabling 3D acceleration (In </a:t>
             </a:r>
             <a:r>
-              <a:rPr lang="en-US" sz="2300" dirty="0" err="1" smtClean="0"/>
+              <a:rPr lang="en-US" sz="1800" b="0" dirty="0" err="1" smtClean="0">
+                <a:latin typeface="Calibri" charset="0"/>
+                <a:ea typeface="Calibri" charset="0"/>
+                <a:cs typeface="Calibri" charset="0"/>
+              </a:rPr>
               <a:t>VirtualMachine</a:t>
             </a:r>
             <a:r>
-              <a:rPr lang="en-US" sz="2300" dirty="0" smtClean="0"/>
+              <a:rPr lang="en-US" sz="1800" b="0" dirty="0" smtClean="0">
+                <a:latin typeface="Calibri" charset="0"/>
+                <a:ea typeface="Calibri" charset="0"/>
+                <a:cs typeface="Calibri" charset="0"/>
+              </a:rPr>
               <a:t> settings) </a:t>
             </a:r>
-            <a:endParaRPr lang="en-US" sz="2300" dirty="0"/>
+            <a:endParaRPr lang="en-US" sz="1800" b="0" dirty="0">
+              <a:latin typeface="Calibri" charset="0"/>
+              <a:ea typeface="Calibri" charset="0"/>
+              <a:cs typeface="Calibri" charset="0"/>
+            </a:endParaRPr>
           </a:p>
         </p:txBody>
       </p:sp>
@@ -4679,8 +7173,8 @@
         </p:blipFill>
         <p:spPr>
           <a:xfrm>
-            <a:off x="5093208" y="700044"/>
-            <a:ext cx="775433" cy="775433"/>
+            <a:off x="3742617" y="712382"/>
+            <a:ext cx="652589" cy="652589"/>
           </a:xfrm>
           <a:prstGeom prst="rect">
             <a:avLst/>
@@ -4709,7 +7203,7 @@
         </p:blipFill>
         <p:spPr>
           <a:xfrm>
-            <a:off x="65289" y="2552304"/>
+            <a:off x="30918" y="2259365"/>
             <a:ext cx="1611205" cy="1208404"/>
           </a:xfrm>
           <a:prstGeom prst="rect">
@@ -4717,101 +7211,16 @@
           </a:prstGeom>
         </p:spPr>
       </p:pic>
-    </p:spTree>
-    <p:extLst>
-      <p:ext uri="{BB962C8B-B14F-4D97-AF65-F5344CB8AC3E}">
-        <p14:creationId xmlns:p14="http://schemas.microsoft.com/office/powerpoint/2010/main" val="1183710674"/>
-      </p:ext>
-    </p:extLst>
-  </p:cSld>
-  <p:clrMapOvr>
-    <a:masterClrMapping/>
-  </p:clrMapOvr>
-</p:sld>
-</file>
-
-<file path=ppt/slides/slide5.xml><?xml version="1.0" encoding="utf-8"?>
-<p:sld xmlns:a="http://schemas.openxmlformats.org/drawingml/2006/main" xmlns:r="http://schemas.openxmlformats.org/officeDocument/2006/relationships" xmlns:p="http://schemas.openxmlformats.org/presentationml/2006/main">
-  <p:cSld>
-    <p:spTree>
-      <p:nvGrpSpPr>
-        <p:cNvPr id="1" name=""/>
-        <p:cNvGrpSpPr/>
-        <p:nvPr/>
-      </p:nvGrpSpPr>
-      <p:grpSpPr>
-        <a:xfrm>
-          <a:off x="0" y="0"/>
-          <a:ext cx="0" cy="0"/>
-          <a:chOff x="0" y="0"/>
-          <a:chExt cx="0" cy="0"/>
-        </a:xfrm>
-      </p:grpSpPr>
-      <p:sp>
-        <p:nvSpPr>
-          <p:cNvPr id="10" name="Title 9"/>
-          <p:cNvSpPr>
-            <a:spLocks noGrp="1"/>
-          </p:cNvSpPr>
-          <p:nvPr>
-            <p:ph type="title"/>
-          </p:nvPr>
-        </p:nvSpPr>
-        <p:spPr/>
-        <p:txBody>
-          <a:bodyPr/>
-          <a:lstStyle/>
-          <a:p>
-            <a:r>
-              <a:rPr lang="en-US" dirty="0" err="1" smtClean="0"/>
-              <a:t>Ros</a:t>
-            </a:r>
-            <a:r>
-              <a:rPr lang="en-US" dirty="0" smtClean="0"/>
-              <a:t> installation</a:t>
-            </a:r>
-            <a:endParaRPr lang="en-US" dirty="0"/>
-          </a:p>
-        </p:txBody>
-      </p:sp>
-      <p:sp>
-        <p:nvSpPr>
-          <p:cNvPr id="4" name="Content Placeholder 3"/>
-          <p:cNvSpPr>
-            <a:spLocks noGrp="1"/>
-          </p:cNvSpPr>
-          <p:nvPr>
-            <p:ph idx="1"/>
-          </p:nvPr>
+      <p:sp>
+        <p:nvSpPr>
+          <p:cNvPr id="10" name="TextBox 9"/>
+          <p:cNvSpPr txBox="1"/>
+          <p:nvPr/>
         </p:nvSpPr>
         <p:spPr>
           <a:xfrm>
-            <a:off x="457200" y="1752601"/>
-            <a:ext cx="7620000" cy="705698"/>
-          </a:xfrm>
-        </p:spPr>
-        <p:txBody>
-          <a:bodyPr/>
-          <a:lstStyle/>
-          <a:p>
-            <a:r>
-              <a:rPr lang="en-US" i="1" dirty="0" smtClean="0"/>
-              <a:t>Copy and paste in terminal, one by one, everything after the ‘$’ sign.</a:t>
-            </a:r>
-            <a:endParaRPr lang="en-US" i="1" dirty="0"/>
-          </a:p>
-        </p:txBody>
-      </p:sp>
-      <p:sp>
-        <p:nvSpPr>
-          <p:cNvPr id="5" name="TextBox 4"/>
-          <p:cNvSpPr txBox="1"/>
-          <p:nvPr/>
-        </p:nvSpPr>
-        <p:spPr>
-          <a:xfrm>
-            <a:off x="457199" y="2512249"/>
-            <a:ext cx="8383561" cy="3970317"/>
+            <a:off x="457200" y="712382"/>
+            <a:ext cx="3285417" cy="769441"/>
           </a:xfrm>
           <a:prstGeom prst="rect">
             <a:avLst/>
@@ -4825,853 +7234,55 @@
           <a:lstStyle/>
           <a:p>
             <a:r>
-              <a:rPr lang="en-US" sz="1200" dirty="0" smtClean="0"/>
-              <a:t>$ </a:t>
-            </a:r>
-            <a:r>
-              <a:rPr lang="en-US" sz="1200" dirty="0" err="1" smtClean="0"/>
-              <a:t>sudo</a:t>
-            </a:r>
-            <a:r>
-              <a:rPr lang="en-US" sz="1200" dirty="0" smtClean="0"/>
-              <a:t> </a:t>
-            </a:r>
-            <a:r>
-              <a:rPr lang="en-US" sz="1200" dirty="0" err="1"/>
-              <a:t>sh</a:t>
-            </a:r>
-            <a:r>
-              <a:rPr lang="en-US" sz="1200" dirty="0"/>
-              <a:t> -c 'echo "deb http://</a:t>
-            </a:r>
-            <a:r>
-              <a:rPr lang="en-US" sz="1200" dirty="0" err="1"/>
-              <a:t>packages.ros.org</a:t>
-            </a:r>
-            <a:r>
-              <a:rPr lang="en-US" sz="1200" dirty="0"/>
-              <a:t>/</a:t>
-            </a:r>
-            <a:r>
-              <a:rPr lang="en-US" sz="1200" dirty="0" err="1"/>
-              <a:t>ros</a:t>
-            </a:r>
-            <a:r>
-              <a:rPr lang="en-US" sz="1200" dirty="0"/>
-              <a:t>/</a:t>
-            </a:r>
-            <a:r>
-              <a:rPr lang="en-US" sz="1200" dirty="0" err="1"/>
-              <a:t>ubuntu</a:t>
-            </a:r>
-            <a:r>
-              <a:rPr lang="en-US" sz="1200" dirty="0"/>
-              <a:t> $(</a:t>
-            </a:r>
-            <a:r>
-              <a:rPr lang="en-US" sz="1200" dirty="0" err="1"/>
-              <a:t>lsb_release</a:t>
-            </a:r>
-            <a:r>
-              <a:rPr lang="en-US" sz="1200" dirty="0"/>
-              <a:t> -</a:t>
-            </a:r>
-            <a:r>
-              <a:rPr lang="en-US" sz="1200" dirty="0" err="1"/>
-              <a:t>sc</a:t>
-            </a:r>
-            <a:r>
-              <a:rPr lang="en-US" sz="1200" dirty="0"/>
-              <a:t>) main" &gt; /</a:t>
-            </a:r>
-            <a:r>
-              <a:rPr lang="en-US" sz="1200" dirty="0" err="1"/>
-              <a:t>etc</a:t>
-            </a:r>
-            <a:r>
-              <a:rPr lang="en-US" sz="1200" dirty="0"/>
-              <a:t>/apt/</a:t>
-            </a:r>
-            <a:r>
-              <a:rPr lang="en-US" sz="1200" dirty="0" err="1"/>
-              <a:t>sources.list.d</a:t>
-            </a:r>
-            <a:r>
-              <a:rPr lang="en-US" sz="1200" dirty="0"/>
-              <a:t>/</a:t>
-            </a:r>
-            <a:r>
-              <a:rPr lang="en-US" sz="1200" dirty="0" err="1"/>
-              <a:t>ros-</a:t>
-            </a:r>
-            <a:r>
-              <a:rPr lang="en-US" sz="1200" dirty="0" err="1" smtClean="0"/>
-              <a:t>latest.list</a:t>
-            </a:r>
-            <a:r>
-              <a:rPr lang="en-US" sz="1200" dirty="0" smtClean="0"/>
-              <a:t>’</a:t>
-            </a:r>
-          </a:p>
-          <a:p>
-            <a:endParaRPr lang="en-US" sz="1200" dirty="0" smtClean="0"/>
-          </a:p>
-          <a:p>
-            <a:r>
-              <a:rPr lang="en-US" sz="1200" dirty="0"/>
-              <a:t>$ </a:t>
-            </a:r>
-            <a:r>
-              <a:rPr lang="en-US" sz="1200" dirty="0" err="1"/>
-              <a:t>sudo</a:t>
-            </a:r>
-            <a:r>
-              <a:rPr lang="en-US" sz="1200" dirty="0"/>
-              <a:t> apt-key </a:t>
-            </a:r>
-            <a:r>
-              <a:rPr lang="en-US" sz="1200" dirty="0" err="1"/>
-              <a:t>adv</a:t>
-            </a:r>
-            <a:r>
-              <a:rPr lang="en-US" sz="1200" dirty="0"/>
-              <a:t> --</a:t>
-            </a:r>
-            <a:r>
-              <a:rPr lang="en-US" sz="1200" dirty="0" err="1"/>
-              <a:t>keyserver</a:t>
-            </a:r>
-            <a:r>
-              <a:rPr lang="en-US" sz="1200" dirty="0"/>
-              <a:t> </a:t>
-            </a:r>
-            <a:r>
-              <a:rPr lang="en-US" sz="1200" dirty="0" err="1"/>
-              <a:t>hkp</a:t>
-            </a:r>
-            <a:r>
-              <a:rPr lang="en-US" sz="1200" dirty="0"/>
-              <a:t>://ha.pool.sks-keyservers.net:80 --</a:t>
-            </a:r>
-            <a:r>
-              <a:rPr lang="en-US" sz="1200" dirty="0" err="1"/>
-              <a:t>recv</a:t>
-            </a:r>
-            <a:r>
-              <a:rPr lang="en-US" sz="1200" dirty="0"/>
-              <a:t>-</a:t>
-            </a:r>
-            <a:r>
-              <a:rPr lang="en-US" sz="1200" dirty="0" smtClean="0"/>
-              <a:t>key 421C365BD9FF1F717815A3895523BAEEB01FA116</a:t>
-            </a:r>
-          </a:p>
-          <a:p>
-            <a:endParaRPr lang="en-US" sz="1200" dirty="0" smtClean="0"/>
-          </a:p>
-          <a:p>
-            <a:r>
-              <a:rPr lang="en-US" sz="1200" dirty="0"/>
-              <a:t>$ </a:t>
-            </a:r>
-            <a:r>
-              <a:rPr lang="en-US" sz="1200" dirty="0" err="1"/>
-              <a:t>sudo</a:t>
-            </a:r>
-            <a:r>
-              <a:rPr lang="en-US" sz="1200" dirty="0"/>
-              <a:t> apt-get </a:t>
-            </a:r>
-            <a:r>
-              <a:rPr lang="en-US" sz="1200" dirty="0" smtClean="0"/>
-              <a:t>update</a:t>
-            </a:r>
-          </a:p>
-          <a:p>
-            <a:endParaRPr lang="en-US" sz="1200" dirty="0"/>
-          </a:p>
-          <a:p>
-            <a:r>
-              <a:rPr lang="en-US" sz="1200" dirty="0"/>
-              <a:t>$ </a:t>
-            </a:r>
-            <a:r>
-              <a:rPr lang="en-US" sz="1200" dirty="0" err="1"/>
-              <a:t>sudo</a:t>
-            </a:r>
-            <a:r>
-              <a:rPr lang="en-US" sz="1200" dirty="0"/>
-              <a:t> apt-get install </a:t>
-            </a:r>
-            <a:r>
-              <a:rPr lang="en-US" sz="1200" dirty="0" err="1"/>
-              <a:t>ros</a:t>
-            </a:r>
-            <a:r>
-              <a:rPr lang="en-US" sz="1200" dirty="0"/>
-              <a:t>-kinetic-desktop-</a:t>
-            </a:r>
-            <a:r>
-              <a:rPr lang="en-US" sz="1200" dirty="0" smtClean="0"/>
-              <a:t>full</a:t>
-            </a:r>
-          </a:p>
-          <a:p>
-            <a:endParaRPr lang="en-US" sz="1200" dirty="0"/>
-          </a:p>
-          <a:p>
-            <a:r>
-              <a:rPr lang="en-US" sz="1200" dirty="0" smtClean="0"/>
-              <a:t>$ </a:t>
-            </a:r>
-            <a:r>
-              <a:rPr lang="es-ES_tradnl" sz="1200" dirty="0"/>
-              <a:t>sudo </a:t>
-            </a:r>
-            <a:r>
-              <a:rPr lang="es-ES_tradnl" sz="1200" dirty="0" err="1"/>
-              <a:t>rosdep</a:t>
-            </a:r>
-            <a:r>
-              <a:rPr lang="es-ES_tradnl" sz="1200" dirty="0"/>
-              <a:t> </a:t>
-            </a:r>
-            <a:r>
-              <a:rPr lang="es-ES_tradnl" sz="1200" dirty="0" err="1" smtClean="0"/>
-              <a:t>init</a:t>
-            </a:r>
-            <a:endParaRPr lang="es-ES_tradnl" sz="1200" dirty="0" smtClean="0"/>
-          </a:p>
-          <a:p>
-            <a:endParaRPr lang="es-ES_tradnl" sz="1200" dirty="0"/>
-          </a:p>
-          <a:p>
-            <a:r>
-              <a:rPr lang="es-ES_tradnl" sz="1200" dirty="0" smtClean="0"/>
-              <a:t>$ </a:t>
-            </a:r>
-            <a:r>
-              <a:rPr lang="en-US" sz="1200" dirty="0" err="1"/>
-              <a:t>rosdep</a:t>
-            </a:r>
-            <a:r>
-              <a:rPr lang="en-US" sz="1200" dirty="0"/>
-              <a:t> </a:t>
-            </a:r>
-            <a:r>
-              <a:rPr lang="en-US" sz="1200" dirty="0" smtClean="0"/>
-              <a:t>update</a:t>
-            </a:r>
-          </a:p>
-          <a:p>
-            <a:endParaRPr lang="en-US" sz="1200" dirty="0"/>
-          </a:p>
-          <a:p>
-            <a:r>
-              <a:rPr lang="en-US" sz="1200" dirty="0" smtClean="0"/>
-              <a:t>$ </a:t>
-            </a:r>
-            <a:r>
-              <a:rPr lang="mr-IN" sz="1200" dirty="0"/>
-              <a:t>echo "source /opt/ros/kinetic/setup.bash" &gt;&gt; ~/.</a:t>
-            </a:r>
-            <a:r>
-              <a:rPr lang="mr-IN" sz="1200" dirty="0" smtClean="0"/>
-              <a:t>bashrc</a:t>
-            </a:r>
-            <a:endParaRPr lang="en-US" sz="1200" dirty="0" smtClean="0"/>
-          </a:p>
-          <a:p>
-            <a:endParaRPr lang="en-US" sz="1200" dirty="0"/>
-          </a:p>
-          <a:p>
-            <a:r>
-              <a:rPr lang="en-US" sz="1200" dirty="0"/>
-              <a:t>$ source ~/.</a:t>
-            </a:r>
-            <a:r>
-              <a:rPr lang="en-US" sz="1200" dirty="0" err="1" smtClean="0"/>
-              <a:t>bashrc</a:t>
-            </a:r>
-            <a:endParaRPr lang="en-US" sz="1200" dirty="0" smtClean="0"/>
-          </a:p>
-          <a:p>
-            <a:endParaRPr lang="en-US" sz="1200" dirty="0"/>
-          </a:p>
-          <a:p>
-            <a:r>
-              <a:rPr lang="en-US" sz="1200" dirty="0"/>
-              <a:t>$ </a:t>
-            </a:r>
-            <a:r>
-              <a:rPr lang="en-US" sz="1200" dirty="0" err="1"/>
-              <a:t>sudo</a:t>
-            </a:r>
-            <a:r>
-              <a:rPr lang="en-US" sz="1200" dirty="0"/>
-              <a:t> apt-get install python-</a:t>
-            </a:r>
-            <a:r>
-              <a:rPr lang="en-US" sz="1200" dirty="0" err="1"/>
-              <a:t>rosinstall</a:t>
-            </a:r>
-            <a:r>
-              <a:rPr lang="en-US" sz="1200" dirty="0"/>
-              <a:t> python-</a:t>
-            </a:r>
-            <a:r>
-              <a:rPr lang="en-US" sz="1200" dirty="0" err="1"/>
-              <a:t>rosinstall</a:t>
-            </a:r>
-            <a:r>
-              <a:rPr lang="en-US" sz="1200" dirty="0"/>
-              <a:t>-generator python-</a:t>
-            </a:r>
-            <a:r>
-              <a:rPr lang="en-US" sz="1200" dirty="0" err="1"/>
-              <a:t>wstool</a:t>
-            </a:r>
-            <a:r>
-              <a:rPr lang="en-US" sz="1200" dirty="0"/>
-              <a:t> build-</a:t>
-            </a:r>
-            <a:r>
-              <a:rPr lang="en-US" sz="1200" dirty="0" smtClean="0"/>
-              <a:t>essential</a:t>
-            </a:r>
-          </a:p>
-          <a:p>
-            <a:endParaRPr lang="en-US" sz="1200" dirty="0"/>
-          </a:p>
-          <a:p>
-            <a:r>
-              <a:rPr lang="en-US" sz="1200" dirty="0" smtClean="0"/>
-              <a:t>$ </a:t>
-            </a:r>
-            <a:r>
-              <a:rPr lang="de-DE" sz="1200" dirty="0" err="1"/>
-              <a:t>rosversion</a:t>
-            </a:r>
-            <a:r>
-              <a:rPr lang="de-DE" sz="1200" dirty="0"/>
-              <a:t> </a:t>
-            </a:r>
-            <a:r>
-              <a:rPr lang="de-DE" sz="1200" dirty="0" err="1"/>
-              <a:t>ros</a:t>
-            </a:r>
-            <a:endParaRPr lang="en-US" sz="1200" dirty="0"/>
-          </a:p>
-          <a:p>
-            <a:endParaRPr lang="en-US" sz="1200" dirty="0"/>
+              <a:rPr lang="en-GB" sz="4400" dirty="0" smtClean="0">
+                <a:solidFill>
+                  <a:srgbClr val="C00000"/>
+                </a:solidFill>
+                <a:latin typeface="Calibri Light" charset="0"/>
+                <a:ea typeface="Calibri Light" charset="0"/>
+                <a:cs typeface="Calibri Light" charset="0"/>
+              </a:rPr>
+              <a:t>C</a:t>
+            </a:r>
+            <a:r>
+              <a:rPr lang="en-GB" sz="4400" dirty="0" smtClean="0">
+                <a:latin typeface="Calibri Light" charset="0"/>
+                <a:ea typeface="Calibri Light" charset="0"/>
+                <a:cs typeface="Calibri Light" charset="0"/>
+              </a:rPr>
+              <a:t>ritical </a:t>
+            </a:r>
+            <a:r>
+              <a:rPr lang="en-GB" sz="4400" dirty="0" smtClean="0">
+                <a:solidFill>
+                  <a:srgbClr val="C00000"/>
+                </a:solidFill>
+                <a:latin typeface="Calibri Light" charset="0"/>
+                <a:ea typeface="Calibri Light" charset="0"/>
+                <a:cs typeface="Calibri Light" charset="0"/>
+              </a:rPr>
+              <a:t>p</a:t>
+            </a:r>
+            <a:r>
+              <a:rPr lang="en-GB" sz="4400" dirty="0" smtClean="0">
+                <a:latin typeface="Calibri Light" charset="0"/>
+                <a:ea typeface="Calibri Light" charset="0"/>
+                <a:cs typeface="Calibri Light" charset="0"/>
+              </a:rPr>
+              <a:t>oints </a:t>
+            </a:r>
+            <a:endParaRPr lang="en-GB" sz="4400" dirty="0">
+              <a:latin typeface="Calibri Light" charset="0"/>
+              <a:ea typeface="Calibri Light" charset="0"/>
+              <a:cs typeface="Calibri Light" charset="0"/>
+            </a:endParaRPr>
           </a:p>
         </p:txBody>
       </p:sp>
     </p:spTree>
     <p:extLst>
       <p:ext uri="{BB962C8B-B14F-4D97-AF65-F5344CB8AC3E}">
-        <p14:creationId xmlns:p14="http://schemas.microsoft.com/office/powerpoint/2010/main" val="2040240881"/>
-      </p:ext>
-    </p:extLst>
-  </p:cSld>
-  <p:clrMapOvr>
-    <a:masterClrMapping/>
-  </p:clrMapOvr>
-</p:sld>
-</file>
-
-<file path=ppt/slides/slide6.xml><?xml version="1.0" encoding="utf-8"?>
-<p:sld xmlns:a="http://schemas.openxmlformats.org/drawingml/2006/main" xmlns:r="http://schemas.openxmlformats.org/officeDocument/2006/relationships" xmlns:p="http://schemas.openxmlformats.org/presentationml/2006/main">
-  <p:cSld>
-    <p:spTree>
-      <p:nvGrpSpPr>
-        <p:cNvPr id="1" name=""/>
-        <p:cNvGrpSpPr/>
-        <p:nvPr/>
-      </p:nvGrpSpPr>
-      <p:grpSpPr>
-        <a:xfrm>
-          <a:off x="0" y="0"/>
-          <a:ext cx="0" cy="0"/>
-          <a:chOff x="0" y="0"/>
-          <a:chExt cx="0" cy="0"/>
-        </a:xfrm>
-      </p:grpSpPr>
-      <p:sp>
-        <p:nvSpPr>
-          <p:cNvPr id="10" name="Title 9"/>
-          <p:cNvSpPr>
-            <a:spLocks noGrp="1"/>
-          </p:cNvSpPr>
-          <p:nvPr>
-            <p:ph type="title"/>
-          </p:nvPr>
-        </p:nvSpPr>
-        <p:spPr/>
-        <p:txBody>
-          <a:bodyPr>
-            <a:normAutofit fontScale="90000"/>
-          </a:bodyPr>
-          <a:lstStyle/>
-          <a:p>
-            <a:r>
-              <a:rPr lang="en-US" dirty="0" smtClean="0"/>
-              <a:t>Download and prepare </a:t>
-            </a:r>
-            <a:r>
-              <a:rPr lang="en-US" dirty="0" err="1" smtClean="0"/>
-              <a:t>miro</a:t>
-            </a:r>
-            <a:r>
-              <a:rPr lang="en-US" dirty="0" smtClean="0"/>
-              <a:t> </a:t>
-            </a:r>
-            <a:r>
-              <a:rPr lang="en-US" dirty="0" err="1" smtClean="0"/>
-              <a:t>dev</a:t>
-            </a:r>
-            <a:r>
-              <a:rPr lang="en-US" dirty="0" smtClean="0"/>
-              <a:t> kit and android app</a:t>
-            </a:r>
-            <a:endParaRPr lang="en-US" dirty="0"/>
-          </a:p>
-        </p:txBody>
-      </p:sp>
-      <p:sp>
-        <p:nvSpPr>
-          <p:cNvPr id="4" name="Content Placeholder 3"/>
-          <p:cNvSpPr>
-            <a:spLocks noGrp="1"/>
-          </p:cNvSpPr>
-          <p:nvPr>
-            <p:ph idx="1"/>
-          </p:nvPr>
-        </p:nvSpPr>
-        <p:spPr>
-          <a:xfrm>
-            <a:off x="457198" y="1524318"/>
-            <a:ext cx="7620000" cy="429296"/>
-          </a:xfrm>
-        </p:spPr>
-        <p:txBody>
-          <a:bodyPr/>
-          <a:lstStyle/>
-          <a:p>
-            <a:r>
-              <a:rPr lang="en-US" i="1" dirty="0" smtClean="0"/>
-              <a:t>Copy and paste in terminal</a:t>
-            </a:r>
-            <a:r>
-              <a:rPr lang="en-US" i="1" dirty="0" smtClean="0"/>
-              <a:t>, everything </a:t>
-            </a:r>
-            <a:r>
-              <a:rPr lang="en-US" i="1" dirty="0" smtClean="0"/>
-              <a:t>after the ‘$’ </a:t>
-            </a:r>
-            <a:r>
-              <a:rPr lang="en-US" i="1" dirty="0" smtClean="0"/>
-              <a:t>sign.</a:t>
-            </a:r>
-            <a:endParaRPr lang="en-US" i="1" dirty="0"/>
-          </a:p>
-        </p:txBody>
-      </p:sp>
-      <p:sp>
-        <p:nvSpPr>
-          <p:cNvPr id="5" name="TextBox 4"/>
-          <p:cNvSpPr txBox="1"/>
-          <p:nvPr/>
-        </p:nvSpPr>
-        <p:spPr>
-          <a:xfrm>
-            <a:off x="457198" y="5217659"/>
-            <a:ext cx="8383561" cy="276999"/>
-          </a:xfrm>
-          <a:prstGeom prst="rect">
-            <a:avLst/>
-          </a:prstGeom>
-          <a:noFill/>
-        </p:spPr>
-        <p:txBody>
-          <a:bodyPr wrap="square" rtlCol="0">
-            <a:spAutoFit/>
-          </a:bodyPr>
-          <a:lstStyle/>
-          <a:p>
-            <a:r>
-              <a:rPr lang="en-US" sz="1200" dirty="0" smtClean="0"/>
-              <a:t>$ </a:t>
-            </a:r>
-            <a:r>
-              <a:rPr lang="mr-IN" sz="1200" dirty="0"/>
-              <a:t>ln -s ~/lib/mdk-170906 ~/mdk </a:t>
-            </a:r>
-            <a:endParaRPr lang="en-US" sz="1200" dirty="0" smtClean="0"/>
-          </a:p>
-        </p:txBody>
-      </p:sp>
-      <p:sp>
-        <p:nvSpPr>
-          <p:cNvPr id="6" name="Content Placeholder 3"/>
-          <p:cNvSpPr txBox="1">
-            <a:spLocks/>
-          </p:cNvSpPr>
-          <p:nvPr/>
-        </p:nvSpPr>
-        <p:spPr>
-          <a:xfrm>
-            <a:off x="457198" y="2409096"/>
-            <a:ext cx="7620000" cy="2947063"/>
-          </a:xfrm>
-          <a:prstGeom prst="rect">
-            <a:avLst/>
-          </a:prstGeom>
-        </p:spPr>
-        <p:txBody>
-          <a:bodyPr vert="horz" lIns="91440" tIns="45720" rIns="91440" bIns="45720" rtlCol="0">
-            <a:normAutofit lnSpcReduction="10000"/>
-          </a:bodyPr>
-          <a:lstStyle>
-            <a:lvl1pPr marL="0" indent="0" algn="l" defTabSz="914400" rtl="0" eaLnBrk="1" latinLnBrk="0" hangingPunct="1">
-              <a:spcBef>
-                <a:spcPct val="20000"/>
-              </a:spcBef>
-              <a:spcAft>
-                <a:spcPts val="600"/>
-              </a:spcAft>
-              <a:buFont typeface="Arial" pitchFamily="34" charset="0"/>
-              <a:buNone/>
-              <a:defRPr sz="2000" b="1" kern="1200">
-                <a:solidFill>
-                  <a:schemeClr val="tx1"/>
-                </a:solidFill>
-                <a:latin typeface="+mn-lt"/>
-                <a:ea typeface="+mn-ea"/>
-                <a:cs typeface="+mn-cs"/>
-              </a:defRPr>
-            </a:lvl1pPr>
-            <a:lvl2pPr marL="457200" indent="-182880" algn="l" defTabSz="914400" rtl="0" eaLnBrk="1" latinLnBrk="0" hangingPunct="1">
-              <a:spcBef>
-                <a:spcPct val="20000"/>
-              </a:spcBef>
-              <a:buClr>
-                <a:schemeClr val="tx2"/>
-              </a:buClr>
-              <a:buFont typeface="Arial" pitchFamily="34" charset="0"/>
-              <a:buChar char="•"/>
-              <a:defRPr sz="2000" kern="1200">
-                <a:solidFill>
-                  <a:schemeClr val="tx1"/>
-                </a:solidFill>
-                <a:latin typeface="+mn-lt"/>
-                <a:ea typeface="+mn-ea"/>
-                <a:cs typeface="+mn-cs"/>
-              </a:defRPr>
-            </a:lvl2pPr>
-            <a:lvl3pPr marL="1143000" indent="-228600" algn="l" defTabSz="914400" rtl="0" eaLnBrk="1" latinLnBrk="0" hangingPunct="1">
-              <a:spcBef>
-                <a:spcPct val="20000"/>
-              </a:spcBef>
-              <a:buClr>
-                <a:schemeClr val="tx2"/>
-              </a:buClr>
-              <a:buFont typeface="Arial" pitchFamily="34" charset="0"/>
-              <a:buChar char="•"/>
-              <a:defRPr sz="1800" kern="1200">
-                <a:solidFill>
-                  <a:schemeClr val="tx1"/>
-                </a:solidFill>
-                <a:latin typeface="+mn-lt"/>
-                <a:ea typeface="+mn-ea"/>
-                <a:cs typeface="+mn-cs"/>
-              </a:defRPr>
-            </a:lvl3pPr>
-            <a:lvl4pPr marL="1600200" indent="-228600" algn="l" defTabSz="914400" rtl="0" eaLnBrk="1" latinLnBrk="0" hangingPunct="1">
-              <a:spcBef>
-                <a:spcPct val="20000"/>
-              </a:spcBef>
-              <a:buClr>
-                <a:schemeClr val="tx2"/>
-              </a:buClr>
-              <a:buFont typeface="Arial" pitchFamily="34" charset="0"/>
-              <a:buChar char="•"/>
-              <a:defRPr sz="1800" kern="1200">
-                <a:solidFill>
-                  <a:schemeClr val="tx1"/>
-                </a:solidFill>
-                <a:latin typeface="+mn-lt"/>
-                <a:ea typeface="+mn-ea"/>
-                <a:cs typeface="+mn-cs"/>
-              </a:defRPr>
-            </a:lvl4pPr>
-            <a:lvl5pPr marL="2057400" indent="-228600" algn="l" defTabSz="914400" rtl="0" eaLnBrk="1" latinLnBrk="0" hangingPunct="1">
-              <a:spcBef>
-                <a:spcPct val="20000"/>
-              </a:spcBef>
-              <a:buClr>
-                <a:schemeClr val="tx2"/>
-              </a:buClr>
-              <a:buFont typeface="Arial" pitchFamily="34" charset="0"/>
-              <a:buChar char="•"/>
-              <a:defRPr sz="1800" kern="1200" baseline="0">
-                <a:solidFill>
-                  <a:schemeClr val="tx1"/>
-                </a:solidFill>
-                <a:latin typeface="+mn-lt"/>
-                <a:ea typeface="+mn-ea"/>
-                <a:cs typeface="+mn-cs"/>
-              </a:defRPr>
-            </a:lvl5pPr>
-            <a:lvl6pPr marL="2514600" indent="-228600" algn="l" defTabSz="914400" rtl="0" eaLnBrk="1" latinLnBrk="0" hangingPunct="1">
-              <a:spcBef>
-                <a:spcPct val="20000"/>
-              </a:spcBef>
-              <a:buClr>
-                <a:schemeClr val="tx2"/>
-              </a:buClr>
-              <a:buFont typeface="Arial" pitchFamily="34" charset="0"/>
-              <a:buChar char="•"/>
-              <a:defRPr sz="1600" kern="1200">
-                <a:solidFill>
-                  <a:schemeClr val="tx1"/>
-                </a:solidFill>
-                <a:latin typeface="+mn-lt"/>
-                <a:ea typeface="+mn-ea"/>
-                <a:cs typeface="+mn-cs"/>
-              </a:defRPr>
-            </a:lvl6pPr>
-            <a:lvl7pPr marL="2971800" indent="-228600" algn="l" defTabSz="914400" rtl="0" eaLnBrk="1" latinLnBrk="0" hangingPunct="1">
-              <a:spcBef>
-                <a:spcPct val="20000"/>
-              </a:spcBef>
-              <a:buClr>
-                <a:schemeClr val="tx2"/>
-              </a:buClr>
-              <a:buFont typeface="Arial" pitchFamily="34" charset="0"/>
-              <a:buChar char="•"/>
-              <a:defRPr sz="1600" kern="1200">
-                <a:solidFill>
-                  <a:schemeClr val="tx1"/>
-                </a:solidFill>
-                <a:latin typeface="+mn-lt"/>
-                <a:ea typeface="+mn-ea"/>
-                <a:cs typeface="+mn-cs"/>
-              </a:defRPr>
-            </a:lvl7pPr>
-            <a:lvl8pPr marL="3429000" indent="-228600" algn="l" defTabSz="914400" rtl="0" eaLnBrk="1" latinLnBrk="0" hangingPunct="1">
-              <a:spcBef>
-                <a:spcPct val="20000"/>
-              </a:spcBef>
-              <a:buClr>
-                <a:schemeClr val="tx2"/>
-              </a:buClr>
-              <a:buFont typeface="Arial" pitchFamily="34" charset="0"/>
-              <a:buChar char="•"/>
-              <a:defRPr sz="1600" kern="1200">
-                <a:solidFill>
-                  <a:schemeClr val="tx1"/>
-                </a:solidFill>
-                <a:latin typeface="+mn-lt"/>
-                <a:ea typeface="+mn-ea"/>
-                <a:cs typeface="+mn-cs"/>
-              </a:defRPr>
-            </a:lvl8pPr>
-            <a:lvl9pPr marL="3886200" indent="-228600" algn="l" defTabSz="914400" rtl="0" eaLnBrk="1" latinLnBrk="0" hangingPunct="1">
-              <a:spcBef>
-                <a:spcPct val="20000"/>
-              </a:spcBef>
-              <a:buClr>
-                <a:schemeClr val="tx2"/>
-              </a:buClr>
-              <a:buFont typeface="Arial" pitchFamily="34" charset="0"/>
-              <a:buChar char="•"/>
-              <a:defRPr sz="1600" kern="1200">
-                <a:solidFill>
-                  <a:schemeClr val="tx1"/>
-                </a:solidFill>
-                <a:latin typeface="+mn-lt"/>
-                <a:ea typeface="+mn-ea"/>
-                <a:cs typeface="+mn-cs"/>
-              </a:defRPr>
-            </a:lvl9pPr>
-          </a:lstStyle>
-          <a:p>
-            <a:pPr marL="285750" indent="-285750">
-              <a:buFont typeface="Arial"/>
-              <a:buChar char="•"/>
-            </a:pPr>
-            <a:r>
-              <a:rPr lang="en-US" sz="1800" dirty="0" smtClean="0"/>
-              <a:t>Download </a:t>
-            </a:r>
-            <a:r>
-              <a:rPr lang="en-US" sz="1800" dirty="0" smtClean="0">
-                <a:solidFill>
-                  <a:srgbClr val="D1282E"/>
-                </a:solidFill>
-              </a:rPr>
-              <a:t>MDK (Complete Edition)</a:t>
-            </a:r>
-            <a:r>
-              <a:rPr lang="en-US" sz="1800" dirty="0" smtClean="0"/>
-              <a:t> onto your </a:t>
-            </a:r>
-            <a:r>
-              <a:rPr lang="en-US" sz="1800" dirty="0" smtClean="0">
-                <a:solidFill>
-                  <a:srgbClr val="D1282E"/>
-                </a:solidFill>
-              </a:rPr>
-              <a:t>workstation</a:t>
-            </a:r>
-          </a:p>
-          <a:p>
-            <a:pPr marL="285750" indent="-285750">
-              <a:buFont typeface="Arial"/>
-              <a:buChar char="•"/>
-            </a:pPr>
-            <a:r>
-              <a:rPr lang="en-US" sz="1800" dirty="0" smtClean="0"/>
-              <a:t>Download </a:t>
-            </a:r>
-            <a:r>
-              <a:rPr lang="en-US" sz="1800" dirty="0" err="1" smtClean="0">
-                <a:solidFill>
-                  <a:srgbClr val="D1282E"/>
-                </a:solidFill>
-              </a:rPr>
-              <a:t>MIROapp</a:t>
-            </a:r>
-            <a:r>
-              <a:rPr lang="en-US" sz="1800" dirty="0" smtClean="0"/>
-              <a:t> onto your </a:t>
-            </a:r>
-            <a:r>
-              <a:rPr lang="en-US" sz="1800" dirty="0" smtClean="0">
-                <a:solidFill>
-                  <a:srgbClr val="D1282E"/>
-                </a:solidFill>
-              </a:rPr>
-              <a:t>Android mobile device </a:t>
-            </a:r>
-            <a:r>
-              <a:rPr lang="en-US" sz="1800" dirty="0" smtClean="0"/>
-              <a:t>directly </a:t>
-            </a:r>
-          </a:p>
-          <a:p>
-            <a:r>
-              <a:rPr lang="en-US" sz="1800" dirty="0"/>
-              <a:t>From: </a:t>
-            </a:r>
-            <a:r>
-              <a:rPr lang="en-US" sz="1800" dirty="0">
-                <a:hlinkClick r:id="rId2"/>
-              </a:rPr>
-              <a:t>http://labs.consequentialrobotics.com/miro/mdk</a:t>
-            </a:r>
-            <a:r>
-              <a:rPr lang="en-US" sz="1800" dirty="0" smtClean="0">
-                <a:hlinkClick r:id="rId2"/>
-              </a:rPr>
-              <a:t>/</a:t>
-            </a:r>
-            <a:endParaRPr lang="en-US" sz="1800" dirty="0" smtClean="0"/>
-          </a:p>
-          <a:p>
-            <a:endParaRPr lang="en-US" sz="1800" dirty="0"/>
-          </a:p>
-          <a:p>
-            <a:r>
-              <a:rPr lang="en-US" sz="1800" dirty="0" smtClean="0"/>
-              <a:t>In your </a:t>
-            </a:r>
-            <a:r>
-              <a:rPr lang="en-US" sz="1800" dirty="0" smtClean="0"/>
-              <a:t>workstation</a:t>
-            </a:r>
-            <a:r>
-              <a:rPr lang="en-US" sz="1800" dirty="0" smtClean="0"/>
-              <a:t>:</a:t>
-            </a:r>
-          </a:p>
-          <a:p>
-            <a:pPr marL="285750" indent="-285750">
-              <a:buFont typeface="Arial"/>
-              <a:buChar char="•"/>
-            </a:pPr>
-            <a:r>
-              <a:rPr lang="en-US" sz="1800" dirty="0"/>
-              <a:t>Make a new directory called </a:t>
-            </a:r>
-            <a:r>
-              <a:rPr lang="en-US" sz="1800" dirty="0" smtClean="0"/>
-              <a:t>‘lib’ </a:t>
-            </a:r>
-            <a:r>
-              <a:rPr lang="en-US" sz="1800" dirty="0"/>
-              <a:t>in your </a:t>
-            </a:r>
-            <a:r>
-              <a:rPr lang="en-US" sz="1800" dirty="0" smtClean="0"/>
-              <a:t>‘home’ directory</a:t>
-            </a:r>
-          </a:p>
-          <a:p>
-            <a:pPr marL="285750" indent="-285750">
-              <a:buFont typeface="Arial"/>
-              <a:buChar char="•"/>
-            </a:pPr>
-            <a:r>
-              <a:rPr lang="en-US" sz="1800" dirty="0" smtClean="0"/>
-              <a:t>Extract </a:t>
-            </a:r>
-            <a:r>
-              <a:rPr lang="en-US" sz="1800" dirty="0"/>
-              <a:t>the recently downloaded </a:t>
-            </a:r>
-            <a:r>
-              <a:rPr lang="en-US" sz="1800" dirty="0">
-                <a:solidFill>
-                  <a:srgbClr val="D1282E"/>
-                </a:solidFill>
-              </a:rPr>
-              <a:t>MDK (Complete Edition</a:t>
-            </a:r>
-            <a:r>
-              <a:rPr lang="en-US" sz="1800" dirty="0" smtClean="0">
-                <a:solidFill>
-                  <a:srgbClr val="D1282E"/>
-                </a:solidFill>
-              </a:rPr>
-              <a:t>) </a:t>
-            </a:r>
-            <a:r>
-              <a:rPr lang="en-US" sz="1800" dirty="0" smtClean="0"/>
-              <a:t>in</a:t>
-            </a:r>
-            <a:r>
-              <a:rPr lang="en-US" sz="1800" dirty="0" smtClean="0"/>
-              <a:t> </a:t>
-            </a:r>
-            <a:r>
-              <a:rPr lang="en-US" sz="1800" dirty="0" smtClean="0"/>
-              <a:t>‘lib</a:t>
-            </a:r>
-            <a:r>
-              <a:rPr lang="en-US" sz="1800" dirty="0" smtClean="0"/>
-              <a:t>’, then do this,</a:t>
-            </a:r>
-            <a:endParaRPr lang="en-US" sz="1800" dirty="0"/>
-          </a:p>
-        </p:txBody>
-      </p:sp>
-    </p:spTree>
-    <p:extLst>
-      <p:ext uri="{BB962C8B-B14F-4D97-AF65-F5344CB8AC3E}">
-        <p14:creationId xmlns:p14="http://schemas.microsoft.com/office/powerpoint/2010/main" val="2553385727"/>
+        <p14:creationId xmlns:p14="http://schemas.microsoft.com/office/powerpoint/2010/main" val="1183710674"/>
       </p:ext>
     </p:extLst>
   </p:cSld>
@@ -5700,35 +7311,6 @@
       </p:grpSpPr>
       <p:sp>
         <p:nvSpPr>
-          <p:cNvPr id="10" name="Title 9"/>
-          <p:cNvSpPr>
-            <a:spLocks noGrp="1"/>
-          </p:cNvSpPr>
-          <p:nvPr>
-            <p:ph type="title"/>
-          </p:nvPr>
-        </p:nvSpPr>
-        <p:spPr/>
-        <p:txBody>
-          <a:bodyPr>
-            <a:normAutofit fontScale="90000"/>
-          </a:bodyPr>
-          <a:lstStyle/>
-          <a:p>
-            <a:r>
-              <a:rPr lang="en-US" dirty="0" smtClean="0"/>
-              <a:t>Configuring the workstation: to have static </a:t>
-            </a:r>
-            <a:r>
-              <a:rPr lang="en-US" dirty="0" err="1" smtClean="0"/>
-              <a:t>ip</a:t>
-            </a:r>
-            <a:endParaRPr lang="en-US" dirty="0"/>
-          </a:p>
-        </p:txBody>
-      </p:sp>
-      <p:sp>
-        <p:nvSpPr>
           <p:cNvPr id="4" name="Content Placeholder 3"/>
           <p:cNvSpPr>
             <a:spLocks noGrp="1"/>
@@ -5739,340 +7321,42 @@
         </p:nvSpPr>
         <p:spPr>
           <a:xfrm>
-            <a:off x="457198" y="1524317"/>
-            <a:ext cx="7620000" cy="1145621"/>
+            <a:off x="457200" y="1752601"/>
+            <a:ext cx="7620000" cy="705698"/>
           </a:xfrm>
         </p:spPr>
         <p:txBody>
           <a:bodyPr>
-            <a:normAutofit/>
+            <a:noAutofit/>
           </a:bodyPr>
           <a:lstStyle/>
           <a:p>
             <a:r>
-              <a:rPr lang="en-US" i="1" dirty="0" smtClean="0"/>
-              <a:t>Replace ‘&lt;</a:t>
-            </a:r>
-            <a:r>
-              <a:rPr lang="en-US" i="1" dirty="0" err="1" smtClean="0"/>
-              <a:t>instruction_stated_inside</a:t>
-            </a:r>
-            <a:r>
-              <a:rPr lang="en-US" i="1" dirty="0" smtClean="0"/>
-              <a:t>&gt;’ entirely with the instruction stated inside.</a:t>
-            </a:r>
-            <a:endParaRPr lang="en-US" i="1" dirty="0"/>
-          </a:p>
-        </p:txBody>
-      </p:sp>
-      <p:sp>
-        <p:nvSpPr>
-          <p:cNvPr id="6" name="Content Placeholder 3"/>
-          <p:cNvSpPr txBox="1">
-            <a:spLocks/>
-          </p:cNvSpPr>
+              <a:rPr lang="en-US" b="0" dirty="0" smtClean="0">
+                <a:latin typeface="Calibri" charset="0"/>
+                <a:ea typeface="Calibri" charset="0"/>
+                <a:cs typeface="Calibri" charset="0"/>
+              </a:rPr>
+              <a:t>Copy and paste in terminal, one by one, everything after the ‘$’ sign.</a:t>
+            </a:r>
+            <a:endParaRPr lang="en-US" b="0" dirty="0">
+              <a:latin typeface="Calibri" charset="0"/>
+              <a:ea typeface="Calibri" charset="0"/>
+              <a:cs typeface="Calibri" charset="0"/>
+            </a:endParaRPr>
+          </a:p>
+        </p:txBody>
+      </p:sp>
+      <p:sp>
+        <p:nvSpPr>
+          <p:cNvPr id="5" name="TextBox 4"/>
+          <p:cNvSpPr txBox="1"/>
           <p:nvPr/>
         </p:nvSpPr>
         <p:spPr>
           <a:xfrm>
-            <a:off x="457198" y="2669938"/>
-            <a:ext cx="7620000" cy="3133805"/>
-          </a:xfrm>
-          <a:prstGeom prst="rect">
-            <a:avLst/>
-          </a:prstGeom>
-        </p:spPr>
-        <p:txBody>
-          <a:bodyPr vert="horz" lIns="91440" tIns="45720" rIns="91440" bIns="45720" rtlCol="0">
-            <a:normAutofit lnSpcReduction="10000"/>
-          </a:bodyPr>
-          <a:lstStyle>
-            <a:lvl1pPr marL="0" indent="0" algn="l" defTabSz="914400" rtl="0" eaLnBrk="1" latinLnBrk="0" hangingPunct="1">
-              <a:spcBef>
-                <a:spcPct val="20000"/>
-              </a:spcBef>
-              <a:spcAft>
-                <a:spcPts val="600"/>
-              </a:spcAft>
-              <a:buFont typeface="Arial" pitchFamily="34" charset="0"/>
-              <a:buNone/>
-              <a:defRPr sz="2000" b="1" kern="1200">
-                <a:solidFill>
-                  <a:schemeClr val="tx1"/>
-                </a:solidFill>
-                <a:latin typeface="+mn-lt"/>
-                <a:ea typeface="+mn-ea"/>
-                <a:cs typeface="+mn-cs"/>
-              </a:defRPr>
-            </a:lvl1pPr>
-            <a:lvl2pPr marL="457200" indent="-182880" algn="l" defTabSz="914400" rtl="0" eaLnBrk="1" latinLnBrk="0" hangingPunct="1">
-              <a:spcBef>
-                <a:spcPct val="20000"/>
-              </a:spcBef>
-              <a:buClr>
-                <a:schemeClr val="tx2"/>
-              </a:buClr>
-              <a:buFont typeface="Arial" pitchFamily="34" charset="0"/>
-              <a:buChar char="•"/>
-              <a:defRPr sz="2000" kern="1200">
-                <a:solidFill>
-                  <a:schemeClr val="tx1"/>
-                </a:solidFill>
-                <a:latin typeface="+mn-lt"/>
-                <a:ea typeface="+mn-ea"/>
-                <a:cs typeface="+mn-cs"/>
-              </a:defRPr>
-            </a:lvl2pPr>
-            <a:lvl3pPr marL="1143000" indent="-228600" algn="l" defTabSz="914400" rtl="0" eaLnBrk="1" latinLnBrk="0" hangingPunct="1">
-              <a:spcBef>
-                <a:spcPct val="20000"/>
-              </a:spcBef>
-              <a:buClr>
-                <a:schemeClr val="tx2"/>
-              </a:buClr>
-              <a:buFont typeface="Arial" pitchFamily="34" charset="0"/>
-              <a:buChar char="•"/>
-              <a:defRPr sz="1800" kern="1200">
-                <a:solidFill>
-                  <a:schemeClr val="tx1"/>
-                </a:solidFill>
-                <a:latin typeface="+mn-lt"/>
-                <a:ea typeface="+mn-ea"/>
-                <a:cs typeface="+mn-cs"/>
-              </a:defRPr>
-            </a:lvl3pPr>
-            <a:lvl4pPr marL="1600200" indent="-228600" algn="l" defTabSz="914400" rtl="0" eaLnBrk="1" latinLnBrk="0" hangingPunct="1">
-              <a:spcBef>
-                <a:spcPct val="20000"/>
-              </a:spcBef>
-              <a:buClr>
-                <a:schemeClr val="tx2"/>
-              </a:buClr>
-              <a:buFont typeface="Arial" pitchFamily="34" charset="0"/>
-              <a:buChar char="•"/>
-              <a:defRPr sz="1800" kern="1200">
-                <a:solidFill>
-                  <a:schemeClr val="tx1"/>
-                </a:solidFill>
-                <a:latin typeface="+mn-lt"/>
-                <a:ea typeface="+mn-ea"/>
-                <a:cs typeface="+mn-cs"/>
-              </a:defRPr>
-            </a:lvl4pPr>
-            <a:lvl5pPr marL="2057400" indent="-228600" algn="l" defTabSz="914400" rtl="0" eaLnBrk="1" latinLnBrk="0" hangingPunct="1">
-              <a:spcBef>
-                <a:spcPct val="20000"/>
-              </a:spcBef>
-              <a:buClr>
-                <a:schemeClr val="tx2"/>
-              </a:buClr>
-              <a:buFont typeface="Arial" pitchFamily="34" charset="0"/>
-              <a:buChar char="•"/>
-              <a:defRPr sz="1800" kern="1200" baseline="0">
-                <a:solidFill>
-                  <a:schemeClr val="tx1"/>
-                </a:solidFill>
-                <a:latin typeface="+mn-lt"/>
-                <a:ea typeface="+mn-ea"/>
-                <a:cs typeface="+mn-cs"/>
-              </a:defRPr>
-            </a:lvl5pPr>
-            <a:lvl6pPr marL="2514600" indent="-228600" algn="l" defTabSz="914400" rtl="0" eaLnBrk="1" latinLnBrk="0" hangingPunct="1">
-              <a:spcBef>
-                <a:spcPct val="20000"/>
-              </a:spcBef>
-              <a:buClr>
-                <a:schemeClr val="tx2"/>
-              </a:buClr>
-              <a:buFont typeface="Arial" pitchFamily="34" charset="0"/>
-              <a:buChar char="•"/>
-              <a:defRPr sz="1600" kern="1200">
-                <a:solidFill>
-                  <a:schemeClr val="tx1"/>
-                </a:solidFill>
-                <a:latin typeface="+mn-lt"/>
-                <a:ea typeface="+mn-ea"/>
-                <a:cs typeface="+mn-cs"/>
-              </a:defRPr>
-            </a:lvl6pPr>
-            <a:lvl7pPr marL="2971800" indent="-228600" algn="l" defTabSz="914400" rtl="0" eaLnBrk="1" latinLnBrk="0" hangingPunct="1">
-              <a:spcBef>
-                <a:spcPct val="20000"/>
-              </a:spcBef>
-              <a:buClr>
-                <a:schemeClr val="tx2"/>
-              </a:buClr>
-              <a:buFont typeface="Arial" pitchFamily="34" charset="0"/>
-              <a:buChar char="•"/>
-              <a:defRPr sz="1600" kern="1200">
-                <a:solidFill>
-                  <a:schemeClr val="tx1"/>
-                </a:solidFill>
-                <a:latin typeface="+mn-lt"/>
-                <a:ea typeface="+mn-ea"/>
-                <a:cs typeface="+mn-cs"/>
-              </a:defRPr>
-            </a:lvl7pPr>
-            <a:lvl8pPr marL="3429000" indent="-228600" algn="l" defTabSz="914400" rtl="0" eaLnBrk="1" latinLnBrk="0" hangingPunct="1">
-              <a:spcBef>
-                <a:spcPct val="20000"/>
-              </a:spcBef>
-              <a:buClr>
-                <a:schemeClr val="tx2"/>
-              </a:buClr>
-              <a:buFont typeface="Arial" pitchFamily="34" charset="0"/>
-              <a:buChar char="•"/>
-              <a:defRPr sz="1600" kern="1200">
-                <a:solidFill>
-                  <a:schemeClr val="tx1"/>
-                </a:solidFill>
-                <a:latin typeface="+mn-lt"/>
-                <a:ea typeface="+mn-ea"/>
-                <a:cs typeface="+mn-cs"/>
-              </a:defRPr>
-            </a:lvl8pPr>
-            <a:lvl9pPr marL="3886200" indent="-228600" algn="l" defTabSz="914400" rtl="0" eaLnBrk="1" latinLnBrk="0" hangingPunct="1">
-              <a:spcBef>
-                <a:spcPct val="20000"/>
-              </a:spcBef>
-              <a:buClr>
-                <a:schemeClr val="tx2"/>
-              </a:buClr>
-              <a:buFont typeface="Arial" pitchFamily="34" charset="0"/>
-              <a:buChar char="•"/>
-              <a:defRPr sz="1600" kern="1200">
-                <a:solidFill>
-                  <a:schemeClr val="tx1"/>
-                </a:solidFill>
-                <a:latin typeface="+mn-lt"/>
-                <a:ea typeface="+mn-ea"/>
-                <a:cs typeface="+mn-cs"/>
-              </a:defRPr>
-            </a:lvl9pPr>
-          </a:lstStyle>
-          <a:p>
-            <a:r>
-              <a:rPr lang="en-US" sz="1800" dirty="0"/>
-              <a:t>In your </a:t>
-            </a:r>
-            <a:r>
-              <a:rPr lang="en-US" sz="1800" dirty="0" smtClean="0"/>
-              <a:t>workstation:</a:t>
-            </a:r>
-          </a:p>
-          <a:p>
-            <a:pPr marL="285750" indent="-285750">
-              <a:buFont typeface="Arial"/>
-              <a:buChar char="•"/>
-            </a:pPr>
-            <a:r>
-              <a:rPr lang="en-US" sz="1800" dirty="0" smtClean="0"/>
-              <a:t>In </a:t>
-            </a:r>
-            <a:r>
-              <a:rPr lang="en-US" sz="1800" dirty="0"/>
-              <a:t>(Network Preferences/TCP-IP</a:t>
-            </a:r>
-            <a:r>
-              <a:rPr lang="en-US" sz="1800" dirty="0" smtClean="0"/>
-              <a:t>), </a:t>
-            </a:r>
-            <a:r>
-              <a:rPr lang="en-US" sz="1800" dirty="0"/>
-              <a:t>change (configure IPV4) to 'Manual' from '</a:t>
-            </a:r>
-            <a:r>
-              <a:rPr lang="en-US" sz="1800" dirty="0" smtClean="0"/>
-              <a:t>DHCP’</a:t>
-            </a:r>
-          </a:p>
-          <a:p>
-            <a:pPr marL="285750" indent="-285750">
-              <a:buFont typeface="Arial"/>
-              <a:buChar char="•"/>
-            </a:pPr>
-            <a:r>
-              <a:rPr lang="en-US" sz="1800" dirty="0"/>
-              <a:t>Change IPV4 Address to 130.251.13.&lt;select_any_number_between_87_and_94</a:t>
-            </a:r>
-            <a:r>
-              <a:rPr lang="en-US" sz="1800" dirty="0" smtClean="0"/>
-              <a:t>&gt;</a:t>
-            </a:r>
-          </a:p>
-          <a:p>
-            <a:pPr marL="285750" indent="-285750">
-              <a:buFont typeface="Arial"/>
-              <a:buChar char="•"/>
-            </a:pPr>
-            <a:r>
-              <a:rPr lang="en-US" sz="1800" dirty="0"/>
-              <a:t>In (Network Preferences/DNS</a:t>
-            </a:r>
-            <a:r>
-              <a:rPr lang="en-US" sz="1800" dirty="0" smtClean="0"/>
-              <a:t>), </a:t>
-            </a:r>
-            <a:r>
-              <a:rPr lang="en-US" sz="1800" dirty="0"/>
-              <a:t>add 130.251.1.4 and </a:t>
-            </a:r>
-            <a:r>
-              <a:rPr lang="en-US" sz="1800" dirty="0" smtClean="0"/>
-              <a:t>8.8.8.8</a:t>
-            </a:r>
-          </a:p>
-          <a:p>
-            <a:pPr marL="285750" indent="-285750">
-              <a:buFont typeface="Arial"/>
-              <a:buChar char="•"/>
-            </a:pPr>
-            <a:r>
-              <a:rPr lang="en-US" sz="1800" dirty="0" smtClean="0">
-                <a:solidFill>
-                  <a:srgbClr val="D1282E"/>
-                </a:solidFill>
-              </a:rPr>
-              <a:t>If using a virtual machine with </a:t>
-            </a:r>
-            <a:r>
-              <a:rPr lang="en-US" sz="1800" dirty="0" err="1" smtClean="0">
-                <a:solidFill>
-                  <a:srgbClr val="D1282E"/>
-                </a:solidFill>
-              </a:rPr>
-              <a:t>ubuntu</a:t>
-            </a:r>
-            <a:r>
-              <a:rPr lang="en-US" sz="1800" dirty="0" smtClean="0"/>
-              <a:t>, all previous steps must be done on the main OS and after which you must go </a:t>
-            </a:r>
-            <a:r>
-              <a:rPr lang="en-US" sz="1800" dirty="0"/>
-              <a:t>into the network settings </a:t>
-            </a:r>
-            <a:r>
-              <a:rPr lang="en-US" sz="1800" dirty="0" smtClean="0"/>
-              <a:t>of virtual machine and select “attached to” </a:t>
-            </a:r>
-            <a:r>
-              <a:rPr lang="en-US" sz="1800" dirty="0"/>
-              <a:t>as 'Bridged Adapter' </a:t>
-            </a:r>
-            <a:endParaRPr lang="en-US" sz="1800" dirty="0"/>
-          </a:p>
-        </p:txBody>
-      </p:sp>
-      <p:sp>
-        <p:nvSpPr>
-          <p:cNvPr id="2" name="TextBox 1"/>
-          <p:cNvSpPr txBox="1"/>
-          <p:nvPr/>
-        </p:nvSpPr>
-        <p:spPr>
-          <a:xfrm>
-            <a:off x="6327989" y="6074920"/>
-            <a:ext cx="1749209" cy="369332"/>
+            <a:off x="457200" y="2458299"/>
+            <a:ext cx="8383561" cy="3293209"/>
           </a:xfrm>
           <a:prstGeom prst="rect">
             <a:avLst/>
@@ -6080,31 +7364,727 @@
           <a:noFill/>
         </p:spPr>
         <p:txBody>
-          <a:bodyPr wrap="none" rtlCol="0">
+          <a:bodyPr wrap="square" rtlCol="0">
             <a:spAutoFit/>
           </a:bodyPr>
           <a:lstStyle/>
           <a:p>
             <a:r>
-              <a:rPr lang="en-US" dirty="0" smtClean="0">
-                <a:solidFill>
-                  <a:srgbClr val="D1282E"/>
-                </a:solidFill>
-              </a:rPr>
-              <a:t>CONTINUED</a:t>
-            </a:r>
-            <a:r>
-              <a:rPr lang="mr-IN" dirty="0" smtClean="0">
-                <a:solidFill>
-                  <a:srgbClr val="D1282E"/>
-                </a:solidFill>
-              </a:rPr>
-              <a:t>…</a:t>
-            </a:r>
-            <a:endParaRPr lang="en-US" dirty="0">
-              <a:solidFill>
-                <a:srgbClr val="D1282E"/>
-              </a:solidFill>
+              <a:rPr lang="en-US" sz="1600" dirty="0" smtClean="0">
+                <a:latin typeface="Apple Symbols" charset="0"/>
+                <a:ea typeface="Apple Symbols" charset="0"/>
+                <a:cs typeface="Apple Symbols" charset="0"/>
+              </a:rPr>
+              <a:t>$ </a:t>
+            </a:r>
+            <a:r>
+              <a:rPr lang="en-US" sz="1600" dirty="0" err="1" smtClean="0">
+                <a:latin typeface="Apple Symbols" charset="0"/>
+                <a:ea typeface="Apple Symbols" charset="0"/>
+                <a:cs typeface="Apple Symbols" charset="0"/>
+              </a:rPr>
+              <a:t>sudo</a:t>
+            </a:r>
+            <a:r>
+              <a:rPr lang="en-US" sz="1600" dirty="0" smtClean="0">
+                <a:latin typeface="Apple Symbols" charset="0"/>
+                <a:ea typeface="Apple Symbols" charset="0"/>
+                <a:cs typeface="Apple Symbols" charset="0"/>
+              </a:rPr>
+              <a:t> </a:t>
+            </a:r>
+            <a:r>
+              <a:rPr lang="en-US" sz="1600" dirty="0" err="1">
+                <a:latin typeface="Apple Symbols" charset="0"/>
+                <a:ea typeface="Apple Symbols" charset="0"/>
+                <a:cs typeface="Apple Symbols" charset="0"/>
+              </a:rPr>
+              <a:t>sh</a:t>
+            </a:r>
+            <a:r>
+              <a:rPr lang="en-US" sz="1600" dirty="0">
+                <a:latin typeface="Apple Symbols" charset="0"/>
+                <a:ea typeface="Apple Symbols" charset="0"/>
+                <a:cs typeface="Apple Symbols" charset="0"/>
+              </a:rPr>
+              <a:t> -c 'echo "deb http://</a:t>
+            </a:r>
+            <a:r>
+              <a:rPr lang="en-US" sz="1600" dirty="0" err="1">
+                <a:latin typeface="Apple Symbols" charset="0"/>
+                <a:ea typeface="Apple Symbols" charset="0"/>
+                <a:cs typeface="Apple Symbols" charset="0"/>
+              </a:rPr>
+              <a:t>packages.ros.org</a:t>
+            </a:r>
+            <a:r>
+              <a:rPr lang="en-US" sz="1600" dirty="0">
+                <a:latin typeface="Apple Symbols" charset="0"/>
+                <a:ea typeface="Apple Symbols" charset="0"/>
+                <a:cs typeface="Apple Symbols" charset="0"/>
+              </a:rPr>
+              <a:t>/</a:t>
+            </a:r>
+            <a:r>
+              <a:rPr lang="en-US" sz="1600" dirty="0" err="1">
+                <a:latin typeface="Apple Symbols" charset="0"/>
+                <a:ea typeface="Apple Symbols" charset="0"/>
+                <a:cs typeface="Apple Symbols" charset="0"/>
+              </a:rPr>
+              <a:t>ros</a:t>
+            </a:r>
+            <a:r>
+              <a:rPr lang="en-US" sz="1600" dirty="0">
+                <a:latin typeface="Apple Symbols" charset="0"/>
+                <a:ea typeface="Apple Symbols" charset="0"/>
+                <a:cs typeface="Apple Symbols" charset="0"/>
+              </a:rPr>
+              <a:t>/</a:t>
+            </a:r>
+            <a:r>
+              <a:rPr lang="en-US" sz="1600" dirty="0" err="1">
+                <a:latin typeface="Apple Symbols" charset="0"/>
+                <a:ea typeface="Apple Symbols" charset="0"/>
+                <a:cs typeface="Apple Symbols" charset="0"/>
+              </a:rPr>
+              <a:t>ubuntu</a:t>
+            </a:r>
+            <a:r>
+              <a:rPr lang="en-US" sz="1600" dirty="0">
+                <a:latin typeface="Apple Symbols" charset="0"/>
+                <a:ea typeface="Apple Symbols" charset="0"/>
+                <a:cs typeface="Apple Symbols" charset="0"/>
+              </a:rPr>
+              <a:t> $(</a:t>
+            </a:r>
+            <a:r>
+              <a:rPr lang="en-US" sz="1600" dirty="0" err="1">
+                <a:latin typeface="Apple Symbols" charset="0"/>
+                <a:ea typeface="Apple Symbols" charset="0"/>
+                <a:cs typeface="Apple Symbols" charset="0"/>
+              </a:rPr>
+              <a:t>lsb_release</a:t>
+            </a:r>
+            <a:r>
+              <a:rPr lang="en-US" sz="1600" dirty="0">
+                <a:latin typeface="Apple Symbols" charset="0"/>
+                <a:ea typeface="Apple Symbols" charset="0"/>
+                <a:cs typeface="Apple Symbols" charset="0"/>
+              </a:rPr>
+              <a:t> -</a:t>
+            </a:r>
+            <a:r>
+              <a:rPr lang="en-US" sz="1600" dirty="0" err="1">
+                <a:latin typeface="Apple Symbols" charset="0"/>
+                <a:ea typeface="Apple Symbols" charset="0"/>
+                <a:cs typeface="Apple Symbols" charset="0"/>
+              </a:rPr>
+              <a:t>sc</a:t>
+            </a:r>
+            <a:r>
+              <a:rPr lang="en-US" sz="1600" dirty="0">
+                <a:latin typeface="Apple Symbols" charset="0"/>
+                <a:ea typeface="Apple Symbols" charset="0"/>
+                <a:cs typeface="Apple Symbols" charset="0"/>
+              </a:rPr>
+              <a:t>) main" </a:t>
+            </a:r>
+            <a:r>
+              <a:rPr lang="en-US" sz="1600" dirty="0" smtClean="0">
+                <a:latin typeface="Apple Symbols" charset="0"/>
+                <a:ea typeface="Apple Symbols" charset="0"/>
+                <a:cs typeface="Apple Symbols" charset="0"/>
+              </a:rPr>
+              <a:t>&gt; /</a:t>
+            </a:r>
+            <a:r>
+              <a:rPr lang="en-US" sz="1600" dirty="0" err="1">
+                <a:latin typeface="Apple Symbols" charset="0"/>
+                <a:ea typeface="Apple Symbols" charset="0"/>
+                <a:cs typeface="Apple Symbols" charset="0"/>
+              </a:rPr>
+              <a:t>etc</a:t>
+            </a:r>
+            <a:r>
+              <a:rPr lang="en-US" sz="1600" dirty="0">
+                <a:latin typeface="Apple Symbols" charset="0"/>
+                <a:ea typeface="Apple Symbols" charset="0"/>
+                <a:cs typeface="Apple Symbols" charset="0"/>
+              </a:rPr>
+              <a:t>/apt/</a:t>
+            </a:r>
+            <a:r>
+              <a:rPr lang="en-US" sz="1600" dirty="0" err="1">
+                <a:latin typeface="Apple Symbols" charset="0"/>
+                <a:ea typeface="Apple Symbols" charset="0"/>
+                <a:cs typeface="Apple Symbols" charset="0"/>
+              </a:rPr>
+              <a:t>sources.list.d</a:t>
+            </a:r>
+            <a:r>
+              <a:rPr lang="en-US" sz="1600" dirty="0">
+                <a:latin typeface="Apple Symbols" charset="0"/>
+                <a:ea typeface="Apple Symbols" charset="0"/>
+                <a:cs typeface="Apple Symbols" charset="0"/>
+              </a:rPr>
+              <a:t>/</a:t>
+            </a:r>
+            <a:r>
+              <a:rPr lang="en-US" sz="1600" dirty="0" err="1">
+                <a:latin typeface="Apple Symbols" charset="0"/>
+                <a:ea typeface="Apple Symbols" charset="0"/>
+                <a:cs typeface="Apple Symbols" charset="0"/>
+              </a:rPr>
+              <a:t>ros-</a:t>
+            </a:r>
+            <a:r>
+              <a:rPr lang="en-US" sz="1600" dirty="0" err="1" smtClean="0">
+                <a:latin typeface="Apple Symbols" charset="0"/>
+                <a:ea typeface="Apple Symbols" charset="0"/>
+                <a:cs typeface="Apple Symbols" charset="0"/>
+              </a:rPr>
+              <a:t>latest.list</a:t>
+            </a:r>
+            <a:r>
+              <a:rPr lang="en-US" sz="1600" dirty="0" smtClean="0">
+                <a:latin typeface="Apple Symbols" charset="0"/>
+                <a:ea typeface="Apple Symbols" charset="0"/>
+                <a:cs typeface="Apple Symbols" charset="0"/>
+              </a:rPr>
+              <a:t>’</a:t>
+            </a:r>
+          </a:p>
+          <a:p>
+            <a:r>
+              <a:rPr lang="en-US" sz="1600" dirty="0">
+                <a:latin typeface="Apple Symbols" charset="0"/>
+                <a:ea typeface="Apple Symbols" charset="0"/>
+                <a:cs typeface="Apple Symbols" charset="0"/>
+              </a:rPr>
+              <a:t>$ </a:t>
+            </a:r>
+            <a:r>
+              <a:rPr lang="en-US" sz="1600" dirty="0" err="1">
+                <a:latin typeface="Apple Symbols" charset="0"/>
+                <a:ea typeface="Apple Symbols" charset="0"/>
+                <a:cs typeface="Apple Symbols" charset="0"/>
+              </a:rPr>
+              <a:t>sudo</a:t>
+            </a:r>
+            <a:r>
+              <a:rPr lang="en-US" sz="1600" dirty="0">
+                <a:latin typeface="Apple Symbols" charset="0"/>
+                <a:ea typeface="Apple Symbols" charset="0"/>
+                <a:cs typeface="Apple Symbols" charset="0"/>
+              </a:rPr>
+              <a:t> apt-key </a:t>
+            </a:r>
+            <a:r>
+              <a:rPr lang="en-US" sz="1600" dirty="0" err="1">
+                <a:latin typeface="Apple Symbols" charset="0"/>
+                <a:ea typeface="Apple Symbols" charset="0"/>
+                <a:cs typeface="Apple Symbols" charset="0"/>
+              </a:rPr>
+              <a:t>adv</a:t>
+            </a:r>
+            <a:r>
+              <a:rPr lang="en-US" sz="1600" dirty="0">
+                <a:latin typeface="Apple Symbols" charset="0"/>
+                <a:ea typeface="Apple Symbols" charset="0"/>
+                <a:cs typeface="Apple Symbols" charset="0"/>
+              </a:rPr>
+              <a:t> --</a:t>
+            </a:r>
+            <a:r>
+              <a:rPr lang="en-US" sz="1600" dirty="0" err="1">
+                <a:latin typeface="Apple Symbols" charset="0"/>
+                <a:ea typeface="Apple Symbols" charset="0"/>
+                <a:cs typeface="Apple Symbols" charset="0"/>
+              </a:rPr>
+              <a:t>keyserver</a:t>
+            </a:r>
+            <a:r>
+              <a:rPr lang="en-US" sz="1600" dirty="0">
+                <a:latin typeface="Apple Symbols" charset="0"/>
+                <a:ea typeface="Apple Symbols" charset="0"/>
+                <a:cs typeface="Apple Symbols" charset="0"/>
+              </a:rPr>
+              <a:t> </a:t>
+            </a:r>
+            <a:r>
+              <a:rPr lang="en-US" sz="1600" dirty="0" err="1">
+                <a:latin typeface="Apple Symbols" charset="0"/>
+                <a:ea typeface="Apple Symbols" charset="0"/>
+                <a:cs typeface="Apple Symbols" charset="0"/>
+              </a:rPr>
+              <a:t>hkp</a:t>
+            </a:r>
+            <a:r>
+              <a:rPr lang="en-US" sz="1600" dirty="0">
+                <a:latin typeface="Apple Symbols" charset="0"/>
+                <a:ea typeface="Apple Symbols" charset="0"/>
+                <a:cs typeface="Apple Symbols" charset="0"/>
+              </a:rPr>
+              <a:t>://ha.pool.sks-keyservers.net:80 --</a:t>
+            </a:r>
+            <a:r>
+              <a:rPr lang="en-US" sz="1600" dirty="0" err="1">
+                <a:latin typeface="Apple Symbols" charset="0"/>
+                <a:ea typeface="Apple Symbols" charset="0"/>
+                <a:cs typeface="Apple Symbols" charset="0"/>
+              </a:rPr>
+              <a:t>recv</a:t>
+            </a:r>
+            <a:r>
+              <a:rPr lang="en-US" sz="1600" dirty="0">
+                <a:latin typeface="Apple Symbols" charset="0"/>
+                <a:ea typeface="Apple Symbols" charset="0"/>
+                <a:cs typeface="Apple Symbols" charset="0"/>
+              </a:rPr>
+              <a:t>-</a:t>
+            </a:r>
+            <a:r>
+              <a:rPr lang="en-US" sz="1600" dirty="0" smtClean="0">
+                <a:latin typeface="Apple Symbols" charset="0"/>
+                <a:ea typeface="Apple Symbols" charset="0"/>
+                <a:cs typeface="Apple Symbols" charset="0"/>
+              </a:rPr>
+              <a:t>key 421C365BD9FF1F717815A3895523BAEEB01FA116</a:t>
+            </a:r>
+          </a:p>
+          <a:p>
+            <a:r>
+              <a:rPr lang="en-US" sz="1600" dirty="0">
+                <a:latin typeface="Apple Symbols" charset="0"/>
+                <a:ea typeface="Apple Symbols" charset="0"/>
+                <a:cs typeface="Apple Symbols" charset="0"/>
+              </a:rPr>
+              <a:t>$ </a:t>
+            </a:r>
+            <a:r>
+              <a:rPr lang="en-US" sz="1600" dirty="0" err="1">
+                <a:latin typeface="Apple Symbols" charset="0"/>
+                <a:ea typeface="Apple Symbols" charset="0"/>
+                <a:cs typeface="Apple Symbols" charset="0"/>
+              </a:rPr>
+              <a:t>sudo</a:t>
+            </a:r>
+            <a:r>
+              <a:rPr lang="en-US" sz="1600" dirty="0">
+                <a:latin typeface="Apple Symbols" charset="0"/>
+                <a:ea typeface="Apple Symbols" charset="0"/>
+                <a:cs typeface="Apple Symbols" charset="0"/>
+              </a:rPr>
+              <a:t> apt-get </a:t>
+            </a:r>
+            <a:r>
+              <a:rPr lang="en-US" sz="1600" dirty="0" smtClean="0">
+                <a:latin typeface="Apple Symbols" charset="0"/>
+                <a:ea typeface="Apple Symbols" charset="0"/>
+                <a:cs typeface="Apple Symbols" charset="0"/>
+              </a:rPr>
+              <a:t>update</a:t>
+            </a:r>
+            <a:endParaRPr lang="en-US" sz="1600" dirty="0">
+              <a:latin typeface="Apple Symbols" charset="0"/>
+              <a:ea typeface="Apple Symbols" charset="0"/>
+              <a:cs typeface="Apple Symbols" charset="0"/>
+            </a:endParaRPr>
+          </a:p>
+          <a:p>
+            <a:r>
+              <a:rPr lang="en-US" sz="1600" dirty="0">
+                <a:latin typeface="Apple Symbols" charset="0"/>
+                <a:ea typeface="Apple Symbols" charset="0"/>
+                <a:cs typeface="Apple Symbols" charset="0"/>
+              </a:rPr>
+              <a:t>$ </a:t>
+            </a:r>
+            <a:r>
+              <a:rPr lang="en-US" sz="1600" dirty="0" err="1">
+                <a:latin typeface="Apple Symbols" charset="0"/>
+                <a:ea typeface="Apple Symbols" charset="0"/>
+                <a:cs typeface="Apple Symbols" charset="0"/>
+              </a:rPr>
+              <a:t>sudo</a:t>
+            </a:r>
+            <a:r>
+              <a:rPr lang="en-US" sz="1600" dirty="0">
+                <a:latin typeface="Apple Symbols" charset="0"/>
+                <a:ea typeface="Apple Symbols" charset="0"/>
+                <a:cs typeface="Apple Symbols" charset="0"/>
+              </a:rPr>
+              <a:t> apt-get install </a:t>
+            </a:r>
+            <a:r>
+              <a:rPr lang="en-US" sz="1600" dirty="0" err="1" smtClean="0">
+                <a:latin typeface="Apple Symbols" charset="0"/>
+                <a:ea typeface="Apple Symbols" charset="0"/>
+                <a:cs typeface="Apple Symbols" charset="0"/>
+              </a:rPr>
+              <a:t>ros</a:t>
+            </a:r>
+            <a:r>
+              <a:rPr lang="en-US" sz="1600" dirty="0" smtClean="0">
+                <a:latin typeface="Apple Symbols" charset="0"/>
+                <a:ea typeface="Apple Symbols" charset="0"/>
+                <a:cs typeface="Apple Symbols" charset="0"/>
+              </a:rPr>
+              <a:t>-kinetic-desktop-full</a:t>
+            </a:r>
+            <a:endParaRPr lang="en-US" sz="1600" dirty="0">
+              <a:latin typeface="Apple Symbols" charset="0"/>
+              <a:ea typeface="Apple Symbols" charset="0"/>
+              <a:cs typeface="Apple Symbols" charset="0"/>
+            </a:endParaRPr>
+          </a:p>
+          <a:p>
+            <a:r>
+              <a:rPr lang="en-US" sz="1600" dirty="0" smtClean="0">
+                <a:latin typeface="Apple Symbols" charset="0"/>
+                <a:ea typeface="Apple Symbols" charset="0"/>
+                <a:cs typeface="Apple Symbols" charset="0"/>
+              </a:rPr>
+              <a:t>$ </a:t>
+            </a:r>
+            <a:r>
+              <a:rPr lang="es-ES_tradnl" sz="1600" dirty="0">
+                <a:latin typeface="Apple Symbols" charset="0"/>
+                <a:ea typeface="Apple Symbols" charset="0"/>
+                <a:cs typeface="Apple Symbols" charset="0"/>
+              </a:rPr>
+              <a:t>sudo </a:t>
+            </a:r>
+            <a:r>
+              <a:rPr lang="es-ES_tradnl" sz="1600" dirty="0" err="1">
+                <a:latin typeface="Apple Symbols" charset="0"/>
+                <a:ea typeface="Apple Symbols" charset="0"/>
+                <a:cs typeface="Apple Symbols" charset="0"/>
+              </a:rPr>
+              <a:t>rosdep</a:t>
+            </a:r>
+            <a:r>
+              <a:rPr lang="es-ES_tradnl" sz="1600" dirty="0">
+                <a:latin typeface="Apple Symbols" charset="0"/>
+                <a:ea typeface="Apple Symbols" charset="0"/>
+                <a:cs typeface="Apple Symbols" charset="0"/>
+              </a:rPr>
+              <a:t> </a:t>
+            </a:r>
+            <a:r>
+              <a:rPr lang="es-ES_tradnl" sz="1600" dirty="0" err="1" smtClean="0">
+                <a:latin typeface="Apple Symbols" charset="0"/>
+                <a:ea typeface="Apple Symbols" charset="0"/>
+                <a:cs typeface="Apple Symbols" charset="0"/>
+              </a:rPr>
+              <a:t>init</a:t>
+            </a:r>
+            <a:endParaRPr lang="es-ES_tradnl" sz="1600" dirty="0">
+              <a:latin typeface="Apple Symbols" charset="0"/>
+              <a:ea typeface="Apple Symbols" charset="0"/>
+              <a:cs typeface="Apple Symbols" charset="0"/>
+            </a:endParaRPr>
+          </a:p>
+          <a:p>
+            <a:r>
+              <a:rPr lang="es-ES_tradnl" sz="1600" dirty="0" smtClean="0">
+                <a:latin typeface="Apple Symbols" charset="0"/>
+                <a:ea typeface="Apple Symbols" charset="0"/>
+                <a:cs typeface="Apple Symbols" charset="0"/>
+              </a:rPr>
+              <a:t>$ </a:t>
+            </a:r>
+            <a:r>
+              <a:rPr lang="en-US" sz="1600" dirty="0" err="1">
+                <a:latin typeface="Apple Symbols" charset="0"/>
+                <a:ea typeface="Apple Symbols" charset="0"/>
+                <a:cs typeface="Apple Symbols" charset="0"/>
+              </a:rPr>
+              <a:t>rosdep</a:t>
+            </a:r>
+            <a:r>
+              <a:rPr lang="en-US" sz="1600" dirty="0">
+                <a:latin typeface="Apple Symbols" charset="0"/>
+                <a:ea typeface="Apple Symbols" charset="0"/>
+                <a:cs typeface="Apple Symbols" charset="0"/>
+              </a:rPr>
+              <a:t> </a:t>
+            </a:r>
+            <a:r>
+              <a:rPr lang="en-US" sz="1600" dirty="0" smtClean="0">
+                <a:latin typeface="Apple Symbols" charset="0"/>
+                <a:ea typeface="Apple Symbols" charset="0"/>
+                <a:cs typeface="Apple Symbols" charset="0"/>
+              </a:rPr>
+              <a:t>update</a:t>
+            </a:r>
+            <a:endParaRPr lang="en-US" sz="1600" dirty="0">
+              <a:latin typeface="Apple Symbols" charset="0"/>
+              <a:ea typeface="Apple Symbols" charset="0"/>
+              <a:cs typeface="Apple Symbols" charset="0"/>
+            </a:endParaRPr>
+          </a:p>
+          <a:p>
+            <a:r>
+              <a:rPr lang="en-US" sz="1600" dirty="0" smtClean="0">
+                <a:latin typeface="Apple Symbols" charset="0"/>
+                <a:ea typeface="Apple Symbols" charset="0"/>
+                <a:cs typeface="Apple Symbols" charset="0"/>
+              </a:rPr>
+              <a:t>$ </a:t>
+            </a:r>
+            <a:r>
+              <a:rPr lang="mr-IN" sz="1600" dirty="0">
+                <a:latin typeface="Apple Symbols" charset="0"/>
+                <a:ea typeface="Apple Symbols" charset="0"/>
+                <a:cs typeface="Apple Symbols" charset="0"/>
+              </a:rPr>
+              <a:t>echo "source /opt/ros/kinetic/setup.bash" &gt;&gt; ~/.</a:t>
+            </a:r>
+            <a:r>
+              <a:rPr lang="mr-IN" sz="1600" dirty="0" err="1" smtClean="0">
+                <a:latin typeface="Apple Symbols" charset="0"/>
+                <a:ea typeface="Apple Symbols" charset="0"/>
+                <a:cs typeface="Apple Symbols" charset="0"/>
+              </a:rPr>
+              <a:t>bashrc</a:t>
+            </a:r>
+            <a:endParaRPr lang="en-US" sz="1600" dirty="0">
+              <a:latin typeface="Apple Symbols" charset="0"/>
+              <a:ea typeface="Apple Symbols" charset="0"/>
+              <a:cs typeface="Apple Symbols" charset="0"/>
+            </a:endParaRPr>
+          </a:p>
+          <a:p>
+            <a:r>
+              <a:rPr lang="en-US" sz="1600" dirty="0">
+                <a:latin typeface="Apple Symbols" charset="0"/>
+                <a:ea typeface="Apple Symbols" charset="0"/>
+                <a:cs typeface="Apple Symbols" charset="0"/>
+              </a:rPr>
+              <a:t>$ source ~/.</a:t>
+            </a:r>
+            <a:r>
+              <a:rPr lang="en-US" sz="1600" dirty="0" err="1" smtClean="0">
+                <a:latin typeface="Apple Symbols" charset="0"/>
+                <a:ea typeface="Apple Symbols" charset="0"/>
+                <a:cs typeface="Apple Symbols" charset="0"/>
+              </a:rPr>
+              <a:t>bashrc</a:t>
+            </a:r>
+            <a:endParaRPr lang="en-US" sz="1600" dirty="0">
+              <a:latin typeface="Apple Symbols" charset="0"/>
+              <a:ea typeface="Apple Symbols" charset="0"/>
+              <a:cs typeface="Apple Symbols" charset="0"/>
+            </a:endParaRPr>
+          </a:p>
+          <a:p>
+            <a:r>
+              <a:rPr lang="en-US" sz="1600" dirty="0">
+                <a:latin typeface="Apple Symbols" charset="0"/>
+                <a:ea typeface="Apple Symbols" charset="0"/>
+                <a:cs typeface="Apple Symbols" charset="0"/>
+              </a:rPr>
+              <a:t>$ </a:t>
+            </a:r>
+            <a:r>
+              <a:rPr lang="en-US" sz="1600" dirty="0" err="1">
+                <a:latin typeface="Apple Symbols" charset="0"/>
+                <a:ea typeface="Apple Symbols" charset="0"/>
+                <a:cs typeface="Apple Symbols" charset="0"/>
+              </a:rPr>
+              <a:t>sudo</a:t>
+            </a:r>
+            <a:r>
+              <a:rPr lang="en-US" sz="1600" dirty="0">
+                <a:latin typeface="Apple Symbols" charset="0"/>
+                <a:ea typeface="Apple Symbols" charset="0"/>
+                <a:cs typeface="Apple Symbols" charset="0"/>
+              </a:rPr>
+              <a:t> apt-get install python-</a:t>
+            </a:r>
+            <a:r>
+              <a:rPr lang="en-US" sz="1600" dirty="0" err="1">
+                <a:latin typeface="Apple Symbols" charset="0"/>
+                <a:ea typeface="Apple Symbols" charset="0"/>
+                <a:cs typeface="Apple Symbols" charset="0"/>
+              </a:rPr>
+              <a:t>rosinstall</a:t>
+            </a:r>
+            <a:r>
+              <a:rPr lang="en-US" sz="1600" dirty="0">
+                <a:latin typeface="Apple Symbols" charset="0"/>
+                <a:ea typeface="Apple Symbols" charset="0"/>
+                <a:cs typeface="Apple Symbols" charset="0"/>
+              </a:rPr>
+              <a:t> python-</a:t>
+            </a:r>
+            <a:r>
+              <a:rPr lang="en-US" sz="1600" dirty="0" err="1">
+                <a:latin typeface="Apple Symbols" charset="0"/>
+                <a:ea typeface="Apple Symbols" charset="0"/>
+                <a:cs typeface="Apple Symbols" charset="0"/>
+              </a:rPr>
+              <a:t>rosinstall</a:t>
+            </a:r>
+            <a:r>
+              <a:rPr lang="en-US" sz="1600" dirty="0">
+                <a:latin typeface="Apple Symbols" charset="0"/>
+                <a:ea typeface="Apple Symbols" charset="0"/>
+                <a:cs typeface="Apple Symbols" charset="0"/>
+              </a:rPr>
+              <a:t>-generator python-</a:t>
+            </a:r>
+            <a:r>
+              <a:rPr lang="en-US" sz="1600" dirty="0" err="1">
+                <a:latin typeface="Apple Symbols" charset="0"/>
+                <a:ea typeface="Apple Symbols" charset="0"/>
+                <a:cs typeface="Apple Symbols" charset="0"/>
+              </a:rPr>
+              <a:t>wstool</a:t>
+            </a:r>
+            <a:r>
+              <a:rPr lang="en-US" sz="1600" dirty="0">
+                <a:latin typeface="Apple Symbols" charset="0"/>
+                <a:ea typeface="Apple Symbols" charset="0"/>
+                <a:cs typeface="Apple Symbols" charset="0"/>
+              </a:rPr>
+              <a:t> </a:t>
+            </a:r>
+            <a:r>
+              <a:rPr lang="en-US" sz="1600" dirty="0" smtClean="0">
+                <a:latin typeface="Apple Symbols" charset="0"/>
+                <a:ea typeface="Apple Symbols" charset="0"/>
+                <a:cs typeface="Apple Symbols" charset="0"/>
+              </a:rPr>
+              <a:t>build-essential</a:t>
+            </a:r>
+            <a:endParaRPr lang="en-US" sz="1600" dirty="0">
+              <a:latin typeface="Apple Symbols" charset="0"/>
+              <a:ea typeface="Apple Symbols" charset="0"/>
+              <a:cs typeface="Apple Symbols" charset="0"/>
+            </a:endParaRPr>
+          </a:p>
+          <a:p>
+            <a:r>
+              <a:rPr lang="en-US" sz="1600" dirty="0" smtClean="0">
+                <a:latin typeface="Apple Symbols" charset="0"/>
+                <a:ea typeface="Apple Symbols" charset="0"/>
+                <a:cs typeface="Apple Symbols" charset="0"/>
+              </a:rPr>
+              <a:t>$ </a:t>
+            </a:r>
+            <a:r>
+              <a:rPr lang="de-DE" sz="1600" dirty="0" err="1">
+                <a:latin typeface="Apple Symbols" charset="0"/>
+                <a:ea typeface="Apple Symbols" charset="0"/>
+                <a:cs typeface="Apple Symbols" charset="0"/>
+              </a:rPr>
+              <a:t>rosversion</a:t>
+            </a:r>
+            <a:r>
+              <a:rPr lang="de-DE" sz="1600" dirty="0">
+                <a:latin typeface="Apple Symbols" charset="0"/>
+                <a:ea typeface="Apple Symbols" charset="0"/>
+                <a:cs typeface="Apple Symbols" charset="0"/>
+              </a:rPr>
+              <a:t> </a:t>
+            </a:r>
+            <a:r>
+              <a:rPr lang="de-DE" sz="1600" dirty="0" err="1">
+                <a:latin typeface="Apple Symbols" charset="0"/>
+                <a:ea typeface="Apple Symbols" charset="0"/>
+                <a:cs typeface="Apple Symbols" charset="0"/>
+              </a:rPr>
+              <a:t>ros</a:t>
+            </a:r>
+            <a:endParaRPr lang="en-US" sz="1600" dirty="0">
+              <a:latin typeface="Apple Symbols" charset="0"/>
+              <a:ea typeface="Apple Symbols" charset="0"/>
+              <a:cs typeface="Apple Symbols" charset="0"/>
+            </a:endParaRPr>
+          </a:p>
+          <a:p>
+            <a:endParaRPr lang="en-US" sz="1600" dirty="0">
+              <a:latin typeface="Apple Symbols" charset="0"/>
+              <a:ea typeface="Apple Symbols" charset="0"/>
+              <a:cs typeface="Apple Symbols" charset="0"/>
+            </a:endParaRPr>
+          </a:p>
+        </p:txBody>
+      </p:sp>
+      <p:sp>
+        <p:nvSpPr>
+          <p:cNvPr id="6" name="TextBox 5"/>
+          <p:cNvSpPr txBox="1"/>
+          <p:nvPr/>
+        </p:nvSpPr>
+        <p:spPr>
+          <a:xfrm>
+            <a:off x="457200" y="712382"/>
+            <a:ext cx="8006316" cy="769441"/>
+          </a:xfrm>
+          <a:prstGeom prst="rect">
+            <a:avLst/>
+          </a:prstGeom>
+          <a:noFill/>
+        </p:spPr>
+        <p:txBody>
+          <a:bodyPr wrap="square" rtlCol="0">
+            <a:spAutoFit/>
+          </a:bodyPr>
+          <a:lstStyle/>
+          <a:p>
+            <a:r>
+              <a:rPr lang="en-GB" sz="4400" dirty="0" err="1" smtClean="0">
+                <a:solidFill>
+                  <a:srgbClr val="C00000"/>
+                </a:solidFill>
+                <a:latin typeface="Calibri Light" charset="0"/>
+                <a:ea typeface="Calibri Light" charset="0"/>
+                <a:cs typeface="Calibri Light" charset="0"/>
+              </a:rPr>
+              <a:t>R</a:t>
+            </a:r>
+            <a:r>
+              <a:rPr lang="en-GB" sz="4400" dirty="0" err="1" smtClean="0">
+                <a:latin typeface="Calibri Light" charset="0"/>
+                <a:ea typeface="Calibri Light" charset="0"/>
+                <a:cs typeface="Calibri Light" charset="0"/>
+              </a:rPr>
+              <a:t>os</a:t>
+            </a:r>
+            <a:r>
+              <a:rPr lang="en-GB" sz="4400" dirty="0" smtClean="0">
+                <a:latin typeface="Calibri Light" charset="0"/>
+                <a:ea typeface="Calibri Light" charset="0"/>
+                <a:cs typeface="Calibri Light" charset="0"/>
+              </a:rPr>
+              <a:t> </a:t>
+            </a:r>
+            <a:r>
+              <a:rPr lang="en-GB" sz="4400" dirty="0" smtClean="0">
+                <a:solidFill>
+                  <a:srgbClr val="C00000"/>
+                </a:solidFill>
+                <a:latin typeface="Calibri Light" charset="0"/>
+                <a:ea typeface="Calibri Light" charset="0"/>
+                <a:cs typeface="Calibri Light" charset="0"/>
+              </a:rPr>
+              <a:t>i</a:t>
+            </a:r>
+            <a:r>
+              <a:rPr lang="en-GB" sz="4400" dirty="0" smtClean="0">
+                <a:latin typeface="Calibri Light" charset="0"/>
+                <a:ea typeface="Calibri Light" charset="0"/>
+                <a:cs typeface="Calibri Light" charset="0"/>
+              </a:rPr>
+              <a:t>nstallation</a:t>
+            </a:r>
+            <a:endParaRPr lang="en-GB" sz="4400" dirty="0">
+              <a:latin typeface="Calibri Light" charset="0"/>
+              <a:ea typeface="Calibri Light" charset="0"/>
+              <a:cs typeface="Calibri Light" charset="0"/>
             </a:endParaRPr>
           </a:p>
         </p:txBody>
@@ -6112,7 +8092,7 @@
     </p:spTree>
     <p:extLst>
       <p:ext uri="{BB962C8B-B14F-4D97-AF65-F5344CB8AC3E}">
-        <p14:creationId xmlns:p14="http://schemas.microsoft.com/office/powerpoint/2010/main" val="2354815167"/>
+        <p14:creationId xmlns:p14="http://schemas.microsoft.com/office/powerpoint/2010/main" val="2040240881"/>
       </p:ext>
     </p:extLst>
   </p:cSld>
@@ -6141,72 +8121,14 @@
       </p:grpSpPr>
       <p:sp>
         <p:nvSpPr>
-          <p:cNvPr id="4" name="Content Placeholder 3"/>
-          <p:cNvSpPr>
-            <a:spLocks noGrp="1"/>
-          </p:cNvSpPr>
-          <p:nvPr>
-            <p:ph idx="1"/>
-          </p:nvPr>
-        </p:nvSpPr>
-        <p:spPr>
-          <a:xfrm>
-            <a:off x="457198" y="75388"/>
-            <a:ext cx="7620000" cy="1292143"/>
-          </a:xfrm>
-        </p:spPr>
-        <p:txBody>
-          <a:bodyPr>
-            <a:normAutofit/>
-          </a:bodyPr>
-          <a:lstStyle/>
-          <a:p>
-            <a:r>
-              <a:rPr lang="en-US" i="1" dirty="0" smtClean="0"/>
-              <a:t>Copy and paste in terminal</a:t>
-            </a:r>
-            <a:r>
-              <a:rPr lang="en-US" i="1" dirty="0" smtClean="0"/>
-              <a:t>, everything </a:t>
-            </a:r>
-            <a:r>
-              <a:rPr lang="en-US" i="1" dirty="0" smtClean="0"/>
-              <a:t>after the ‘$’ </a:t>
-            </a:r>
-            <a:r>
-              <a:rPr lang="en-US" i="1" dirty="0" smtClean="0"/>
-              <a:t>sign.</a:t>
-            </a:r>
-          </a:p>
-          <a:p>
-            <a:r>
-              <a:rPr lang="en-US" i="1" dirty="0"/>
-              <a:t>Replace ‘&lt;</a:t>
-            </a:r>
-            <a:r>
-              <a:rPr lang="en-US" i="1" dirty="0" err="1"/>
-              <a:t>instruction_stated_inside</a:t>
-            </a:r>
-            <a:r>
-              <a:rPr lang="en-US" i="1" dirty="0"/>
-              <a:t>&gt;’ entirely with the instruction stated inside.</a:t>
-            </a:r>
-          </a:p>
-          <a:p>
-            <a:endParaRPr lang="en-US" dirty="0"/>
-          </a:p>
-        </p:txBody>
-      </p:sp>
-      <p:sp>
-        <p:nvSpPr>
           <p:cNvPr id="5" name="TextBox 4"/>
           <p:cNvSpPr txBox="1"/>
           <p:nvPr/>
         </p:nvSpPr>
         <p:spPr>
           <a:xfrm>
-            <a:off x="457198" y="1856780"/>
-            <a:ext cx="8383561" cy="276999"/>
+            <a:off x="1180212" y="4791202"/>
+            <a:ext cx="8383561" cy="338554"/>
           </a:xfrm>
           <a:prstGeom prst="rect">
             <a:avLst/>
@@ -6220,14 +8142,26 @@
           <a:lstStyle/>
           <a:p>
             <a:r>
-              <a:rPr lang="en-US" sz="1200" dirty="0" smtClean="0"/>
+              <a:rPr lang="en-US" sz="1600" dirty="0" smtClean="0">
+                <a:latin typeface="Apple Symbols" charset="0"/>
+                <a:ea typeface="Apple Symbols" charset="0"/>
+                <a:cs typeface="Apple Symbols" charset="0"/>
+              </a:rPr>
               <a:t>$ </a:t>
             </a:r>
             <a:r>
-              <a:rPr lang="pt-BR" sz="1200" dirty="0" err="1" smtClean="0"/>
-              <a:t>ifconfig</a:t>
-            </a:r>
-            <a:endParaRPr lang="en-US" sz="1200" dirty="0" smtClean="0"/>
+              <a:rPr lang="mr-IN" sz="1600" dirty="0">
+                <a:latin typeface="Apple Symbols" charset="0"/>
+                <a:ea typeface="Apple Symbols" charset="0"/>
+                <a:cs typeface="Apple Symbols" charset="0"/>
+              </a:rPr>
+              <a:t>ln -s ~/lib/mdk-170906 ~/mdk </a:t>
+            </a:r>
+            <a:endParaRPr lang="en-US" sz="1600" dirty="0" smtClean="0">
+              <a:latin typeface="Apple Symbols" charset="0"/>
+              <a:ea typeface="Apple Symbols" charset="0"/>
+              <a:cs typeface="Apple Symbols" charset="0"/>
+            </a:endParaRPr>
           </a:p>
         </p:txBody>
       </p:sp>
@@ -6241,8 +8175,8 @@
         </p:nvSpPr>
         <p:spPr>
           <a:xfrm>
-            <a:off x="457198" y="1571274"/>
-            <a:ext cx="7620000" cy="424006"/>
+            <a:off x="457198" y="1768867"/>
+            <a:ext cx="7620000" cy="2947063"/>
           </a:xfrm>
           <a:prstGeom prst="rect">
             <a:avLst/>
@@ -6250,7 +8184,7 @@
         </p:spPr>
         <p:txBody>
           <a:bodyPr vert="horz" lIns="91440" tIns="45720" rIns="91440" bIns="45720" rtlCol="0">
-            <a:normAutofit/>
+            <a:noAutofit/>
           </a:bodyPr>
           <a:lstStyle>
             <a:lvl1pPr marL="0" indent="0" algn="l" defTabSz="914400" rtl="0" eaLnBrk="1" latinLnBrk="0" hangingPunct="1">
@@ -6422,42 +8356,292 @@
               <a:buChar char="•"/>
             </a:pPr>
             <a:r>
-              <a:rPr lang="en-US" sz="1800" dirty="0" smtClean="0"/>
-              <a:t>In </a:t>
-            </a:r>
-            <a:r>
-              <a:rPr lang="en-US" sz="1800" dirty="0" smtClean="0"/>
-              <a:t>your </a:t>
-            </a:r>
-            <a:r>
-              <a:rPr lang="en-US" sz="1800" dirty="0"/>
-              <a:t>w</a:t>
-            </a:r>
-            <a:r>
-              <a:rPr lang="en-US" sz="1800" dirty="0" smtClean="0"/>
-              <a:t>orkstation (</a:t>
-            </a:r>
-            <a:r>
-              <a:rPr lang="en-US" sz="1800" dirty="0" err="1" smtClean="0"/>
-              <a:t>ubuntu</a:t>
-            </a:r>
-            <a:r>
-              <a:rPr lang="en-US" sz="1800" dirty="0" smtClean="0"/>
-              <a:t>):</a:t>
-            </a:r>
-          </a:p>
-        </p:txBody>
-      </p:sp>
-      <p:sp>
-        <p:nvSpPr>
-          <p:cNvPr id="7" name="TextBox 6"/>
+              <a:rPr lang="en-US" b="0" dirty="0" smtClean="0">
+                <a:latin typeface="Calibri" charset="0"/>
+                <a:ea typeface="Calibri" charset="0"/>
+                <a:cs typeface="Calibri" charset="0"/>
+              </a:rPr>
+              <a:t>Download from</a:t>
+            </a:r>
+            <a:r>
+              <a:rPr lang="en-US" b="0" dirty="0">
+                <a:latin typeface="Calibri" charset="0"/>
+                <a:ea typeface="Calibri" charset="0"/>
+                <a:cs typeface="Calibri" charset="0"/>
+              </a:rPr>
+              <a:t>: </a:t>
+            </a:r>
+            <a:r>
+              <a:rPr lang="en-US" b="0" dirty="0">
+                <a:latin typeface="Calibri" charset="0"/>
+                <a:ea typeface="Calibri" charset="0"/>
+                <a:cs typeface="Calibri" charset="0"/>
+                <a:hlinkClick r:id="rId2"/>
+              </a:rPr>
+              <a:t>http://labs.consequentialrobotics.com/miro/mdk</a:t>
+            </a:r>
+            <a:r>
+              <a:rPr lang="en-US" b="0" dirty="0" smtClean="0">
+                <a:latin typeface="Calibri" charset="0"/>
+                <a:ea typeface="Calibri" charset="0"/>
+                <a:cs typeface="Calibri" charset="0"/>
+                <a:hlinkClick r:id="rId2"/>
+              </a:rPr>
+              <a:t>/</a:t>
+            </a:r>
+            <a:endParaRPr lang="en-US" b="0" dirty="0" smtClean="0">
+              <a:latin typeface="Calibri" charset="0"/>
+              <a:ea typeface="Calibri" charset="0"/>
+              <a:cs typeface="Calibri" charset="0"/>
+            </a:endParaRPr>
+          </a:p>
+          <a:p>
+            <a:pPr marL="742950" lvl="1" indent="-285750">
+              <a:buFont typeface="Arial"/>
+              <a:buChar char="•"/>
+            </a:pPr>
+            <a:r>
+              <a:rPr lang="en-US" b="0" dirty="0" smtClean="0">
+                <a:latin typeface="Calibri" charset="0"/>
+                <a:ea typeface="Calibri" charset="0"/>
+                <a:cs typeface="Calibri" charset="0"/>
+              </a:rPr>
+              <a:t>The </a:t>
+            </a:r>
+            <a:r>
+              <a:rPr lang="en-US" b="0" dirty="0" smtClean="0">
+                <a:solidFill>
+                  <a:srgbClr val="D1282E"/>
+                </a:solidFill>
+                <a:latin typeface="Calibri" charset="0"/>
+                <a:ea typeface="Calibri" charset="0"/>
+                <a:cs typeface="Calibri" charset="0"/>
+              </a:rPr>
+              <a:t>MDK (Complete Edition)</a:t>
+            </a:r>
+            <a:r>
+              <a:rPr lang="en-US" b="0" dirty="0" smtClean="0">
+                <a:latin typeface="Calibri" charset="0"/>
+                <a:ea typeface="Calibri" charset="0"/>
+                <a:cs typeface="Calibri" charset="0"/>
+              </a:rPr>
+              <a:t> onto your </a:t>
+            </a:r>
+            <a:r>
+              <a:rPr lang="en-US" b="0" dirty="0" smtClean="0">
+                <a:solidFill>
+                  <a:srgbClr val="D1282E"/>
+                </a:solidFill>
+                <a:latin typeface="Calibri" charset="0"/>
+                <a:ea typeface="Calibri" charset="0"/>
+                <a:cs typeface="Calibri" charset="0"/>
+              </a:rPr>
+              <a:t>workstation</a:t>
+            </a:r>
+          </a:p>
+          <a:p>
+            <a:pPr marL="742950" lvl="1" indent="-285750">
+              <a:buFont typeface="Arial"/>
+              <a:buChar char="•"/>
+            </a:pPr>
+            <a:r>
+              <a:rPr lang="en-US" b="0" dirty="0" smtClean="0">
+                <a:latin typeface="Calibri" charset="0"/>
+                <a:ea typeface="Calibri" charset="0"/>
+                <a:cs typeface="Calibri" charset="0"/>
+              </a:rPr>
+              <a:t>The </a:t>
+            </a:r>
+            <a:r>
+              <a:rPr lang="en-US" b="0" dirty="0" err="1" smtClean="0">
+                <a:solidFill>
+                  <a:srgbClr val="D1282E"/>
+                </a:solidFill>
+                <a:latin typeface="Calibri" charset="0"/>
+                <a:ea typeface="Calibri" charset="0"/>
+                <a:cs typeface="Calibri" charset="0"/>
+              </a:rPr>
+              <a:t>MIROapp</a:t>
+            </a:r>
+            <a:r>
+              <a:rPr lang="en-US" b="0" dirty="0" smtClean="0">
+                <a:latin typeface="Calibri" charset="0"/>
+                <a:ea typeface="Calibri" charset="0"/>
+                <a:cs typeface="Calibri" charset="0"/>
+              </a:rPr>
+              <a:t> onto your </a:t>
+            </a:r>
+            <a:r>
+              <a:rPr lang="en-US" b="0" dirty="0" smtClean="0">
+                <a:solidFill>
+                  <a:srgbClr val="D1282E"/>
+                </a:solidFill>
+                <a:latin typeface="Calibri" charset="0"/>
+                <a:ea typeface="Calibri" charset="0"/>
+                <a:cs typeface="Calibri" charset="0"/>
+              </a:rPr>
+              <a:t>Android mobile device </a:t>
+            </a:r>
+            <a:r>
+              <a:rPr lang="en-US" b="0" dirty="0" smtClean="0">
+                <a:latin typeface="Calibri" charset="0"/>
+                <a:ea typeface="Calibri" charset="0"/>
+                <a:cs typeface="Calibri" charset="0"/>
+              </a:rPr>
+              <a:t>directly </a:t>
+            </a:r>
+          </a:p>
+          <a:p>
+            <a:pPr marL="285750" indent="-285750">
+              <a:buFont typeface="Arial"/>
+              <a:buChar char="•"/>
+            </a:pPr>
+            <a:r>
+              <a:rPr lang="en-US" b="0" dirty="0" smtClean="0">
+                <a:latin typeface="Calibri" charset="0"/>
+                <a:ea typeface="Calibri" charset="0"/>
+                <a:cs typeface="Calibri" charset="0"/>
+              </a:rPr>
+              <a:t>Then, in your workstation:</a:t>
+            </a:r>
+          </a:p>
+          <a:p>
+            <a:pPr marL="742950" lvl="1" indent="-285750">
+              <a:buFont typeface="Arial"/>
+              <a:buChar char="•"/>
+            </a:pPr>
+            <a:r>
+              <a:rPr lang="en-US" b="0" dirty="0">
+                <a:latin typeface="Calibri" charset="0"/>
+                <a:ea typeface="Calibri" charset="0"/>
+                <a:cs typeface="Calibri" charset="0"/>
+              </a:rPr>
+              <a:t>Make a new directory called </a:t>
+            </a:r>
+            <a:r>
+              <a:rPr lang="en-US" b="0" dirty="0" smtClean="0">
+                <a:latin typeface="Calibri" charset="0"/>
+                <a:ea typeface="Calibri" charset="0"/>
+                <a:cs typeface="Calibri" charset="0"/>
+              </a:rPr>
+              <a:t>‘lib’ </a:t>
+            </a:r>
+            <a:r>
+              <a:rPr lang="en-US" b="0" dirty="0">
+                <a:latin typeface="Calibri" charset="0"/>
+                <a:ea typeface="Calibri" charset="0"/>
+                <a:cs typeface="Calibri" charset="0"/>
+              </a:rPr>
+              <a:t>in your </a:t>
+            </a:r>
+            <a:r>
+              <a:rPr lang="en-US" b="0" dirty="0" smtClean="0">
+                <a:latin typeface="Calibri" charset="0"/>
+                <a:ea typeface="Calibri" charset="0"/>
+                <a:cs typeface="Calibri" charset="0"/>
+              </a:rPr>
+              <a:t>‘home’ directory</a:t>
+            </a:r>
+          </a:p>
+          <a:p>
+            <a:pPr marL="742950" lvl="1" indent="-285750">
+              <a:buFont typeface="Arial"/>
+              <a:buChar char="•"/>
+            </a:pPr>
+            <a:r>
+              <a:rPr lang="en-US" b="0" dirty="0" smtClean="0">
+                <a:latin typeface="Calibri" charset="0"/>
+                <a:ea typeface="Calibri" charset="0"/>
+                <a:cs typeface="Calibri" charset="0"/>
+              </a:rPr>
+              <a:t>Extract </a:t>
+            </a:r>
+            <a:r>
+              <a:rPr lang="en-US" b="0" dirty="0">
+                <a:latin typeface="Calibri" charset="0"/>
+                <a:ea typeface="Calibri" charset="0"/>
+                <a:cs typeface="Calibri" charset="0"/>
+              </a:rPr>
+              <a:t>the recently downloaded </a:t>
+            </a:r>
+            <a:r>
+              <a:rPr lang="en-US" b="0" dirty="0">
+                <a:solidFill>
+                  <a:srgbClr val="D1282E"/>
+                </a:solidFill>
+                <a:latin typeface="Calibri" charset="0"/>
+                <a:ea typeface="Calibri" charset="0"/>
+                <a:cs typeface="Calibri" charset="0"/>
+              </a:rPr>
+              <a:t>MDK (Complete Edition</a:t>
+            </a:r>
+            <a:r>
+              <a:rPr lang="en-US" b="0" dirty="0" smtClean="0">
+                <a:solidFill>
+                  <a:srgbClr val="D1282E"/>
+                </a:solidFill>
+                <a:latin typeface="Calibri" charset="0"/>
+                <a:ea typeface="Calibri" charset="0"/>
+                <a:cs typeface="Calibri" charset="0"/>
+              </a:rPr>
+              <a:t>) </a:t>
+            </a:r>
+            <a:r>
+              <a:rPr lang="en-US" b="0" dirty="0" smtClean="0">
+                <a:latin typeface="Calibri" charset="0"/>
+                <a:ea typeface="Calibri" charset="0"/>
+                <a:cs typeface="Calibri" charset="0"/>
+              </a:rPr>
+              <a:t>in ‘lib’</a:t>
+            </a:r>
+          </a:p>
+          <a:p>
+            <a:pPr marL="742950" lvl="1" indent="-285750">
+              <a:buFont typeface="Arial"/>
+              <a:buChar char="•"/>
+            </a:pPr>
+            <a:r>
+              <a:rPr lang="en-US" dirty="0" smtClean="0">
+                <a:latin typeface="Calibri" charset="0"/>
+                <a:ea typeface="Calibri" charset="0"/>
+                <a:cs typeface="Calibri" charset="0"/>
+              </a:rPr>
+              <a:t>In the terminal enter into the </a:t>
+            </a:r>
+            <a:r>
+              <a:rPr lang="en-US" dirty="0" err="1" smtClean="0">
+                <a:latin typeface="Calibri" charset="0"/>
+                <a:ea typeface="Calibri" charset="0"/>
+                <a:cs typeface="Calibri" charset="0"/>
+              </a:rPr>
+              <a:t>mdk</a:t>
+            </a:r>
+            <a:r>
+              <a:rPr lang="en-US" dirty="0" smtClean="0">
+                <a:latin typeface="Calibri" charset="0"/>
+                <a:ea typeface="Calibri" charset="0"/>
+                <a:cs typeface="Calibri" charset="0"/>
+              </a:rPr>
+              <a:t> directory and execute the following command:</a:t>
+            </a:r>
+            <a:endParaRPr lang="en-US" dirty="0">
+              <a:latin typeface="Calibri" charset="0"/>
+              <a:ea typeface="Calibri" charset="0"/>
+              <a:cs typeface="Calibri" charset="0"/>
+            </a:endParaRPr>
+          </a:p>
+        </p:txBody>
+      </p:sp>
+      <p:sp>
+        <p:nvSpPr>
+          <p:cNvPr id="9" name="TextBox 8"/>
           <p:cNvSpPr txBox="1"/>
           <p:nvPr/>
         </p:nvSpPr>
         <p:spPr>
           <a:xfrm>
-            <a:off x="457198" y="2883149"/>
-            <a:ext cx="8383561" cy="276999"/>
+            <a:off x="457200" y="712382"/>
+            <a:ext cx="8006316" cy="769441"/>
           </a:xfrm>
           <a:prstGeom prst="rect">
             <a:avLst/>
@@ -6471,900 +8655,120 @@
           <a:lstStyle/>
           <a:p>
             <a:r>
-              <a:rPr lang="en-US" sz="1200" dirty="0" smtClean="0"/>
-              <a:t>$ </a:t>
-            </a:r>
-            <a:r>
-              <a:rPr lang="pt-BR" sz="1200" dirty="0" err="1"/>
-              <a:t>sudo</a:t>
-            </a:r>
-            <a:r>
-              <a:rPr lang="pt-BR" sz="1200" dirty="0"/>
-              <a:t> nano ~/.</a:t>
-            </a:r>
-            <a:r>
-              <a:rPr lang="pt-BR" sz="1200" dirty="0" err="1"/>
-              <a:t>bashrc</a:t>
-            </a:r>
-            <a:r>
-              <a:rPr lang="pt-BR" sz="1200" dirty="0"/>
+              <a:rPr lang="en-GB" sz="4400" dirty="0" smtClean="0">
+                <a:solidFill>
+                  <a:srgbClr val="C00000"/>
+                </a:solidFill>
+                <a:latin typeface="Calibri Light" charset="0"/>
+                <a:ea typeface="Calibri Light" charset="0"/>
+                <a:cs typeface="Calibri Light" charset="0"/>
+              </a:rPr>
+              <a:t>MiRo</a:t>
+            </a:r>
+            <a:r>
+              <a:rPr lang="en-GB" sz="4400" dirty="0" smtClean="0">
+                <a:latin typeface="Calibri Light" charset="0"/>
+                <a:ea typeface="Calibri Light" charset="0"/>
+                <a:cs typeface="Calibri Light" charset="0"/>
+              </a:rPr>
               <a:t> </a:t>
             </a:r>
-            <a:endParaRPr lang="en-US" sz="1200" dirty="0" smtClean="0"/>
-          </a:p>
-        </p:txBody>
-      </p:sp>
-      <p:sp>
-        <p:nvSpPr>
-          <p:cNvPr id="8" name="Content Placeholder 3"/>
-          <p:cNvSpPr txBox="1">
-            <a:spLocks/>
-          </p:cNvSpPr>
-          <p:nvPr/>
-        </p:nvSpPr>
-        <p:spPr>
-          <a:xfrm>
-            <a:off x="457198" y="2133779"/>
-            <a:ext cx="7620000" cy="887870"/>
-          </a:xfrm>
-          <a:prstGeom prst="rect">
-            <a:avLst/>
-          </a:prstGeom>
-        </p:spPr>
-        <p:txBody>
-          <a:bodyPr vert="horz" lIns="91440" tIns="45720" rIns="91440" bIns="45720" rtlCol="0">
-            <a:normAutofit/>
-          </a:bodyPr>
-          <a:lstStyle>
-            <a:lvl1pPr marL="0" indent="0" algn="l" defTabSz="914400" rtl="0" eaLnBrk="1" latinLnBrk="0" hangingPunct="1">
-              <a:spcBef>
-                <a:spcPct val="20000"/>
-              </a:spcBef>
-              <a:spcAft>
-                <a:spcPts val="600"/>
-              </a:spcAft>
-              <a:buFont typeface="Arial" pitchFamily="34" charset="0"/>
-              <a:buNone/>
-              <a:defRPr sz="2000" b="1" kern="1200">
-                <a:solidFill>
-                  <a:schemeClr val="tx1"/>
-                </a:solidFill>
-                <a:latin typeface="+mn-lt"/>
-                <a:ea typeface="+mn-ea"/>
-                <a:cs typeface="+mn-cs"/>
-              </a:defRPr>
-            </a:lvl1pPr>
-            <a:lvl2pPr marL="457200" indent="-182880" algn="l" defTabSz="914400" rtl="0" eaLnBrk="1" latinLnBrk="0" hangingPunct="1">
-              <a:spcBef>
-                <a:spcPct val="20000"/>
-              </a:spcBef>
-              <a:buClr>
-                <a:schemeClr val="tx2"/>
-              </a:buClr>
-              <a:buFont typeface="Arial" pitchFamily="34" charset="0"/>
-              <a:buChar char="•"/>
-              <a:defRPr sz="2000" kern="1200">
-                <a:solidFill>
-                  <a:schemeClr val="tx1"/>
-                </a:solidFill>
-                <a:latin typeface="+mn-lt"/>
-                <a:ea typeface="+mn-ea"/>
-                <a:cs typeface="+mn-cs"/>
-              </a:defRPr>
-            </a:lvl2pPr>
-            <a:lvl3pPr marL="1143000" indent="-228600" algn="l" defTabSz="914400" rtl="0" eaLnBrk="1" latinLnBrk="0" hangingPunct="1">
-              <a:spcBef>
-                <a:spcPct val="20000"/>
-              </a:spcBef>
-              <a:buClr>
-                <a:schemeClr val="tx2"/>
-              </a:buClr>
-              <a:buFont typeface="Arial" pitchFamily="34" charset="0"/>
-              <a:buChar char="•"/>
-              <a:defRPr sz="1800" kern="1200">
-                <a:solidFill>
-                  <a:schemeClr val="tx1"/>
-                </a:solidFill>
-                <a:latin typeface="+mn-lt"/>
-                <a:ea typeface="+mn-ea"/>
-                <a:cs typeface="+mn-cs"/>
-              </a:defRPr>
-            </a:lvl3pPr>
-            <a:lvl4pPr marL="1600200" indent="-228600" algn="l" defTabSz="914400" rtl="0" eaLnBrk="1" latinLnBrk="0" hangingPunct="1">
-              <a:spcBef>
-                <a:spcPct val="20000"/>
-              </a:spcBef>
-              <a:buClr>
-                <a:schemeClr val="tx2"/>
-              </a:buClr>
-              <a:buFont typeface="Arial" pitchFamily="34" charset="0"/>
-              <a:buChar char="•"/>
-              <a:defRPr sz="1800" kern="1200">
-                <a:solidFill>
-                  <a:schemeClr val="tx1"/>
-                </a:solidFill>
-                <a:latin typeface="+mn-lt"/>
-                <a:ea typeface="+mn-ea"/>
-                <a:cs typeface="+mn-cs"/>
-              </a:defRPr>
-            </a:lvl4pPr>
-            <a:lvl5pPr marL="2057400" indent="-228600" algn="l" defTabSz="914400" rtl="0" eaLnBrk="1" latinLnBrk="0" hangingPunct="1">
-              <a:spcBef>
-                <a:spcPct val="20000"/>
-              </a:spcBef>
-              <a:buClr>
-                <a:schemeClr val="tx2"/>
-              </a:buClr>
-              <a:buFont typeface="Arial" pitchFamily="34" charset="0"/>
-              <a:buChar char="•"/>
-              <a:defRPr sz="1800" kern="1200" baseline="0">
-                <a:solidFill>
-                  <a:schemeClr val="tx1"/>
-                </a:solidFill>
-                <a:latin typeface="+mn-lt"/>
-                <a:ea typeface="+mn-ea"/>
-                <a:cs typeface="+mn-cs"/>
-              </a:defRPr>
-            </a:lvl5pPr>
-            <a:lvl6pPr marL="2514600" indent="-228600" algn="l" defTabSz="914400" rtl="0" eaLnBrk="1" latinLnBrk="0" hangingPunct="1">
-              <a:spcBef>
-                <a:spcPct val="20000"/>
-              </a:spcBef>
-              <a:buClr>
-                <a:schemeClr val="tx2"/>
-              </a:buClr>
-              <a:buFont typeface="Arial" pitchFamily="34" charset="0"/>
-              <a:buChar char="•"/>
-              <a:defRPr sz="1600" kern="1200">
-                <a:solidFill>
-                  <a:schemeClr val="tx1"/>
-                </a:solidFill>
-                <a:latin typeface="+mn-lt"/>
-                <a:ea typeface="+mn-ea"/>
-                <a:cs typeface="+mn-cs"/>
-              </a:defRPr>
-            </a:lvl6pPr>
-            <a:lvl7pPr marL="2971800" indent="-228600" algn="l" defTabSz="914400" rtl="0" eaLnBrk="1" latinLnBrk="0" hangingPunct="1">
-              <a:spcBef>
-                <a:spcPct val="20000"/>
-              </a:spcBef>
-              <a:buClr>
-                <a:schemeClr val="tx2"/>
-              </a:buClr>
-              <a:buFont typeface="Arial" pitchFamily="34" charset="0"/>
-              <a:buChar char="•"/>
-              <a:defRPr sz="1600" kern="1200">
-                <a:solidFill>
-                  <a:schemeClr val="tx1"/>
-                </a:solidFill>
-                <a:latin typeface="+mn-lt"/>
-                <a:ea typeface="+mn-ea"/>
-                <a:cs typeface="+mn-cs"/>
-              </a:defRPr>
-            </a:lvl7pPr>
-            <a:lvl8pPr marL="3429000" indent="-228600" algn="l" defTabSz="914400" rtl="0" eaLnBrk="1" latinLnBrk="0" hangingPunct="1">
-              <a:spcBef>
-                <a:spcPct val="20000"/>
-              </a:spcBef>
-              <a:buClr>
-                <a:schemeClr val="tx2"/>
-              </a:buClr>
-              <a:buFont typeface="Arial" pitchFamily="34" charset="0"/>
-              <a:buChar char="•"/>
-              <a:defRPr sz="1600" kern="1200">
-                <a:solidFill>
-                  <a:schemeClr val="tx1"/>
-                </a:solidFill>
-                <a:latin typeface="+mn-lt"/>
-                <a:ea typeface="+mn-ea"/>
-                <a:cs typeface="+mn-cs"/>
-              </a:defRPr>
-            </a:lvl8pPr>
-            <a:lvl9pPr marL="3886200" indent="-228600" algn="l" defTabSz="914400" rtl="0" eaLnBrk="1" latinLnBrk="0" hangingPunct="1">
-              <a:spcBef>
-                <a:spcPct val="20000"/>
-              </a:spcBef>
-              <a:buClr>
-                <a:schemeClr val="tx2"/>
-              </a:buClr>
-              <a:buFont typeface="Arial" pitchFamily="34" charset="0"/>
-              <a:buChar char="•"/>
-              <a:defRPr sz="1600" kern="1200">
-                <a:solidFill>
-                  <a:schemeClr val="tx1"/>
-                </a:solidFill>
-                <a:latin typeface="+mn-lt"/>
-                <a:ea typeface="+mn-ea"/>
-                <a:cs typeface="+mn-cs"/>
-              </a:defRPr>
-            </a:lvl9pPr>
-          </a:lstStyle>
-          <a:p>
-            <a:pPr marL="285750" indent="-285750">
-              <a:buFont typeface="Arial"/>
-              <a:buChar char="•"/>
-            </a:pPr>
-            <a:r>
-              <a:rPr lang="en-US" sz="1800" dirty="0" smtClean="0">
-                <a:solidFill>
-                  <a:srgbClr val="D1282E"/>
-                </a:solidFill>
-              </a:rPr>
-              <a:t>Check</a:t>
-            </a:r>
-            <a:r>
-              <a:rPr lang="en-US" sz="1800" dirty="0" smtClean="0"/>
-              <a:t> the </a:t>
-            </a:r>
-            <a:r>
-              <a:rPr lang="en-US" sz="1800" dirty="0" smtClean="0">
-                <a:solidFill>
-                  <a:srgbClr val="D1282E"/>
-                </a:solidFill>
-              </a:rPr>
-              <a:t>IP address</a:t>
-            </a:r>
-            <a:r>
-              <a:rPr lang="en-US" sz="1800" dirty="0" smtClean="0"/>
-              <a:t> next to </a:t>
-            </a:r>
-            <a:r>
-              <a:rPr lang="en-US" sz="1800" dirty="0" err="1" smtClean="0">
-                <a:solidFill>
-                  <a:srgbClr val="D1282E"/>
-                </a:solidFill>
-              </a:rPr>
-              <a:t>inet</a:t>
-            </a:r>
-            <a:r>
-              <a:rPr lang="en-US" sz="1800" dirty="0" smtClean="0">
-                <a:solidFill>
-                  <a:srgbClr val="D1282E"/>
-                </a:solidFill>
+            <a:r>
+              <a:rPr lang="en-GB" sz="4400" dirty="0" err="1" smtClean="0">
+                <a:solidFill>
+                  <a:srgbClr val="C00000"/>
+                </a:solidFill>
+                <a:latin typeface="Calibri Light" charset="0"/>
+                <a:ea typeface="Calibri Light" charset="0"/>
+                <a:cs typeface="Calibri Light" charset="0"/>
+              </a:rPr>
+              <a:t>d</a:t>
+            </a:r>
+            <a:r>
+              <a:rPr lang="en-GB" sz="4400" dirty="0" err="1" smtClean="0">
+                <a:latin typeface="Calibri Light" charset="0"/>
+                <a:ea typeface="Calibri Light" charset="0"/>
+                <a:cs typeface="Calibri Light" charset="0"/>
+              </a:rPr>
+              <a:t>evkit</a:t>
+            </a:r>
+            <a:r>
+              <a:rPr lang="en-GB" sz="4400" dirty="0" smtClean="0">
+                <a:latin typeface="Calibri Light" charset="0"/>
+                <a:ea typeface="Calibri Light" charset="0"/>
+                <a:cs typeface="Calibri Light" charset="0"/>
               </a:rPr>
               <a:t> </a:t>
             </a:r>
             <a:r>
-              <a:rPr lang="en-US" sz="1800" dirty="0" err="1" smtClean="0">
-                <a:solidFill>
-                  <a:srgbClr val="D1282E"/>
-                </a:solidFill>
-              </a:rPr>
-              <a:t>addr</a:t>
-            </a:r>
-            <a:r>
-              <a:rPr lang="en-US" sz="1800" dirty="0" smtClean="0"/>
-              <a:t> for </a:t>
-            </a:r>
-            <a:r>
-              <a:rPr lang="en-US" sz="1800" dirty="0" err="1" smtClean="0">
-                <a:solidFill>
-                  <a:srgbClr val="D1282E"/>
-                </a:solidFill>
-              </a:rPr>
-              <a:t>enp</a:t>
-            </a:r>
-            <a:r>
-              <a:rPr lang="en-US" sz="1800" dirty="0" smtClean="0">
-                <a:solidFill>
-                  <a:srgbClr val="D1282E"/>
-                </a:solidFill>
-              </a:rPr>
-              <a:t>___</a:t>
-            </a:r>
-            <a:r>
-              <a:rPr lang="en-US" sz="1800" dirty="0" smtClean="0"/>
-              <a:t> </a:t>
-            </a:r>
-          </a:p>
-          <a:p>
-            <a:pPr marL="285750" indent="-285750">
-              <a:buFont typeface="Arial"/>
-              <a:buChar char="•"/>
-            </a:pPr>
-            <a:r>
-              <a:rPr lang="en-US" sz="1800" dirty="0" smtClean="0">
-                <a:solidFill>
-                  <a:srgbClr val="D1282E"/>
-                </a:solidFill>
-              </a:rPr>
-              <a:t>Copy</a:t>
-            </a:r>
-            <a:r>
-              <a:rPr lang="en-US" sz="1800" dirty="0" smtClean="0"/>
-              <a:t> that </a:t>
-            </a:r>
-            <a:r>
-              <a:rPr lang="en-US" sz="1800" dirty="0" smtClean="0">
-                <a:solidFill>
-                  <a:srgbClr val="D1282E"/>
-                </a:solidFill>
-              </a:rPr>
-              <a:t>IP address</a:t>
-            </a:r>
-            <a:r>
-              <a:rPr lang="en-US" sz="1800" dirty="0" smtClean="0"/>
-              <a:t> (It is now the static IP of your workstation)</a:t>
-            </a:r>
-            <a:endParaRPr lang="en-US" sz="1800" dirty="0" smtClean="0"/>
-          </a:p>
-        </p:txBody>
-      </p:sp>
-      <p:sp>
-        <p:nvSpPr>
-          <p:cNvPr id="9" name="TextBox 8"/>
-          <p:cNvSpPr txBox="1"/>
-          <p:nvPr/>
-        </p:nvSpPr>
-        <p:spPr>
-          <a:xfrm>
-            <a:off x="457198" y="3486597"/>
-            <a:ext cx="8383561" cy="2677656"/>
-          </a:xfrm>
-          <a:prstGeom prst="rect">
-            <a:avLst/>
-          </a:prstGeom>
-          <a:noFill/>
-        </p:spPr>
-        <p:txBody>
-          <a:bodyPr wrap="square" rtlCol="0">
-            <a:spAutoFit/>
-          </a:bodyPr>
-          <a:lstStyle/>
-          <a:p>
-            <a:r>
-              <a:rPr lang="en-US" sz="1200" dirty="0" smtClean="0"/>
-              <a:t>	# </a:t>
-            </a:r>
-            <a:r>
-              <a:rPr lang="en-US" sz="1200" dirty="0" err="1"/>
-              <a:t>cofiguration</a:t>
-            </a:r>
-            <a:endParaRPr lang="en-US" sz="1200" dirty="0"/>
-          </a:p>
-          <a:p>
-            <a:r>
-              <a:rPr lang="en-US" sz="1200" dirty="0"/>
-              <a:t>	export MIRO_PATH_MDK=~</a:t>
-            </a:r>
-            <a:r>
-              <a:rPr lang="en-US" sz="1200" dirty="0" smtClean="0"/>
-              <a:t>/</a:t>
-            </a:r>
-            <a:r>
-              <a:rPr lang="en-US" sz="1200" dirty="0" err="1" smtClean="0"/>
-              <a:t>mdk</a:t>
-            </a:r>
-            <a:endParaRPr lang="en-US" sz="1200" dirty="0"/>
-          </a:p>
-          <a:p>
-            <a:r>
-              <a:rPr lang="en-US" sz="1200" dirty="0"/>
-              <a:t>	export ROS_IP=&lt;</a:t>
-            </a:r>
-            <a:r>
-              <a:rPr lang="en-US" sz="1200" dirty="0" err="1"/>
-              <a:t>Put_Here_StaticIP_Of_WorkStation</a:t>
-            </a:r>
-            <a:r>
-              <a:rPr lang="en-US" sz="1200" dirty="0"/>
-              <a:t>&gt;</a:t>
-            </a:r>
-          </a:p>
-          <a:p>
-            <a:r>
-              <a:rPr lang="en-US" sz="1200" dirty="0"/>
-              <a:t>	export ROS_MASTER_URI=http://localhost:11311</a:t>
-            </a:r>
-          </a:p>
-          <a:p>
-            <a:endParaRPr lang="en-US" sz="1200" dirty="0"/>
-          </a:p>
-          <a:p>
-            <a:r>
-              <a:rPr lang="en-US" sz="1200" dirty="0"/>
-              <a:t>	# make our custom messages available to ROS/python</a:t>
-            </a:r>
-          </a:p>
-          <a:p>
-            <a:r>
-              <a:rPr lang="en-US" sz="1200" dirty="0"/>
-              <a:t>	export ROS_PACKAGE_PATH=$MIRO_PATH_MDK/share:$ROS_PACKAGE_PATH</a:t>
-            </a:r>
-          </a:p>
-          <a:p>
-            <a:r>
-              <a:rPr lang="en-US" sz="1200" dirty="0"/>
-              <a:t>	export PYTHONPATH=$MIRO_PATH_MDK/share:$PYTHONPATH</a:t>
-            </a:r>
-          </a:p>
-          <a:p>
-            <a:endParaRPr lang="en-US" sz="1200" dirty="0"/>
-          </a:p>
-          <a:p>
-            <a:r>
-              <a:rPr lang="en-US" sz="1200" dirty="0"/>
-              <a:t>	# usual Gazebo setup</a:t>
-            </a:r>
-          </a:p>
-          <a:p>
-            <a:r>
-              <a:rPr lang="en-US" sz="1200" dirty="0"/>
-              <a:t>	source /</a:t>
-            </a:r>
-            <a:r>
-              <a:rPr lang="en-US" sz="1200" dirty="0" err="1"/>
-              <a:t>usr</a:t>
-            </a:r>
-            <a:r>
-              <a:rPr lang="en-US" sz="1200" dirty="0"/>
-              <a:t>/share/gazebo/</a:t>
-            </a:r>
-            <a:r>
-              <a:rPr lang="en-US" sz="1200" dirty="0" err="1"/>
-              <a:t>setup.sh</a:t>
-            </a:r>
-            <a:endParaRPr lang="en-US" sz="1200" dirty="0"/>
-          </a:p>
-          <a:p>
-            <a:endParaRPr lang="en-US" sz="1200" dirty="0"/>
-          </a:p>
-          <a:p>
-            <a:r>
-              <a:rPr lang="en-US" sz="1200" dirty="0"/>
-              <a:t>	# announce MIRO resources to Gazebo</a:t>
-            </a:r>
-          </a:p>
-          <a:p>
-            <a:r>
-              <a:rPr lang="en-US" sz="1200" dirty="0"/>
-              <a:t>	export GAZEBO_RESOURCE_PATH=$MIRO_PATH_MDK/share:${GAZEBO_RESOURCE_PATH}</a:t>
-            </a:r>
-            <a:endParaRPr lang="en-US" sz="1200" dirty="0" smtClean="0"/>
-          </a:p>
-        </p:txBody>
-      </p:sp>
-      <p:sp>
-        <p:nvSpPr>
-          <p:cNvPr id="11" name="Content Placeholder 3"/>
-          <p:cNvSpPr txBox="1">
-            <a:spLocks/>
-          </p:cNvSpPr>
-          <p:nvPr/>
-        </p:nvSpPr>
-        <p:spPr>
-          <a:xfrm>
-            <a:off x="457198" y="3201091"/>
-            <a:ext cx="7620000" cy="424006"/>
-          </a:xfrm>
-          <a:prstGeom prst="rect">
-            <a:avLst/>
-          </a:prstGeom>
-        </p:spPr>
-        <p:txBody>
-          <a:bodyPr vert="horz" lIns="91440" tIns="45720" rIns="91440" bIns="45720" rtlCol="0">
-            <a:normAutofit/>
-          </a:bodyPr>
-          <a:lstStyle>
-            <a:lvl1pPr marL="0" indent="0" algn="l" defTabSz="914400" rtl="0" eaLnBrk="1" latinLnBrk="0" hangingPunct="1">
-              <a:spcBef>
-                <a:spcPct val="20000"/>
-              </a:spcBef>
-              <a:spcAft>
-                <a:spcPts val="600"/>
-              </a:spcAft>
-              <a:buFont typeface="Arial" pitchFamily="34" charset="0"/>
-              <a:buNone/>
-              <a:defRPr sz="2000" b="1" kern="1200">
-                <a:solidFill>
-                  <a:schemeClr val="tx1"/>
-                </a:solidFill>
-                <a:latin typeface="+mn-lt"/>
-                <a:ea typeface="+mn-ea"/>
-                <a:cs typeface="+mn-cs"/>
-              </a:defRPr>
-            </a:lvl1pPr>
-            <a:lvl2pPr marL="457200" indent="-182880" algn="l" defTabSz="914400" rtl="0" eaLnBrk="1" latinLnBrk="0" hangingPunct="1">
-              <a:spcBef>
-                <a:spcPct val="20000"/>
-              </a:spcBef>
-              <a:buClr>
-                <a:schemeClr val="tx2"/>
-              </a:buClr>
-              <a:buFont typeface="Arial" pitchFamily="34" charset="0"/>
-              <a:buChar char="•"/>
-              <a:defRPr sz="2000" kern="1200">
-                <a:solidFill>
-                  <a:schemeClr val="tx1"/>
-                </a:solidFill>
-                <a:latin typeface="+mn-lt"/>
-                <a:ea typeface="+mn-ea"/>
-                <a:cs typeface="+mn-cs"/>
-              </a:defRPr>
-            </a:lvl2pPr>
-            <a:lvl3pPr marL="1143000" indent="-228600" algn="l" defTabSz="914400" rtl="0" eaLnBrk="1" latinLnBrk="0" hangingPunct="1">
-              <a:spcBef>
-                <a:spcPct val="20000"/>
-              </a:spcBef>
-              <a:buClr>
-                <a:schemeClr val="tx2"/>
-              </a:buClr>
-              <a:buFont typeface="Arial" pitchFamily="34" charset="0"/>
-              <a:buChar char="•"/>
-              <a:defRPr sz="1800" kern="1200">
-                <a:solidFill>
-                  <a:schemeClr val="tx1"/>
-                </a:solidFill>
-                <a:latin typeface="+mn-lt"/>
-                <a:ea typeface="+mn-ea"/>
-                <a:cs typeface="+mn-cs"/>
-              </a:defRPr>
-            </a:lvl3pPr>
-            <a:lvl4pPr marL="1600200" indent="-228600" algn="l" defTabSz="914400" rtl="0" eaLnBrk="1" latinLnBrk="0" hangingPunct="1">
-              <a:spcBef>
-                <a:spcPct val="20000"/>
-              </a:spcBef>
-              <a:buClr>
-                <a:schemeClr val="tx2"/>
-              </a:buClr>
-              <a:buFont typeface="Arial" pitchFamily="34" charset="0"/>
-              <a:buChar char="•"/>
-              <a:defRPr sz="1800" kern="1200">
-                <a:solidFill>
-                  <a:schemeClr val="tx1"/>
-                </a:solidFill>
-                <a:latin typeface="+mn-lt"/>
-                <a:ea typeface="+mn-ea"/>
-                <a:cs typeface="+mn-cs"/>
-              </a:defRPr>
-            </a:lvl4pPr>
-            <a:lvl5pPr marL="2057400" indent="-228600" algn="l" defTabSz="914400" rtl="0" eaLnBrk="1" latinLnBrk="0" hangingPunct="1">
-              <a:spcBef>
-                <a:spcPct val="20000"/>
-              </a:spcBef>
-              <a:buClr>
-                <a:schemeClr val="tx2"/>
-              </a:buClr>
-              <a:buFont typeface="Arial" pitchFamily="34" charset="0"/>
-              <a:buChar char="•"/>
-              <a:defRPr sz="1800" kern="1200" baseline="0">
-                <a:solidFill>
-                  <a:schemeClr val="tx1"/>
-                </a:solidFill>
-                <a:latin typeface="+mn-lt"/>
-                <a:ea typeface="+mn-ea"/>
-                <a:cs typeface="+mn-cs"/>
-              </a:defRPr>
-            </a:lvl5pPr>
-            <a:lvl6pPr marL="2514600" indent="-228600" algn="l" defTabSz="914400" rtl="0" eaLnBrk="1" latinLnBrk="0" hangingPunct="1">
-              <a:spcBef>
-                <a:spcPct val="20000"/>
-              </a:spcBef>
-              <a:buClr>
-                <a:schemeClr val="tx2"/>
-              </a:buClr>
-              <a:buFont typeface="Arial" pitchFamily="34" charset="0"/>
-              <a:buChar char="•"/>
-              <a:defRPr sz="1600" kern="1200">
-                <a:solidFill>
-                  <a:schemeClr val="tx1"/>
-                </a:solidFill>
-                <a:latin typeface="+mn-lt"/>
-                <a:ea typeface="+mn-ea"/>
-                <a:cs typeface="+mn-cs"/>
-              </a:defRPr>
-            </a:lvl6pPr>
-            <a:lvl7pPr marL="2971800" indent="-228600" algn="l" defTabSz="914400" rtl="0" eaLnBrk="1" latinLnBrk="0" hangingPunct="1">
-              <a:spcBef>
-                <a:spcPct val="20000"/>
-              </a:spcBef>
-              <a:buClr>
-                <a:schemeClr val="tx2"/>
-              </a:buClr>
-              <a:buFont typeface="Arial" pitchFamily="34" charset="0"/>
-              <a:buChar char="•"/>
-              <a:defRPr sz="1600" kern="1200">
-                <a:solidFill>
-                  <a:schemeClr val="tx1"/>
-                </a:solidFill>
-                <a:latin typeface="+mn-lt"/>
-                <a:ea typeface="+mn-ea"/>
-                <a:cs typeface="+mn-cs"/>
-              </a:defRPr>
-            </a:lvl7pPr>
-            <a:lvl8pPr marL="3429000" indent="-228600" algn="l" defTabSz="914400" rtl="0" eaLnBrk="1" latinLnBrk="0" hangingPunct="1">
-              <a:spcBef>
-                <a:spcPct val="20000"/>
-              </a:spcBef>
-              <a:buClr>
-                <a:schemeClr val="tx2"/>
-              </a:buClr>
-              <a:buFont typeface="Arial" pitchFamily="34" charset="0"/>
-              <a:buChar char="•"/>
-              <a:defRPr sz="1600" kern="1200">
-                <a:solidFill>
-                  <a:schemeClr val="tx1"/>
-                </a:solidFill>
-                <a:latin typeface="+mn-lt"/>
-                <a:ea typeface="+mn-ea"/>
-                <a:cs typeface="+mn-cs"/>
-              </a:defRPr>
-            </a:lvl8pPr>
-            <a:lvl9pPr marL="3886200" indent="-228600" algn="l" defTabSz="914400" rtl="0" eaLnBrk="1" latinLnBrk="0" hangingPunct="1">
-              <a:spcBef>
-                <a:spcPct val="20000"/>
-              </a:spcBef>
-              <a:buClr>
-                <a:schemeClr val="tx2"/>
-              </a:buClr>
-              <a:buFont typeface="Arial" pitchFamily="34" charset="0"/>
-              <a:buChar char="•"/>
-              <a:defRPr sz="1600" kern="1200">
-                <a:solidFill>
-                  <a:schemeClr val="tx1"/>
-                </a:solidFill>
-                <a:latin typeface="+mn-lt"/>
-                <a:ea typeface="+mn-ea"/>
-                <a:cs typeface="+mn-cs"/>
-              </a:defRPr>
-            </a:lvl9pPr>
-          </a:lstStyle>
-          <a:p>
-            <a:pPr marL="285750" indent="-285750">
-              <a:buFont typeface="Arial"/>
-              <a:buChar char="•"/>
-            </a:pPr>
-            <a:r>
-              <a:rPr lang="en-US" sz="1800" dirty="0"/>
-              <a:t>Copy and paste in .</a:t>
-            </a:r>
-            <a:r>
-              <a:rPr lang="en-US" sz="1800" dirty="0" err="1"/>
-              <a:t>bashrc</a:t>
-            </a:r>
-            <a:r>
-              <a:rPr lang="en-US" sz="1800" dirty="0"/>
-              <a:t> the lines below and modify '&lt;&gt;' parts</a:t>
-            </a:r>
-            <a:endParaRPr lang="en-US" sz="1800" dirty="0" smtClean="0"/>
-          </a:p>
-        </p:txBody>
-      </p:sp>
-      <p:sp>
-        <p:nvSpPr>
-          <p:cNvPr id="12" name="TextBox 11"/>
-          <p:cNvSpPr txBox="1"/>
-          <p:nvPr/>
-        </p:nvSpPr>
-        <p:spPr>
-          <a:xfrm>
-            <a:off x="457198" y="6358804"/>
-            <a:ext cx="8383561" cy="276999"/>
-          </a:xfrm>
-          <a:prstGeom prst="rect">
-            <a:avLst/>
-          </a:prstGeom>
-          <a:noFill/>
-        </p:spPr>
-        <p:txBody>
-          <a:bodyPr wrap="square" rtlCol="0">
-            <a:spAutoFit/>
-          </a:bodyPr>
-          <a:lstStyle/>
-          <a:p>
-            <a:r>
-              <a:rPr lang="en-US" sz="1200" dirty="0" smtClean="0"/>
-              <a:t>$ </a:t>
-            </a:r>
-            <a:r>
-              <a:rPr lang="pt-BR" sz="1200" dirty="0" err="1" smtClean="0"/>
-              <a:t>roscore</a:t>
-            </a:r>
-            <a:endParaRPr lang="en-US" sz="1200" dirty="0" smtClean="0"/>
-          </a:p>
-        </p:txBody>
-      </p:sp>
-      <p:sp>
-        <p:nvSpPr>
-          <p:cNvPr id="13" name="Content Placeholder 3"/>
-          <p:cNvSpPr txBox="1">
-            <a:spLocks/>
-          </p:cNvSpPr>
-          <p:nvPr/>
-        </p:nvSpPr>
-        <p:spPr>
-          <a:xfrm>
-            <a:off x="457198" y="6073298"/>
-            <a:ext cx="7620000" cy="424006"/>
-          </a:xfrm>
-          <a:prstGeom prst="rect">
-            <a:avLst/>
-          </a:prstGeom>
-        </p:spPr>
-        <p:txBody>
-          <a:bodyPr vert="horz" lIns="91440" tIns="45720" rIns="91440" bIns="45720" rtlCol="0">
-            <a:normAutofit/>
-          </a:bodyPr>
-          <a:lstStyle>
-            <a:lvl1pPr marL="0" indent="0" algn="l" defTabSz="914400" rtl="0" eaLnBrk="1" latinLnBrk="0" hangingPunct="1">
-              <a:spcBef>
-                <a:spcPct val="20000"/>
-              </a:spcBef>
-              <a:spcAft>
-                <a:spcPts val="600"/>
-              </a:spcAft>
-              <a:buFont typeface="Arial" pitchFamily="34" charset="0"/>
-              <a:buNone/>
-              <a:defRPr sz="2000" b="1" kern="1200">
-                <a:solidFill>
-                  <a:schemeClr val="tx1"/>
-                </a:solidFill>
-                <a:latin typeface="+mn-lt"/>
-                <a:ea typeface="+mn-ea"/>
-                <a:cs typeface="+mn-cs"/>
-              </a:defRPr>
-            </a:lvl1pPr>
-            <a:lvl2pPr marL="457200" indent="-182880" algn="l" defTabSz="914400" rtl="0" eaLnBrk="1" latinLnBrk="0" hangingPunct="1">
-              <a:spcBef>
-                <a:spcPct val="20000"/>
-              </a:spcBef>
-              <a:buClr>
-                <a:schemeClr val="tx2"/>
-              </a:buClr>
-              <a:buFont typeface="Arial" pitchFamily="34" charset="0"/>
-              <a:buChar char="•"/>
-              <a:defRPr sz="2000" kern="1200">
-                <a:solidFill>
-                  <a:schemeClr val="tx1"/>
-                </a:solidFill>
-                <a:latin typeface="+mn-lt"/>
-                <a:ea typeface="+mn-ea"/>
-                <a:cs typeface="+mn-cs"/>
-              </a:defRPr>
-            </a:lvl2pPr>
-            <a:lvl3pPr marL="1143000" indent="-228600" algn="l" defTabSz="914400" rtl="0" eaLnBrk="1" latinLnBrk="0" hangingPunct="1">
-              <a:spcBef>
-                <a:spcPct val="20000"/>
-              </a:spcBef>
-              <a:buClr>
-                <a:schemeClr val="tx2"/>
-              </a:buClr>
-              <a:buFont typeface="Arial" pitchFamily="34" charset="0"/>
-              <a:buChar char="•"/>
-              <a:defRPr sz="1800" kern="1200">
-                <a:solidFill>
-                  <a:schemeClr val="tx1"/>
-                </a:solidFill>
-                <a:latin typeface="+mn-lt"/>
-                <a:ea typeface="+mn-ea"/>
-                <a:cs typeface="+mn-cs"/>
-              </a:defRPr>
-            </a:lvl3pPr>
-            <a:lvl4pPr marL="1600200" indent="-228600" algn="l" defTabSz="914400" rtl="0" eaLnBrk="1" latinLnBrk="0" hangingPunct="1">
-              <a:spcBef>
-                <a:spcPct val="20000"/>
-              </a:spcBef>
-              <a:buClr>
-                <a:schemeClr val="tx2"/>
-              </a:buClr>
-              <a:buFont typeface="Arial" pitchFamily="34" charset="0"/>
-              <a:buChar char="•"/>
-              <a:defRPr sz="1800" kern="1200">
-                <a:solidFill>
-                  <a:schemeClr val="tx1"/>
-                </a:solidFill>
-                <a:latin typeface="+mn-lt"/>
-                <a:ea typeface="+mn-ea"/>
-                <a:cs typeface="+mn-cs"/>
-              </a:defRPr>
-            </a:lvl4pPr>
-            <a:lvl5pPr marL="2057400" indent="-228600" algn="l" defTabSz="914400" rtl="0" eaLnBrk="1" latinLnBrk="0" hangingPunct="1">
-              <a:spcBef>
-                <a:spcPct val="20000"/>
-              </a:spcBef>
-              <a:buClr>
-                <a:schemeClr val="tx2"/>
-              </a:buClr>
-              <a:buFont typeface="Arial" pitchFamily="34" charset="0"/>
-              <a:buChar char="•"/>
-              <a:defRPr sz="1800" kern="1200" baseline="0">
-                <a:solidFill>
-                  <a:schemeClr val="tx1"/>
-                </a:solidFill>
-                <a:latin typeface="+mn-lt"/>
-                <a:ea typeface="+mn-ea"/>
-                <a:cs typeface="+mn-cs"/>
-              </a:defRPr>
-            </a:lvl5pPr>
-            <a:lvl6pPr marL="2514600" indent="-228600" algn="l" defTabSz="914400" rtl="0" eaLnBrk="1" latinLnBrk="0" hangingPunct="1">
-              <a:spcBef>
-                <a:spcPct val="20000"/>
-              </a:spcBef>
-              <a:buClr>
-                <a:schemeClr val="tx2"/>
-              </a:buClr>
-              <a:buFont typeface="Arial" pitchFamily="34" charset="0"/>
-              <a:buChar char="•"/>
-              <a:defRPr sz="1600" kern="1200">
-                <a:solidFill>
-                  <a:schemeClr val="tx1"/>
-                </a:solidFill>
-                <a:latin typeface="+mn-lt"/>
-                <a:ea typeface="+mn-ea"/>
-                <a:cs typeface="+mn-cs"/>
-              </a:defRPr>
-            </a:lvl6pPr>
-            <a:lvl7pPr marL="2971800" indent="-228600" algn="l" defTabSz="914400" rtl="0" eaLnBrk="1" latinLnBrk="0" hangingPunct="1">
-              <a:spcBef>
-                <a:spcPct val="20000"/>
-              </a:spcBef>
-              <a:buClr>
-                <a:schemeClr val="tx2"/>
-              </a:buClr>
-              <a:buFont typeface="Arial" pitchFamily="34" charset="0"/>
-              <a:buChar char="•"/>
-              <a:defRPr sz="1600" kern="1200">
-                <a:solidFill>
-                  <a:schemeClr val="tx1"/>
-                </a:solidFill>
-                <a:latin typeface="+mn-lt"/>
-                <a:ea typeface="+mn-ea"/>
-                <a:cs typeface="+mn-cs"/>
-              </a:defRPr>
-            </a:lvl7pPr>
-            <a:lvl8pPr marL="3429000" indent="-228600" algn="l" defTabSz="914400" rtl="0" eaLnBrk="1" latinLnBrk="0" hangingPunct="1">
-              <a:spcBef>
-                <a:spcPct val="20000"/>
-              </a:spcBef>
-              <a:buClr>
-                <a:schemeClr val="tx2"/>
-              </a:buClr>
-              <a:buFont typeface="Arial" pitchFamily="34" charset="0"/>
-              <a:buChar char="•"/>
-              <a:defRPr sz="1600" kern="1200">
-                <a:solidFill>
-                  <a:schemeClr val="tx1"/>
-                </a:solidFill>
-                <a:latin typeface="+mn-lt"/>
-                <a:ea typeface="+mn-ea"/>
-                <a:cs typeface="+mn-cs"/>
-              </a:defRPr>
-            </a:lvl8pPr>
-            <a:lvl9pPr marL="3886200" indent="-228600" algn="l" defTabSz="914400" rtl="0" eaLnBrk="1" latinLnBrk="0" hangingPunct="1">
-              <a:spcBef>
-                <a:spcPct val="20000"/>
-              </a:spcBef>
-              <a:buClr>
-                <a:schemeClr val="tx2"/>
-              </a:buClr>
-              <a:buFont typeface="Arial" pitchFamily="34" charset="0"/>
-              <a:buChar char="•"/>
-              <a:defRPr sz="1600" kern="1200">
-                <a:solidFill>
-                  <a:schemeClr val="tx1"/>
-                </a:solidFill>
-                <a:latin typeface="+mn-lt"/>
-                <a:ea typeface="+mn-ea"/>
-                <a:cs typeface="+mn-cs"/>
-              </a:defRPr>
-            </a:lvl9pPr>
-          </a:lstStyle>
-          <a:p>
-            <a:pPr marL="285750" indent="-285750">
-              <a:buFont typeface="Arial"/>
-              <a:buChar char="•"/>
-            </a:pPr>
-            <a:r>
-              <a:rPr lang="en-US" sz="1800" dirty="0" smtClean="0"/>
-              <a:t>Finally</a:t>
-            </a:r>
+              <a:rPr lang="en-GB" sz="4400" dirty="0" smtClean="0">
+                <a:solidFill>
+                  <a:srgbClr val="C00000"/>
+                </a:solidFill>
+                <a:latin typeface="Calibri Light" charset="0"/>
+                <a:ea typeface="Calibri Light" charset="0"/>
+                <a:cs typeface="Calibri Light" charset="0"/>
+              </a:rPr>
+              <a:t>a</a:t>
+            </a:r>
+            <a:r>
+              <a:rPr lang="en-GB" sz="4400" dirty="0" smtClean="0">
+                <a:latin typeface="Calibri Light" charset="0"/>
+                <a:ea typeface="Calibri Light" charset="0"/>
+                <a:cs typeface="Calibri Light" charset="0"/>
+              </a:rPr>
+              <a:t>nd </a:t>
+            </a:r>
+            <a:r>
+              <a:rPr lang="en-GB" sz="4400" dirty="0" smtClean="0">
+                <a:solidFill>
+                  <a:srgbClr val="C00000"/>
+                </a:solidFill>
+                <a:latin typeface="Calibri Light" charset="0"/>
+                <a:ea typeface="Calibri Light" charset="0"/>
+                <a:cs typeface="Calibri Light" charset="0"/>
+              </a:rPr>
+              <a:t>a</a:t>
+            </a:r>
+            <a:r>
+              <a:rPr lang="en-GB" sz="4400" dirty="0" smtClean="0">
+                <a:latin typeface="Calibri Light" charset="0"/>
+                <a:ea typeface="Calibri Light" charset="0"/>
+                <a:cs typeface="Calibri Light" charset="0"/>
+              </a:rPr>
+              <a:t>ndroid </a:t>
+            </a:r>
+            <a:r>
+              <a:rPr lang="en-GB" sz="4400" dirty="0" smtClean="0">
+                <a:solidFill>
+                  <a:srgbClr val="C00000"/>
+                </a:solidFill>
+                <a:latin typeface="Calibri Light" charset="0"/>
+                <a:ea typeface="Calibri Light" charset="0"/>
+                <a:cs typeface="Calibri Light" charset="0"/>
+              </a:rPr>
+              <a:t>a</a:t>
+            </a:r>
+            <a:r>
+              <a:rPr lang="en-GB" sz="4400" dirty="0" smtClean="0">
+                <a:latin typeface="Calibri Light" charset="0"/>
+                <a:ea typeface="Calibri Light" charset="0"/>
+                <a:cs typeface="Calibri Light" charset="0"/>
+              </a:rPr>
+              <a:t>pp</a:t>
+            </a:r>
+            <a:endParaRPr lang="en-GB" sz="4400" dirty="0">
+              <a:latin typeface="Calibri Light" charset="0"/>
+              <a:ea typeface="Calibri Light" charset="0"/>
+              <a:cs typeface="Calibri Light" charset="0"/>
+            </a:endParaRPr>
           </a:p>
         </p:txBody>
       </p:sp>
     </p:spTree>
     <p:extLst>
       <p:ext uri="{BB962C8B-B14F-4D97-AF65-F5344CB8AC3E}">
-        <p14:creationId xmlns:p14="http://schemas.microsoft.com/office/powerpoint/2010/main" val="113981430"/>
+        <p14:creationId xmlns:p14="http://schemas.microsoft.com/office/powerpoint/2010/main" val="2553385727"/>
       </p:ext>
     </p:extLst>
   </p:cSld>
@@ -7393,108 +8797,6 @@
       </p:grpSpPr>
       <p:sp>
         <p:nvSpPr>
-          <p:cNvPr id="10" name="Title 9"/>
-          <p:cNvSpPr>
-            <a:spLocks noGrp="1"/>
-          </p:cNvSpPr>
-          <p:nvPr>
-            <p:ph type="title"/>
-          </p:nvPr>
-        </p:nvSpPr>
-        <p:spPr>
-          <a:xfrm>
-            <a:off x="457200" y="152718"/>
-            <a:ext cx="7619998" cy="1371600"/>
-          </a:xfrm>
-        </p:spPr>
-        <p:txBody>
-          <a:bodyPr>
-            <a:normAutofit fontScale="90000"/>
-          </a:bodyPr>
-          <a:lstStyle/>
-          <a:p>
-            <a:r>
-              <a:rPr lang="en-US" dirty="0" smtClean="0"/>
-              <a:t>Configuring </a:t>
-            </a:r>
-            <a:r>
-              <a:rPr lang="en-US" dirty="0" err="1" smtClean="0"/>
-              <a:t>Miro</a:t>
-            </a:r>
-            <a:r>
-              <a:rPr lang="en-US" dirty="0" smtClean="0"/>
-              <a:t>: so that </a:t>
-            </a:r>
-            <a:r>
-              <a:rPr lang="en-US" dirty="0" err="1" smtClean="0"/>
-              <a:t>miro</a:t>
-            </a:r>
-            <a:r>
-              <a:rPr lang="en-US" dirty="0" smtClean="0"/>
-              <a:t> can locate </a:t>
-            </a:r>
-            <a:r>
-              <a:rPr lang="en-US" dirty="0" err="1" smtClean="0"/>
-              <a:t>rosmaster</a:t>
-            </a:r>
-            <a:r>
-              <a:rPr lang="en-US" dirty="0" smtClean="0"/>
-              <a:t> (your workstation)</a:t>
-            </a:r>
-            <a:endParaRPr lang="en-US" dirty="0"/>
-          </a:p>
-        </p:txBody>
-      </p:sp>
-      <p:sp>
-        <p:nvSpPr>
-          <p:cNvPr id="4" name="Content Placeholder 3"/>
-          <p:cNvSpPr>
-            <a:spLocks noGrp="1"/>
-          </p:cNvSpPr>
-          <p:nvPr>
-            <p:ph idx="1"/>
-          </p:nvPr>
-        </p:nvSpPr>
-        <p:spPr>
-          <a:xfrm>
-            <a:off x="457198" y="1524317"/>
-            <a:ext cx="7620000" cy="1145621"/>
-          </a:xfrm>
-        </p:spPr>
-        <p:txBody>
-          <a:bodyPr>
-            <a:normAutofit/>
-          </a:bodyPr>
-          <a:lstStyle/>
-          <a:p>
-            <a:r>
-              <a:rPr lang="en-US" i="1" dirty="0"/>
-              <a:t>Copy and paste in terminal, everything after the ‘$’ sign</a:t>
-            </a:r>
-            <a:r>
-              <a:rPr lang="en-US" i="1" dirty="0" smtClean="0"/>
-              <a:t>.</a:t>
-            </a:r>
-          </a:p>
-          <a:p>
-            <a:r>
-              <a:rPr lang="en-US" i="1" dirty="0" smtClean="0"/>
-              <a:t>Replace ‘&lt;</a:t>
-            </a:r>
-            <a:r>
-              <a:rPr lang="en-US" i="1" dirty="0" err="1" smtClean="0"/>
-              <a:t>instruction_stated_inside</a:t>
-            </a:r>
-            <a:r>
-              <a:rPr lang="en-US" i="1" dirty="0" smtClean="0"/>
-              <a:t>&gt;’ entirely with the instruction stated inside.</a:t>
-            </a:r>
-            <a:endParaRPr lang="en-US" i="1" dirty="0"/>
-          </a:p>
-        </p:txBody>
-      </p:sp>
-      <p:sp>
-        <p:nvSpPr>
           <p:cNvPr id="6" name="Content Placeholder 3"/>
           <p:cNvSpPr txBox="1">
             <a:spLocks/>
@@ -7503,7 +8805,7 @@
         </p:nvSpPr>
         <p:spPr>
           <a:xfrm>
-            <a:off x="457198" y="3239744"/>
+            <a:off x="457195" y="2484832"/>
             <a:ext cx="7620000" cy="577826"/>
           </a:xfrm>
           <a:prstGeom prst="rect">
@@ -7684,28 +8986,13 @@
               <a:buChar char="•"/>
             </a:pPr>
             <a:r>
-              <a:rPr lang="en-US" sz="1800" dirty="0"/>
-              <a:t>In </a:t>
-            </a:r>
-            <a:r>
-              <a:rPr lang="en-US" sz="1800" dirty="0" smtClean="0"/>
-              <a:t>a </a:t>
-            </a:r>
-            <a:r>
-              <a:rPr lang="en-US" sz="1800" dirty="0" smtClean="0">
-                <a:solidFill>
-                  <a:srgbClr val="D1282E"/>
-                </a:solidFill>
-              </a:rPr>
-              <a:t>new terminal </a:t>
-            </a:r>
-            <a:r>
-              <a:rPr lang="en-US" sz="1800" dirty="0" smtClean="0"/>
-              <a:t>on your workstation</a:t>
-            </a:r>
-          </a:p>
-          <a:p>
-            <a:endParaRPr lang="en-US" sz="1800" dirty="0" smtClean="0"/>
+              <a:rPr lang="en-US" b="0" dirty="0" smtClean="0">
+                <a:latin typeface="Calibri" charset="0"/>
+                <a:ea typeface="Calibri" charset="0"/>
+                <a:cs typeface="Calibri" charset="0"/>
+              </a:rPr>
+              <a:t>In your workstation: open a new terminal window and type in:</a:t>
+            </a:r>
           </a:p>
         </p:txBody>
       </p:sp>
@@ -7717,8 +9004,8 @@
         </p:nvSpPr>
         <p:spPr>
           <a:xfrm>
-            <a:off x="457198" y="3540571"/>
-            <a:ext cx="8383561" cy="276999"/>
+            <a:off x="771629" y="2771877"/>
+            <a:ext cx="5124898" cy="338554"/>
           </a:xfrm>
           <a:prstGeom prst="rect">
             <a:avLst/>
@@ -7732,26 +9019,50 @@
           <a:lstStyle/>
           <a:p>
             <a:r>
-              <a:rPr lang="en-US" sz="1200" dirty="0" smtClean="0"/>
+              <a:rPr lang="en-US" sz="1600" dirty="0" smtClean="0">
+                <a:latin typeface="Apple Symbols" charset="0"/>
+                <a:ea typeface="Apple Symbols" charset="0"/>
+                <a:cs typeface="Apple Symbols" charset="0"/>
+              </a:rPr>
               <a:t>$ </a:t>
             </a:r>
             <a:r>
-              <a:rPr lang="en-US" sz="1200" dirty="0" err="1"/>
+              <a:rPr lang="en-US" sz="1600" dirty="0" err="1">
+                <a:latin typeface="Apple Symbols" charset="0"/>
+                <a:ea typeface="Apple Symbols" charset="0"/>
+                <a:cs typeface="Apple Symbols" charset="0"/>
+              </a:rPr>
               <a:t>ssh</a:t>
             </a:r>
             <a:r>
-              <a:rPr lang="en-US" sz="1200" dirty="0"/>
+              <a:rPr lang="en-US" sz="1600" dirty="0">
+                <a:latin typeface="Apple Symbols" charset="0"/>
+                <a:ea typeface="Apple Symbols" charset="0"/>
+                <a:cs typeface="Apple Symbols" charset="0"/>
+              </a:rPr>
               <a:t> root@&lt;</a:t>
             </a:r>
             <a:r>
-              <a:rPr lang="en-US" sz="1200" dirty="0" err="1"/>
+              <a:rPr lang="en-US" sz="1600" dirty="0" err="1">
+                <a:latin typeface="Apple Symbols" charset="0"/>
+                <a:ea typeface="Apple Symbols" charset="0"/>
+                <a:cs typeface="Apple Symbols" charset="0"/>
+              </a:rPr>
               <a:t>Put_Here_IP_Of_MIRO_Found_In_Android_App</a:t>
             </a:r>
             <a:r>
-              <a:rPr lang="en-US" sz="1200" dirty="0"/>
+              <a:rPr lang="en-US" sz="1600" dirty="0">
+                <a:latin typeface="Apple Symbols" charset="0"/>
+                <a:ea typeface="Apple Symbols" charset="0"/>
+                <a:cs typeface="Apple Symbols" charset="0"/>
+              </a:rPr>
               <a:t>&gt;</a:t>
             </a:r>
-            <a:endParaRPr lang="en-US" sz="1200" dirty="0" smtClean="0"/>
+            <a:endParaRPr lang="en-US" sz="1600" dirty="0" smtClean="0">
+              <a:latin typeface="Apple Symbols" charset="0"/>
+              <a:ea typeface="Apple Symbols" charset="0"/>
+              <a:cs typeface="Apple Symbols" charset="0"/>
+            </a:endParaRPr>
           </a:p>
         </p:txBody>
       </p:sp>
@@ -7765,7 +9076,7 @@
         </p:nvSpPr>
         <p:spPr>
           <a:xfrm>
-            <a:off x="457198" y="2930420"/>
+            <a:off x="457195" y="2175508"/>
             <a:ext cx="7620000" cy="358164"/>
           </a:xfrm>
           <a:prstGeom prst="rect">
@@ -7774,7 +9085,7 @@
         </p:spPr>
         <p:txBody>
           <a:bodyPr vert="horz" lIns="91440" tIns="45720" rIns="91440" bIns="45720" rtlCol="0">
-            <a:normAutofit lnSpcReduction="10000"/>
+            <a:normAutofit fontScale="92500" lnSpcReduction="10000"/>
           </a:bodyPr>
           <a:lstStyle>
             <a:lvl1pPr marL="0" indent="0" algn="l" defTabSz="914400" rtl="0" eaLnBrk="1" latinLnBrk="0" hangingPunct="1">
@@ -7946,34 +9257,51 @@
               <a:buChar char="•"/>
             </a:pPr>
             <a:r>
-              <a:rPr lang="en-US" sz="1800" dirty="0" smtClean="0"/>
-              <a:t>Open </a:t>
-            </a:r>
-            <a:r>
-              <a:rPr lang="en-US" sz="1800" dirty="0" err="1" smtClean="0">
+              <a:rPr lang="en-US" b="0" dirty="0" smtClean="0">
+                <a:latin typeface="Calibri" charset="0"/>
+                <a:ea typeface="Calibri" charset="0"/>
+                <a:cs typeface="Calibri" charset="0"/>
+              </a:rPr>
+              <a:t>In the smartphone: open the </a:t>
+            </a:r>
+            <a:r>
+              <a:rPr lang="en-US" b="0" dirty="0" err="1" smtClean="0">
                 <a:solidFill>
                   <a:srgbClr val="D1282E"/>
                 </a:solidFill>
+                <a:latin typeface="Calibri" charset="0"/>
+                <a:ea typeface="Calibri" charset="0"/>
+                <a:cs typeface="Calibri" charset="0"/>
               </a:rPr>
               <a:t>MIROapp</a:t>
             </a:r>
             <a:r>
-              <a:rPr lang="en-US" sz="1800" dirty="0" smtClean="0">
+              <a:rPr lang="en-US" b="0" dirty="0" smtClean="0">
                 <a:solidFill>
                   <a:srgbClr val="D1282E"/>
                 </a:solidFill>
+                <a:latin typeface="Calibri" charset="0"/>
+                <a:ea typeface="Calibri" charset="0"/>
+                <a:cs typeface="Calibri" charset="0"/>
               </a:rPr>
               <a:t> </a:t>
             </a:r>
             <a:r>
-              <a:rPr lang="en-US" sz="1800" dirty="0" smtClean="0"/>
+              <a:rPr lang="en-US" b="0" dirty="0" smtClean="0">
+                <a:latin typeface="Calibri" charset="0"/>
+                <a:ea typeface="Calibri" charset="0"/>
+                <a:cs typeface="Calibri" charset="0"/>
+              </a:rPr>
               <a:t>and check its </a:t>
             </a:r>
             <a:r>
-              <a:rPr lang="en-US" sz="1800" dirty="0" smtClean="0">
+              <a:rPr lang="en-US" b="0" dirty="0" smtClean="0">
                 <a:solidFill>
                   <a:srgbClr val="D1282E"/>
                 </a:solidFill>
+                <a:latin typeface="Calibri" charset="0"/>
+                <a:ea typeface="Calibri" charset="0"/>
+                <a:cs typeface="Calibri" charset="0"/>
               </a:rPr>
               <a:t>IP address</a:t>
             </a:r>
@@ -7990,7 +9318,7 @@
         </p:nvSpPr>
         <p:spPr>
           <a:xfrm>
-            <a:off x="457198" y="3785009"/>
+            <a:off x="457193" y="3083924"/>
             <a:ext cx="7620000" cy="577826"/>
           </a:xfrm>
           <a:prstGeom prst="rect">
@@ -8171,8 +9499,12 @@
               <a:buChar char="•"/>
             </a:pPr>
             <a:r>
-              <a:rPr lang="en-US" sz="1800" dirty="0" smtClean="0"/>
-              <a:t>MIRO’s SSH entry password is</a:t>
+              <a:rPr lang="en-US" b="0" dirty="0" smtClean="0">
+                <a:latin typeface="Calibri" charset="0"/>
+                <a:ea typeface="Calibri" charset="0"/>
+                <a:cs typeface="Calibri" charset="0"/>
+              </a:rPr>
+              <a:t>MIRO’s SSH entry password is:</a:t>
             </a:r>
           </a:p>
         </p:txBody>
@@ -8185,8 +9517,8 @@
         </p:nvSpPr>
         <p:spPr>
           <a:xfrm>
-            <a:off x="457198" y="4085836"/>
-            <a:ext cx="8383561" cy="276999"/>
+            <a:off x="771627" y="3382838"/>
+            <a:ext cx="4976042" cy="338554"/>
           </a:xfrm>
           <a:prstGeom prst="rect">
             <a:avLst/>
@@ -8200,14 +9532,13 @@
           <a:lstStyle/>
           <a:p>
             <a:r>
-              <a:rPr lang="en-US" sz="1200" dirty="0" smtClean="0"/>
-              <a:t>$ </a:t>
-            </a:r>
-            <a:r>
-              <a:rPr lang="en-US" sz="1200" dirty="0" smtClean="0"/>
-              <a:t>MIROOpen1</a:t>
-            </a:r>
-            <a:endParaRPr lang="en-US" sz="1200" dirty="0" smtClean="0"/>
+              <a:rPr lang="en-US" sz="1600" dirty="0" smtClean="0">
+                <a:latin typeface="Apple Symbols" charset="0"/>
+                <a:ea typeface="Apple Symbols" charset="0"/>
+                <a:cs typeface="Apple Symbols" charset="0"/>
+              </a:rPr>
+              <a:t>$ MIROOpen1</a:t>
+            </a:r>
           </a:p>
         </p:txBody>
       </p:sp>
@@ -8221,8 +9552,8 @@
         </p:nvSpPr>
         <p:spPr>
           <a:xfrm>
-            <a:off x="457200" y="4301449"/>
-            <a:ext cx="7620000" cy="577826"/>
+            <a:off x="457193" y="3688257"/>
+            <a:ext cx="7620000" cy="352908"/>
           </a:xfrm>
           <a:prstGeom prst="rect">
             <a:avLst/>
@@ -8230,7 +9561,7 @@
         </p:spPr>
         <p:txBody>
           <a:bodyPr vert="horz" lIns="91440" tIns="45720" rIns="91440" bIns="45720" rtlCol="0">
-            <a:normAutofit/>
+            <a:noAutofit/>
           </a:bodyPr>
           <a:lstStyle>
             <a:lvl1pPr marL="0" indent="0" algn="l" defTabSz="914400" rtl="0" eaLnBrk="1" latinLnBrk="0" hangingPunct="1">
@@ -8402,8 +9733,12 @@
               <a:buChar char="•"/>
             </a:pPr>
             <a:r>
-              <a:rPr lang="en-US" sz="1800" dirty="0" smtClean="0"/>
-              <a:t>Now you are inside MIRO’s Terminal</a:t>
+              <a:rPr lang="en-US" b="0" dirty="0" smtClean="0">
+                <a:latin typeface="Calibri" charset="0"/>
+                <a:ea typeface="Calibri" charset="0"/>
+                <a:cs typeface="Calibri" charset="0"/>
+              </a:rPr>
+              <a:t>Once inside MIRO’s Terminal, type in:</a:t>
             </a:r>
           </a:p>
         </p:txBody>
@@ -8416,8 +9751,8 @@
         </p:nvSpPr>
         <p:spPr>
           <a:xfrm>
-            <a:off x="457200" y="4602276"/>
-            <a:ext cx="8383561" cy="276999"/>
+            <a:off x="760436" y="3992156"/>
+            <a:ext cx="4987232" cy="338554"/>
           </a:xfrm>
           <a:prstGeom prst="rect">
             <a:avLst/>
@@ -8431,24 +9766,130 @@
           <a:lstStyle/>
           <a:p>
             <a:r>
-              <a:rPr lang="en-US" sz="1200" dirty="0" smtClean="0"/>
+              <a:rPr lang="en-US" sz="1600" dirty="0" smtClean="0">
+                <a:latin typeface="Apple Symbols" charset="0"/>
+                <a:ea typeface="Apple Symbols" charset="0"/>
+                <a:cs typeface="Apple Symbols" charset="0"/>
+              </a:rPr>
               <a:t>$ </a:t>
             </a:r>
             <a:r>
-              <a:rPr lang="pt-BR" sz="1200" dirty="0" err="1"/>
+              <a:rPr lang="pt-BR" sz="1600" dirty="0" err="1">
+                <a:latin typeface="Apple Symbols" charset="0"/>
+                <a:ea typeface="Apple Symbols" charset="0"/>
+                <a:cs typeface="Apple Symbols" charset="0"/>
+              </a:rPr>
               <a:t>sudo</a:t>
             </a:r>
             <a:r>
-              <a:rPr lang="pt-BR" sz="1200" dirty="0"/>
+              <a:rPr lang="pt-BR" sz="1600" dirty="0">
+                <a:latin typeface="Apple Symbols" charset="0"/>
+                <a:ea typeface="Apple Symbols" charset="0"/>
+                <a:cs typeface="Apple Symbols" charset="0"/>
+              </a:rPr>
               <a:t> nano ~/.profile </a:t>
             </a:r>
-            <a:endParaRPr lang="en-US" sz="1200" dirty="0" smtClean="0"/>
-          </a:p>
-        </p:txBody>
-      </p:sp>
-      <p:sp>
-        <p:nvSpPr>
-          <p:cNvPr id="15" name="Content Placeholder 3"/>
+            <a:endParaRPr lang="en-US" sz="1600" dirty="0" smtClean="0">
+              <a:latin typeface="Apple Symbols" charset="0"/>
+              <a:ea typeface="Apple Symbols" charset="0"/>
+              <a:cs typeface="Apple Symbols" charset="0"/>
+            </a:endParaRPr>
+          </a:p>
+        </p:txBody>
+      </p:sp>
+      <p:sp>
+        <p:nvSpPr>
+          <p:cNvPr id="3" name="TextBox 2"/>
+          <p:cNvSpPr txBox="1"/>
+          <p:nvPr/>
+        </p:nvSpPr>
+        <p:spPr>
+          <a:xfrm>
+            <a:off x="457193" y="5394172"/>
+            <a:ext cx="184731" cy="400110"/>
+          </a:xfrm>
+          <a:prstGeom prst="rect">
+            <a:avLst/>
+          </a:prstGeom>
+          <a:noFill/>
+        </p:spPr>
+        <p:txBody>
+          <a:bodyPr wrap="none" rtlCol="0">
+            <a:spAutoFit/>
+          </a:bodyPr>
+          <a:lstStyle/>
+          <a:p>
+            <a:endParaRPr lang="en-US" sz="2000" dirty="0">
+              <a:latin typeface="Calibri" charset="0"/>
+              <a:ea typeface="Calibri" charset="0"/>
+              <a:cs typeface="Calibri" charset="0"/>
+            </a:endParaRPr>
+          </a:p>
+        </p:txBody>
+      </p:sp>
+      <p:sp>
+        <p:nvSpPr>
+          <p:cNvPr id="18" name="TextBox 17"/>
+          <p:cNvSpPr txBox="1"/>
+          <p:nvPr/>
+        </p:nvSpPr>
+        <p:spPr>
+          <a:xfrm>
+            <a:off x="457200" y="712382"/>
+            <a:ext cx="8006316" cy="769441"/>
+          </a:xfrm>
+          <a:prstGeom prst="rect">
+            <a:avLst/>
+          </a:prstGeom>
+          <a:noFill/>
+        </p:spPr>
+        <p:txBody>
+          <a:bodyPr wrap="square" rtlCol="0">
+            <a:spAutoFit/>
+          </a:bodyPr>
+          <a:lstStyle/>
+          <a:p>
+            <a:r>
+              <a:rPr lang="en-GB" sz="4400" dirty="0" smtClean="0">
+                <a:solidFill>
+                  <a:srgbClr val="C00000"/>
+                </a:solidFill>
+                <a:latin typeface="Calibri Light" charset="0"/>
+                <a:ea typeface="Calibri Light" charset="0"/>
+                <a:cs typeface="Calibri Light" charset="0"/>
+              </a:rPr>
+              <a:t>C</a:t>
+            </a:r>
+            <a:r>
+              <a:rPr lang="en-GB" sz="4400" dirty="0" smtClean="0">
+                <a:latin typeface="Calibri Light" charset="0"/>
+                <a:ea typeface="Calibri Light" charset="0"/>
+                <a:cs typeface="Calibri Light" charset="0"/>
+              </a:rPr>
+              <a:t>onfiguring </a:t>
+            </a:r>
+            <a:r>
+              <a:rPr lang="en-GB" sz="4400" dirty="0" smtClean="0">
+                <a:solidFill>
+                  <a:srgbClr val="C00000"/>
+                </a:solidFill>
+                <a:latin typeface="Calibri Light" charset="0"/>
+                <a:ea typeface="Calibri Light" charset="0"/>
+                <a:cs typeface="Calibri Light" charset="0"/>
+              </a:rPr>
+              <a:t>MiRo</a:t>
+            </a:r>
+            <a:endParaRPr lang="en-GB" sz="4400" dirty="0">
+              <a:latin typeface="Calibri Light" charset="0"/>
+              <a:ea typeface="Calibri Light" charset="0"/>
+              <a:cs typeface="Calibri Light" charset="0"/>
+            </a:endParaRPr>
+          </a:p>
+        </p:txBody>
+      </p:sp>
+      <p:sp>
+        <p:nvSpPr>
+          <p:cNvPr id="19" name="Content Placeholder 3"/>
           <p:cNvSpPr txBox="1">
             <a:spLocks/>
           </p:cNvSpPr>
@@ -8456,8 +9897,8 @@
         </p:nvSpPr>
         <p:spPr>
           <a:xfrm>
-            <a:off x="457198" y="4846202"/>
-            <a:ext cx="7620000" cy="982079"/>
+            <a:off x="457191" y="4371992"/>
+            <a:ext cx="7620000" cy="1837421"/>
           </a:xfrm>
           <a:prstGeom prst="rect">
             <a:avLst/>
@@ -8465,7 +9906,7 @@
         </p:spPr>
         <p:txBody>
           <a:bodyPr vert="horz" lIns="91440" tIns="45720" rIns="91440" bIns="45720" rtlCol="0">
-            <a:normAutofit/>
+            <a:noAutofit/>
           </a:bodyPr>
           <a:lstStyle>
             <a:lvl1pPr marL="0" indent="0" algn="l" defTabSz="914400" rtl="0" eaLnBrk="1" latinLnBrk="0" hangingPunct="1">
@@ -8637,240 +10078,89 @@
               <a:buChar char="•"/>
             </a:pPr>
             <a:r>
-              <a:rPr lang="en-US" sz="1800" dirty="0"/>
-              <a:t>Find </a:t>
-            </a:r>
-            <a:r>
-              <a:rPr lang="en-US" sz="1800" dirty="0" smtClean="0"/>
-              <a:t>and </a:t>
-            </a:r>
-            <a:r>
-              <a:rPr lang="en-US" sz="1800" dirty="0"/>
-              <a:t>modify '&lt;&gt;' </a:t>
-            </a:r>
-            <a:r>
-              <a:rPr lang="en-US" sz="1800" dirty="0" smtClean="0"/>
-              <a:t>part related to </a:t>
-            </a:r>
-            <a:r>
-              <a:rPr lang="en-US" sz="1800" dirty="0" smtClean="0">
-                <a:solidFill>
-                  <a:srgbClr val="D1282E"/>
-                </a:solidFill>
-              </a:rPr>
-              <a:t>ROS_IP</a:t>
-            </a:r>
-            <a:r>
-              <a:rPr lang="en-US" sz="1800" dirty="0" smtClean="0"/>
-              <a:t> in </a:t>
-            </a:r>
-            <a:r>
-              <a:rPr lang="en-US" sz="1800" dirty="0"/>
-              <a:t>.profile (Scroll down almost to the bottom</a:t>
-            </a:r>
-            <a:r>
-              <a:rPr lang="en-US" sz="1800" dirty="0" smtClean="0"/>
-              <a:t>). The lines in the file .profile look similar to what is shown below:</a:t>
-            </a:r>
-            <a:endParaRPr lang="en-US" sz="1800" dirty="0" smtClean="0"/>
-          </a:p>
-        </p:txBody>
-      </p:sp>
-      <p:sp>
-        <p:nvSpPr>
-          <p:cNvPr id="3" name="TextBox 2"/>
-          <p:cNvSpPr txBox="1"/>
-          <p:nvPr/>
-        </p:nvSpPr>
-        <p:spPr>
-          <a:xfrm>
-            <a:off x="457200" y="6007364"/>
-            <a:ext cx="184666" cy="369332"/>
-          </a:xfrm>
-          <a:prstGeom prst="rect">
-            <a:avLst/>
-          </a:prstGeom>
-          <a:noFill/>
-        </p:spPr>
-        <p:txBody>
-          <a:bodyPr wrap="none" rtlCol="0">
-            <a:spAutoFit/>
-          </a:bodyPr>
-          <a:lstStyle/>
-          <a:p>
-            <a:endParaRPr lang="en-US" dirty="0"/>
-          </a:p>
-        </p:txBody>
-      </p:sp>
-      <p:sp>
-        <p:nvSpPr>
-          <p:cNvPr id="16" name="TextBox 15"/>
-          <p:cNvSpPr txBox="1"/>
-          <p:nvPr/>
-        </p:nvSpPr>
-        <p:spPr>
-          <a:xfrm>
-            <a:off x="457198" y="5681761"/>
-            <a:ext cx="8383561" cy="830997"/>
-          </a:xfrm>
-          <a:prstGeom prst="rect">
-            <a:avLst/>
-          </a:prstGeom>
-          <a:noFill/>
-        </p:spPr>
-        <p:txBody>
-          <a:bodyPr wrap="square" rtlCol="0">
-            <a:spAutoFit/>
-          </a:bodyPr>
-          <a:lstStyle/>
-          <a:p>
-            <a:r>
-              <a:rPr lang="en-US" sz="1200" dirty="0"/>
-              <a:t>#.. </a:t>
-            </a:r>
-            <a:r>
-              <a:rPr lang="en-US" sz="1200" dirty="0" err="1"/>
-              <a:t>bla</a:t>
-            </a:r>
-            <a:r>
-              <a:rPr lang="en-US" sz="1200" dirty="0"/>
+              <a:rPr lang="en-US" b="0" dirty="0" smtClean="0">
+                <a:latin typeface="Calibri" charset="0"/>
+                <a:ea typeface="Calibri" charset="0"/>
+                <a:cs typeface="Calibri" charset="0"/>
+              </a:rPr>
+              <a:t>Once inside .profile</a:t>
+            </a:r>
+          </a:p>
+          <a:p>
+            <a:pPr marL="742950" lvl="1" indent="-285750">
+              <a:buFont typeface="Arial"/>
+              <a:buChar char="•"/>
+            </a:pPr>
+            <a:r>
+              <a:rPr lang="en-US" dirty="0" smtClean="0">
+                <a:latin typeface="Calibri" charset="0"/>
+                <a:ea typeface="Calibri" charset="0"/>
+                <a:cs typeface="Calibri" charset="0"/>
+              </a:rPr>
+              <a:t>Change ROS_MASTER_IP as the IP address of your workstation. T</a:t>
+            </a:r>
+            <a:r>
+              <a:rPr lang="en-US" b="0" dirty="0" smtClean="0">
+                <a:latin typeface="Calibri" charset="0"/>
+                <a:ea typeface="Calibri" charset="0"/>
+                <a:cs typeface="Calibri" charset="0"/>
+              </a:rPr>
+              <a:t>o check the IP address of your workstation open a new </a:t>
+            </a:r>
+            <a:r>
+              <a:rPr lang="en-US" dirty="0">
+                <a:latin typeface="Calibri" charset="0"/>
+                <a:ea typeface="Calibri" charset="0"/>
+                <a:cs typeface="Calibri" charset="0"/>
+              </a:rPr>
+              <a:t>terminal window and  type </a:t>
+            </a:r>
+            <a:r>
+              <a:rPr lang="en-US" dirty="0" smtClean="0">
+                <a:latin typeface="Calibri" charset="0"/>
+                <a:ea typeface="Calibri" charset="0"/>
+                <a:cs typeface="Calibri" charset="0"/>
+              </a:rPr>
+              <a:t>in:</a:t>
+            </a:r>
+            <a:endParaRPr lang="en-US" b="0" dirty="0" smtClean="0">
+              <a:latin typeface="Calibri" charset="0"/>
+              <a:ea typeface="Calibri" charset="0"/>
+              <a:cs typeface="Calibri" charset="0"/>
+            </a:endParaRPr>
+          </a:p>
+          <a:p>
+            <a:pPr lvl="1" indent="0">
+              <a:buNone/>
+            </a:pPr>
+            <a:r>
+              <a:rPr lang="en-US" sz="1600" dirty="0">
+                <a:latin typeface="Apple Symbols" charset="0"/>
+                <a:ea typeface="Apple Symbols" charset="0"/>
+                <a:cs typeface="Apple Symbols" charset="0"/>
+              </a:rPr>
               <a:t> </a:t>
             </a:r>
             <a:r>
-              <a:rPr lang="en-US" sz="1200" dirty="0" err="1"/>
-              <a:t>bla</a:t>
-            </a:r>
-            <a:r>
-              <a:rPr lang="en-US" sz="1200" dirty="0"/>
-              <a:t> </a:t>
-            </a:r>
-            <a:r>
-              <a:rPr lang="en-US" sz="1200" dirty="0" smtClean="0">
-                <a:solidFill>
-                  <a:srgbClr val="D1282E"/>
-                </a:solidFill>
-              </a:rPr>
-              <a:t>(line simply for your reference)</a:t>
-            </a:r>
-            <a:endParaRPr lang="en-US" sz="1200" dirty="0">
-              <a:solidFill>
-                <a:srgbClr val="D1282E"/>
-              </a:solidFill>
-            </a:endParaRPr>
-          </a:p>
-          <a:p>
-            <a:r>
-              <a:rPr lang="en-US" sz="1200" dirty="0" smtClean="0"/>
-              <a:t>#</a:t>
-            </a:r>
-            <a:r>
-              <a:rPr lang="en-US" sz="1200" dirty="0"/>
-              <a:t>.. </a:t>
-            </a:r>
-            <a:r>
-              <a:rPr lang="en-US" sz="1200" dirty="0" err="1"/>
-              <a:t>bla</a:t>
-            </a:r>
-            <a:r>
-              <a:rPr lang="en-US" sz="1200" dirty="0"/>
-              <a:t> </a:t>
-            </a:r>
-            <a:r>
-              <a:rPr lang="en-US" sz="1200" dirty="0" err="1"/>
-              <a:t>bla</a:t>
-            </a:r>
-            <a:r>
-              <a:rPr lang="en-US" sz="1200" dirty="0"/>
-              <a:t> </a:t>
-            </a:r>
-            <a:r>
-              <a:rPr lang="en-US" sz="1200" dirty="0">
-                <a:solidFill>
-                  <a:srgbClr val="D1282E"/>
-                </a:solidFill>
-              </a:rPr>
-              <a:t>(line simply for your reference)</a:t>
-            </a:r>
-          </a:p>
-          <a:p>
-            <a:r>
-              <a:rPr lang="en-US" sz="1200" dirty="0" smtClean="0"/>
-              <a:t>#</a:t>
-            </a:r>
-            <a:r>
-              <a:rPr lang="en-US" sz="1200" dirty="0"/>
-              <a:t>.. </a:t>
-            </a:r>
-            <a:r>
-              <a:rPr lang="en-US" sz="1200" dirty="0" err="1"/>
-              <a:t>bla</a:t>
-            </a:r>
-            <a:r>
-              <a:rPr lang="en-US" sz="1200" dirty="0"/>
-              <a:t> </a:t>
-            </a:r>
-            <a:r>
-              <a:rPr lang="en-US" sz="1200" dirty="0" err="1"/>
-              <a:t>bla</a:t>
-            </a:r>
-            <a:r>
-              <a:rPr lang="en-US" sz="1200" dirty="0"/>
-              <a:t> </a:t>
-            </a:r>
-            <a:r>
-              <a:rPr lang="en-US" sz="1200" dirty="0">
-                <a:solidFill>
-                  <a:srgbClr val="D1282E"/>
-                </a:solidFill>
-              </a:rPr>
-              <a:t>(line simply for your reference)</a:t>
-            </a:r>
-          </a:p>
-          <a:p>
-            <a:r>
-              <a:rPr lang="en-US" sz="1200" dirty="0" smtClean="0"/>
-              <a:t>ROS_IP</a:t>
-            </a:r>
-            <a:r>
-              <a:rPr lang="en-US" sz="1200" dirty="0"/>
-              <a:t>=&lt;</a:t>
-            </a:r>
-            <a:r>
-              <a:rPr lang="en-US" sz="1200" dirty="0" err="1"/>
-              <a:t>Put_Here_Static_IP</a:t>
-            </a:r>
-            <a:r>
-              <a:rPr lang="en-US" sz="1200" dirty="0"/>
-              <a:t>_(</a:t>
-            </a:r>
-            <a:r>
-              <a:rPr lang="en-US" sz="1200" dirty="0" err="1"/>
-              <a:t>OfYourWorkstation</a:t>
-            </a:r>
-            <a:r>
-              <a:rPr lang="en-US" sz="1200" dirty="0"/>
-              <a:t>)_</a:t>
-            </a:r>
-            <a:r>
-              <a:rPr lang="en-US" sz="1200" dirty="0" err="1"/>
-              <a:t>ForConnectingWith_ROS_Master</a:t>
-            </a:r>
-            <a:r>
-              <a:rPr lang="en-US" sz="1200" dirty="0"/>
-              <a:t>&gt; </a:t>
-            </a:r>
-            <a:r>
-              <a:rPr lang="en-US" sz="1200" dirty="0">
-                <a:solidFill>
-                  <a:srgbClr val="D1282E"/>
-                </a:solidFill>
-              </a:rPr>
-              <a:t>(the main line to modify)</a:t>
-            </a:r>
-            <a:endParaRPr lang="en-US" sz="1200" dirty="0" smtClean="0">
-              <a:solidFill>
-                <a:srgbClr val="D1282E"/>
-              </a:solidFill>
+              <a:rPr lang="en-US" sz="1600" dirty="0" smtClean="0">
+                <a:latin typeface="Apple Symbols" charset="0"/>
+                <a:ea typeface="Apple Symbols" charset="0"/>
+                <a:cs typeface="Apple Symbols" charset="0"/>
+              </a:rPr>
+              <a:t>   $ </a:t>
+            </a:r>
+            <a:r>
+              <a:rPr lang="pt-BR" sz="1600" dirty="0" err="1" smtClean="0">
+                <a:latin typeface="Apple Symbols" charset="0"/>
+                <a:ea typeface="Apple Symbols" charset="0"/>
+                <a:cs typeface="Apple Symbols" charset="0"/>
+              </a:rPr>
+              <a:t>ifconfig</a:t>
+            </a:r>
+            <a:endParaRPr lang="en-US" b="0" dirty="0" smtClean="0">
+              <a:latin typeface="Calibri" charset="0"/>
+              <a:ea typeface="Calibri" charset="0"/>
+              <a:cs typeface="Calibri" charset="0"/>
             </a:endParaRPr>
           </a:p>
         </p:txBody>

--- a/MIRO_setup.pptx
+++ b/MIRO_setup.pptx
@@ -8155,7 +8155,47 @@
                 <a:ea typeface="Apple Symbols" charset="0"/>
                 <a:cs typeface="Apple Symbols" charset="0"/>
               </a:rPr>
-              <a:t>ln -s ~/lib/mdk-170906 ~/mdk </a:t>
+              <a:t>ln -s ~/</a:t>
+            </a:r>
+            <a:r>
+              <a:rPr lang="mr-IN" sz="1600" dirty="0" err="1" smtClean="0">
+                <a:latin typeface="Apple Symbols" charset="0"/>
+                <a:ea typeface="Apple Symbols" charset="0"/>
+                <a:cs typeface="Apple Symbols" charset="0"/>
+              </a:rPr>
+              <a:t>lib</a:t>
+            </a:r>
+            <a:r>
+              <a:rPr lang="mr-IN" sz="1600" dirty="0" smtClean="0">
+                <a:latin typeface="Apple Symbols" charset="0"/>
+                <a:ea typeface="Apple Symbols" charset="0"/>
+                <a:cs typeface="Apple Symbols" charset="0"/>
+              </a:rPr>
+              <a:t>/mdk-1</a:t>
+            </a:r>
+            <a:r>
+              <a:rPr lang="en-US" sz="1600" smtClean="0">
+                <a:latin typeface="Apple Symbols" charset="0"/>
+                <a:ea typeface="Apple Symbols" charset="0"/>
+                <a:cs typeface="Apple Symbols" charset="0"/>
+              </a:rPr>
+              <a:t>80509</a:t>
+            </a:r>
+            <a:r>
+              <a:rPr lang="mr-IN" sz="1600" smtClean="0">
+                <a:latin typeface="Apple Symbols" charset="0"/>
+                <a:ea typeface="Apple Symbols" charset="0"/>
+                <a:cs typeface="Apple Symbols" charset="0"/>
+              </a:rPr>
+              <a:t> </a:t>
+            </a:r>
+            <a:r>
+              <a:rPr lang="mr-IN" sz="1600" dirty="0">
+                <a:latin typeface="Apple Symbols" charset="0"/>
+                <a:ea typeface="Apple Symbols" charset="0"/>
+                <a:cs typeface="Apple Symbols" charset="0"/>
+              </a:rPr>
+              <a:t>~/mdk </a:t>
             </a:r>
             <a:endParaRPr lang="en-US" sz="1600" dirty="0" smtClean="0">
               <a:latin typeface="Apple Symbols" charset="0"/>

--- a/MIRO_setup.pptx
+++ b/MIRO_setup.pptx
@@ -12,12 +12,13 @@
     <p:sldId id="258" r:id="rId6"/>
     <p:sldId id="259" r:id="rId7"/>
     <p:sldId id="260" r:id="rId8"/>
-    <p:sldId id="261" r:id="rId9"/>
-    <p:sldId id="264" r:id="rId10"/>
-    <p:sldId id="265" r:id="rId11"/>
-    <p:sldId id="266" r:id="rId12"/>
-    <p:sldId id="267" r:id="rId13"/>
-    <p:sldId id="268" r:id="rId14"/>
+    <p:sldId id="271" r:id="rId9"/>
+    <p:sldId id="261" r:id="rId10"/>
+    <p:sldId id="264" r:id="rId11"/>
+    <p:sldId id="265" r:id="rId12"/>
+    <p:sldId id="266" r:id="rId13"/>
+    <p:sldId id="267" r:id="rId14"/>
+    <p:sldId id="268" r:id="rId15"/>
   </p:sldIdLst>
   <p:sldSz cx="9144000" cy="6858000" type="screen4x3"/>
   <p:notesSz cx="6858000" cy="9144000"/>
@@ -329,7 +330,7 @@
             <a:fld id="{451DEABC-D766-4322-8E78-B830FAE35C72}" type="datetime4">
               <a:rPr lang="en-US" smtClean="0"/>
               <a:pPr/>
-              <a:t>November 6, 2018</a:t>
+              <a:t>November 7, 2018</a:t>
             </a:fld>
             <a:endParaRPr lang="en-US" dirty="0"/>
           </a:p>
@@ -596,7 +597,7 @@
             <a:fld id="{F3131F9E-604E-4343-9F29-EF72E8231CAD}" type="datetime4">
               <a:rPr lang="en-US" smtClean="0"/>
               <a:pPr/>
-              <a:t>November 6, 2018</a:t>
+              <a:t>November 7, 2018</a:t>
             </a:fld>
             <a:endParaRPr lang="en-US"/>
           </a:p>
@@ -773,7 +774,7 @@
             <a:fld id="{34A8E1CE-37F8-4102-8DF9-852A0A51F293}" type="datetime4">
               <a:rPr lang="en-US" smtClean="0"/>
               <a:pPr/>
-              <a:t>November 6, 2018</a:t>
+              <a:t>November 7, 2018</a:t>
             </a:fld>
             <a:endParaRPr lang="en-US"/>
           </a:p>
@@ -940,7 +941,7 @@
             <a:fld id="{93333F43-3E86-47E4-BFBB-2476D384E1C6}" type="datetime4">
               <a:rPr lang="en-US" smtClean="0"/>
               <a:pPr/>
-              <a:t>November 6, 2018</a:t>
+              <a:t>November 7, 2018</a:t>
             </a:fld>
             <a:endParaRPr lang="en-US"/>
           </a:p>
@@ -1191,7 +1192,7 @@
             <a:fld id="{751663BA-01FC-4367-B6F3-ABB2645D55F1}" type="datetime4">
               <a:rPr lang="en-US" smtClean="0"/>
               <a:pPr/>
-              <a:t>November 6, 2018</a:t>
+              <a:t>November 7, 2018</a:t>
             </a:fld>
             <a:endParaRPr lang="en-US" dirty="0"/>
           </a:p>
@@ -1476,7 +1477,7 @@
             <a:fld id="{79B19C71-EC74-44AF-B27E-FC7DC3C3A61D}" type="datetime4">
               <a:rPr lang="en-US" smtClean="0"/>
               <a:pPr/>
-              <a:t>November 6, 2018</a:t>
+              <a:t>November 7, 2018</a:t>
             </a:fld>
             <a:endParaRPr lang="en-US"/>
           </a:p>
@@ -1917,7 +1918,7 @@
             <a:fld id="{6A5CDA29-3CBE-48EA-92AE-A996835462BA}" type="datetime4">
               <a:rPr lang="en-US" smtClean="0"/>
               <a:pPr/>
-              <a:t>November 6, 2018</a:t>
+              <a:t>November 7, 2018</a:t>
             </a:fld>
             <a:endParaRPr lang="en-US"/>
           </a:p>
@@ -2032,7 +2033,7 @@
             <a:fld id="{E29EC054-3869-4501-B163-1BBFDE8DCE04}" type="datetime4">
               <a:rPr lang="en-US" smtClean="0"/>
               <a:pPr/>
-              <a:t>November 6, 2018</a:t>
+              <a:t>November 7, 2018</a:t>
             </a:fld>
             <a:endParaRPr lang="en-US"/>
           </a:p>
@@ -2124,7 +2125,7 @@
             <a:fld id="{0A63D831-56C1-49CF-8EF7-8B9A98402BCD}" type="datetime4">
               <a:rPr lang="en-US" smtClean="0"/>
               <a:pPr/>
-              <a:t>November 6, 2018</a:t>
+              <a:t>November 7, 2018</a:t>
             </a:fld>
             <a:endParaRPr lang="en-US"/>
           </a:p>
@@ -2368,7 +2369,7 @@
             <a:fld id="{6EAD5615-7F4F-4584-84D5-CC95918C321F}" type="datetime4">
               <a:rPr lang="en-US" smtClean="0"/>
               <a:pPr/>
-              <a:t>November 6, 2018</a:t>
+              <a:t>November 7, 2018</a:t>
             </a:fld>
             <a:endParaRPr lang="en-US"/>
           </a:p>
@@ -2664,7 +2665,7 @@
             <a:fld id="{76EEA923-9BEE-48CE-9F28-5B525F399BAD}" type="datetime4">
               <a:rPr lang="en-US" smtClean="0"/>
               <a:pPr/>
-              <a:t>November 6, 2018</a:t>
+              <a:t>November 7, 2018</a:t>
             </a:fld>
             <a:endParaRPr lang="en-US"/>
           </a:p>
@@ -2960,7 +2961,7 @@
             <a:fld id="{17D0EFEE-2756-4A20-BF2A-63F0A94F99AC}" type="datetime4">
               <a:rPr lang="en-US" smtClean="0"/>
               <a:pPr/>
-              <a:t>November 6, 2018</a:t>
+              <a:t>November 7, 2018</a:t>
             </a:fld>
             <a:endParaRPr lang="en-US" dirty="0"/>
           </a:p>
@@ -3566,7 +3567,7 @@
           <p:cNvPr id="8" name="Picture 7">
             <a:extLst>
               <a:ext uri="{FF2B5EF4-FFF2-40B4-BE49-F238E27FC236}">
-                <a16:creationId xmlns="" xmlns:a16="http://schemas.microsoft.com/office/drawing/2014/main" id="{0672F0F0-8A82-EC43-97DA-29D5ECDC6BA7}"/>
+                <a16:creationId xmlns:a16="http://schemas.microsoft.com/office/drawing/2014/main" xmlns="" id="{0672F0F0-8A82-EC43-97DA-29D5ECDC6BA7}"/>
               </a:ext>
             </a:extLst>
           </p:cNvPr>
@@ -3596,7 +3597,7 @@
           <p:cNvPr id="9" name="Picture 8">
             <a:extLst>
               <a:ext uri="{FF2B5EF4-FFF2-40B4-BE49-F238E27FC236}">
-                <a16:creationId xmlns="" xmlns:a16="http://schemas.microsoft.com/office/drawing/2014/main" id="{5612A9FE-633F-B34E-9178-6D5B33E34C3C}"/>
+                <a16:creationId xmlns:a16="http://schemas.microsoft.com/office/drawing/2014/main" xmlns="" id="{5612A9FE-633F-B34E-9178-6D5B33E34C3C}"/>
               </a:ext>
             </a:extLst>
           </p:cNvPr>
@@ -3676,6 +3677,1406 @@
 </file>
 
 <file path=ppt/slides/slide10.xml><?xml version="1.0" encoding="utf-8"?>
+<p:sld xmlns:a="http://schemas.openxmlformats.org/drawingml/2006/main" xmlns:r="http://schemas.openxmlformats.org/officeDocument/2006/relationships" xmlns:p="http://schemas.openxmlformats.org/presentationml/2006/main">
+  <p:cSld>
+    <p:spTree>
+      <p:nvGrpSpPr>
+        <p:cNvPr id="1" name=""/>
+        <p:cNvGrpSpPr/>
+        <p:nvPr/>
+      </p:nvGrpSpPr>
+      <p:grpSpPr>
+        <a:xfrm>
+          <a:off x="0" y="0"/>
+          <a:ext cx="0" cy="0"/>
+          <a:chOff x="0" y="0"/>
+          <a:chExt cx="0" cy="0"/>
+        </a:xfrm>
+      </p:grpSpPr>
+      <p:sp>
+        <p:nvSpPr>
+          <p:cNvPr id="6" name="Content Placeholder 3"/>
+          <p:cNvSpPr txBox="1">
+            <a:spLocks/>
+          </p:cNvSpPr>
+          <p:nvPr/>
+        </p:nvSpPr>
+        <p:spPr>
+          <a:xfrm>
+            <a:off x="457195" y="2484832"/>
+            <a:ext cx="7620000" cy="577826"/>
+          </a:xfrm>
+          <a:prstGeom prst="rect">
+            <a:avLst/>
+          </a:prstGeom>
+        </p:spPr>
+        <p:txBody>
+          <a:bodyPr vert="horz" lIns="91440" tIns="45720" rIns="91440" bIns="45720" rtlCol="0">
+            <a:normAutofit/>
+          </a:bodyPr>
+          <a:lstStyle>
+            <a:lvl1pPr marL="0" indent="0" algn="l" defTabSz="914400" rtl="0" eaLnBrk="1" latinLnBrk="0" hangingPunct="1">
+              <a:spcBef>
+                <a:spcPct val="20000"/>
+              </a:spcBef>
+              <a:spcAft>
+                <a:spcPts val="600"/>
+              </a:spcAft>
+              <a:buFont typeface="Arial" pitchFamily="34" charset="0"/>
+              <a:buNone/>
+              <a:defRPr sz="2000" b="1" kern="1200">
+                <a:solidFill>
+                  <a:schemeClr val="tx1"/>
+                </a:solidFill>
+                <a:latin typeface="+mn-lt"/>
+                <a:ea typeface="+mn-ea"/>
+                <a:cs typeface="+mn-cs"/>
+              </a:defRPr>
+            </a:lvl1pPr>
+            <a:lvl2pPr marL="457200" indent="-182880" algn="l" defTabSz="914400" rtl="0" eaLnBrk="1" latinLnBrk="0" hangingPunct="1">
+              <a:spcBef>
+                <a:spcPct val="20000"/>
+              </a:spcBef>
+              <a:buClr>
+                <a:schemeClr val="tx2"/>
+              </a:buClr>
+              <a:buFont typeface="Arial" pitchFamily="34" charset="0"/>
+              <a:buChar char="•"/>
+              <a:defRPr sz="2000" kern="1200">
+                <a:solidFill>
+                  <a:schemeClr val="tx1"/>
+                </a:solidFill>
+                <a:latin typeface="+mn-lt"/>
+                <a:ea typeface="+mn-ea"/>
+                <a:cs typeface="+mn-cs"/>
+              </a:defRPr>
+            </a:lvl2pPr>
+            <a:lvl3pPr marL="1143000" indent="-228600" algn="l" defTabSz="914400" rtl="0" eaLnBrk="1" latinLnBrk="0" hangingPunct="1">
+              <a:spcBef>
+                <a:spcPct val="20000"/>
+              </a:spcBef>
+              <a:buClr>
+                <a:schemeClr val="tx2"/>
+              </a:buClr>
+              <a:buFont typeface="Arial" pitchFamily="34" charset="0"/>
+              <a:buChar char="•"/>
+              <a:defRPr sz="1800" kern="1200">
+                <a:solidFill>
+                  <a:schemeClr val="tx1"/>
+                </a:solidFill>
+                <a:latin typeface="+mn-lt"/>
+                <a:ea typeface="+mn-ea"/>
+                <a:cs typeface="+mn-cs"/>
+              </a:defRPr>
+            </a:lvl3pPr>
+            <a:lvl4pPr marL="1600200" indent="-228600" algn="l" defTabSz="914400" rtl="0" eaLnBrk="1" latinLnBrk="0" hangingPunct="1">
+              <a:spcBef>
+                <a:spcPct val="20000"/>
+              </a:spcBef>
+              <a:buClr>
+                <a:schemeClr val="tx2"/>
+              </a:buClr>
+              <a:buFont typeface="Arial" pitchFamily="34" charset="0"/>
+              <a:buChar char="•"/>
+              <a:defRPr sz="1800" kern="1200">
+                <a:solidFill>
+                  <a:schemeClr val="tx1"/>
+                </a:solidFill>
+                <a:latin typeface="+mn-lt"/>
+                <a:ea typeface="+mn-ea"/>
+                <a:cs typeface="+mn-cs"/>
+              </a:defRPr>
+            </a:lvl4pPr>
+            <a:lvl5pPr marL="2057400" indent="-228600" algn="l" defTabSz="914400" rtl="0" eaLnBrk="1" latinLnBrk="0" hangingPunct="1">
+              <a:spcBef>
+                <a:spcPct val="20000"/>
+              </a:spcBef>
+              <a:buClr>
+                <a:schemeClr val="tx2"/>
+              </a:buClr>
+              <a:buFont typeface="Arial" pitchFamily="34" charset="0"/>
+              <a:buChar char="•"/>
+              <a:defRPr sz="1800" kern="1200" baseline="0">
+                <a:solidFill>
+                  <a:schemeClr val="tx1"/>
+                </a:solidFill>
+                <a:latin typeface="+mn-lt"/>
+                <a:ea typeface="+mn-ea"/>
+                <a:cs typeface="+mn-cs"/>
+              </a:defRPr>
+            </a:lvl5pPr>
+            <a:lvl6pPr marL="2514600" indent="-228600" algn="l" defTabSz="914400" rtl="0" eaLnBrk="1" latinLnBrk="0" hangingPunct="1">
+              <a:spcBef>
+                <a:spcPct val="20000"/>
+              </a:spcBef>
+              <a:buClr>
+                <a:schemeClr val="tx2"/>
+              </a:buClr>
+              <a:buFont typeface="Arial" pitchFamily="34" charset="0"/>
+              <a:buChar char="•"/>
+              <a:defRPr sz="1600" kern="1200">
+                <a:solidFill>
+                  <a:schemeClr val="tx1"/>
+                </a:solidFill>
+                <a:latin typeface="+mn-lt"/>
+                <a:ea typeface="+mn-ea"/>
+                <a:cs typeface="+mn-cs"/>
+              </a:defRPr>
+            </a:lvl6pPr>
+            <a:lvl7pPr marL="2971800" indent="-228600" algn="l" defTabSz="914400" rtl="0" eaLnBrk="1" latinLnBrk="0" hangingPunct="1">
+              <a:spcBef>
+                <a:spcPct val="20000"/>
+              </a:spcBef>
+              <a:buClr>
+                <a:schemeClr val="tx2"/>
+              </a:buClr>
+              <a:buFont typeface="Arial" pitchFamily="34" charset="0"/>
+              <a:buChar char="•"/>
+              <a:defRPr sz="1600" kern="1200">
+                <a:solidFill>
+                  <a:schemeClr val="tx1"/>
+                </a:solidFill>
+                <a:latin typeface="+mn-lt"/>
+                <a:ea typeface="+mn-ea"/>
+                <a:cs typeface="+mn-cs"/>
+              </a:defRPr>
+            </a:lvl7pPr>
+            <a:lvl8pPr marL="3429000" indent="-228600" algn="l" defTabSz="914400" rtl="0" eaLnBrk="1" latinLnBrk="0" hangingPunct="1">
+              <a:spcBef>
+                <a:spcPct val="20000"/>
+              </a:spcBef>
+              <a:buClr>
+                <a:schemeClr val="tx2"/>
+              </a:buClr>
+              <a:buFont typeface="Arial" pitchFamily="34" charset="0"/>
+              <a:buChar char="•"/>
+              <a:defRPr sz="1600" kern="1200">
+                <a:solidFill>
+                  <a:schemeClr val="tx1"/>
+                </a:solidFill>
+                <a:latin typeface="+mn-lt"/>
+                <a:ea typeface="+mn-ea"/>
+                <a:cs typeface="+mn-cs"/>
+              </a:defRPr>
+            </a:lvl8pPr>
+            <a:lvl9pPr marL="3886200" indent="-228600" algn="l" defTabSz="914400" rtl="0" eaLnBrk="1" latinLnBrk="0" hangingPunct="1">
+              <a:spcBef>
+                <a:spcPct val="20000"/>
+              </a:spcBef>
+              <a:buClr>
+                <a:schemeClr val="tx2"/>
+              </a:buClr>
+              <a:buFont typeface="Arial" pitchFamily="34" charset="0"/>
+              <a:buChar char="•"/>
+              <a:defRPr sz="1600" kern="1200">
+                <a:solidFill>
+                  <a:schemeClr val="tx1"/>
+                </a:solidFill>
+                <a:latin typeface="+mn-lt"/>
+                <a:ea typeface="+mn-ea"/>
+                <a:cs typeface="+mn-cs"/>
+              </a:defRPr>
+            </a:lvl9pPr>
+          </a:lstStyle>
+          <a:p>
+            <a:pPr marL="285750" indent="-285750">
+              <a:buFont typeface="Arial"/>
+              <a:buChar char="•"/>
+            </a:pPr>
+            <a:r>
+              <a:rPr lang="en-US" b="0" dirty="0" smtClean="0">
+                <a:latin typeface="Calibri" charset="0"/>
+                <a:ea typeface="Calibri" charset="0"/>
+                <a:cs typeface="Calibri" charset="0"/>
+              </a:rPr>
+              <a:t>In your workstation: open a new terminal window and type in:</a:t>
+            </a:r>
+          </a:p>
+        </p:txBody>
+      </p:sp>
+      <p:sp>
+        <p:nvSpPr>
+          <p:cNvPr id="7" name="TextBox 6"/>
+          <p:cNvSpPr txBox="1"/>
+          <p:nvPr/>
+        </p:nvSpPr>
+        <p:spPr>
+          <a:xfrm>
+            <a:off x="771629" y="2771877"/>
+            <a:ext cx="5124898" cy="338554"/>
+          </a:xfrm>
+          <a:prstGeom prst="rect">
+            <a:avLst/>
+          </a:prstGeom>
+          <a:noFill/>
+        </p:spPr>
+        <p:txBody>
+          <a:bodyPr wrap="square" rtlCol="0">
+            <a:spAutoFit/>
+          </a:bodyPr>
+          <a:lstStyle/>
+          <a:p>
+            <a:r>
+              <a:rPr lang="en-US" sz="1600" dirty="0" smtClean="0">
+                <a:latin typeface="Apple Symbols" charset="0"/>
+                <a:ea typeface="Apple Symbols" charset="0"/>
+                <a:cs typeface="Apple Symbols" charset="0"/>
+              </a:rPr>
+              <a:t>$ </a:t>
+            </a:r>
+            <a:r>
+              <a:rPr lang="en-US" sz="1600" dirty="0" err="1">
+                <a:latin typeface="Apple Symbols" charset="0"/>
+                <a:ea typeface="Apple Symbols" charset="0"/>
+                <a:cs typeface="Apple Symbols" charset="0"/>
+              </a:rPr>
+              <a:t>ssh</a:t>
+            </a:r>
+            <a:r>
+              <a:rPr lang="en-US" sz="1600" dirty="0">
+                <a:latin typeface="Apple Symbols" charset="0"/>
+                <a:ea typeface="Apple Symbols" charset="0"/>
+                <a:cs typeface="Apple Symbols" charset="0"/>
+              </a:rPr>
+              <a:t> root@&lt;</a:t>
+            </a:r>
+            <a:r>
+              <a:rPr lang="en-US" sz="1600" dirty="0" err="1">
+                <a:latin typeface="Apple Symbols" charset="0"/>
+                <a:ea typeface="Apple Symbols" charset="0"/>
+                <a:cs typeface="Apple Symbols" charset="0"/>
+              </a:rPr>
+              <a:t>Put_Here_IP_Of_MIRO_Found_In_Android_App</a:t>
+            </a:r>
+            <a:r>
+              <a:rPr lang="en-US" sz="1600" dirty="0">
+                <a:latin typeface="Apple Symbols" charset="0"/>
+                <a:ea typeface="Apple Symbols" charset="0"/>
+                <a:cs typeface="Apple Symbols" charset="0"/>
+              </a:rPr>
+              <a:t>&gt;</a:t>
+            </a:r>
+            <a:endParaRPr lang="en-US" sz="1600" dirty="0" smtClean="0">
+              <a:latin typeface="Apple Symbols" charset="0"/>
+              <a:ea typeface="Apple Symbols" charset="0"/>
+              <a:cs typeface="Apple Symbols" charset="0"/>
+            </a:endParaRPr>
+          </a:p>
+        </p:txBody>
+      </p:sp>
+      <p:sp>
+        <p:nvSpPr>
+          <p:cNvPr id="8" name="Content Placeholder 3"/>
+          <p:cNvSpPr txBox="1">
+            <a:spLocks/>
+          </p:cNvSpPr>
+          <p:nvPr/>
+        </p:nvSpPr>
+        <p:spPr>
+          <a:xfrm>
+            <a:off x="457195" y="2175508"/>
+            <a:ext cx="7620000" cy="358164"/>
+          </a:xfrm>
+          <a:prstGeom prst="rect">
+            <a:avLst/>
+          </a:prstGeom>
+        </p:spPr>
+        <p:txBody>
+          <a:bodyPr vert="horz" lIns="91440" tIns="45720" rIns="91440" bIns="45720" rtlCol="0">
+            <a:normAutofit fontScale="92500" lnSpcReduction="10000"/>
+          </a:bodyPr>
+          <a:lstStyle>
+            <a:lvl1pPr marL="0" indent="0" algn="l" defTabSz="914400" rtl="0" eaLnBrk="1" latinLnBrk="0" hangingPunct="1">
+              <a:spcBef>
+                <a:spcPct val="20000"/>
+              </a:spcBef>
+              <a:spcAft>
+                <a:spcPts val="600"/>
+              </a:spcAft>
+              <a:buFont typeface="Arial" pitchFamily="34" charset="0"/>
+              <a:buNone/>
+              <a:defRPr sz="2000" b="1" kern="1200">
+                <a:solidFill>
+                  <a:schemeClr val="tx1"/>
+                </a:solidFill>
+                <a:latin typeface="+mn-lt"/>
+                <a:ea typeface="+mn-ea"/>
+                <a:cs typeface="+mn-cs"/>
+              </a:defRPr>
+            </a:lvl1pPr>
+            <a:lvl2pPr marL="457200" indent="-182880" algn="l" defTabSz="914400" rtl="0" eaLnBrk="1" latinLnBrk="0" hangingPunct="1">
+              <a:spcBef>
+                <a:spcPct val="20000"/>
+              </a:spcBef>
+              <a:buClr>
+                <a:schemeClr val="tx2"/>
+              </a:buClr>
+              <a:buFont typeface="Arial" pitchFamily="34" charset="0"/>
+              <a:buChar char="•"/>
+              <a:defRPr sz="2000" kern="1200">
+                <a:solidFill>
+                  <a:schemeClr val="tx1"/>
+                </a:solidFill>
+                <a:latin typeface="+mn-lt"/>
+                <a:ea typeface="+mn-ea"/>
+                <a:cs typeface="+mn-cs"/>
+              </a:defRPr>
+            </a:lvl2pPr>
+            <a:lvl3pPr marL="1143000" indent="-228600" algn="l" defTabSz="914400" rtl="0" eaLnBrk="1" latinLnBrk="0" hangingPunct="1">
+              <a:spcBef>
+                <a:spcPct val="20000"/>
+              </a:spcBef>
+              <a:buClr>
+                <a:schemeClr val="tx2"/>
+              </a:buClr>
+              <a:buFont typeface="Arial" pitchFamily="34" charset="0"/>
+              <a:buChar char="•"/>
+              <a:defRPr sz="1800" kern="1200">
+                <a:solidFill>
+                  <a:schemeClr val="tx1"/>
+                </a:solidFill>
+                <a:latin typeface="+mn-lt"/>
+                <a:ea typeface="+mn-ea"/>
+                <a:cs typeface="+mn-cs"/>
+              </a:defRPr>
+            </a:lvl3pPr>
+            <a:lvl4pPr marL="1600200" indent="-228600" algn="l" defTabSz="914400" rtl="0" eaLnBrk="1" latinLnBrk="0" hangingPunct="1">
+              <a:spcBef>
+                <a:spcPct val="20000"/>
+              </a:spcBef>
+              <a:buClr>
+                <a:schemeClr val="tx2"/>
+              </a:buClr>
+              <a:buFont typeface="Arial" pitchFamily="34" charset="0"/>
+              <a:buChar char="•"/>
+              <a:defRPr sz="1800" kern="1200">
+                <a:solidFill>
+                  <a:schemeClr val="tx1"/>
+                </a:solidFill>
+                <a:latin typeface="+mn-lt"/>
+                <a:ea typeface="+mn-ea"/>
+                <a:cs typeface="+mn-cs"/>
+              </a:defRPr>
+            </a:lvl4pPr>
+            <a:lvl5pPr marL="2057400" indent="-228600" algn="l" defTabSz="914400" rtl="0" eaLnBrk="1" latinLnBrk="0" hangingPunct="1">
+              <a:spcBef>
+                <a:spcPct val="20000"/>
+              </a:spcBef>
+              <a:buClr>
+                <a:schemeClr val="tx2"/>
+              </a:buClr>
+              <a:buFont typeface="Arial" pitchFamily="34" charset="0"/>
+              <a:buChar char="•"/>
+              <a:defRPr sz="1800" kern="1200" baseline="0">
+                <a:solidFill>
+                  <a:schemeClr val="tx1"/>
+                </a:solidFill>
+                <a:latin typeface="+mn-lt"/>
+                <a:ea typeface="+mn-ea"/>
+                <a:cs typeface="+mn-cs"/>
+              </a:defRPr>
+            </a:lvl5pPr>
+            <a:lvl6pPr marL="2514600" indent="-228600" algn="l" defTabSz="914400" rtl="0" eaLnBrk="1" latinLnBrk="0" hangingPunct="1">
+              <a:spcBef>
+                <a:spcPct val="20000"/>
+              </a:spcBef>
+              <a:buClr>
+                <a:schemeClr val="tx2"/>
+              </a:buClr>
+              <a:buFont typeface="Arial" pitchFamily="34" charset="0"/>
+              <a:buChar char="•"/>
+              <a:defRPr sz="1600" kern="1200">
+                <a:solidFill>
+                  <a:schemeClr val="tx1"/>
+                </a:solidFill>
+                <a:latin typeface="+mn-lt"/>
+                <a:ea typeface="+mn-ea"/>
+                <a:cs typeface="+mn-cs"/>
+              </a:defRPr>
+            </a:lvl6pPr>
+            <a:lvl7pPr marL="2971800" indent="-228600" algn="l" defTabSz="914400" rtl="0" eaLnBrk="1" latinLnBrk="0" hangingPunct="1">
+              <a:spcBef>
+                <a:spcPct val="20000"/>
+              </a:spcBef>
+              <a:buClr>
+                <a:schemeClr val="tx2"/>
+              </a:buClr>
+              <a:buFont typeface="Arial" pitchFamily="34" charset="0"/>
+              <a:buChar char="•"/>
+              <a:defRPr sz="1600" kern="1200">
+                <a:solidFill>
+                  <a:schemeClr val="tx1"/>
+                </a:solidFill>
+                <a:latin typeface="+mn-lt"/>
+                <a:ea typeface="+mn-ea"/>
+                <a:cs typeface="+mn-cs"/>
+              </a:defRPr>
+            </a:lvl7pPr>
+            <a:lvl8pPr marL="3429000" indent="-228600" algn="l" defTabSz="914400" rtl="0" eaLnBrk="1" latinLnBrk="0" hangingPunct="1">
+              <a:spcBef>
+                <a:spcPct val="20000"/>
+              </a:spcBef>
+              <a:buClr>
+                <a:schemeClr val="tx2"/>
+              </a:buClr>
+              <a:buFont typeface="Arial" pitchFamily="34" charset="0"/>
+              <a:buChar char="•"/>
+              <a:defRPr sz="1600" kern="1200">
+                <a:solidFill>
+                  <a:schemeClr val="tx1"/>
+                </a:solidFill>
+                <a:latin typeface="+mn-lt"/>
+                <a:ea typeface="+mn-ea"/>
+                <a:cs typeface="+mn-cs"/>
+              </a:defRPr>
+            </a:lvl8pPr>
+            <a:lvl9pPr marL="3886200" indent="-228600" algn="l" defTabSz="914400" rtl="0" eaLnBrk="1" latinLnBrk="0" hangingPunct="1">
+              <a:spcBef>
+                <a:spcPct val="20000"/>
+              </a:spcBef>
+              <a:buClr>
+                <a:schemeClr val="tx2"/>
+              </a:buClr>
+              <a:buFont typeface="Arial" pitchFamily="34" charset="0"/>
+              <a:buChar char="•"/>
+              <a:defRPr sz="1600" kern="1200">
+                <a:solidFill>
+                  <a:schemeClr val="tx1"/>
+                </a:solidFill>
+                <a:latin typeface="+mn-lt"/>
+                <a:ea typeface="+mn-ea"/>
+                <a:cs typeface="+mn-cs"/>
+              </a:defRPr>
+            </a:lvl9pPr>
+          </a:lstStyle>
+          <a:p>
+            <a:pPr marL="285750" indent="-285750">
+              <a:buFont typeface="Arial"/>
+              <a:buChar char="•"/>
+            </a:pPr>
+            <a:r>
+              <a:rPr lang="en-US" b="0" dirty="0" smtClean="0">
+                <a:latin typeface="Calibri" charset="0"/>
+                <a:ea typeface="Calibri" charset="0"/>
+                <a:cs typeface="Calibri" charset="0"/>
+              </a:rPr>
+              <a:t>In the smartphone: open the </a:t>
+            </a:r>
+            <a:r>
+              <a:rPr lang="en-US" b="0" dirty="0" err="1" smtClean="0">
+                <a:solidFill>
+                  <a:srgbClr val="D1282E"/>
+                </a:solidFill>
+                <a:latin typeface="Calibri" charset="0"/>
+                <a:ea typeface="Calibri" charset="0"/>
+                <a:cs typeface="Calibri" charset="0"/>
+              </a:rPr>
+              <a:t>MIROapp</a:t>
+            </a:r>
+            <a:r>
+              <a:rPr lang="en-US" b="0" dirty="0" smtClean="0">
+                <a:solidFill>
+                  <a:srgbClr val="D1282E"/>
+                </a:solidFill>
+                <a:latin typeface="Calibri" charset="0"/>
+                <a:ea typeface="Calibri" charset="0"/>
+                <a:cs typeface="Calibri" charset="0"/>
+              </a:rPr>
+              <a:t> </a:t>
+            </a:r>
+            <a:r>
+              <a:rPr lang="en-US" b="0" dirty="0" smtClean="0">
+                <a:latin typeface="Calibri" charset="0"/>
+                <a:ea typeface="Calibri" charset="0"/>
+                <a:cs typeface="Calibri" charset="0"/>
+              </a:rPr>
+              <a:t>and check its </a:t>
+            </a:r>
+            <a:r>
+              <a:rPr lang="en-US" b="0" dirty="0" smtClean="0">
+                <a:solidFill>
+                  <a:srgbClr val="D1282E"/>
+                </a:solidFill>
+                <a:latin typeface="Calibri" charset="0"/>
+                <a:ea typeface="Calibri" charset="0"/>
+                <a:cs typeface="Calibri" charset="0"/>
+              </a:rPr>
+              <a:t>IP address</a:t>
+            </a:r>
+          </a:p>
+        </p:txBody>
+      </p:sp>
+      <p:sp>
+        <p:nvSpPr>
+          <p:cNvPr id="9" name="Content Placeholder 3"/>
+          <p:cNvSpPr txBox="1">
+            <a:spLocks/>
+          </p:cNvSpPr>
+          <p:nvPr/>
+        </p:nvSpPr>
+        <p:spPr>
+          <a:xfrm>
+            <a:off x="457193" y="3083924"/>
+            <a:ext cx="7620000" cy="577826"/>
+          </a:xfrm>
+          <a:prstGeom prst="rect">
+            <a:avLst/>
+          </a:prstGeom>
+        </p:spPr>
+        <p:txBody>
+          <a:bodyPr vert="horz" lIns="91440" tIns="45720" rIns="91440" bIns="45720" rtlCol="0">
+            <a:normAutofit/>
+          </a:bodyPr>
+          <a:lstStyle>
+            <a:lvl1pPr marL="0" indent="0" algn="l" defTabSz="914400" rtl="0" eaLnBrk="1" latinLnBrk="0" hangingPunct="1">
+              <a:spcBef>
+                <a:spcPct val="20000"/>
+              </a:spcBef>
+              <a:spcAft>
+                <a:spcPts val="600"/>
+              </a:spcAft>
+              <a:buFont typeface="Arial" pitchFamily="34" charset="0"/>
+              <a:buNone/>
+              <a:defRPr sz="2000" b="1" kern="1200">
+                <a:solidFill>
+                  <a:schemeClr val="tx1"/>
+                </a:solidFill>
+                <a:latin typeface="+mn-lt"/>
+                <a:ea typeface="+mn-ea"/>
+                <a:cs typeface="+mn-cs"/>
+              </a:defRPr>
+            </a:lvl1pPr>
+            <a:lvl2pPr marL="457200" indent="-182880" algn="l" defTabSz="914400" rtl="0" eaLnBrk="1" latinLnBrk="0" hangingPunct="1">
+              <a:spcBef>
+                <a:spcPct val="20000"/>
+              </a:spcBef>
+              <a:buClr>
+                <a:schemeClr val="tx2"/>
+              </a:buClr>
+              <a:buFont typeface="Arial" pitchFamily="34" charset="0"/>
+              <a:buChar char="•"/>
+              <a:defRPr sz="2000" kern="1200">
+                <a:solidFill>
+                  <a:schemeClr val="tx1"/>
+                </a:solidFill>
+                <a:latin typeface="+mn-lt"/>
+                <a:ea typeface="+mn-ea"/>
+                <a:cs typeface="+mn-cs"/>
+              </a:defRPr>
+            </a:lvl2pPr>
+            <a:lvl3pPr marL="1143000" indent="-228600" algn="l" defTabSz="914400" rtl="0" eaLnBrk="1" latinLnBrk="0" hangingPunct="1">
+              <a:spcBef>
+                <a:spcPct val="20000"/>
+              </a:spcBef>
+              <a:buClr>
+                <a:schemeClr val="tx2"/>
+              </a:buClr>
+              <a:buFont typeface="Arial" pitchFamily="34" charset="0"/>
+              <a:buChar char="•"/>
+              <a:defRPr sz="1800" kern="1200">
+                <a:solidFill>
+                  <a:schemeClr val="tx1"/>
+                </a:solidFill>
+                <a:latin typeface="+mn-lt"/>
+                <a:ea typeface="+mn-ea"/>
+                <a:cs typeface="+mn-cs"/>
+              </a:defRPr>
+            </a:lvl3pPr>
+            <a:lvl4pPr marL="1600200" indent="-228600" algn="l" defTabSz="914400" rtl="0" eaLnBrk="1" latinLnBrk="0" hangingPunct="1">
+              <a:spcBef>
+                <a:spcPct val="20000"/>
+              </a:spcBef>
+              <a:buClr>
+                <a:schemeClr val="tx2"/>
+              </a:buClr>
+              <a:buFont typeface="Arial" pitchFamily="34" charset="0"/>
+              <a:buChar char="•"/>
+              <a:defRPr sz="1800" kern="1200">
+                <a:solidFill>
+                  <a:schemeClr val="tx1"/>
+                </a:solidFill>
+                <a:latin typeface="+mn-lt"/>
+                <a:ea typeface="+mn-ea"/>
+                <a:cs typeface="+mn-cs"/>
+              </a:defRPr>
+            </a:lvl4pPr>
+            <a:lvl5pPr marL="2057400" indent="-228600" algn="l" defTabSz="914400" rtl="0" eaLnBrk="1" latinLnBrk="0" hangingPunct="1">
+              <a:spcBef>
+                <a:spcPct val="20000"/>
+              </a:spcBef>
+              <a:buClr>
+                <a:schemeClr val="tx2"/>
+              </a:buClr>
+              <a:buFont typeface="Arial" pitchFamily="34" charset="0"/>
+              <a:buChar char="•"/>
+              <a:defRPr sz="1800" kern="1200" baseline="0">
+                <a:solidFill>
+                  <a:schemeClr val="tx1"/>
+                </a:solidFill>
+                <a:latin typeface="+mn-lt"/>
+                <a:ea typeface="+mn-ea"/>
+                <a:cs typeface="+mn-cs"/>
+              </a:defRPr>
+            </a:lvl5pPr>
+            <a:lvl6pPr marL="2514600" indent="-228600" algn="l" defTabSz="914400" rtl="0" eaLnBrk="1" latinLnBrk="0" hangingPunct="1">
+              <a:spcBef>
+                <a:spcPct val="20000"/>
+              </a:spcBef>
+              <a:buClr>
+                <a:schemeClr val="tx2"/>
+              </a:buClr>
+              <a:buFont typeface="Arial" pitchFamily="34" charset="0"/>
+              <a:buChar char="•"/>
+              <a:defRPr sz="1600" kern="1200">
+                <a:solidFill>
+                  <a:schemeClr val="tx1"/>
+                </a:solidFill>
+                <a:latin typeface="+mn-lt"/>
+                <a:ea typeface="+mn-ea"/>
+                <a:cs typeface="+mn-cs"/>
+              </a:defRPr>
+            </a:lvl6pPr>
+            <a:lvl7pPr marL="2971800" indent="-228600" algn="l" defTabSz="914400" rtl="0" eaLnBrk="1" latinLnBrk="0" hangingPunct="1">
+              <a:spcBef>
+                <a:spcPct val="20000"/>
+              </a:spcBef>
+              <a:buClr>
+                <a:schemeClr val="tx2"/>
+              </a:buClr>
+              <a:buFont typeface="Arial" pitchFamily="34" charset="0"/>
+              <a:buChar char="•"/>
+              <a:defRPr sz="1600" kern="1200">
+                <a:solidFill>
+                  <a:schemeClr val="tx1"/>
+                </a:solidFill>
+                <a:latin typeface="+mn-lt"/>
+                <a:ea typeface="+mn-ea"/>
+                <a:cs typeface="+mn-cs"/>
+              </a:defRPr>
+            </a:lvl7pPr>
+            <a:lvl8pPr marL="3429000" indent="-228600" algn="l" defTabSz="914400" rtl="0" eaLnBrk="1" latinLnBrk="0" hangingPunct="1">
+              <a:spcBef>
+                <a:spcPct val="20000"/>
+              </a:spcBef>
+              <a:buClr>
+                <a:schemeClr val="tx2"/>
+              </a:buClr>
+              <a:buFont typeface="Arial" pitchFamily="34" charset="0"/>
+              <a:buChar char="•"/>
+              <a:defRPr sz="1600" kern="1200">
+                <a:solidFill>
+                  <a:schemeClr val="tx1"/>
+                </a:solidFill>
+                <a:latin typeface="+mn-lt"/>
+                <a:ea typeface="+mn-ea"/>
+                <a:cs typeface="+mn-cs"/>
+              </a:defRPr>
+            </a:lvl8pPr>
+            <a:lvl9pPr marL="3886200" indent="-228600" algn="l" defTabSz="914400" rtl="0" eaLnBrk="1" latinLnBrk="0" hangingPunct="1">
+              <a:spcBef>
+                <a:spcPct val="20000"/>
+              </a:spcBef>
+              <a:buClr>
+                <a:schemeClr val="tx2"/>
+              </a:buClr>
+              <a:buFont typeface="Arial" pitchFamily="34" charset="0"/>
+              <a:buChar char="•"/>
+              <a:defRPr sz="1600" kern="1200">
+                <a:solidFill>
+                  <a:schemeClr val="tx1"/>
+                </a:solidFill>
+                <a:latin typeface="+mn-lt"/>
+                <a:ea typeface="+mn-ea"/>
+                <a:cs typeface="+mn-cs"/>
+              </a:defRPr>
+            </a:lvl9pPr>
+          </a:lstStyle>
+          <a:p>
+            <a:pPr marL="285750" indent="-285750">
+              <a:buFont typeface="Arial"/>
+              <a:buChar char="•"/>
+            </a:pPr>
+            <a:r>
+              <a:rPr lang="en-US" b="0" dirty="0" smtClean="0">
+                <a:latin typeface="Calibri" charset="0"/>
+                <a:ea typeface="Calibri" charset="0"/>
+                <a:cs typeface="Calibri" charset="0"/>
+              </a:rPr>
+              <a:t>MIRO’s SSH entry password is:</a:t>
+            </a:r>
+          </a:p>
+        </p:txBody>
+      </p:sp>
+      <p:sp>
+        <p:nvSpPr>
+          <p:cNvPr id="11" name="TextBox 10"/>
+          <p:cNvSpPr txBox="1"/>
+          <p:nvPr/>
+        </p:nvSpPr>
+        <p:spPr>
+          <a:xfrm>
+            <a:off x="771627" y="3382838"/>
+            <a:ext cx="4976042" cy="338554"/>
+          </a:xfrm>
+          <a:prstGeom prst="rect">
+            <a:avLst/>
+          </a:prstGeom>
+          <a:noFill/>
+        </p:spPr>
+        <p:txBody>
+          <a:bodyPr wrap="square" rtlCol="0">
+            <a:spAutoFit/>
+          </a:bodyPr>
+          <a:lstStyle/>
+          <a:p>
+            <a:r>
+              <a:rPr lang="en-US" sz="1600" dirty="0" smtClean="0">
+                <a:latin typeface="Apple Symbols" charset="0"/>
+                <a:ea typeface="Apple Symbols" charset="0"/>
+                <a:cs typeface="Apple Symbols" charset="0"/>
+              </a:rPr>
+              <a:t>$ MIROOpen1</a:t>
+            </a:r>
+          </a:p>
+        </p:txBody>
+      </p:sp>
+      <p:sp>
+        <p:nvSpPr>
+          <p:cNvPr id="12" name="Content Placeholder 3"/>
+          <p:cNvSpPr txBox="1">
+            <a:spLocks/>
+          </p:cNvSpPr>
+          <p:nvPr/>
+        </p:nvSpPr>
+        <p:spPr>
+          <a:xfrm>
+            <a:off x="457193" y="3688257"/>
+            <a:ext cx="7620000" cy="352908"/>
+          </a:xfrm>
+          <a:prstGeom prst="rect">
+            <a:avLst/>
+          </a:prstGeom>
+        </p:spPr>
+        <p:txBody>
+          <a:bodyPr vert="horz" lIns="91440" tIns="45720" rIns="91440" bIns="45720" rtlCol="0">
+            <a:noAutofit/>
+          </a:bodyPr>
+          <a:lstStyle>
+            <a:lvl1pPr marL="0" indent="0" algn="l" defTabSz="914400" rtl="0" eaLnBrk="1" latinLnBrk="0" hangingPunct="1">
+              <a:spcBef>
+                <a:spcPct val="20000"/>
+              </a:spcBef>
+              <a:spcAft>
+                <a:spcPts val="600"/>
+              </a:spcAft>
+              <a:buFont typeface="Arial" pitchFamily="34" charset="0"/>
+              <a:buNone/>
+              <a:defRPr sz="2000" b="1" kern="1200">
+                <a:solidFill>
+                  <a:schemeClr val="tx1"/>
+                </a:solidFill>
+                <a:latin typeface="+mn-lt"/>
+                <a:ea typeface="+mn-ea"/>
+                <a:cs typeface="+mn-cs"/>
+              </a:defRPr>
+            </a:lvl1pPr>
+            <a:lvl2pPr marL="457200" indent="-182880" algn="l" defTabSz="914400" rtl="0" eaLnBrk="1" latinLnBrk="0" hangingPunct="1">
+              <a:spcBef>
+                <a:spcPct val="20000"/>
+              </a:spcBef>
+              <a:buClr>
+                <a:schemeClr val="tx2"/>
+              </a:buClr>
+              <a:buFont typeface="Arial" pitchFamily="34" charset="0"/>
+              <a:buChar char="•"/>
+              <a:defRPr sz="2000" kern="1200">
+                <a:solidFill>
+                  <a:schemeClr val="tx1"/>
+                </a:solidFill>
+                <a:latin typeface="+mn-lt"/>
+                <a:ea typeface="+mn-ea"/>
+                <a:cs typeface="+mn-cs"/>
+              </a:defRPr>
+            </a:lvl2pPr>
+            <a:lvl3pPr marL="1143000" indent="-228600" algn="l" defTabSz="914400" rtl="0" eaLnBrk="1" latinLnBrk="0" hangingPunct="1">
+              <a:spcBef>
+                <a:spcPct val="20000"/>
+              </a:spcBef>
+              <a:buClr>
+                <a:schemeClr val="tx2"/>
+              </a:buClr>
+              <a:buFont typeface="Arial" pitchFamily="34" charset="0"/>
+              <a:buChar char="•"/>
+              <a:defRPr sz="1800" kern="1200">
+                <a:solidFill>
+                  <a:schemeClr val="tx1"/>
+                </a:solidFill>
+                <a:latin typeface="+mn-lt"/>
+                <a:ea typeface="+mn-ea"/>
+                <a:cs typeface="+mn-cs"/>
+              </a:defRPr>
+            </a:lvl3pPr>
+            <a:lvl4pPr marL="1600200" indent="-228600" algn="l" defTabSz="914400" rtl="0" eaLnBrk="1" latinLnBrk="0" hangingPunct="1">
+              <a:spcBef>
+                <a:spcPct val="20000"/>
+              </a:spcBef>
+              <a:buClr>
+                <a:schemeClr val="tx2"/>
+              </a:buClr>
+              <a:buFont typeface="Arial" pitchFamily="34" charset="0"/>
+              <a:buChar char="•"/>
+              <a:defRPr sz="1800" kern="1200">
+                <a:solidFill>
+                  <a:schemeClr val="tx1"/>
+                </a:solidFill>
+                <a:latin typeface="+mn-lt"/>
+                <a:ea typeface="+mn-ea"/>
+                <a:cs typeface="+mn-cs"/>
+              </a:defRPr>
+            </a:lvl4pPr>
+            <a:lvl5pPr marL="2057400" indent="-228600" algn="l" defTabSz="914400" rtl="0" eaLnBrk="1" latinLnBrk="0" hangingPunct="1">
+              <a:spcBef>
+                <a:spcPct val="20000"/>
+              </a:spcBef>
+              <a:buClr>
+                <a:schemeClr val="tx2"/>
+              </a:buClr>
+              <a:buFont typeface="Arial" pitchFamily="34" charset="0"/>
+              <a:buChar char="•"/>
+              <a:defRPr sz="1800" kern="1200" baseline="0">
+                <a:solidFill>
+                  <a:schemeClr val="tx1"/>
+                </a:solidFill>
+                <a:latin typeface="+mn-lt"/>
+                <a:ea typeface="+mn-ea"/>
+                <a:cs typeface="+mn-cs"/>
+              </a:defRPr>
+            </a:lvl5pPr>
+            <a:lvl6pPr marL="2514600" indent="-228600" algn="l" defTabSz="914400" rtl="0" eaLnBrk="1" latinLnBrk="0" hangingPunct="1">
+              <a:spcBef>
+                <a:spcPct val="20000"/>
+              </a:spcBef>
+              <a:buClr>
+                <a:schemeClr val="tx2"/>
+              </a:buClr>
+              <a:buFont typeface="Arial" pitchFamily="34" charset="0"/>
+              <a:buChar char="•"/>
+              <a:defRPr sz="1600" kern="1200">
+                <a:solidFill>
+                  <a:schemeClr val="tx1"/>
+                </a:solidFill>
+                <a:latin typeface="+mn-lt"/>
+                <a:ea typeface="+mn-ea"/>
+                <a:cs typeface="+mn-cs"/>
+              </a:defRPr>
+            </a:lvl6pPr>
+            <a:lvl7pPr marL="2971800" indent="-228600" algn="l" defTabSz="914400" rtl="0" eaLnBrk="1" latinLnBrk="0" hangingPunct="1">
+              <a:spcBef>
+                <a:spcPct val="20000"/>
+              </a:spcBef>
+              <a:buClr>
+                <a:schemeClr val="tx2"/>
+              </a:buClr>
+              <a:buFont typeface="Arial" pitchFamily="34" charset="0"/>
+              <a:buChar char="•"/>
+              <a:defRPr sz="1600" kern="1200">
+                <a:solidFill>
+                  <a:schemeClr val="tx1"/>
+                </a:solidFill>
+                <a:latin typeface="+mn-lt"/>
+                <a:ea typeface="+mn-ea"/>
+                <a:cs typeface="+mn-cs"/>
+              </a:defRPr>
+            </a:lvl7pPr>
+            <a:lvl8pPr marL="3429000" indent="-228600" algn="l" defTabSz="914400" rtl="0" eaLnBrk="1" latinLnBrk="0" hangingPunct="1">
+              <a:spcBef>
+                <a:spcPct val="20000"/>
+              </a:spcBef>
+              <a:buClr>
+                <a:schemeClr val="tx2"/>
+              </a:buClr>
+              <a:buFont typeface="Arial" pitchFamily="34" charset="0"/>
+              <a:buChar char="•"/>
+              <a:defRPr sz="1600" kern="1200">
+                <a:solidFill>
+                  <a:schemeClr val="tx1"/>
+                </a:solidFill>
+                <a:latin typeface="+mn-lt"/>
+                <a:ea typeface="+mn-ea"/>
+                <a:cs typeface="+mn-cs"/>
+              </a:defRPr>
+            </a:lvl8pPr>
+            <a:lvl9pPr marL="3886200" indent="-228600" algn="l" defTabSz="914400" rtl="0" eaLnBrk="1" latinLnBrk="0" hangingPunct="1">
+              <a:spcBef>
+                <a:spcPct val="20000"/>
+              </a:spcBef>
+              <a:buClr>
+                <a:schemeClr val="tx2"/>
+              </a:buClr>
+              <a:buFont typeface="Arial" pitchFamily="34" charset="0"/>
+              <a:buChar char="•"/>
+              <a:defRPr sz="1600" kern="1200">
+                <a:solidFill>
+                  <a:schemeClr val="tx1"/>
+                </a:solidFill>
+                <a:latin typeface="+mn-lt"/>
+                <a:ea typeface="+mn-ea"/>
+                <a:cs typeface="+mn-cs"/>
+              </a:defRPr>
+            </a:lvl9pPr>
+          </a:lstStyle>
+          <a:p>
+            <a:pPr marL="285750" indent="-285750">
+              <a:buFont typeface="Arial"/>
+              <a:buChar char="•"/>
+            </a:pPr>
+            <a:r>
+              <a:rPr lang="en-US" b="0" dirty="0" smtClean="0">
+                <a:latin typeface="Calibri" charset="0"/>
+                <a:ea typeface="Calibri" charset="0"/>
+                <a:cs typeface="Calibri" charset="0"/>
+              </a:rPr>
+              <a:t>Once inside MIRO’s Terminal, type in:</a:t>
+            </a:r>
+          </a:p>
+        </p:txBody>
+      </p:sp>
+      <p:sp>
+        <p:nvSpPr>
+          <p:cNvPr id="13" name="TextBox 12"/>
+          <p:cNvSpPr txBox="1"/>
+          <p:nvPr/>
+        </p:nvSpPr>
+        <p:spPr>
+          <a:xfrm>
+            <a:off x="760436" y="3992156"/>
+            <a:ext cx="4987232" cy="338554"/>
+          </a:xfrm>
+          <a:prstGeom prst="rect">
+            <a:avLst/>
+          </a:prstGeom>
+          <a:noFill/>
+        </p:spPr>
+        <p:txBody>
+          <a:bodyPr wrap="square" rtlCol="0">
+            <a:spAutoFit/>
+          </a:bodyPr>
+          <a:lstStyle/>
+          <a:p>
+            <a:r>
+              <a:rPr lang="en-US" sz="1600" dirty="0" smtClean="0">
+                <a:latin typeface="Apple Symbols" charset="0"/>
+                <a:ea typeface="Apple Symbols" charset="0"/>
+                <a:cs typeface="Apple Symbols" charset="0"/>
+              </a:rPr>
+              <a:t>$ </a:t>
+            </a:r>
+            <a:r>
+              <a:rPr lang="pt-BR" sz="1600" dirty="0" err="1">
+                <a:latin typeface="Apple Symbols" charset="0"/>
+                <a:ea typeface="Apple Symbols" charset="0"/>
+                <a:cs typeface="Apple Symbols" charset="0"/>
+              </a:rPr>
+              <a:t>sudo</a:t>
+            </a:r>
+            <a:r>
+              <a:rPr lang="pt-BR" sz="1600" dirty="0">
+                <a:latin typeface="Apple Symbols" charset="0"/>
+                <a:ea typeface="Apple Symbols" charset="0"/>
+                <a:cs typeface="Apple Symbols" charset="0"/>
+              </a:rPr>
+              <a:t> nano ~/.profile </a:t>
+            </a:r>
+            <a:endParaRPr lang="en-US" sz="1600" dirty="0" smtClean="0">
+              <a:latin typeface="Apple Symbols" charset="0"/>
+              <a:ea typeface="Apple Symbols" charset="0"/>
+              <a:cs typeface="Apple Symbols" charset="0"/>
+            </a:endParaRPr>
+          </a:p>
+        </p:txBody>
+      </p:sp>
+      <p:sp>
+        <p:nvSpPr>
+          <p:cNvPr id="3" name="TextBox 2"/>
+          <p:cNvSpPr txBox="1"/>
+          <p:nvPr/>
+        </p:nvSpPr>
+        <p:spPr>
+          <a:xfrm>
+            <a:off x="457193" y="5394172"/>
+            <a:ext cx="184731" cy="400110"/>
+          </a:xfrm>
+          <a:prstGeom prst="rect">
+            <a:avLst/>
+          </a:prstGeom>
+          <a:noFill/>
+        </p:spPr>
+        <p:txBody>
+          <a:bodyPr wrap="none" rtlCol="0">
+            <a:spAutoFit/>
+          </a:bodyPr>
+          <a:lstStyle/>
+          <a:p>
+            <a:endParaRPr lang="en-US" sz="2000" dirty="0">
+              <a:latin typeface="Calibri" charset="0"/>
+              <a:ea typeface="Calibri" charset="0"/>
+              <a:cs typeface="Calibri" charset="0"/>
+            </a:endParaRPr>
+          </a:p>
+        </p:txBody>
+      </p:sp>
+      <p:sp>
+        <p:nvSpPr>
+          <p:cNvPr id="18" name="TextBox 17"/>
+          <p:cNvSpPr txBox="1"/>
+          <p:nvPr/>
+        </p:nvSpPr>
+        <p:spPr>
+          <a:xfrm>
+            <a:off x="457200" y="712382"/>
+            <a:ext cx="8006316" cy="769441"/>
+          </a:xfrm>
+          <a:prstGeom prst="rect">
+            <a:avLst/>
+          </a:prstGeom>
+          <a:noFill/>
+        </p:spPr>
+        <p:txBody>
+          <a:bodyPr wrap="square" rtlCol="0">
+            <a:spAutoFit/>
+          </a:bodyPr>
+          <a:lstStyle/>
+          <a:p>
+            <a:r>
+              <a:rPr lang="en-GB" sz="4400" dirty="0" smtClean="0">
+                <a:solidFill>
+                  <a:srgbClr val="C00000"/>
+                </a:solidFill>
+                <a:latin typeface="Calibri Light" charset="0"/>
+                <a:ea typeface="Calibri Light" charset="0"/>
+                <a:cs typeface="Calibri Light" charset="0"/>
+              </a:rPr>
+              <a:t>C</a:t>
+            </a:r>
+            <a:r>
+              <a:rPr lang="en-GB" sz="4400" dirty="0" smtClean="0">
+                <a:latin typeface="Calibri Light" charset="0"/>
+                <a:ea typeface="Calibri Light" charset="0"/>
+                <a:cs typeface="Calibri Light" charset="0"/>
+              </a:rPr>
+              <a:t>onfiguring </a:t>
+            </a:r>
+            <a:r>
+              <a:rPr lang="en-GB" sz="4400" dirty="0" smtClean="0">
+                <a:solidFill>
+                  <a:srgbClr val="C00000"/>
+                </a:solidFill>
+                <a:latin typeface="Calibri Light" charset="0"/>
+                <a:ea typeface="Calibri Light" charset="0"/>
+                <a:cs typeface="Calibri Light" charset="0"/>
+              </a:rPr>
+              <a:t>MiRo</a:t>
+            </a:r>
+            <a:endParaRPr lang="en-GB" sz="4400" dirty="0">
+              <a:latin typeface="Calibri Light" charset="0"/>
+              <a:ea typeface="Calibri Light" charset="0"/>
+              <a:cs typeface="Calibri Light" charset="0"/>
+            </a:endParaRPr>
+          </a:p>
+        </p:txBody>
+      </p:sp>
+      <p:sp>
+        <p:nvSpPr>
+          <p:cNvPr id="19" name="Content Placeholder 3"/>
+          <p:cNvSpPr txBox="1">
+            <a:spLocks/>
+          </p:cNvSpPr>
+          <p:nvPr/>
+        </p:nvSpPr>
+        <p:spPr>
+          <a:xfrm>
+            <a:off x="457191" y="4371992"/>
+            <a:ext cx="7620000" cy="1837421"/>
+          </a:xfrm>
+          <a:prstGeom prst="rect">
+            <a:avLst/>
+          </a:prstGeom>
+        </p:spPr>
+        <p:txBody>
+          <a:bodyPr vert="horz" lIns="91440" tIns="45720" rIns="91440" bIns="45720" rtlCol="0">
+            <a:noAutofit/>
+          </a:bodyPr>
+          <a:lstStyle>
+            <a:lvl1pPr marL="0" indent="0" algn="l" defTabSz="914400" rtl="0" eaLnBrk="1" latinLnBrk="0" hangingPunct="1">
+              <a:spcBef>
+                <a:spcPct val="20000"/>
+              </a:spcBef>
+              <a:spcAft>
+                <a:spcPts val="600"/>
+              </a:spcAft>
+              <a:buFont typeface="Arial" pitchFamily="34" charset="0"/>
+              <a:buNone/>
+              <a:defRPr sz="2000" b="1" kern="1200">
+                <a:solidFill>
+                  <a:schemeClr val="tx1"/>
+                </a:solidFill>
+                <a:latin typeface="+mn-lt"/>
+                <a:ea typeface="+mn-ea"/>
+                <a:cs typeface="+mn-cs"/>
+              </a:defRPr>
+            </a:lvl1pPr>
+            <a:lvl2pPr marL="457200" indent="-182880" algn="l" defTabSz="914400" rtl="0" eaLnBrk="1" latinLnBrk="0" hangingPunct="1">
+              <a:spcBef>
+                <a:spcPct val="20000"/>
+              </a:spcBef>
+              <a:buClr>
+                <a:schemeClr val="tx2"/>
+              </a:buClr>
+              <a:buFont typeface="Arial" pitchFamily="34" charset="0"/>
+              <a:buChar char="•"/>
+              <a:defRPr sz="2000" kern="1200">
+                <a:solidFill>
+                  <a:schemeClr val="tx1"/>
+                </a:solidFill>
+                <a:latin typeface="+mn-lt"/>
+                <a:ea typeface="+mn-ea"/>
+                <a:cs typeface="+mn-cs"/>
+              </a:defRPr>
+            </a:lvl2pPr>
+            <a:lvl3pPr marL="1143000" indent="-228600" algn="l" defTabSz="914400" rtl="0" eaLnBrk="1" latinLnBrk="0" hangingPunct="1">
+              <a:spcBef>
+                <a:spcPct val="20000"/>
+              </a:spcBef>
+              <a:buClr>
+                <a:schemeClr val="tx2"/>
+              </a:buClr>
+              <a:buFont typeface="Arial" pitchFamily="34" charset="0"/>
+              <a:buChar char="•"/>
+              <a:defRPr sz="1800" kern="1200">
+                <a:solidFill>
+                  <a:schemeClr val="tx1"/>
+                </a:solidFill>
+                <a:latin typeface="+mn-lt"/>
+                <a:ea typeface="+mn-ea"/>
+                <a:cs typeface="+mn-cs"/>
+              </a:defRPr>
+            </a:lvl3pPr>
+            <a:lvl4pPr marL="1600200" indent="-228600" algn="l" defTabSz="914400" rtl="0" eaLnBrk="1" latinLnBrk="0" hangingPunct="1">
+              <a:spcBef>
+                <a:spcPct val="20000"/>
+              </a:spcBef>
+              <a:buClr>
+                <a:schemeClr val="tx2"/>
+              </a:buClr>
+              <a:buFont typeface="Arial" pitchFamily="34" charset="0"/>
+              <a:buChar char="•"/>
+              <a:defRPr sz="1800" kern="1200">
+                <a:solidFill>
+                  <a:schemeClr val="tx1"/>
+                </a:solidFill>
+                <a:latin typeface="+mn-lt"/>
+                <a:ea typeface="+mn-ea"/>
+                <a:cs typeface="+mn-cs"/>
+              </a:defRPr>
+            </a:lvl4pPr>
+            <a:lvl5pPr marL="2057400" indent="-228600" algn="l" defTabSz="914400" rtl="0" eaLnBrk="1" latinLnBrk="0" hangingPunct="1">
+              <a:spcBef>
+                <a:spcPct val="20000"/>
+              </a:spcBef>
+              <a:buClr>
+                <a:schemeClr val="tx2"/>
+              </a:buClr>
+              <a:buFont typeface="Arial" pitchFamily="34" charset="0"/>
+              <a:buChar char="•"/>
+              <a:defRPr sz="1800" kern="1200" baseline="0">
+                <a:solidFill>
+                  <a:schemeClr val="tx1"/>
+                </a:solidFill>
+                <a:latin typeface="+mn-lt"/>
+                <a:ea typeface="+mn-ea"/>
+                <a:cs typeface="+mn-cs"/>
+              </a:defRPr>
+            </a:lvl5pPr>
+            <a:lvl6pPr marL="2514600" indent="-228600" algn="l" defTabSz="914400" rtl="0" eaLnBrk="1" latinLnBrk="0" hangingPunct="1">
+              <a:spcBef>
+                <a:spcPct val="20000"/>
+              </a:spcBef>
+              <a:buClr>
+                <a:schemeClr val="tx2"/>
+              </a:buClr>
+              <a:buFont typeface="Arial" pitchFamily="34" charset="0"/>
+              <a:buChar char="•"/>
+              <a:defRPr sz="1600" kern="1200">
+                <a:solidFill>
+                  <a:schemeClr val="tx1"/>
+                </a:solidFill>
+                <a:latin typeface="+mn-lt"/>
+                <a:ea typeface="+mn-ea"/>
+                <a:cs typeface="+mn-cs"/>
+              </a:defRPr>
+            </a:lvl6pPr>
+            <a:lvl7pPr marL="2971800" indent="-228600" algn="l" defTabSz="914400" rtl="0" eaLnBrk="1" latinLnBrk="0" hangingPunct="1">
+              <a:spcBef>
+                <a:spcPct val="20000"/>
+              </a:spcBef>
+              <a:buClr>
+                <a:schemeClr val="tx2"/>
+              </a:buClr>
+              <a:buFont typeface="Arial" pitchFamily="34" charset="0"/>
+              <a:buChar char="•"/>
+              <a:defRPr sz="1600" kern="1200">
+                <a:solidFill>
+                  <a:schemeClr val="tx1"/>
+                </a:solidFill>
+                <a:latin typeface="+mn-lt"/>
+                <a:ea typeface="+mn-ea"/>
+                <a:cs typeface="+mn-cs"/>
+              </a:defRPr>
+            </a:lvl7pPr>
+            <a:lvl8pPr marL="3429000" indent="-228600" algn="l" defTabSz="914400" rtl="0" eaLnBrk="1" latinLnBrk="0" hangingPunct="1">
+              <a:spcBef>
+                <a:spcPct val="20000"/>
+              </a:spcBef>
+              <a:buClr>
+                <a:schemeClr val="tx2"/>
+              </a:buClr>
+              <a:buFont typeface="Arial" pitchFamily="34" charset="0"/>
+              <a:buChar char="•"/>
+              <a:defRPr sz="1600" kern="1200">
+                <a:solidFill>
+                  <a:schemeClr val="tx1"/>
+                </a:solidFill>
+                <a:latin typeface="+mn-lt"/>
+                <a:ea typeface="+mn-ea"/>
+                <a:cs typeface="+mn-cs"/>
+              </a:defRPr>
+            </a:lvl8pPr>
+            <a:lvl9pPr marL="3886200" indent="-228600" algn="l" defTabSz="914400" rtl="0" eaLnBrk="1" latinLnBrk="0" hangingPunct="1">
+              <a:spcBef>
+                <a:spcPct val="20000"/>
+              </a:spcBef>
+              <a:buClr>
+                <a:schemeClr val="tx2"/>
+              </a:buClr>
+              <a:buFont typeface="Arial" pitchFamily="34" charset="0"/>
+              <a:buChar char="•"/>
+              <a:defRPr sz="1600" kern="1200">
+                <a:solidFill>
+                  <a:schemeClr val="tx1"/>
+                </a:solidFill>
+                <a:latin typeface="+mn-lt"/>
+                <a:ea typeface="+mn-ea"/>
+                <a:cs typeface="+mn-cs"/>
+              </a:defRPr>
+            </a:lvl9pPr>
+          </a:lstStyle>
+          <a:p>
+            <a:pPr marL="285750" indent="-285750">
+              <a:buFont typeface="Arial"/>
+              <a:buChar char="•"/>
+            </a:pPr>
+            <a:r>
+              <a:rPr lang="en-US" b="0" dirty="0" smtClean="0">
+                <a:latin typeface="Calibri" charset="0"/>
+                <a:ea typeface="Calibri" charset="0"/>
+                <a:cs typeface="Calibri" charset="0"/>
+              </a:rPr>
+              <a:t>Once inside .profile</a:t>
+            </a:r>
+          </a:p>
+          <a:p>
+            <a:pPr marL="742950" lvl="1" indent="-285750">
+              <a:buFont typeface="Arial"/>
+              <a:buChar char="•"/>
+            </a:pPr>
+            <a:r>
+              <a:rPr lang="en-US" dirty="0" smtClean="0">
+                <a:latin typeface="Calibri" charset="0"/>
+                <a:ea typeface="Calibri" charset="0"/>
+                <a:cs typeface="Calibri" charset="0"/>
+              </a:rPr>
+              <a:t>Change ROS_MASTER_IP as the IP address of your workstation. T</a:t>
+            </a:r>
+            <a:r>
+              <a:rPr lang="en-US" b="0" dirty="0" smtClean="0">
+                <a:latin typeface="Calibri" charset="0"/>
+                <a:ea typeface="Calibri" charset="0"/>
+                <a:cs typeface="Calibri" charset="0"/>
+              </a:rPr>
+              <a:t>o check the IP address of your workstation open a new </a:t>
+            </a:r>
+            <a:r>
+              <a:rPr lang="en-US" dirty="0">
+                <a:latin typeface="Calibri" charset="0"/>
+                <a:ea typeface="Calibri" charset="0"/>
+                <a:cs typeface="Calibri" charset="0"/>
+              </a:rPr>
+              <a:t>terminal window and  type </a:t>
+            </a:r>
+            <a:r>
+              <a:rPr lang="en-US" dirty="0" smtClean="0">
+                <a:latin typeface="Calibri" charset="0"/>
+                <a:ea typeface="Calibri" charset="0"/>
+                <a:cs typeface="Calibri" charset="0"/>
+              </a:rPr>
+              <a:t>in:</a:t>
+            </a:r>
+            <a:endParaRPr lang="en-US" b="0" dirty="0" smtClean="0">
+              <a:latin typeface="Calibri" charset="0"/>
+              <a:ea typeface="Calibri" charset="0"/>
+              <a:cs typeface="Calibri" charset="0"/>
+            </a:endParaRPr>
+          </a:p>
+          <a:p>
+            <a:pPr lvl="1" indent="0">
+              <a:buNone/>
+            </a:pPr>
+            <a:r>
+              <a:rPr lang="en-US" sz="1600" dirty="0">
+                <a:latin typeface="Apple Symbols" charset="0"/>
+                <a:ea typeface="Apple Symbols" charset="0"/>
+                <a:cs typeface="Apple Symbols" charset="0"/>
+              </a:rPr>
+              <a:t> </a:t>
+            </a:r>
+            <a:r>
+              <a:rPr lang="en-US" sz="1600" dirty="0" smtClean="0">
+                <a:latin typeface="Apple Symbols" charset="0"/>
+                <a:ea typeface="Apple Symbols" charset="0"/>
+                <a:cs typeface="Apple Symbols" charset="0"/>
+              </a:rPr>
+              <a:t>   $ </a:t>
+            </a:r>
+            <a:r>
+              <a:rPr lang="pt-BR" sz="1600" dirty="0" err="1" smtClean="0">
+                <a:latin typeface="Apple Symbols" charset="0"/>
+                <a:ea typeface="Apple Symbols" charset="0"/>
+                <a:cs typeface="Apple Symbols" charset="0"/>
+              </a:rPr>
+              <a:t>ifconfig</a:t>
+            </a:r>
+            <a:endParaRPr lang="en-US" b="0" dirty="0" smtClean="0">
+              <a:latin typeface="Calibri" charset="0"/>
+              <a:ea typeface="Calibri" charset="0"/>
+              <a:cs typeface="Calibri" charset="0"/>
+            </a:endParaRPr>
+          </a:p>
+        </p:txBody>
+      </p:sp>
+    </p:spTree>
+    <p:extLst>
+      <p:ext uri="{BB962C8B-B14F-4D97-AF65-F5344CB8AC3E}">
+        <p14:creationId xmlns:p14="http://schemas.microsoft.com/office/powerpoint/2010/main" val="3852826494"/>
+      </p:ext>
+    </p:extLst>
+  </p:cSld>
+  <p:clrMapOvr>
+    <a:masterClrMapping/>
+  </p:clrMapOvr>
+</p:sld>
+</file>
+
+<file path=ppt/slides/slide11.xml><?xml version="1.0" encoding="utf-8"?>
 <p:sld xmlns:a="http://schemas.openxmlformats.org/drawingml/2006/main" xmlns:r="http://schemas.openxmlformats.org/officeDocument/2006/relationships" xmlns:p="http://schemas.openxmlformats.org/presentationml/2006/main">
   <p:cSld>
     <p:spTree>
@@ -4114,7 +5515,7 @@
 </p:sld>
 </file>
 
-<file path=ppt/slides/slide11.xml><?xml version="1.0" encoding="utf-8"?>
+<file path=ppt/slides/slide12.xml><?xml version="1.0" encoding="utf-8"?>
 <p:sld xmlns:a="http://schemas.openxmlformats.org/drawingml/2006/main" xmlns:r="http://schemas.openxmlformats.org/officeDocument/2006/relationships" xmlns:p="http://schemas.openxmlformats.org/presentationml/2006/main">
   <p:cSld>
     <p:spTree>
@@ -4326,7 +5727,7 @@
 </p:sld>
 </file>
 
-<file path=ppt/slides/slide12.xml><?xml version="1.0" encoding="utf-8"?>
+<file path=ppt/slides/slide13.xml><?xml version="1.0" encoding="utf-8"?>
 <p:sld xmlns:a="http://schemas.openxmlformats.org/drawingml/2006/main" xmlns:r="http://schemas.openxmlformats.org/officeDocument/2006/relationships" xmlns:p="http://schemas.openxmlformats.org/presentationml/2006/main" show="0">
   <p:cSld>
     <p:spTree>
@@ -4774,7 +6175,7 @@
 </p:sld>
 </file>
 
-<file path=ppt/slides/slide13.xml><?xml version="1.0" encoding="utf-8"?>
+<file path=ppt/slides/slide14.xml><?xml version="1.0" encoding="utf-8"?>
 <p:sld xmlns:a="http://schemas.openxmlformats.org/drawingml/2006/main" xmlns:r="http://schemas.openxmlformats.org/officeDocument/2006/relationships" xmlns:p="http://schemas.openxmlformats.org/presentationml/2006/main" show="0">
   <p:cSld>
     <p:spTree>
@@ -8174,7 +9575,7 @@
               <a:t>/mdk-1</a:t>
             </a:r>
             <a:r>
-              <a:rPr lang="en-US" sz="1600" smtClean="0">
+              <a:rPr lang="en-US" sz="1600" dirty="0" smtClean="0">
                 <a:latin typeface="Apple Symbols" charset="0"/>
                 <a:ea typeface="Apple Symbols" charset="0"/>
                 <a:cs typeface="Apple Symbols" charset="0"/>
@@ -8182,7 +9583,7 @@
               <a:t>80509</a:t>
             </a:r>
             <a:r>
-              <a:rPr lang="mr-IN" sz="1600" smtClean="0">
+              <a:rPr lang="mr-IN" sz="1600" dirty="0" smtClean="0">
                 <a:latin typeface="Apple Symbols" charset="0"/>
                 <a:ea typeface="Apple Symbols" charset="0"/>
                 <a:cs typeface="Apple Symbols" charset="0"/>
@@ -8216,7 +9617,7 @@
         <p:spPr>
           <a:xfrm>
             <a:off x="457198" y="1768867"/>
-            <a:ext cx="7620000" cy="2947063"/>
+            <a:ext cx="7620000" cy="3360889"/>
           </a:xfrm>
           <a:prstGeom prst="rect">
             <a:avLst/>
@@ -8662,8 +10063,22 @@
                 <a:ea typeface="Calibri" charset="0"/>
                 <a:cs typeface="Calibri" charset="0"/>
               </a:rPr>
-              <a:t> directory and execute the following command:</a:t>
-            </a:r>
+              <a:t> directory and execute the following command</a:t>
+            </a:r>
+            <a:r>
+              <a:rPr lang="en-US" dirty="0" smtClean="0">
+                <a:latin typeface="Calibri" charset="0"/>
+                <a:ea typeface="Calibri" charset="0"/>
+                <a:cs typeface="Calibri" charset="0"/>
+              </a:rPr>
+              <a:t>:</a:t>
+            </a:r>
+          </a:p>
+          <a:p>
+            <a:pPr marL="742950" lvl="1" indent="-285750">
+              <a:buFont typeface="Arial"/>
+              <a:buChar char="•"/>
+            </a:pPr>
             <a:endParaRPr lang="en-US" dirty="0">
               <a:latin typeface="Calibri" charset="0"/>
               <a:ea typeface="Calibri" charset="0"/>
@@ -8805,10 +10220,44 @@
           </a:p>
         </p:txBody>
       </p:sp>
+      <p:sp>
+        <p:nvSpPr>
+          <p:cNvPr id="2" name="TextBox 1"/>
+          <p:cNvSpPr txBox="1"/>
+          <p:nvPr/>
+        </p:nvSpPr>
+        <p:spPr>
+          <a:xfrm>
+            <a:off x="6815469" y="5996763"/>
+            <a:ext cx="1648047" cy="369332"/>
+          </a:xfrm>
+          <a:prstGeom prst="rect">
+            <a:avLst/>
+          </a:prstGeom>
+          <a:noFill/>
+        </p:spPr>
+        <p:txBody>
+          <a:bodyPr wrap="square" rtlCol="0">
+            <a:spAutoFit/>
+          </a:bodyPr>
+          <a:lstStyle/>
+          <a:p>
+            <a:r>
+              <a:rPr lang="en-GB" dirty="0" smtClean="0"/>
+              <a:t>Continued </a:t>
+            </a:r>
+            <a:r>
+              <a:rPr lang="mr-IN" dirty="0" smtClean="0"/>
+              <a:t>…</a:t>
+            </a:r>
+            <a:endParaRPr lang="en-GB" dirty="0"/>
+          </a:p>
+        </p:txBody>
+      </p:sp>
     </p:spTree>
     <p:extLst>
       <p:ext uri="{BB962C8B-B14F-4D97-AF65-F5344CB8AC3E}">
-        <p14:creationId xmlns:p14="http://schemas.microsoft.com/office/powerpoint/2010/main" val="2553385727"/>
+        <p14:creationId xmlns:p14="http://schemas.microsoft.com/office/powerpoint/2010/main" val="748902881"/>
       </p:ext>
     </p:extLst>
   </p:cSld>
@@ -8845,755 +10294,8 @@
         </p:nvSpPr>
         <p:spPr>
           <a:xfrm>
-            <a:off x="457195" y="2484832"/>
-            <a:ext cx="7620000" cy="577826"/>
-          </a:xfrm>
-          <a:prstGeom prst="rect">
-            <a:avLst/>
-          </a:prstGeom>
-        </p:spPr>
-        <p:txBody>
-          <a:bodyPr vert="horz" lIns="91440" tIns="45720" rIns="91440" bIns="45720" rtlCol="0">
-            <a:normAutofit/>
-          </a:bodyPr>
-          <a:lstStyle>
-            <a:lvl1pPr marL="0" indent="0" algn="l" defTabSz="914400" rtl="0" eaLnBrk="1" latinLnBrk="0" hangingPunct="1">
-              <a:spcBef>
-                <a:spcPct val="20000"/>
-              </a:spcBef>
-              <a:spcAft>
-                <a:spcPts val="600"/>
-              </a:spcAft>
-              <a:buFont typeface="Arial" pitchFamily="34" charset="0"/>
-              <a:buNone/>
-              <a:defRPr sz="2000" b="1" kern="1200">
-                <a:solidFill>
-                  <a:schemeClr val="tx1"/>
-                </a:solidFill>
-                <a:latin typeface="+mn-lt"/>
-                <a:ea typeface="+mn-ea"/>
-                <a:cs typeface="+mn-cs"/>
-              </a:defRPr>
-            </a:lvl1pPr>
-            <a:lvl2pPr marL="457200" indent="-182880" algn="l" defTabSz="914400" rtl="0" eaLnBrk="1" latinLnBrk="0" hangingPunct="1">
-              <a:spcBef>
-                <a:spcPct val="20000"/>
-              </a:spcBef>
-              <a:buClr>
-                <a:schemeClr val="tx2"/>
-              </a:buClr>
-              <a:buFont typeface="Arial" pitchFamily="34" charset="0"/>
-              <a:buChar char="•"/>
-              <a:defRPr sz="2000" kern="1200">
-                <a:solidFill>
-                  <a:schemeClr val="tx1"/>
-                </a:solidFill>
-                <a:latin typeface="+mn-lt"/>
-                <a:ea typeface="+mn-ea"/>
-                <a:cs typeface="+mn-cs"/>
-              </a:defRPr>
-            </a:lvl2pPr>
-            <a:lvl3pPr marL="1143000" indent="-228600" algn="l" defTabSz="914400" rtl="0" eaLnBrk="1" latinLnBrk="0" hangingPunct="1">
-              <a:spcBef>
-                <a:spcPct val="20000"/>
-              </a:spcBef>
-              <a:buClr>
-                <a:schemeClr val="tx2"/>
-              </a:buClr>
-              <a:buFont typeface="Arial" pitchFamily="34" charset="0"/>
-              <a:buChar char="•"/>
-              <a:defRPr sz="1800" kern="1200">
-                <a:solidFill>
-                  <a:schemeClr val="tx1"/>
-                </a:solidFill>
-                <a:latin typeface="+mn-lt"/>
-                <a:ea typeface="+mn-ea"/>
-                <a:cs typeface="+mn-cs"/>
-              </a:defRPr>
-            </a:lvl3pPr>
-            <a:lvl4pPr marL="1600200" indent="-228600" algn="l" defTabSz="914400" rtl="0" eaLnBrk="1" latinLnBrk="0" hangingPunct="1">
-              <a:spcBef>
-                <a:spcPct val="20000"/>
-              </a:spcBef>
-              <a:buClr>
-                <a:schemeClr val="tx2"/>
-              </a:buClr>
-              <a:buFont typeface="Arial" pitchFamily="34" charset="0"/>
-              <a:buChar char="•"/>
-              <a:defRPr sz="1800" kern="1200">
-                <a:solidFill>
-                  <a:schemeClr val="tx1"/>
-                </a:solidFill>
-                <a:latin typeface="+mn-lt"/>
-                <a:ea typeface="+mn-ea"/>
-                <a:cs typeface="+mn-cs"/>
-              </a:defRPr>
-            </a:lvl4pPr>
-            <a:lvl5pPr marL="2057400" indent="-228600" algn="l" defTabSz="914400" rtl="0" eaLnBrk="1" latinLnBrk="0" hangingPunct="1">
-              <a:spcBef>
-                <a:spcPct val="20000"/>
-              </a:spcBef>
-              <a:buClr>
-                <a:schemeClr val="tx2"/>
-              </a:buClr>
-              <a:buFont typeface="Arial" pitchFamily="34" charset="0"/>
-              <a:buChar char="•"/>
-              <a:defRPr sz="1800" kern="1200" baseline="0">
-                <a:solidFill>
-                  <a:schemeClr val="tx1"/>
-                </a:solidFill>
-                <a:latin typeface="+mn-lt"/>
-                <a:ea typeface="+mn-ea"/>
-                <a:cs typeface="+mn-cs"/>
-              </a:defRPr>
-            </a:lvl5pPr>
-            <a:lvl6pPr marL="2514600" indent="-228600" algn="l" defTabSz="914400" rtl="0" eaLnBrk="1" latinLnBrk="0" hangingPunct="1">
-              <a:spcBef>
-                <a:spcPct val="20000"/>
-              </a:spcBef>
-              <a:buClr>
-                <a:schemeClr val="tx2"/>
-              </a:buClr>
-              <a:buFont typeface="Arial" pitchFamily="34" charset="0"/>
-              <a:buChar char="•"/>
-              <a:defRPr sz="1600" kern="1200">
-                <a:solidFill>
-                  <a:schemeClr val="tx1"/>
-                </a:solidFill>
-                <a:latin typeface="+mn-lt"/>
-                <a:ea typeface="+mn-ea"/>
-                <a:cs typeface="+mn-cs"/>
-              </a:defRPr>
-            </a:lvl6pPr>
-            <a:lvl7pPr marL="2971800" indent="-228600" algn="l" defTabSz="914400" rtl="0" eaLnBrk="1" latinLnBrk="0" hangingPunct="1">
-              <a:spcBef>
-                <a:spcPct val="20000"/>
-              </a:spcBef>
-              <a:buClr>
-                <a:schemeClr val="tx2"/>
-              </a:buClr>
-              <a:buFont typeface="Arial" pitchFamily="34" charset="0"/>
-              <a:buChar char="•"/>
-              <a:defRPr sz="1600" kern="1200">
-                <a:solidFill>
-                  <a:schemeClr val="tx1"/>
-                </a:solidFill>
-                <a:latin typeface="+mn-lt"/>
-                <a:ea typeface="+mn-ea"/>
-                <a:cs typeface="+mn-cs"/>
-              </a:defRPr>
-            </a:lvl7pPr>
-            <a:lvl8pPr marL="3429000" indent="-228600" algn="l" defTabSz="914400" rtl="0" eaLnBrk="1" latinLnBrk="0" hangingPunct="1">
-              <a:spcBef>
-                <a:spcPct val="20000"/>
-              </a:spcBef>
-              <a:buClr>
-                <a:schemeClr val="tx2"/>
-              </a:buClr>
-              <a:buFont typeface="Arial" pitchFamily="34" charset="0"/>
-              <a:buChar char="•"/>
-              <a:defRPr sz="1600" kern="1200">
-                <a:solidFill>
-                  <a:schemeClr val="tx1"/>
-                </a:solidFill>
-                <a:latin typeface="+mn-lt"/>
-                <a:ea typeface="+mn-ea"/>
-                <a:cs typeface="+mn-cs"/>
-              </a:defRPr>
-            </a:lvl8pPr>
-            <a:lvl9pPr marL="3886200" indent="-228600" algn="l" defTabSz="914400" rtl="0" eaLnBrk="1" latinLnBrk="0" hangingPunct="1">
-              <a:spcBef>
-                <a:spcPct val="20000"/>
-              </a:spcBef>
-              <a:buClr>
-                <a:schemeClr val="tx2"/>
-              </a:buClr>
-              <a:buFont typeface="Arial" pitchFamily="34" charset="0"/>
-              <a:buChar char="•"/>
-              <a:defRPr sz="1600" kern="1200">
-                <a:solidFill>
-                  <a:schemeClr val="tx1"/>
-                </a:solidFill>
-                <a:latin typeface="+mn-lt"/>
-                <a:ea typeface="+mn-ea"/>
-                <a:cs typeface="+mn-cs"/>
-              </a:defRPr>
-            </a:lvl9pPr>
-          </a:lstStyle>
-          <a:p>
-            <a:pPr marL="285750" indent="-285750">
-              <a:buFont typeface="Arial"/>
-              <a:buChar char="•"/>
-            </a:pPr>
-            <a:r>
-              <a:rPr lang="en-US" b="0" dirty="0" smtClean="0">
-                <a:latin typeface="Calibri" charset="0"/>
-                <a:ea typeface="Calibri" charset="0"/>
-                <a:cs typeface="Calibri" charset="0"/>
-              </a:rPr>
-              <a:t>In your workstation: open a new terminal window and type in:</a:t>
-            </a:r>
-          </a:p>
-        </p:txBody>
-      </p:sp>
-      <p:sp>
-        <p:nvSpPr>
-          <p:cNvPr id="7" name="TextBox 6"/>
-          <p:cNvSpPr txBox="1"/>
-          <p:nvPr/>
-        </p:nvSpPr>
-        <p:spPr>
-          <a:xfrm>
-            <a:off x="771629" y="2771877"/>
-            <a:ext cx="5124898" cy="338554"/>
-          </a:xfrm>
-          <a:prstGeom prst="rect">
-            <a:avLst/>
-          </a:prstGeom>
-          <a:noFill/>
-        </p:spPr>
-        <p:txBody>
-          <a:bodyPr wrap="square" rtlCol="0">
-            <a:spAutoFit/>
-          </a:bodyPr>
-          <a:lstStyle/>
-          <a:p>
-            <a:r>
-              <a:rPr lang="en-US" sz="1600" dirty="0" smtClean="0">
-                <a:latin typeface="Apple Symbols" charset="0"/>
-                <a:ea typeface="Apple Symbols" charset="0"/>
-                <a:cs typeface="Apple Symbols" charset="0"/>
-              </a:rPr>
-              <a:t>$ </a:t>
-            </a:r>
-            <a:r>
-              <a:rPr lang="en-US" sz="1600" dirty="0" err="1">
-                <a:latin typeface="Apple Symbols" charset="0"/>
-                <a:ea typeface="Apple Symbols" charset="0"/>
-                <a:cs typeface="Apple Symbols" charset="0"/>
-              </a:rPr>
-              <a:t>ssh</a:t>
-            </a:r>
-            <a:r>
-              <a:rPr lang="en-US" sz="1600" dirty="0">
-                <a:latin typeface="Apple Symbols" charset="0"/>
-                <a:ea typeface="Apple Symbols" charset="0"/>
-                <a:cs typeface="Apple Symbols" charset="0"/>
-              </a:rPr>
-              <a:t> root@&lt;</a:t>
-            </a:r>
-            <a:r>
-              <a:rPr lang="en-US" sz="1600" dirty="0" err="1">
-                <a:latin typeface="Apple Symbols" charset="0"/>
-                <a:ea typeface="Apple Symbols" charset="0"/>
-                <a:cs typeface="Apple Symbols" charset="0"/>
-              </a:rPr>
-              <a:t>Put_Here_IP_Of_MIRO_Found_In_Android_App</a:t>
-            </a:r>
-            <a:r>
-              <a:rPr lang="en-US" sz="1600" dirty="0">
-                <a:latin typeface="Apple Symbols" charset="0"/>
-                <a:ea typeface="Apple Symbols" charset="0"/>
-                <a:cs typeface="Apple Symbols" charset="0"/>
-              </a:rPr>
-              <a:t>&gt;</a:t>
-            </a:r>
-            <a:endParaRPr lang="en-US" sz="1600" dirty="0" smtClean="0">
-              <a:latin typeface="Apple Symbols" charset="0"/>
-              <a:ea typeface="Apple Symbols" charset="0"/>
-              <a:cs typeface="Apple Symbols" charset="0"/>
-            </a:endParaRPr>
-          </a:p>
-        </p:txBody>
-      </p:sp>
-      <p:sp>
-        <p:nvSpPr>
-          <p:cNvPr id="8" name="Content Placeholder 3"/>
-          <p:cNvSpPr txBox="1">
-            <a:spLocks/>
-          </p:cNvSpPr>
-          <p:nvPr/>
-        </p:nvSpPr>
-        <p:spPr>
-          <a:xfrm>
-            <a:off x="457195" y="2175508"/>
-            <a:ext cx="7620000" cy="358164"/>
-          </a:xfrm>
-          <a:prstGeom prst="rect">
-            <a:avLst/>
-          </a:prstGeom>
-        </p:spPr>
-        <p:txBody>
-          <a:bodyPr vert="horz" lIns="91440" tIns="45720" rIns="91440" bIns="45720" rtlCol="0">
-            <a:normAutofit fontScale="92500" lnSpcReduction="10000"/>
-          </a:bodyPr>
-          <a:lstStyle>
-            <a:lvl1pPr marL="0" indent="0" algn="l" defTabSz="914400" rtl="0" eaLnBrk="1" latinLnBrk="0" hangingPunct="1">
-              <a:spcBef>
-                <a:spcPct val="20000"/>
-              </a:spcBef>
-              <a:spcAft>
-                <a:spcPts val="600"/>
-              </a:spcAft>
-              <a:buFont typeface="Arial" pitchFamily="34" charset="0"/>
-              <a:buNone/>
-              <a:defRPr sz="2000" b="1" kern="1200">
-                <a:solidFill>
-                  <a:schemeClr val="tx1"/>
-                </a:solidFill>
-                <a:latin typeface="+mn-lt"/>
-                <a:ea typeface="+mn-ea"/>
-                <a:cs typeface="+mn-cs"/>
-              </a:defRPr>
-            </a:lvl1pPr>
-            <a:lvl2pPr marL="457200" indent="-182880" algn="l" defTabSz="914400" rtl="0" eaLnBrk="1" latinLnBrk="0" hangingPunct="1">
-              <a:spcBef>
-                <a:spcPct val="20000"/>
-              </a:spcBef>
-              <a:buClr>
-                <a:schemeClr val="tx2"/>
-              </a:buClr>
-              <a:buFont typeface="Arial" pitchFamily="34" charset="0"/>
-              <a:buChar char="•"/>
-              <a:defRPr sz="2000" kern="1200">
-                <a:solidFill>
-                  <a:schemeClr val="tx1"/>
-                </a:solidFill>
-                <a:latin typeface="+mn-lt"/>
-                <a:ea typeface="+mn-ea"/>
-                <a:cs typeface="+mn-cs"/>
-              </a:defRPr>
-            </a:lvl2pPr>
-            <a:lvl3pPr marL="1143000" indent="-228600" algn="l" defTabSz="914400" rtl="0" eaLnBrk="1" latinLnBrk="0" hangingPunct="1">
-              <a:spcBef>
-                <a:spcPct val="20000"/>
-              </a:spcBef>
-              <a:buClr>
-                <a:schemeClr val="tx2"/>
-              </a:buClr>
-              <a:buFont typeface="Arial" pitchFamily="34" charset="0"/>
-              <a:buChar char="•"/>
-              <a:defRPr sz="1800" kern="1200">
-                <a:solidFill>
-                  <a:schemeClr val="tx1"/>
-                </a:solidFill>
-                <a:latin typeface="+mn-lt"/>
-                <a:ea typeface="+mn-ea"/>
-                <a:cs typeface="+mn-cs"/>
-              </a:defRPr>
-            </a:lvl3pPr>
-            <a:lvl4pPr marL="1600200" indent="-228600" algn="l" defTabSz="914400" rtl="0" eaLnBrk="1" latinLnBrk="0" hangingPunct="1">
-              <a:spcBef>
-                <a:spcPct val="20000"/>
-              </a:spcBef>
-              <a:buClr>
-                <a:schemeClr val="tx2"/>
-              </a:buClr>
-              <a:buFont typeface="Arial" pitchFamily="34" charset="0"/>
-              <a:buChar char="•"/>
-              <a:defRPr sz="1800" kern="1200">
-                <a:solidFill>
-                  <a:schemeClr val="tx1"/>
-                </a:solidFill>
-                <a:latin typeface="+mn-lt"/>
-                <a:ea typeface="+mn-ea"/>
-                <a:cs typeface="+mn-cs"/>
-              </a:defRPr>
-            </a:lvl4pPr>
-            <a:lvl5pPr marL="2057400" indent="-228600" algn="l" defTabSz="914400" rtl="0" eaLnBrk="1" latinLnBrk="0" hangingPunct="1">
-              <a:spcBef>
-                <a:spcPct val="20000"/>
-              </a:spcBef>
-              <a:buClr>
-                <a:schemeClr val="tx2"/>
-              </a:buClr>
-              <a:buFont typeface="Arial" pitchFamily="34" charset="0"/>
-              <a:buChar char="•"/>
-              <a:defRPr sz="1800" kern="1200" baseline="0">
-                <a:solidFill>
-                  <a:schemeClr val="tx1"/>
-                </a:solidFill>
-                <a:latin typeface="+mn-lt"/>
-                <a:ea typeface="+mn-ea"/>
-                <a:cs typeface="+mn-cs"/>
-              </a:defRPr>
-            </a:lvl5pPr>
-            <a:lvl6pPr marL="2514600" indent="-228600" algn="l" defTabSz="914400" rtl="0" eaLnBrk="1" latinLnBrk="0" hangingPunct="1">
-              <a:spcBef>
-                <a:spcPct val="20000"/>
-              </a:spcBef>
-              <a:buClr>
-                <a:schemeClr val="tx2"/>
-              </a:buClr>
-              <a:buFont typeface="Arial" pitchFamily="34" charset="0"/>
-              <a:buChar char="•"/>
-              <a:defRPr sz="1600" kern="1200">
-                <a:solidFill>
-                  <a:schemeClr val="tx1"/>
-                </a:solidFill>
-                <a:latin typeface="+mn-lt"/>
-                <a:ea typeface="+mn-ea"/>
-                <a:cs typeface="+mn-cs"/>
-              </a:defRPr>
-            </a:lvl6pPr>
-            <a:lvl7pPr marL="2971800" indent="-228600" algn="l" defTabSz="914400" rtl="0" eaLnBrk="1" latinLnBrk="0" hangingPunct="1">
-              <a:spcBef>
-                <a:spcPct val="20000"/>
-              </a:spcBef>
-              <a:buClr>
-                <a:schemeClr val="tx2"/>
-              </a:buClr>
-              <a:buFont typeface="Arial" pitchFamily="34" charset="0"/>
-              <a:buChar char="•"/>
-              <a:defRPr sz="1600" kern="1200">
-                <a:solidFill>
-                  <a:schemeClr val="tx1"/>
-                </a:solidFill>
-                <a:latin typeface="+mn-lt"/>
-                <a:ea typeface="+mn-ea"/>
-                <a:cs typeface="+mn-cs"/>
-              </a:defRPr>
-            </a:lvl7pPr>
-            <a:lvl8pPr marL="3429000" indent="-228600" algn="l" defTabSz="914400" rtl="0" eaLnBrk="1" latinLnBrk="0" hangingPunct="1">
-              <a:spcBef>
-                <a:spcPct val="20000"/>
-              </a:spcBef>
-              <a:buClr>
-                <a:schemeClr val="tx2"/>
-              </a:buClr>
-              <a:buFont typeface="Arial" pitchFamily="34" charset="0"/>
-              <a:buChar char="•"/>
-              <a:defRPr sz="1600" kern="1200">
-                <a:solidFill>
-                  <a:schemeClr val="tx1"/>
-                </a:solidFill>
-                <a:latin typeface="+mn-lt"/>
-                <a:ea typeface="+mn-ea"/>
-                <a:cs typeface="+mn-cs"/>
-              </a:defRPr>
-            </a:lvl8pPr>
-            <a:lvl9pPr marL="3886200" indent="-228600" algn="l" defTabSz="914400" rtl="0" eaLnBrk="1" latinLnBrk="0" hangingPunct="1">
-              <a:spcBef>
-                <a:spcPct val="20000"/>
-              </a:spcBef>
-              <a:buClr>
-                <a:schemeClr val="tx2"/>
-              </a:buClr>
-              <a:buFont typeface="Arial" pitchFamily="34" charset="0"/>
-              <a:buChar char="•"/>
-              <a:defRPr sz="1600" kern="1200">
-                <a:solidFill>
-                  <a:schemeClr val="tx1"/>
-                </a:solidFill>
-                <a:latin typeface="+mn-lt"/>
-                <a:ea typeface="+mn-ea"/>
-                <a:cs typeface="+mn-cs"/>
-              </a:defRPr>
-            </a:lvl9pPr>
-          </a:lstStyle>
-          <a:p>
-            <a:pPr marL="285750" indent="-285750">
-              <a:buFont typeface="Arial"/>
-              <a:buChar char="•"/>
-            </a:pPr>
-            <a:r>
-              <a:rPr lang="en-US" b="0" dirty="0" smtClean="0">
-                <a:latin typeface="Calibri" charset="0"/>
-                <a:ea typeface="Calibri" charset="0"/>
-                <a:cs typeface="Calibri" charset="0"/>
-              </a:rPr>
-              <a:t>In the smartphone: open the </a:t>
-            </a:r>
-            <a:r>
-              <a:rPr lang="en-US" b="0" dirty="0" err="1" smtClean="0">
-                <a:solidFill>
-                  <a:srgbClr val="D1282E"/>
-                </a:solidFill>
-                <a:latin typeface="Calibri" charset="0"/>
-                <a:ea typeface="Calibri" charset="0"/>
-                <a:cs typeface="Calibri" charset="0"/>
-              </a:rPr>
-              <a:t>MIROapp</a:t>
-            </a:r>
-            <a:r>
-              <a:rPr lang="en-US" b="0" dirty="0" smtClean="0">
-                <a:solidFill>
-                  <a:srgbClr val="D1282E"/>
-                </a:solidFill>
-                <a:latin typeface="Calibri" charset="0"/>
-                <a:ea typeface="Calibri" charset="0"/>
-                <a:cs typeface="Calibri" charset="0"/>
-              </a:rPr>
-              <a:t> </a:t>
-            </a:r>
-            <a:r>
-              <a:rPr lang="en-US" b="0" dirty="0" smtClean="0">
-                <a:latin typeface="Calibri" charset="0"/>
-                <a:ea typeface="Calibri" charset="0"/>
-                <a:cs typeface="Calibri" charset="0"/>
-              </a:rPr>
-              <a:t>and check its </a:t>
-            </a:r>
-            <a:r>
-              <a:rPr lang="en-US" b="0" dirty="0" smtClean="0">
-                <a:solidFill>
-                  <a:srgbClr val="D1282E"/>
-                </a:solidFill>
-                <a:latin typeface="Calibri" charset="0"/>
-                <a:ea typeface="Calibri" charset="0"/>
-                <a:cs typeface="Calibri" charset="0"/>
-              </a:rPr>
-              <a:t>IP address</a:t>
-            </a:r>
-          </a:p>
-        </p:txBody>
-      </p:sp>
-      <p:sp>
-        <p:nvSpPr>
-          <p:cNvPr id="9" name="Content Placeholder 3"/>
-          <p:cNvSpPr txBox="1">
-            <a:spLocks/>
-          </p:cNvSpPr>
-          <p:nvPr/>
-        </p:nvSpPr>
-        <p:spPr>
-          <a:xfrm>
-            <a:off x="457193" y="3083924"/>
-            <a:ext cx="7620000" cy="577826"/>
-          </a:xfrm>
-          <a:prstGeom prst="rect">
-            <a:avLst/>
-          </a:prstGeom>
-        </p:spPr>
-        <p:txBody>
-          <a:bodyPr vert="horz" lIns="91440" tIns="45720" rIns="91440" bIns="45720" rtlCol="0">
-            <a:normAutofit/>
-          </a:bodyPr>
-          <a:lstStyle>
-            <a:lvl1pPr marL="0" indent="0" algn="l" defTabSz="914400" rtl="0" eaLnBrk="1" latinLnBrk="0" hangingPunct="1">
-              <a:spcBef>
-                <a:spcPct val="20000"/>
-              </a:spcBef>
-              <a:spcAft>
-                <a:spcPts val="600"/>
-              </a:spcAft>
-              <a:buFont typeface="Arial" pitchFamily="34" charset="0"/>
-              <a:buNone/>
-              <a:defRPr sz="2000" b="1" kern="1200">
-                <a:solidFill>
-                  <a:schemeClr val="tx1"/>
-                </a:solidFill>
-                <a:latin typeface="+mn-lt"/>
-                <a:ea typeface="+mn-ea"/>
-                <a:cs typeface="+mn-cs"/>
-              </a:defRPr>
-            </a:lvl1pPr>
-            <a:lvl2pPr marL="457200" indent="-182880" algn="l" defTabSz="914400" rtl="0" eaLnBrk="1" latinLnBrk="0" hangingPunct="1">
-              <a:spcBef>
-                <a:spcPct val="20000"/>
-              </a:spcBef>
-              <a:buClr>
-                <a:schemeClr val="tx2"/>
-              </a:buClr>
-              <a:buFont typeface="Arial" pitchFamily="34" charset="0"/>
-              <a:buChar char="•"/>
-              <a:defRPr sz="2000" kern="1200">
-                <a:solidFill>
-                  <a:schemeClr val="tx1"/>
-                </a:solidFill>
-                <a:latin typeface="+mn-lt"/>
-                <a:ea typeface="+mn-ea"/>
-                <a:cs typeface="+mn-cs"/>
-              </a:defRPr>
-            </a:lvl2pPr>
-            <a:lvl3pPr marL="1143000" indent="-228600" algn="l" defTabSz="914400" rtl="0" eaLnBrk="1" latinLnBrk="0" hangingPunct="1">
-              <a:spcBef>
-                <a:spcPct val="20000"/>
-              </a:spcBef>
-              <a:buClr>
-                <a:schemeClr val="tx2"/>
-              </a:buClr>
-              <a:buFont typeface="Arial" pitchFamily="34" charset="0"/>
-              <a:buChar char="•"/>
-              <a:defRPr sz="1800" kern="1200">
-                <a:solidFill>
-                  <a:schemeClr val="tx1"/>
-                </a:solidFill>
-                <a:latin typeface="+mn-lt"/>
-                <a:ea typeface="+mn-ea"/>
-                <a:cs typeface="+mn-cs"/>
-              </a:defRPr>
-            </a:lvl3pPr>
-            <a:lvl4pPr marL="1600200" indent="-228600" algn="l" defTabSz="914400" rtl="0" eaLnBrk="1" latinLnBrk="0" hangingPunct="1">
-              <a:spcBef>
-                <a:spcPct val="20000"/>
-              </a:spcBef>
-              <a:buClr>
-                <a:schemeClr val="tx2"/>
-              </a:buClr>
-              <a:buFont typeface="Arial" pitchFamily="34" charset="0"/>
-              <a:buChar char="•"/>
-              <a:defRPr sz="1800" kern="1200">
-                <a:solidFill>
-                  <a:schemeClr val="tx1"/>
-                </a:solidFill>
-                <a:latin typeface="+mn-lt"/>
-                <a:ea typeface="+mn-ea"/>
-                <a:cs typeface="+mn-cs"/>
-              </a:defRPr>
-            </a:lvl4pPr>
-            <a:lvl5pPr marL="2057400" indent="-228600" algn="l" defTabSz="914400" rtl="0" eaLnBrk="1" latinLnBrk="0" hangingPunct="1">
-              <a:spcBef>
-                <a:spcPct val="20000"/>
-              </a:spcBef>
-              <a:buClr>
-                <a:schemeClr val="tx2"/>
-              </a:buClr>
-              <a:buFont typeface="Arial" pitchFamily="34" charset="0"/>
-              <a:buChar char="•"/>
-              <a:defRPr sz="1800" kern="1200" baseline="0">
-                <a:solidFill>
-                  <a:schemeClr val="tx1"/>
-                </a:solidFill>
-                <a:latin typeface="+mn-lt"/>
-                <a:ea typeface="+mn-ea"/>
-                <a:cs typeface="+mn-cs"/>
-              </a:defRPr>
-            </a:lvl5pPr>
-            <a:lvl6pPr marL="2514600" indent="-228600" algn="l" defTabSz="914400" rtl="0" eaLnBrk="1" latinLnBrk="0" hangingPunct="1">
-              <a:spcBef>
-                <a:spcPct val="20000"/>
-              </a:spcBef>
-              <a:buClr>
-                <a:schemeClr val="tx2"/>
-              </a:buClr>
-              <a:buFont typeface="Arial" pitchFamily="34" charset="0"/>
-              <a:buChar char="•"/>
-              <a:defRPr sz="1600" kern="1200">
-                <a:solidFill>
-                  <a:schemeClr val="tx1"/>
-                </a:solidFill>
-                <a:latin typeface="+mn-lt"/>
-                <a:ea typeface="+mn-ea"/>
-                <a:cs typeface="+mn-cs"/>
-              </a:defRPr>
-            </a:lvl6pPr>
-            <a:lvl7pPr marL="2971800" indent="-228600" algn="l" defTabSz="914400" rtl="0" eaLnBrk="1" latinLnBrk="0" hangingPunct="1">
-              <a:spcBef>
-                <a:spcPct val="20000"/>
-              </a:spcBef>
-              <a:buClr>
-                <a:schemeClr val="tx2"/>
-              </a:buClr>
-              <a:buFont typeface="Arial" pitchFamily="34" charset="0"/>
-              <a:buChar char="•"/>
-              <a:defRPr sz="1600" kern="1200">
-                <a:solidFill>
-                  <a:schemeClr val="tx1"/>
-                </a:solidFill>
-                <a:latin typeface="+mn-lt"/>
-                <a:ea typeface="+mn-ea"/>
-                <a:cs typeface="+mn-cs"/>
-              </a:defRPr>
-            </a:lvl7pPr>
-            <a:lvl8pPr marL="3429000" indent="-228600" algn="l" defTabSz="914400" rtl="0" eaLnBrk="1" latinLnBrk="0" hangingPunct="1">
-              <a:spcBef>
-                <a:spcPct val="20000"/>
-              </a:spcBef>
-              <a:buClr>
-                <a:schemeClr val="tx2"/>
-              </a:buClr>
-              <a:buFont typeface="Arial" pitchFamily="34" charset="0"/>
-              <a:buChar char="•"/>
-              <a:defRPr sz="1600" kern="1200">
-                <a:solidFill>
-                  <a:schemeClr val="tx1"/>
-                </a:solidFill>
-                <a:latin typeface="+mn-lt"/>
-                <a:ea typeface="+mn-ea"/>
-                <a:cs typeface="+mn-cs"/>
-              </a:defRPr>
-            </a:lvl8pPr>
-            <a:lvl9pPr marL="3886200" indent="-228600" algn="l" defTabSz="914400" rtl="0" eaLnBrk="1" latinLnBrk="0" hangingPunct="1">
-              <a:spcBef>
-                <a:spcPct val="20000"/>
-              </a:spcBef>
-              <a:buClr>
-                <a:schemeClr val="tx2"/>
-              </a:buClr>
-              <a:buFont typeface="Arial" pitchFamily="34" charset="0"/>
-              <a:buChar char="•"/>
-              <a:defRPr sz="1600" kern="1200">
-                <a:solidFill>
-                  <a:schemeClr val="tx1"/>
-                </a:solidFill>
-                <a:latin typeface="+mn-lt"/>
-                <a:ea typeface="+mn-ea"/>
-                <a:cs typeface="+mn-cs"/>
-              </a:defRPr>
-            </a:lvl9pPr>
-          </a:lstStyle>
-          <a:p>
-            <a:pPr marL="285750" indent="-285750">
-              <a:buFont typeface="Arial"/>
-              <a:buChar char="•"/>
-            </a:pPr>
-            <a:r>
-              <a:rPr lang="en-US" b="0" dirty="0" smtClean="0">
-                <a:latin typeface="Calibri" charset="0"/>
-                <a:ea typeface="Calibri" charset="0"/>
-                <a:cs typeface="Calibri" charset="0"/>
-              </a:rPr>
-              <a:t>MIRO’s SSH entry password is:</a:t>
-            </a:r>
-          </a:p>
-        </p:txBody>
-      </p:sp>
-      <p:sp>
-        <p:nvSpPr>
-          <p:cNvPr id="11" name="TextBox 10"/>
-          <p:cNvSpPr txBox="1"/>
-          <p:nvPr/>
-        </p:nvSpPr>
-        <p:spPr>
-          <a:xfrm>
-            <a:off x="771627" y="3382838"/>
-            <a:ext cx="4976042" cy="338554"/>
-          </a:xfrm>
-          <a:prstGeom prst="rect">
-            <a:avLst/>
-          </a:prstGeom>
-          <a:noFill/>
-        </p:spPr>
-        <p:txBody>
-          <a:bodyPr wrap="square" rtlCol="0">
-            <a:spAutoFit/>
-          </a:bodyPr>
-          <a:lstStyle/>
-          <a:p>
-            <a:r>
-              <a:rPr lang="en-US" sz="1600" dirty="0" smtClean="0">
-                <a:latin typeface="Apple Symbols" charset="0"/>
-                <a:ea typeface="Apple Symbols" charset="0"/>
-                <a:cs typeface="Apple Symbols" charset="0"/>
-              </a:rPr>
-              <a:t>$ MIROOpen1</a:t>
-            </a:r>
-          </a:p>
-        </p:txBody>
-      </p:sp>
-      <p:sp>
-        <p:nvSpPr>
-          <p:cNvPr id="12" name="Content Placeholder 3"/>
-          <p:cNvSpPr txBox="1">
-            <a:spLocks/>
-          </p:cNvSpPr>
-          <p:nvPr/>
-        </p:nvSpPr>
-        <p:spPr>
-          <a:xfrm>
-            <a:off x="457193" y="3688257"/>
-            <a:ext cx="7620000" cy="352908"/>
+            <a:off x="457198" y="1768867"/>
+            <a:ext cx="7620000" cy="4461812"/>
           </a:xfrm>
           <a:prstGeom prst="rect">
             <a:avLst/>
@@ -9778,98 +10480,234 @@
                 <a:ea typeface="Calibri" charset="0"/>
                 <a:cs typeface="Calibri" charset="0"/>
               </a:rPr>
-              <a:t>Once inside MIRO’s Terminal, type in:</a:t>
-            </a:r>
-          </a:p>
-        </p:txBody>
-      </p:sp>
-      <p:sp>
-        <p:nvSpPr>
-          <p:cNvPr id="13" name="TextBox 12"/>
-          <p:cNvSpPr txBox="1"/>
-          <p:nvPr/>
-        </p:nvSpPr>
-        <p:spPr>
-          <a:xfrm>
-            <a:off x="760436" y="3992156"/>
-            <a:ext cx="4987232" cy="338554"/>
-          </a:xfrm>
-          <a:prstGeom prst="rect">
-            <a:avLst/>
-          </a:prstGeom>
-          <a:noFill/>
-        </p:spPr>
-        <p:txBody>
-          <a:bodyPr wrap="square" rtlCol="0">
-            <a:spAutoFit/>
-          </a:bodyPr>
-          <a:lstStyle/>
-          <a:p>
-            <a:r>
-              <a:rPr lang="en-US" sz="1600" dirty="0" smtClean="0">
-                <a:latin typeface="Apple Symbols" charset="0"/>
-                <a:ea typeface="Apple Symbols" charset="0"/>
-                <a:cs typeface="Apple Symbols" charset="0"/>
-              </a:rPr>
-              <a:t>$ </a:t>
-            </a:r>
-            <a:r>
-              <a:rPr lang="pt-BR" sz="1600" dirty="0" err="1">
-                <a:latin typeface="Apple Symbols" charset="0"/>
-                <a:ea typeface="Apple Symbols" charset="0"/>
-                <a:cs typeface="Apple Symbols" charset="0"/>
-              </a:rPr>
-              <a:t>sudo</a:t>
-            </a:r>
-            <a:r>
-              <a:rPr lang="pt-BR" sz="1600" dirty="0">
-                <a:latin typeface="Apple Symbols" charset="0"/>
-                <a:ea typeface="Apple Symbols" charset="0"/>
-                <a:cs typeface="Apple Symbols" charset="0"/>
-              </a:rPr>
-              <a:t> nano ~/.profile </a:t>
-            </a:r>
-            <a:endParaRPr lang="en-US" sz="1600" dirty="0" smtClean="0">
-              <a:latin typeface="Apple Symbols" charset="0"/>
-              <a:ea typeface="Apple Symbols" charset="0"/>
-              <a:cs typeface="Apple Symbols" charset="0"/>
-            </a:endParaRPr>
-          </a:p>
-        </p:txBody>
-      </p:sp>
-      <p:sp>
-        <p:nvSpPr>
-          <p:cNvPr id="3" name="TextBox 2"/>
-          <p:cNvSpPr txBox="1"/>
-          <p:nvPr/>
-        </p:nvSpPr>
-        <p:spPr>
-          <a:xfrm>
-            <a:off x="457193" y="5394172"/>
-            <a:ext cx="184731" cy="400110"/>
-          </a:xfrm>
-          <a:prstGeom prst="rect">
-            <a:avLst/>
-          </a:prstGeom>
-          <a:noFill/>
-        </p:spPr>
-        <p:txBody>
-          <a:bodyPr wrap="none" rtlCol="0">
-            <a:spAutoFit/>
-          </a:bodyPr>
-          <a:lstStyle/>
-          <a:p>
-            <a:endParaRPr lang="en-US" sz="2000" dirty="0">
+              <a:t>Download from: </a:t>
+            </a:r>
+            <a:r>
+              <a:rPr lang="en-US" b="0" dirty="0" smtClean="0">
+                <a:latin typeface="Calibri" charset="0"/>
+                <a:ea typeface="Calibri" charset="0"/>
+                <a:cs typeface="Calibri" charset="0"/>
+                <a:hlinkClick r:id="rId2"/>
+              </a:rPr>
+              <a:t>http://labs.consequentialrobotics.com/miro/mdk/</a:t>
+            </a:r>
+            <a:endParaRPr lang="en-US" b="0" dirty="0" smtClean="0">
               <a:latin typeface="Calibri" charset="0"/>
               <a:ea typeface="Calibri" charset="0"/>
               <a:cs typeface="Calibri" charset="0"/>
             </a:endParaRPr>
           </a:p>
-        </p:txBody>
-      </p:sp>
-      <p:sp>
-        <p:nvSpPr>
-          <p:cNvPr id="18" name="TextBox 17"/>
+          <a:p>
+            <a:pPr marL="742950" lvl="1" indent="-285750">
+              <a:buFont typeface="Arial"/>
+              <a:buChar char="•"/>
+            </a:pPr>
+            <a:r>
+              <a:rPr lang="en-US" b="0" dirty="0" smtClean="0">
+                <a:latin typeface="Calibri" charset="0"/>
+                <a:ea typeface="Calibri" charset="0"/>
+                <a:cs typeface="Calibri" charset="0"/>
+              </a:rPr>
+              <a:t>The </a:t>
+            </a:r>
+            <a:r>
+              <a:rPr lang="en-US" b="0" dirty="0" smtClean="0">
+                <a:solidFill>
+                  <a:srgbClr val="D1282E"/>
+                </a:solidFill>
+                <a:latin typeface="Calibri" charset="0"/>
+                <a:ea typeface="Calibri" charset="0"/>
+                <a:cs typeface="Calibri" charset="0"/>
+              </a:rPr>
+              <a:t>MDK (Complete Edition)</a:t>
+            </a:r>
+            <a:r>
+              <a:rPr lang="en-US" b="0" dirty="0" smtClean="0">
+                <a:latin typeface="Calibri" charset="0"/>
+                <a:ea typeface="Calibri" charset="0"/>
+                <a:cs typeface="Calibri" charset="0"/>
+              </a:rPr>
+              <a:t> onto your </a:t>
+            </a:r>
+            <a:r>
+              <a:rPr lang="en-US" b="0" dirty="0" smtClean="0">
+                <a:solidFill>
+                  <a:srgbClr val="D1282E"/>
+                </a:solidFill>
+                <a:latin typeface="Calibri" charset="0"/>
+                <a:ea typeface="Calibri" charset="0"/>
+                <a:cs typeface="Calibri" charset="0"/>
+              </a:rPr>
+              <a:t>workstation</a:t>
+            </a:r>
+          </a:p>
+          <a:p>
+            <a:pPr marL="742950" lvl="1" indent="-285750">
+              <a:buFont typeface="Arial"/>
+              <a:buChar char="•"/>
+            </a:pPr>
+            <a:r>
+              <a:rPr lang="en-US" b="0" dirty="0" smtClean="0">
+                <a:latin typeface="Calibri" charset="0"/>
+                <a:ea typeface="Calibri" charset="0"/>
+                <a:cs typeface="Calibri" charset="0"/>
+              </a:rPr>
+              <a:t>The </a:t>
+            </a:r>
+            <a:r>
+              <a:rPr lang="en-US" b="0" dirty="0" err="1" smtClean="0">
+                <a:solidFill>
+                  <a:srgbClr val="D1282E"/>
+                </a:solidFill>
+                <a:latin typeface="Calibri" charset="0"/>
+                <a:ea typeface="Calibri" charset="0"/>
+                <a:cs typeface="Calibri" charset="0"/>
+              </a:rPr>
+              <a:t>MIROapp</a:t>
+            </a:r>
+            <a:r>
+              <a:rPr lang="en-US" b="0" dirty="0" smtClean="0">
+                <a:latin typeface="Calibri" charset="0"/>
+                <a:ea typeface="Calibri" charset="0"/>
+                <a:cs typeface="Calibri" charset="0"/>
+              </a:rPr>
+              <a:t> onto your </a:t>
+            </a:r>
+            <a:r>
+              <a:rPr lang="en-US" b="0" dirty="0" smtClean="0">
+                <a:solidFill>
+                  <a:srgbClr val="D1282E"/>
+                </a:solidFill>
+                <a:latin typeface="Calibri" charset="0"/>
+                <a:ea typeface="Calibri" charset="0"/>
+                <a:cs typeface="Calibri" charset="0"/>
+              </a:rPr>
+              <a:t>Android mobile device </a:t>
+            </a:r>
+            <a:r>
+              <a:rPr lang="en-US" b="0" dirty="0" smtClean="0">
+                <a:latin typeface="Calibri" charset="0"/>
+                <a:ea typeface="Calibri" charset="0"/>
+                <a:cs typeface="Calibri" charset="0"/>
+              </a:rPr>
+              <a:t>directly </a:t>
+            </a:r>
+          </a:p>
+          <a:p>
+            <a:pPr marL="285750" indent="-285750">
+              <a:buFont typeface="Arial"/>
+              <a:buChar char="•"/>
+            </a:pPr>
+            <a:r>
+              <a:rPr lang="en-US" b="0" dirty="0" smtClean="0">
+                <a:latin typeface="Calibri" charset="0"/>
+                <a:ea typeface="Calibri" charset="0"/>
+                <a:cs typeface="Calibri" charset="0"/>
+              </a:rPr>
+              <a:t>Then</a:t>
+            </a:r>
+            <a:r>
+              <a:rPr lang="en-US" b="0" dirty="0" smtClean="0">
+                <a:latin typeface="Calibri" charset="0"/>
+                <a:ea typeface="Calibri" charset="0"/>
+                <a:cs typeface="Calibri" charset="0"/>
+              </a:rPr>
+              <a:t>, in your workstation</a:t>
+            </a:r>
+            <a:r>
+              <a:rPr lang="en-US" b="0" dirty="0" smtClean="0">
+                <a:latin typeface="Calibri" charset="0"/>
+                <a:ea typeface="Calibri" charset="0"/>
+                <a:cs typeface="Calibri" charset="0"/>
+              </a:rPr>
+              <a:t>:</a:t>
+            </a:r>
+            <a:endParaRPr lang="en-US" dirty="0">
+              <a:latin typeface="Calibri" charset="0"/>
+              <a:ea typeface="Calibri" charset="0"/>
+              <a:cs typeface="Calibri" charset="0"/>
+            </a:endParaRPr>
+          </a:p>
+          <a:p>
+            <a:pPr marL="742950" lvl="1" indent="-285750">
+              <a:buFont typeface="Arial"/>
+              <a:buChar char="•"/>
+            </a:pPr>
+            <a:r>
+              <a:rPr lang="en-US" dirty="0" smtClean="0">
+                <a:latin typeface="Calibri" charset="0"/>
+                <a:ea typeface="Calibri" charset="0"/>
+                <a:cs typeface="Calibri" charset="0"/>
+              </a:rPr>
+              <a:t>Finally, open your bash file by typing in:</a:t>
+            </a:r>
+          </a:p>
+          <a:p>
+            <a:pPr marL="742950" lvl="1" indent="-285750">
+              <a:buFont typeface="Arial"/>
+              <a:buChar char="•"/>
+            </a:pPr>
+            <a:endParaRPr lang="en-US" dirty="0" smtClean="0">
+              <a:latin typeface="Calibri" charset="0"/>
+              <a:ea typeface="Calibri" charset="0"/>
+              <a:cs typeface="Calibri" charset="0"/>
+            </a:endParaRPr>
+          </a:p>
+          <a:p>
+            <a:pPr marL="742950" lvl="1" indent="-285750">
+              <a:buFont typeface="Arial"/>
+              <a:buChar char="•"/>
+            </a:pPr>
+            <a:r>
+              <a:rPr lang="en-US" dirty="0" smtClean="0">
+                <a:latin typeface="Calibri" charset="0"/>
+                <a:ea typeface="Calibri" charset="0"/>
+                <a:cs typeface="Calibri" charset="0"/>
+              </a:rPr>
+              <a:t>Copy and paste </a:t>
+            </a:r>
+            <a:r>
+              <a:rPr lang="en-US" dirty="0" smtClean="0">
+                <a:latin typeface="Calibri" charset="0"/>
+                <a:ea typeface="Calibri" charset="0"/>
+                <a:cs typeface="Calibri" charset="0"/>
+              </a:rPr>
+              <a:t>lines from </a:t>
+            </a:r>
+            <a:r>
+              <a:rPr lang="en-US" dirty="0" smtClean="0">
+                <a:latin typeface="Calibri" charset="0"/>
+                <a:ea typeface="Calibri" charset="0"/>
+                <a:cs typeface="Calibri" charset="0"/>
+                <a:hlinkClick r:id="rId3"/>
+              </a:rPr>
+              <a:t>https://consequential.bitbucket.io/Developer_Preparation_Prepare_workstation.html</a:t>
+            </a:r>
+            <a:endParaRPr lang="en-US" sz="1200" dirty="0">
+              <a:latin typeface="Calibri" charset="0"/>
+              <a:ea typeface="Calibri" charset="0"/>
+              <a:cs typeface="Calibri" charset="0"/>
+            </a:endParaRPr>
+          </a:p>
+          <a:p>
+            <a:pPr marL="1428750" lvl="2" indent="-285750">
+              <a:buFont typeface="Arial"/>
+              <a:buChar char="•"/>
+            </a:pPr>
+            <a:r>
+              <a:rPr lang="en-US" dirty="0" smtClean="0">
+                <a:latin typeface="Calibri" charset="0"/>
+                <a:ea typeface="Calibri" charset="0"/>
+                <a:cs typeface="Calibri" charset="0"/>
+              </a:rPr>
+              <a:t>(The lines within white windows) which are basically configure ROS and Gazebo for operating with MiRo.</a:t>
+            </a:r>
+          </a:p>
+        </p:txBody>
+      </p:sp>
+      <p:sp>
+        <p:nvSpPr>
+          <p:cNvPr id="9" name="TextBox 8"/>
           <p:cNvSpPr txBox="1"/>
           <p:nvPr/>
         </p:nvSpPr>
@@ -9898,7 +10736,7 @@
                 <a:ea typeface="Calibri Light" charset="0"/>
                 <a:cs typeface="Calibri Light" charset="0"/>
               </a:rPr>
-              <a:t>C</a:t>
+              <a:t>MiRo</a:t>
             </a:r>
             <a:r>
               <a:rPr lang="en-GB" sz="4400" dirty="0" smtClean="0">
@@ -9906,10 +10744,10 @@
                 <a:ea typeface="Calibri Light" charset="0"/>
                 <a:cs typeface="Calibri Light" charset="0"/>
               </a:rPr>
-              <a:t>onfiguring </a:t>
-            </a:r>
-            <a:r>
-              <a:rPr lang="en-GB" sz="4400" dirty="0" smtClean="0">
+              <a:t> </a:t>
+            </a:r>
+            <a:r>
+              <a:rPr lang="en-GB" sz="4400" dirty="0" err="1" smtClean="0">
                 <a:solidFill>
                   <a:srgbClr val="C00000"/>
                 </a:solidFill>
@@ -9917,7 +10755,80 @@
                 <a:ea typeface="Calibri Light" charset="0"/>
                 <a:cs typeface="Calibri Light" charset="0"/>
               </a:rPr>
-              <a:t>MiRo</a:t>
+              <a:t>d</a:t>
+            </a:r>
+            <a:r>
+              <a:rPr lang="en-GB" sz="4400" dirty="0" err="1" smtClean="0">
+                <a:latin typeface="Calibri Light" charset="0"/>
+                <a:ea typeface="Calibri Light" charset="0"/>
+                <a:cs typeface="Calibri Light" charset="0"/>
+              </a:rPr>
+              <a:t>evkit</a:t>
+            </a:r>
+            <a:r>
+              <a:rPr lang="en-GB" sz="4400" dirty="0" smtClean="0">
+                <a:latin typeface="Calibri Light" charset="0"/>
+                <a:ea typeface="Calibri Light" charset="0"/>
+                <a:cs typeface="Calibri Light" charset="0"/>
+              </a:rPr>
+              <a:t> </a:t>
+            </a:r>
+            <a:r>
+              <a:rPr lang="en-GB" sz="4400" dirty="0" smtClean="0">
+                <a:solidFill>
+                  <a:srgbClr val="C00000"/>
+                </a:solidFill>
+                <a:latin typeface="Calibri Light" charset="0"/>
+                <a:ea typeface="Calibri Light" charset="0"/>
+                <a:cs typeface="Calibri Light" charset="0"/>
+              </a:rPr>
+              <a:t>a</a:t>
+            </a:r>
+            <a:r>
+              <a:rPr lang="en-GB" sz="4400" dirty="0" smtClean="0">
+                <a:latin typeface="Calibri Light" charset="0"/>
+                <a:ea typeface="Calibri Light" charset="0"/>
+                <a:cs typeface="Calibri Light" charset="0"/>
+              </a:rPr>
+              <a:t>nd </a:t>
+            </a:r>
+            <a:r>
+              <a:rPr lang="en-GB" sz="4400" dirty="0" smtClean="0">
+                <a:solidFill>
+                  <a:srgbClr val="C00000"/>
+                </a:solidFill>
+                <a:latin typeface="Calibri Light" charset="0"/>
+                <a:ea typeface="Calibri Light" charset="0"/>
+                <a:cs typeface="Calibri Light" charset="0"/>
+              </a:rPr>
+              <a:t>a</a:t>
+            </a:r>
+            <a:r>
+              <a:rPr lang="en-GB" sz="4400" dirty="0" smtClean="0">
+                <a:latin typeface="Calibri Light" charset="0"/>
+                <a:ea typeface="Calibri Light" charset="0"/>
+                <a:cs typeface="Calibri Light" charset="0"/>
+              </a:rPr>
+              <a:t>ndroid </a:t>
+            </a:r>
+            <a:r>
+              <a:rPr lang="en-GB" sz="4400" dirty="0" smtClean="0">
+                <a:solidFill>
+                  <a:srgbClr val="C00000"/>
+                </a:solidFill>
+                <a:latin typeface="Calibri Light" charset="0"/>
+                <a:ea typeface="Calibri Light" charset="0"/>
+                <a:cs typeface="Calibri Light" charset="0"/>
+              </a:rPr>
+              <a:t>a</a:t>
+            </a:r>
+            <a:r>
+              <a:rPr lang="en-GB" sz="4400" dirty="0" smtClean="0">
+                <a:latin typeface="Calibri Light" charset="0"/>
+                <a:ea typeface="Calibri Light" charset="0"/>
+                <a:cs typeface="Calibri Light" charset="0"/>
+              </a:rPr>
+              <a:t>pp</a:t>
             </a:r>
             <a:endParaRPr lang="en-GB" sz="4400" dirty="0">
               <a:latin typeface="Calibri Light" charset="0"/>
@@ -9929,265 +10840,57 @@
       </p:sp>
       <p:sp>
         <p:nvSpPr>
-          <p:cNvPr id="19" name="Content Placeholder 3"/>
-          <p:cNvSpPr txBox="1">
-            <a:spLocks/>
-          </p:cNvSpPr>
+          <p:cNvPr id="7" name="TextBox 6"/>
+          <p:cNvSpPr txBox="1"/>
           <p:nvPr/>
         </p:nvSpPr>
         <p:spPr>
           <a:xfrm>
-            <a:off x="457191" y="4371992"/>
-            <a:ext cx="7620000" cy="1837421"/>
+            <a:off x="1201477" y="3747607"/>
+            <a:ext cx="4987232" cy="338554"/>
           </a:xfrm>
           <a:prstGeom prst="rect">
             <a:avLst/>
           </a:prstGeom>
+          <a:noFill/>
         </p:spPr>
         <p:txBody>
-          <a:bodyPr vert="horz" lIns="91440" tIns="45720" rIns="91440" bIns="45720" rtlCol="0">
-            <a:noAutofit/>
+          <a:bodyPr wrap="square" rtlCol="0">
+            <a:spAutoFit/>
           </a:bodyPr>
-          <a:lstStyle>
-            <a:lvl1pPr marL="0" indent="0" algn="l" defTabSz="914400" rtl="0" eaLnBrk="1" latinLnBrk="0" hangingPunct="1">
-              <a:spcBef>
-                <a:spcPct val="20000"/>
-              </a:spcBef>
-              <a:spcAft>
-                <a:spcPts val="600"/>
-              </a:spcAft>
-              <a:buFont typeface="Arial" pitchFamily="34" charset="0"/>
-              <a:buNone/>
-              <a:defRPr sz="2000" b="1" kern="1200">
-                <a:solidFill>
-                  <a:schemeClr val="tx1"/>
-                </a:solidFill>
-                <a:latin typeface="+mn-lt"/>
-                <a:ea typeface="+mn-ea"/>
-                <a:cs typeface="+mn-cs"/>
-              </a:defRPr>
-            </a:lvl1pPr>
-            <a:lvl2pPr marL="457200" indent="-182880" algn="l" defTabSz="914400" rtl="0" eaLnBrk="1" latinLnBrk="0" hangingPunct="1">
-              <a:spcBef>
-                <a:spcPct val="20000"/>
-              </a:spcBef>
-              <a:buClr>
-                <a:schemeClr val="tx2"/>
-              </a:buClr>
-              <a:buFont typeface="Arial" pitchFamily="34" charset="0"/>
-              <a:buChar char="•"/>
-              <a:defRPr sz="2000" kern="1200">
-                <a:solidFill>
-                  <a:schemeClr val="tx1"/>
-                </a:solidFill>
-                <a:latin typeface="+mn-lt"/>
-                <a:ea typeface="+mn-ea"/>
-                <a:cs typeface="+mn-cs"/>
-              </a:defRPr>
-            </a:lvl2pPr>
-            <a:lvl3pPr marL="1143000" indent="-228600" algn="l" defTabSz="914400" rtl="0" eaLnBrk="1" latinLnBrk="0" hangingPunct="1">
-              <a:spcBef>
-                <a:spcPct val="20000"/>
-              </a:spcBef>
-              <a:buClr>
-                <a:schemeClr val="tx2"/>
-              </a:buClr>
-              <a:buFont typeface="Arial" pitchFamily="34" charset="0"/>
-              <a:buChar char="•"/>
-              <a:defRPr sz="1800" kern="1200">
-                <a:solidFill>
-                  <a:schemeClr val="tx1"/>
-                </a:solidFill>
-                <a:latin typeface="+mn-lt"/>
-                <a:ea typeface="+mn-ea"/>
-                <a:cs typeface="+mn-cs"/>
-              </a:defRPr>
-            </a:lvl3pPr>
-            <a:lvl4pPr marL="1600200" indent="-228600" algn="l" defTabSz="914400" rtl="0" eaLnBrk="1" latinLnBrk="0" hangingPunct="1">
-              <a:spcBef>
-                <a:spcPct val="20000"/>
-              </a:spcBef>
-              <a:buClr>
-                <a:schemeClr val="tx2"/>
-              </a:buClr>
-              <a:buFont typeface="Arial" pitchFamily="34" charset="0"/>
-              <a:buChar char="•"/>
-              <a:defRPr sz="1800" kern="1200">
-                <a:solidFill>
-                  <a:schemeClr val="tx1"/>
-                </a:solidFill>
-                <a:latin typeface="+mn-lt"/>
-                <a:ea typeface="+mn-ea"/>
-                <a:cs typeface="+mn-cs"/>
-              </a:defRPr>
-            </a:lvl4pPr>
-            <a:lvl5pPr marL="2057400" indent="-228600" algn="l" defTabSz="914400" rtl="0" eaLnBrk="1" latinLnBrk="0" hangingPunct="1">
-              <a:spcBef>
-                <a:spcPct val="20000"/>
-              </a:spcBef>
-              <a:buClr>
-                <a:schemeClr val="tx2"/>
-              </a:buClr>
-              <a:buFont typeface="Arial" pitchFamily="34" charset="0"/>
-              <a:buChar char="•"/>
-              <a:defRPr sz="1800" kern="1200" baseline="0">
-                <a:solidFill>
-                  <a:schemeClr val="tx1"/>
-                </a:solidFill>
-                <a:latin typeface="+mn-lt"/>
-                <a:ea typeface="+mn-ea"/>
-                <a:cs typeface="+mn-cs"/>
-              </a:defRPr>
-            </a:lvl5pPr>
-            <a:lvl6pPr marL="2514600" indent="-228600" algn="l" defTabSz="914400" rtl="0" eaLnBrk="1" latinLnBrk="0" hangingPunct="1">
-              <a:spcBef>
-                <a:spcPct val="20000"/>
-              </a:spcBef>
-              <a:buClr>
-                <a:schemeClr val="tx2"/>
-              </a:buClr>
-              <a:buFont typeface="Arial" pitchFamily="34" charset="0"/>
-              <a:buChar char="•"/>
-              <a:defRPr sz="1600" kern="1200">
-                <a:solidFill>
-                  <a:schemeClr val="tx1"/>
-                </a:solidFill>
-                <a:latin typeface="+mn-lt"/>
-                <a:ea typeface="+mn-ea"/>
-                <a:cs typeface="+mn-cs"/>
-              </a:defRPr>
-            </a:lvl6pPr>
-            <a:lvl7pPr marL="2971800" indent="-228600" algn="l" defTabSz="914400" rtl="0" eaLnBrk="1" latinLnBrk="0" hangingPunct="1">
-              <a:spcBef>
-                <a:spcPct val="20000"/>
-              </a:spcBef>
-              <a:buClr>
-                <a:schemeClr val="tx2"/>
-              </a:buClr>
-              <a:buFont typeface="Arial" pitchFamily="34" charset="0"/>
-              <a:buChar char="•"/>
-              <a:defRPr sz="1600" kern="1200">
-                <a:solidFill>
-                  <a:schemeClr val="tx1"/>
-                </a:solidFill>
-                <a:latin typeface="+mn-lt"/>
-                <a:ea typeface="+mn-ea"/>
-                <a:cs typeface="+mn-cs"/>
-              </a:defRPr>
-            </a:lvl7pPr>
-            <a:lvl8pPr marL="3429000" indent="-228600" algn="l" defTabSz="914400" rtl="0" eaLnBrk="1" latinLnBrk="0" hangingPunct="1">
-              <a:spcBef>
-                <a:spcPct val="20000"/>
-              </a:spcBef>
-              <a:buClr>
-                <a:schemeClr val="tx2"/>
-              </a:buClr>
-              <a:buFont typeface="Arial" pitchFamily="34" charset="0"/>
-              <a:buChar char="•"/>
-              <a:defRPr sz="1600" kern="1200">
-                <a:solidFill>
-                  <a:schemeClr val="tx1"/>
-                </a:solidFill>
-                <a:latin typeface="+mn-lt"/>
-                <a:ea typeface="+mn-ea"/>
-                <a:cs typeface="+mn-cs"/>
-              </a:defRPr>
-            </a:lvl8pPr>
-            <a:lvl9pPr marL="3886200" indent="-228600" algn="l" defTabSz="914400" rtl="0" eaLnBrk="1" latinLnBrk="0" hangingPunct="1">
-              <a:spcBef>
-                <a:spcPct val="20000"/>
-              </a:spcBef>
-              <a:buClr>
-                <a:schemeClr val="tx2"/>
-              </a:buClr>
-              <a:buFont typeface="Arial" pitchFamily="34" charset="0"/>
-              <a:buChar char="•"/>
-              <a:defRPr sz="1600" kern="1200">
-                <a:solidFill>
-                  <a:schemeClr val="tx1"/>
-                </a:solidFill>
-                <a:latin typeface="+mn-lt"/>
-                <a:ea typeface="+mn-ea"/>
-                <a:cs typeface="+mn-cs"/>
-              </a:defRPr>
-            </a:lvl9pPr>
-          </a:lstStyle>
-          <a:p>
-            <a:pPr marL="285750" indent="-285750">
-              <a:buFont typeface="Arial"/>
-              <a:buChar char="•"/>
-            </a:pPr>
-            <a:r>
-              <a:rPr lang="en-US" b="0" dirty="0" smtClean="0">
-                <a:latin typeface="Calibri" charset="0"/>
-                <a:ea typeface="Calibri" charset="0"/>
-                <a:cs typeface="Calibri" charset="0"/>
-              </a:rPr>
-              <a:t>Once inside .profile</a:t>
-            </a:r>
-          </a:p>
-          <a:p>
-            <a:pPr marL="742950" lvl="1" indent="-285750">
-              <a:buFont typeface="Arial"/>
-              <a:buChar char="•"/>
-            </a:pPr>
-            <a:r>
-              <a:rPr lang="en-US" dirty="0" smtClean="0">
-                <a:latin typeface="Calibri" charset="0"/>
-                <a:ea typeface="Calibri" charset="0"/>
-                <a:cs typeface="Calibri" charset="0"/>
-              </a:rPr>
-              <a:t>Change ROS_MASTER_IP as the IP address of your workstation. T</a:t>
-            </a:r>
-            <a:r>
-              <a:rPr lang="en-US" b="0" dirty="0" smtClean="0">
-                <a:latin typeface="Calibri" charset="0"/>
-                <a:ea typeface="Calibri" charset="0"/>
-                <a:cs typeface="Calibri" charset="0"/>
-              </a:rPr>
-              <a:t>o check the IP address of your workstation open a new </a:t>
-            </a:r>
-            <a:r>
-              <a:rPr lang="en-US" dirty="0">
-                <a:latin typeface="Calibri" charset="0"/>
-                <a:ea typeface="Calibri" charset="0"/>
-                <a:cs typeface="Calibri" charset="0"/>
-              </a:rPr>
-              <a:t>terminal window and  type </a:t>
-            </a:r>
-            <a:r>
-              <a:rPr lang="en-US" dirty="0" smtClean="0">
-                <a:latin typeface="Calibri" charset="0"/>
-                <a:ea typeface="Calibri" charset="0"/>
-                <a:cs typeface="Calibri" charset="0"/>
-              </a:rPr>
-              <a:t>in:</a:t>
-            </a:r>
-            <a:endParaRPr lang="en-US" b="0" dirty="0" smtClean="0">
-              <a:latin typeface="Calibri" charset="0"/>
-              <a:ea typeface="Calibri" charset="0"/>
-              <a:cs typeface="Calibri" charset="0"/>
-            </a:endParaRPr>
-          </a:p>
-          <a:p>
-            <a:pPr lvl="1" indent="0">
-              <a:buNone/>
-            </a:pPr>
-            <a:r>
-              <a:rPr lang="en-US" sz="1600" dirty="0">
-                <a:latin typeface="Apple Symbols" charset="0"/>
-                <a:ea typeface="Apple Symbols" charset="0"/>
-                <a:cs typeface="Apple Symbols" charset="0"/>
-              </a:rPr>
-              <a:t> </a:t>
-            </a:r>
+          <a:lstStyle/>
+          <a:p>
             <a:r>
               <a:rPr lang="en-US" sz="1600" dirty="0" smtClean="0">
                 <a:latin typeface="Apple Symbols" charset="0"/>
                 <a:ea typeface="Apple Symbols" charset="0"/>
                 <a:cs typeface="Apple Symbols" charset="0"/>
               </a:rPr>
-              <a:t>   $ </a:t>
+              <a:t>$ </a:t>
+            </a:r>
+            <a:r>
+              <a:rPr lang="pt-BR" sz="1600" dirty="0" err="1">
+                <a:latin typeface="Apple Symbols" charset="0"/>
+                <a:ea typeface="Apple Symbols" charset="0"/>
+                <a:cs typeface="Apple Symbols" charset="0"/>
+              </a:rPr>
+              <a:t>sudo</a:t>
+            </a:r>
+            <a:r>
+              <a:rPr lang="pt-BR" sz="1600" dirty="0">
+                <a:latin typeface="Apple Symbols" charset="0"/>
+                <a:ea typeface="Apple Symbols" charset="0"/>
+                <a:cs typeface="Apple Symbols" charset="0"/>
+              </a:rPr>
+              <a:t> nano </a:t>
+            </a:r>
+            <a:r>
+              <a:rPr lang="pt-BR" sz="1600" dirty="0" smtClean="0">
+                <a:latin typeface="Apple Symbols" charset="0"/>
+                <a:ea typeface="Apple Symbols" charset="0"/>
+                <a:cs typeface="Apple Symbols" charset="0"/>
+              </a:rPr>
+              <a:t>~/.</a:t>
             </a:r>
             <a:r>
               <a:rPr lang="pt-BR" sz="1600" dirty="0" err="1" smtClean="0">
@@ -10195,12 +10898,20 @@
                 <a:ea typeface="Apple Symbols" charset="0"/>
                 <a:cs typeface="Apple Symbols" charset="0"/>
               </a:rPr>
-              <a:t>ifconfig</a:t>
-            </a:r>
-            <a:endParaRPr lang="en-US" b="0" dirty="0" smtClean="0">
-              <a:latin typeface="Calibri" charset="0"/>
-              <a:ea typeface="Calibri" charset="0"/>
-              <a:cs typeface="Calibri" charset="0"/>
+              <a:t>bashrc</a:t>
+            </a:r>
+            <a:r>
+              <a:rPr lang="pt-BR" sz="1600" dirty="0" smtClean="0">
+                <a:latin typeface="Apple Symbols" charset="0"/>
+                <a:ea typeface="Apple Symbols" charset="0"/>
+                <a:cs typeface="Apple Symbols" charset="0"/>
+              </a:rPr>
+              <a:t> </a:t>
+            </a:r>
+            <a:endParaRPr lang="en-US" sz="1600" dirty="0" smtClean="0">
+              <a:latin typeface="Apple Symbols" charset="0"/>
+              <a:ea typeface="Apple Symbols" charset="0"/>
+              <a:cs typeface="Apple Symbols" charset="0"/>
             </a:endParaRPr>
           </a:p>
         </p:txBody>
@@ -10208,7 +10919,7 @@
     </p:spTree>
     <p:extLst>
       <p:ext uri="{BB962C8B-B14F-4D97-AF65-F5344CB8AC3E}">
-        <p14:creationId xmlns:p14="http://schemas.microsoft.com/office/powerpoint/2010/main" val="3852826494"/>
+        <p14:creationId xmlns:p14="http://schemas.microsoft.com/office/powerpoint/2010/main" val="2553385727"/>
       </p:ext>
     </p:extLst>
   </p:cSld>
